--- a/documents/presentations/SLT project - Data Engineering Flow.pptx
+++ b/documents/presentations/SLT project - Data Engineering Flow.pptx
@@ -59,23 +59,27 @@
     <p:sldId id="304" r:id="rId54"/>
     <p:sldId id="305" r:id="rId55"/>
     <p:sldId id="306" r:id="rId56"/>
+    <p:sldId id="307" r:id="rId57"/>
+    <p:sldId id="308" r:id="rId58"/>
+    <p:sldId id="309" r:id="rId59"/>
+    <p:sldId id="310" r:id="rId60"/>
   </p:sldIdLst>
   <p:sldSz cy="5143500" cx="9144000"/>
   <p:notesSz cx="6858000" cy="9144000"/>
   <p:embeddedFontLst>
     <p:embeddedFont>
       <p:font typeface="Raleway"/>
-      <p:regular r:id="rId57"/>
-      <p:bold r:id="rId58"/>
-      <p:italic r:id="rId59"/>
-      <p:boldItalic r:id="rId60"/>
-    </p:embeddedFont>
-    <p:embeddedFont>
-      <p:font typeface="Lato"/>
       <p:regular r:id="rId61"/>
       <p:bold r:id="rId62"/>
       <p:italic r:id="rId63"/>
       <p:boldItalic r:id="rId64"/>
+    </p:embeddedFont>
+    <p:embeddedFont>
+      <p:font typeface="Lato"/>
+      <p:regular r:id="rId65"/>
+      <p:bold r:id="rId66"/>
+      <p:italic r:id="rId67"/>
+      <p:boldItalic r:id="rId68"/>
     </p:embeddedFont>
   </p:embeddedFontLst>
   <p:defaultTextStyle>
@@ -856,7 +860,7 @@
   <p:cSld>
     <p:spTree>
       <p:nvGrpSpPr>
-        <p:cNvPr id="152" name="Shape 152"/>
+        <p:cNvPr id="151" name="Shape 151"/>
         <p:cNvGrpSpPr/>
         <p:nvPr/>
       </p:nvGrpSpPr>
@@ -870,7 +874,7 @@
       </p:grpSpPr>
       <p:sp>
         <p:nvSpPr>
-          <p:cNvPr id="153" name="Google Shape;153;gdd34e4ffd5_0_84:notes"/>
+          <p:cNvPr id="152" name="Google Shape;152;gdd34e4ffd5_0_84:notes"/>
           <p:cNvSpPr/>
           <p:nvPr>
             <p:ph idx="2" type="sldImg"/>
@@ -905,7 +909,7 @@
       </p:sp>
       <p:sp>
         <p:nvSpPr>
-          <p:cNvPr id="154" name="Google Shape;154;gdd34e4ffd5_0_84:notes"/>
+          <p:cNvPr id="153" name="Google Shape;153;gdd34e4ffd5_0_84:notes"/>
           <p:cNvSpPr txBox="1"/>
           <p:nvPr>
             <p:ph idx="1" type="body"/>
@@ -955,7 +959,7 @@
   <p:cSld>
     <p:spTree>
       <p:nvGrpSpPr>
-        <p:cNvPr id="158" name="Shape 158"/>
+        <p:cNvPr id="157" name="Shape 157"/>
         <p:cNvGrpSpPr/>
         <p:nvPr/>
       </p:nvGrpSpPr>
@@ -969,7 +973,7 @@
       </p:grpSpPr>
       <p:sp>
         <p:nvSpPr>
-          <p:cNvPr id="159" name="Google Shape;159;gdd34e4ffd5_0_91:notes"/>
+          <p:cNvPr id="158" name="Google Shape;158;gdd34e4ffd5_0_91:notes"/>
           <p:cNvSpPr/>
           <p:nvPr>
             <p:ph idx="2" type="sldImg"/>
@@ -1004,7 +1008,7 @@
       </p:sp>
       <p:sp>
         <p:nvSpPr>
-          <p:cNvPr id="160" name="Google Shape;160;gdd34e4ffd5_0_91:notes"/>
+          <p:cNvPr id="159" name="Google Shape;159;gdd34e4ffd5_0_91:notes"/>
           <p:cNvSpPr txBox="1"/>
           <p:nvPr>
             <p:ph idx="1" type="body"/>
@@ -1054,7 +1058,7 @@
   <p:cSld>
     <p:spTree>
       <p:nvGrpSpPr>
-        <p:cNvPr id="165" name="Shape 165"/>
+        <p:cNvPr id="164" name="Shape 164"/>
         <p:cNvGrpSpPr/>
         <p:nvPr/>
       </p:nvGrpSpPr>
@@ -1068,7 +1072,7 @@
       </p:grpSpPr>
       <p:sp>
         <p:nvSpPr>
-          <p:cNvPr id="166" name="Google Shape;166;gdd34e4ffd5_0_99:notes"/>
+          <p:cNvPr id="165" name="Google Shape;165;gdd34e4ffd5_0_99:notes"/>
           <p:cNvSpPr/>
           <p:nvPr>
             <p:ph idx="2" type="sldImg"/>
@@ -1103,7 +1107,7 @@
       </p:sp>
       <p:sp>
         <p:nvSpPr>
-          <p:cNvPr id="167" name="Google Shape;167;gdd34e4ffd5_0_99:notes"/>
+          <p:cNvPr id="166" name="Google Shape;166;gdd34e4ffd5_0_99:notes"/>
           <p:cNvSpPr txBox="1"/>
           <p:nvPr>
             <p:ph idx="1" type="body"/>
@@ -1153,7 +1157,7 @@
   <p:cSld>
     <p:spTree>
       <p:nvGrpSpPr>
-        <p:cNvPr id="171" name="Shape 171"/>
+        <p:cNvPr id="170" name="Shape 170"/>
         <p:cNvGrpSpPr/>
         <p:nvPr/>
       </p:nvGrpSpPr>
@@ -1167,7 +1171,7 @@
       </p:grpSpPr>
       <p:sp>
         <p:nvSpPr>
-          <p:cNvPr id="172" name="Google Shape;172;gdd34e4ffd5_0_107:notes"/>
+          <p:cNvPr id="171" name="Google Shape;171;gdd34e4ffd5_0_107:notes"/>
           <p:cNvSpPr/>
           <p:nvPr>
             <p:ph idx="2" type="sldImg"/>
@@ -1202,7 +1206,7 @@
       </p:sp>
       <p:sp>
         <p:nvSpPr>
-          <p:cNvPr id="173" name="Google Shape;173;gdd34e4ffd5_0_107:notes"/>
+          <p:cNvPr id="172" name="Google Shape;172;gdd34e4ffd5_0_107:notes"/>
           <p:cNvSpPr txBox="1"/>
           <p:nvPr>
             <p:ph idx="1" type="body"/>
@@ -1252,7 +1256,7 @@
   <p:cSld>
     <p:spTree>
       <p:nvGrpSpPr>
-        <p:cNvPr id="183" name="Shape 183"/>
+        <p:cNvPr id="182" name="Shape 182"/>
         <p:cNvGrpSpPr/>
         <p:nvPr/>
       </p:nvGrpSpPr>
@@ -1266,7 +1270,7 @@
       </p:grpSpPr>
       <p:sp>
         <p:nvSpPr>
-          <p:cNvPr id="184" name="Google Shape;184;gdd34e4ffd5_0_120:notes"/>
+          <p:cNvPr id="183" name="Google Shape;183;gdd34e4ffd5_0_120:notes"/>
           <p:cNvSpPr/>
           <p:nvPr>
             <p:ph idx="2" type="sldImg"/>
@@ -1301,7 +1305,7 @@
       </p:sp>
       <p:sp>
         <p:nvSpPr>
-          <p:cNvPr id="185" name="Google Shape;185;gdd34e4ffd5_0_120:notes"/>
+          <p:cNvPr id="184" name="Google Shape;184;gdd34e4ffd5_0_120:notes"/>
           <p:cNvSpPr txBox="1"/>
           <p:nvPr>
             <p:ph idx="1" type="body"/>
@@ -1351,7 +1355,7 @@
   <p:cSld>
     <p:spTree>
       <p:nvGrpSpPr>
-        <p:cNvPr id="191" name="Shape 191"/>
+        <p:cNvPr id="190" name="Shape 190"/>
         <p:cNvGrpSpPr/>
         <p:nvPr/>
       </p:nvGrpSpPr>
@@ -1365,7 +1369,7 @@
       </p:grpSpPr>
       <p:sp>
         <p:nvSpPr>
-          <p:cNvPr id="192" name="Google Shape;192;gdd34e4ffd5_0_133:notes"/>
+          <p:cNvPr id="191" name="Google Shape;191;gdd34e4ffd5_0_133:notes"/>
           <p:cNvSpPr/>
           <p:nvPr>
             <p:ph idx="2" type="sldImg"/>
@@ -1400,7 +1404,7 @@
       </p:sp>
       <p:sp>
         <p:nvSpPr>
-          <p:cNvPr id="193" name="Google Shape;193;gdd34e4ffd5_0_133:notes"/>
+          <p:cNvPr id="192" name="Google Shape;192;gdd34e4ffd5_0_133:notes"/>
           <p:cNvSpPr txBox="1"/>
           <p:nvPr>
             <p:ph idx="1" type="body"/>
@@ -1450,7 +1454,7 @@
   <p:cSld>
     <p:spTree>
       <p:nvGrpSpPr>
-        <p:cNvPr id="198" name="Shape 198"/>
+        <p:cNvPr id="197" name="Shape 197"/>
         <p:cNvGrpSpPr/>
         <p:nvPr/>
       </p:nvGrpSpPr>
@@ -1464,7 +1468,7 @@
       </p:grpSpPr>
       <p:sp>
         <p:nvSpPr>
-          <p:cNvPr id="199" name="Google Shape;199;gdd34e4ffd5_0_143:notes"/>
+          <p:cNvPr id="198" name="Google Shape;198;gdd34e4ffd5_0_143:notes"/>
           <p:cNvSpPr/>
           <p:nvPr>
             <p:ph idx="2" type="sldImg"/>
@@ -1499,7 +1503,7 @@
       </p:sp>
       <p:sp>
         <p:nvSpPr>
-          <p:cNvPr id="200" name="Google Shape;200;gdd34e4ffd5_0_143:notes"/>
+          <p:cNvPr id="199" name="Google Shape;199;gdd34e4ffd5_0_143:notes"/>
           <p:cNvSpPr txBox="1"/>
           <p:nvPr>
             <p:ph idx="1" type="body"/>
@@ -1549,7 +1553,7 @@
   <p:cSld>
     <p:spTree>
       <p:nvGrpSpPr>
-        <p:cNvPr id="206" name="Shape 206"/>
+        <p:cNvPr id="205" name="Shape 205"/>
         <p:cNvGrpSpPr/>
         <p:nvPr/>
       </p:nvGrpSpPr>
@@ -1563,7 +1567,7 @@
       </p:grpSpPr>
       <p:sp>
         <p:nvSpPr>
-          <p:cNvPr id="207" name="Google Shape;207;gdd34e4ffd5_0_150:notes"/>
+          <p:cNvPr id="206" name="Google Shape;206;gdd34e4ffd5_0_150:notes"/>
           <p:cNvSpPr/>
           <p:nvPr>
             <p:ph idx="2" type="sldImg"/>
@@ -1598,7 +1602,7 @@
       </p:sp>
       <p:sp>
         <p:nvSpPr>
-          <p:cNvPr id="208" name="Google Shape;208;gdd34e4ffd5_0_150:notes"/>
+          <p:cNvPr id="207" name="Google Shape;207;gdd34e4ffd5_0_150:notes"/>
           <p:cNvSpPr txBox="1"/>
           <p:nvPr>
             <p:ph idx="1" type="body"/>
@@ -1648,7 +1652,7 @@
   <p:cSld>
     <p:spTree>
       <p:nvGrpSpPr>
-        <p:cNvPr id="212" name="Shape 212"/>
+        <p:cNvPr id="211" name="Shape 211"/>
         <p:cNvGrpSpPr/>
         <p:nvPr/>
       </p:nvGrpSpPr>
@@ -1662,7 +1666,7 @@
       </p:grpSpPr>
       <p:sp>
         <p:nvSpPr>
-          <p:cNvPr id="213" name="Google Shape;213;gdd34e4ffd5_0_155:notes"/>
+          <p:cNvPr id="212" name="Google Shape;212;gdd34e4ffd5_0_155:notes"/>
           <p:cNvSpPr/>
           <p:nvPr>
             <p:ph idx="2" type="sldImg"/>
@@ -1697,7 +1701,7 @@
       </p:sp>
       <p:sp>
         <p:nvSpPr>
-          <p:cNvPr id="214" name="Google Shape;214;gdd34e4ffd5_0_155:notes"/>
+          <p:cNvPr id="213" name="Google Shape;213;gdd34e4ffd5_0_155:notes"/>
           <p:cNvSpPr txBox="1"/>
           <p:nvPr>
             <p:ph idx="1" type="body"/>
@@ -1747,7 +1751,7 @@
   <p:cSld>
     <p:spTree>
       <p:nvGrpSpPr>
-        <p:cNvPr id="218" name="Shape 218"/>
+        <p:cNvPr id="217" name="Shape 217"/>
         <p:cNvGrpSpPr/>
         <p:nvPr/>
       </p:nvGrpSpPr>
@@ -1761,7 +1765,7 @@
       </p:grpSpPr>
       <p:sp>
         <p:nvSpPr>
-          <p:cNvPr id="219" name="Google Shape;219;gdd34e4ffd5_0_160:notes"/>
+          <p:cNvPr id="218" name="Google Shape;218;gdd34e4ffd5_0_160:notes"/>
           <p:cNvSpPr/>
           <p:nvPr>
             <p:ph idx="2" type="sldImg"/>
@@ -1796,7 +1800,7 @@
       </p:sp>
       <p:sp>
         <p:nvSpPr>
-          <p:cNvPr id="220" name="Google Shape;220;gdd34e4ffd5_0_160:notes"/>
+          <p:cNvPr id="219" name="Google Shape;219;gdd34e4ffd5_0_160:notes"/>
           <p:cNvSpPr txBox="1"/>
           <p:nvPr>
             <p:ph idx="1" type="body"/>
@@ -1945,7 +1949,7 @@
   <p:cSld>
     <p:spTree>
       <p:nvGrpSpPr>
-        <p:cNvPr id="228" name="Shape 228"/>
+        <p:cNvPr id="227" name="Shape 227"/>
         <p:cNvGrpSpPr/>
         <p:nvPr/>
       </p:nvGrpSpPr>
@@ -1959,7 +1963,7 @@
       </p:grpSpPr>
       <p:sp>
         <p:nvSpPr>
-          <p:cNvPr id="229" name="Google Shape;229;gdd34e4ffd5_0_167:notes"/>
+          <p:cNvPr id="228" name="Google Shape;228;gdd34e4ffd5_0_167:notes"/>
           <p:cNvSpPr/>
           <p:nvPr>
             <p:ph idx="2" type="sldImg"/>
@@ -1994,7 +1998,7 @@
       </p:sp>
       <p:sp>
         <p:nvSpPr>
-          <p:cNvPr id="230" name="Google Shape;230;gdd34e4ffd5_0_167:notes"/>
+          <p:cNvPr id="229" name="Google Shape;229;gdd34e4ffd5_0_167:notes"/>
           <p:cNvSpPr txBox="1"/>
           <p:nvPr>
             <p:ph idx="1" type="body"/>
@@ -2044,7 +2048,7 @@
   <p:cSld>
     <p:spTree>
       <p:nvGrpSpPr>
-        <p:cNvPr id="240" name="Shape 240"/>
+        <p:cNvPr id="239" name="Shape 239"/>
         <p:cNvGrpSpPr/>
         <p:nvPr/>
       </p:nvGrpSpPr>
@@ -2058,7 +2062,7 @@
       </p:grpSpPr>
       <p:sp>
         <p:nvSpPr>
-          <p:cNvPr id="241" name="Google Shape;241;gdd34e4ffd5_0_179:notes"/>
+          <p:cNvPr id="240" name="Google Shape;240;gdd34e4ffd5_0_179:notes"/>
           <p:cNvSpPr/>
           <p:nvPr>
             <p:ph idx="2" type="sldImg"/>
@@ -2093,7 +2097,7 @@
       </p:sp>
       <p:sp>
         <p:nvSpPr>
-          <p:cNvPr id="242" name="Google Shape;242;gdd34e4ffd5_0_179:notes"/>
+          <p:cNvPr id="241" name="Google Shape;241;gdd34e4ffd5_0_179:notes"/>
           <p:cNvSpPr txBox="1"/>
           <p:nvPr>
             <p:ph idx="1" type="body"/>
@@ -2143,7 +2147,7 @@
   <p:cSld>
     <p:spTree>
       <p:nvGrpSpPr>
-        <p:cNvPr id="248" name="Shape 248"/>
+        <p:cNvPr id="246" name="Shape 246"/>
         <p:cNvGrpSpPr/>
         <p:nvPr/>
       </p:nvGrpSpPr>
@@ -2157,7 +2161,7 @@
       </p:grpSpPr>
       <p:sp>
         <p:nvSpPr>
-          <p:cNvPr id="249" name="Google Shape;249;gdd34e4ffd5_0_215:notes"/>
+          <p:cNvPr id="247" name="Google Shape;247;gdd34e4ffd5_0_215:notes"/>
           <p:cNvSpPr/>
           <p:nvPr>
             <p:ph idx="2" type="sldImg"/>
@@ -2192,7 +2196,7 @@
       </p:sp>
       <p:sp>
         <p:nvSpPr>
-          <p:cNvPr id="250" name="Google Shape;250;gdd34e4ffd5_0_215:notes"/>
+          <p:cNvPr id="248" name="Google Shape;248;gdd34e4ffd5_0_215:notes"/>
           <p:cNvSpPr txBox="1"/>
           <p:nvPr>
             <p:ph idx="1" type="body"/>
@@ -2242,7 +2246,7 @@
   <p:cSld>
     <p:spTree>
       <p:nvGrpSpPr>
-        <p:cNvPr id="260" name="Shape 260"/>
+        <p:cNvPr id="258" name="Shape 258"/>
         <p:cNvGrpSpPr/>
         <p:nvPr/>
       </p:nvGrpSpPr>
@@ -2256,7 +2260,7 @@
       </p:grpSpPr>
       <p:sp>
         <p:nvSpPr>
-          <p:cNvPr id="261" name="Google Shape;261;gdd34e4ffd5_0_226:notes"/>
+          <p:cNvPr id="259" name="Google Shape;259;gdd34e4ffd5_0_226:notes"/>
           <p:cNvSpPr/>
           <p:nvPr>
             <p:ph idx="2" type="sldImg"/>
@@ -2291,7 +2295,7 @@
       </p:sp>
       <p:sp>
         <p:nvSpPr>
-          <p:cNvPr id="262" name="Google Shape;262;gdd34e4ffd5_0_226:notes"/>
+          <p:cNvPr id="260" name="Google Shape;260;gdd34e4ffd5_0_226:notes"/>
           <p:cNvSpPr txBox="1"/>
           <p:nvPr>
             <p:ph idx="1" type="body"/>
@@ -2341,7 +2345,7 @@
   <p:cSld>
     <p:spTree>
       <p:nvGrpSpPr>
-        <p:cNvPr id="268" name="Shape 268"/>
+        <p:cNvPr id="266" name="Shape 266"/>
         <p:cNvGrpSpPr/>
         <p:nvPr/>
       </p:nvGrpSpPr>
@@ -2355,7 +2359,7 @@
       </p:grpSpPr>
       <p:sp>
         <p:nvSpPr>
-          <p:cNvPr id="269" name="Google Shape;269;gdd34e4ffd5_0_233:notes"/>
+          <p:cNvPr id="267" name="Google Shape;267;gdd34e4ffd5_0_233:notes"/>
           <p:cNvSpPr/>
           <p:nvPr>
             <p:ph idx="2" type="sldImg"/>
@@ -2390,7 +2394,7 @@
       </p:sp>
       <p:sp>
         <p:nvSpPr>
-          <p:cNvPr id="270" name="Google Shape;270;gdd34e4ffd5_0_233:notes"/>
+          <p:cNvPr id="268" name="Google Shape;268;gdd34e4ffd5_0_233:notes"/>
           <p:cNvSpPr txBox="1"/>
           <p:nvPr>
             <p:ph idx="1" type="body"/>
@@ -2440,7 +2444,7 @@
   <p:cSld>
     <p:spTree>
       <p:nvGrpSpPr>
-        <p:cNvPr id="275" name="Shape 275"/>
+        <p:cNvPr id="273" name="Shape 273"/>
         <p:cNvGrpSpPr/>
         <p:nvPr/>
       </p:nvGrpSpPr>
@@ -2454,7 +2458,7 @@
       </p:grpSpPr>
       <p:sp>
         <p:nvSpPr>
-          <p:cNvPr id="276" name="Google Shape;276;gdd34e4ffd5_0_263:notes"/>
+          <p:cNvPr id="274" name="Google Shape;274;gdd34e4ffd5_0_263:notes"/>
           <p:cNvSpPr/>
           <p:nvPr>
             <p:ph idx="2" type="sldImg"/>
@@ -2489,7 +2493,7 @@
       </p:sp>
       <p:sp>
         <p:nvSpPr>
-          <p:cNvPr id="277" name="Google Shape;277;gdd34e4ffd5_0_263:notes"/>
+          <p:cNvPr id="275" name="Google Shape;275;gdd34e4ffd5_0_263:notes"/>
           <p:cNvSpPr txBox="1"/>
           <p:nvPr>
             <p:ph idx="1" type="body"/>
@@ -2539,7 +2543,7 @@
   <p:cSld>
     <p:spTree>
       <p:nvGrpSpPr>
-        <p:cNvPr id="282" name="Shape 282"/>
+        <p:cNvPr id="280" name="Shape 280"/>
         <p:cNvGrpSpPr/>
         <p:nvPr/>
       </p:nvGrpSpPr>
@@ -2553,7 +2557,7 @@
       </p:grpSpPr>
       <p:sp>
         <p:nvSpPr>
-          <p:cNvPr id="283" name="Google Shape;283;gdd34e4ffd5_0_270:notes"/>
+          <p:cNvPr id="281" name="Google Shape;281;gdd34e4ffd5_0_270:notes"/>
           <p:cNvSpPr/>
           <p:nvPr>
             <p:ph idx="2" type="sldImg"/>
@@ -2588,7 +2592,7 @@
       </p:sp>
       <p:sp>
         <p:nvSpPr>
-          <p:cNvPr id="284" name="Google Shape;284;gdd34e4ffd5_0_270:notes"/>
+          <p:cNvPr id="282" name="Google Shape;282;gdd34e4ffd5_0_270:notes"/>
           <p:cNvSpPr txBox="1"/>
           <p:nvPr>
             <p:ph idx="1" type="body"/>
@@ -2638,7 +2642,7 @@
   <p:cSld>
     <p:spTree>
       <p:nvGrpSpPr>
-        <p:cNvPr id="288" name="Shape 288"/>
+        <p:cNvPr id="286" name="Shape 286"/>
         <p:cNvGrpSpPr/>
         <p:nvPr/>
       </p:nvGrpSpPr>
@@ -2652,7 +2656,7 @@
       </p:grpSpPr>
       <p:sp>
         <p:nvSpPr>
-          <p:cNvPr id="289" name="Google Shape;289;gdd34e4ffd5_0_275:notes"/>
+          <p:cNvPr id="287" name="Google Shape;287;gdd34e4ffd5_0_275:notes"/>
           <p:cNvSpPr/>
           <p:nvPr>
             <p:ph idx="2" type="sldImg"/>
@@ -2687,7 +2691,7 @@
       </p:sp>
       <p:sp>
         <p:nvSpPr>
-          <p:cNvPr id="290" name="Google Shape;290;gdd34e4ffd5_0_275:notes"/>
+          <p:cNvPr id="288" name="Google Shape;288;gdd34e4ffd5_0_275:notes"/>
           <p:cNvSpPr txBox="1"/>
           <p:nvPr>
             <p:ph idx="1" type="body"/>
@@ -2737,7 +2741,7 @@
   <p:cSld>
     <p:spTree>
       <p:nvGrpSpPr>
-        <p:cNvPr id="294" name="Shape 294"/>
+        <p:cNvPr id="292" name="Shape 292"/>
         <p:cNvGrpSpPr/>
         <p:nvPr/>
       </p:nvGrpSpPr>
@@ -2751,7 +2755,7 @@
       </p:grpSpPr>
       <p:sp>
         <p:nvSpPr>
-          <p:cNvPr id="295" name="Google Shape;295;gdd34e4ffd5_0_280:notes"/>
+          <p:cNvPr id="293" name="Google Shape;293;gdd34e4ffd5_0_280:notes"/>
           <p:cNvSpPr/>
           <p:nvPr>
             <p:ph idx="2" type="sldImg"/>
@@ -2786,7 +2790,7 @@
       </p:sp>
       <p:sp>
         <p:nvSpPr>
-          <p:cNvPr id="296" name="Google Shape;296;gdd34e4ffd5_0_280:notes"/>
+          <p:cNvPr id="294" name="Google Shape;294;gdd34e4ffd5_0_280:notes"/>
           <p:cNvSpPr txBox="1"/>
           <p:nvPr>
             <p:ph idx="1" type="body"/>
@@ -2836,7 +2840,7 @@
   <p:cSld>
     <p:spTree>
       <p:nvGrpSpPr>
-        <p:cNvPr id="300" name="Shape 300"/>
+        <p:cNvPr id="298" name="Shape 298"/>
         <p:cNvGrpSpPr/>
         <p:nvPr/>
       </p:nvGrpSpPr>
@@ -2850,7 +2854,7 @@
       </p:grpSpPr>
       <p:sp>
         <p:nvSpPr>
-          <p:cNvPr id="301" name="Google Shape;301;gdd34e4ffd5_0_338:notes"/>
+          <p:cNvPr id="299" name="Google Shape;299;gdd34e4ffd5_0_338:notes"/>
           <p:cNvSpPr/>
           <p:nvPr>
             <p:ph idx="2" type="sldImg"/>
@@ -2885,7 +2889,7 @@
       </p:sp>
       <p:sp>
         <p:nvSpPr>
-          <p:cNvPr id="302" name="Google Shape;302;gdd34e4ffd5_0_338:notes"/>
+          <p:cNvPr id="300" name="Google Shape;300;gdd34e4ffd5_0_338:notes"/>
           <p:cNvSpPr txBox="1"/>
           <p:nvPr>
             <p:ph idx="1" type="body"/>
@@ -3034,7 +3038,7 @@
   <p:cSld>
     <p:spTree>
       <p:nvGrpSpPr>
-        <p:cNvPr id="307" name="Shape 307"/>
+        <p:cNvPr id="305" name="Shape 305"/>
         <p:cNvGrpSpPr/>
         <p:nvPr/>
       </p:nvGrpSpPr>
@@ -3048,7 +3052,7 @@
       </p:grpSpPr>
       <p:sp>
         <p:nvSpPr>
-          <p:cNvPr id="308" name="Google Shape;308;gdd34e4ffd5_0_289:notes"/>
+          <p:cNvPr id="306" name="Google Shape;306;gdd34e4ffd5_0_289:notes"/>
           <p:cNvSpPr/>
           <p:nvPr>
             <p:ph idx="2" type="sldImg"/>
@@ -3083,7 +3087,7 @@
       </p:sp>
       <p:sp>
         <p:nvSpPr>
-          <p:cNvPr id="309" name="Google Shape;309;gdd34e4ffd5_0_289:notes"/>
+          <p:cNvPr id="307" name="Google Shape;307;gdd34e4ffd5_0_289:notes"/>
           <p:cNvSpPr txBox="1"/>
           <p:nvPr>
             <p:ph idx="1" type="body"/>
@@ -3133,7 +3137,7 @@
   <p:cSld>
     <p:spTree>
       <p:nvGrpSpPr>
-        <p:cNvPr id="319" name="Shape 319"/>
+        <p:cNvPr id="317" name="Shape 317"/>
         <p:cNvGrpSpPr/>
         <p:nvPr/>
       </p:nvGrpSpPr>
@@ -3147,7 +3151,7 @@
       </p:grpSpPr>
       <p:sp>
         <p:nvSpPr>
-          <p:cNvPr id="320" name="Google Shape;320;gdd34e4ffd5_0_300:notes"/>
+          <p:cNvPr id="318" name="Google Shape;318;gdd34e4ffd5_0_300:notes"/>
           <p:cNvSpPr/>
           <p:nvPr>
             <p:ph idx="2" type="sldImg"/>
@@ -3182,7 +3186,7 @@
       </p:sp>
       <p:sp>
         <p:nvSpPr>
-          <p:cNvPr id="321" name="Google Shape;321;gdd34e4ffd5_0_300:notes"/>
+          <p:cNvPr id="319" name="Google Shape;319;gdd34e4ffd5_0_300:notes"/>
           <p:cNvSpPr txBox="1"/>
           <p:nvPr>
             <p:ph idx="1" type="body"/>
@@ -3232,7 +3236,7 @@
   <p:cSld>
     <p:spTree>
       <p:nvGrpSpPr>
-        <p:cNvPr id="327" name="Shape 327"/>
+        <p:cNvPr id="324" name="Shape 324"/>
         <p:cNvGrpSpPr/>
         <p:nvPr/>
       </p:nvGrpSpPr>
@@ -3246,7 +3250,7 @@
       </p:grpSpPr>
       <p:sp>
         <p:nvSpPr>
-          <p:cNvPr id="328" name="Google Shape;328;gdd34e4ffd5_0_307:notes"/>
+          <p:cNvPr id="325" name="Google Shape;325;gdd34e4ffd5_0_307:notes"/>
           <p:cNvSpPr/>
           <p:nvPr>
             <p:ph idx="2" type="sldImg"/>
@@ -3281,7 +3285,7 @@
       </p:sp>
       <p:sp>
         <p:nvSpPr>
-          <p:cNvPr id="329" name="Google Shape;329;gdd34e4ffd5_0_307:notes"/>
+          <p:cNvPr id="326" name="Google Shape;326;gdd34e4ffd5_0_307:notes"/>
           <p:cNvSpPr txBox="1"/>
           <p:nvPr>
             <p:ph idx="1" type="body"/>
@@ -3331,7 +3335,7 @@
   <p:cSld>
     <p:spTree>
       <p:nvGrpSpPr>
-        <p:cNvPr id="339" name="Shape 339"/>
+        <p:cNvPr id="336" name="Shape 336"/>
         <p:cNvGrpSpPr/>
         <p:nvPr/>
       </p:nvGrpSpPr>
@@ -3345,7 +3349,7 @@
       </p:grpSpPr>
       <p:sp>
         <p:nvSpPr>
-          <p:cNvPr id="340" name="Google Shape;340;gdd34e4ffd5_0_318:notes"/>
+          <p:cNvPr id="337" name="Google Shape;337;gdd34e4ffd5_0_318:notes"/>
           <p:cNvSpPr/>
           <p:nvPr>
             <p:ph idx="2" type="sldImg"/>
@@ -3380,7 +3384,7 @@
       </p:sp>
       <p:sp>
         <p:nvSpPr>
-          <p:cNvPr id="341" name="Google Shape;341;gdd34e4ffd5_0_318:notes"/>
+          <p:cNvPr id="338" name="Google Shape;338;gdd34e4ffd5_0_318:notes"/>
           <p:cNvSpPr txBox="1"/>
           <p:nvPr>
             <p:ph idx="1" type="body"/>
@@ -3430,7 +3434,7 @@
   <p:cSld>
     <p:spTree>
       <p:nvGrpSpPr>
-        <p:cNvPr id="347" name="Shape 347"/>
+        <p:cNvPr id="344" name="Shape 344"/>
         <p:cNvGrpSpPr/>
         <p:nvPr/>
       </p:nvGrpSpPr>
@@ -3444,7 +3448,7 @@
       </p:grpSpPr>
       <p:sp>
         <p:nvSpPr>
-          <p:cNvPr id="348" name="Google Shape;348;gdd34e4ffd5_0_325:notes"/>
+          <p:cNvPr id="345" name="Google Shape;345;gdd34e4ffd5_0_325:notes"/>
           <p:cNvSpPr/>
           <p:nvPr>
             <p:ph idx="2" type="sldImg"/>
@@ -3479,7 +3483,7 @@
       </p:sp>
       <p:sp>
         <p:nvSpPr>
-          <p:cNvPr id="349" name="Google Shape;349;gdd34e4ffd5_0_325:notes"/>
+          <p:cNvPr id="346" name="Google Shape;346;gdd34e4ffd5_0_325:notes"/>
           <p:cNvSpPr txBox="1"/>
           <p:nvPr>
             <p:ph idx="1" type="body"/>
@@ -3529,7 +3533,7 @@
   <p:cSld>
     <p:spTree>
       <p:nvGrpSpPr>
-        <p:cNvPr id="354" name="Shape 354"/>
+        <p:cNvPr id="351" name="Shape 351"/>
         <p:cNvGrpSpPr/>
         <p:nvPr/>
       </p:nvGrpSpPr>
@@ -3543,7 +3547,7 @@
       </p:grpSpPr>
       <p:sp>
         <p:nvSpPr>
-          <p:cNvPr id="355" name="Google Shape;355;gdd34e4ffd5_0_355:notes"/>
+          <p:cNvPr id="352" name="Google Shape;352;gdd34e4ffd5_0_355:notes"/>
           <p:cNvSpPr/>
           <p:nvPr>
             <p:ph idx="2" type="sldImg"/>
@@ -3578,7 +3582,7 @@
       </p:sp>
       <p:sp>
         <p:nvSpPr>
-          <p:cNvPr id="356" name="Google Shape;356;gdd34e4ffd5_0_355:notes"/>
+          <p:cNvPr id="353" name="Google Shape;353;gdd34e4ffd5_0_355:notes"/>
           <p:cNvSpPr txBox="1"/>
           <p:nvPr>
             <p:ph idx="1" type="body"/>
@@ -3628,7 +3632,7 @@
   <p:cSld>
     <p:spTree>
       <p:nvGrpSpPr>
-        <p:cNvPr id="361" name="Shape 361"/>
+        <p:cNvPr id="358" name="Shape 358"/>
         <p:cNvGrpSpPr/>
         <p:nvPr/>
       </p:nvGrpSpPr>
@@ -3642,7 +3646,7 @@
       </p:grpSpPr>
       <p:sp>
         <p:nvSpPr>
-          <p:cNvPr id="362" name="Google Shape;362;gdd34e4ffd5_0_363:notes"/>
+          <p:cNvPr id="359" name="Google Shape;359;gdd34e4ffd5_0_363:notes"/>
           <p:cNvSpPr/>
           <p:nvPr>
             <p:ph idx="2" type="sldImg"/>
@@ -3677,7 +3681,7 @@
       </p:sp>
       <p:sp>
         <p:nvSpPr>
-          <p:cNvPr id="363" name="Google Shape;363;gdd34e4ffd5_0_363:notes"/>
+          <p:cNvPr id="360" name="Google Shape;360;gdd34e4ffd5_0_363:notes"/>
           <p:cNvSpPr txBox="1"/>
           <p:nvPr>
             <p:ph idx="1" type="body"/>
@@ -3727,7 +3731,7 @@
   <p:cSld>
     <p:spTree>
       <p:nvGrpSpPr>
-        <p:cNvPr id="368" name="Shape 368"/>
+        <p:cNvPr id="365" name="Shape 365"/>
         <p:cNvGrpSpPr/>
         <p:nvPr/>
       </p:nvGrpSpPr>
@@ -3741,7 +3745,7 @@
       </p:grpSpPr>
       <p:sp>
         <p:nvSpPr>
-          <p:cNvPr id="369" name="Google Shape;369;gdd34e4ffd5_0_370:notes"/>
+          <p:cNvPr id="366" name="Google Shape;366;gdd34e4ffd5_0_370:notes"/>
           <p:cNvSpPr/>
           <p:nvPr>
             <p:ph idx="2" type="sldImg"/>
@@ -3776,7 +3780,7 @@
       </p:sp>
       <p:sp>
         <p:nvSpPr>
-          <p:cNvPr id="370" name="Google Shape;370;gdd34e4ffd5_0_370:notes"/>
+          <p:cNvPr id="367" name="Google Shape;367;gdd34e4ffd5_0_370:notes"/>
           <p:cNvSpPr txBox="1"/>
           <p:nvPr>
             <p:ph idx="1" type="body"/>
@@ -3826,7 +3830,7 @@
   <p:cSld>
     <p:spTree>
       <p:nvGrpSpPr>
-        <p:cNvPr id="374" name="Shape 374"/>
+        <p:cNvPr id="371" name="Shape 371"/>
         <p:cNvGrpSpPr/>
         <p:nvPr/>
       </p:nvGrpSpPr>
@@ -3840,7 +3844,7 @@
       </p:grpSpPr>
       <p:sp>
         <p:nvSpPr>
-          <p:cNvPr id="375" name="Google Shape;375;gdd34e4ffd5_0_399:notes"/>
+          <p:cNvPr id="372" name="Google Shape;372;gdd34e4ffd5_0_399:notes"/>
           <p:cNvSpPr/>
           <p:nvPr>
             <p:ph idx="2" type="sldImg"/>
@@ -3875,7 +3879,7 @@
       </p:sp>
       <p:sp>
         <p:nvSpPr>
-          <p:cNvPr id="376" name="Google Shape;376;gdd34e4ffd5_0_399:notes"/>
+          <p:cNvPr id="373" name="Google Shape;373;gdd34e4ffd5_0_399:notes"/>
           <p:cNvSpPr txBox="1"/>
           <p:nvPr>
             <p:ph idx="1" type="body"/>
@@ -3925,7 +3929,7 @@
   <p:cSld>
     <p:spTree>
       <p:nvGrpSpPr>
-        <p:cNvPr id="380" name="Shape 380"/>
+        <p:cNvPr id="377" name="Shape 377"/>
         <p:cNvGrpSpPr/>
         <p:nvPr/>
       </p:nvGrpSpPr>
@@ -3939,7 +3943,7 @@
       </p:grpSpPr>
       <p:sp>
         <p:nvSpPr>
-          <p:cNvPr id="381" name="Google Shape;381;gdd34e4ffd5_0_393:notes"/>
+          <p:cNvPr id="378" name="Google Shape;378;gdd34e4ffd5_0_393:notes"/>
           <p:cNvSpPr/>
           <p:nvPr>
             <p:ph idx="2" type="sldImg"/>
@@ -3974,7 +3978,7 @@
       </p:sp>
       <p:sp>
         <p:nvSpPr>
-          <p:cNvPr id="382" name="Google Shape;382;gdd34e4ffd5_0_393:notes"/>
+          <p:cNvPr id="379" name="Google Shape;379;gdd34e4ffd5_0_393:notes"/>
           <p:cNvSpPr txBox="1"/>
           <p:nvPr>
             <p:ph idx="1" type="body"/>
@@ -4123,7 +4127,7 @@
   <p:cSld>
     <p:spTree>
       <p:nvGrpSpPr>
-        <p:cNvPr id="386" name="Shape 386"/>
+        <p:cNvPr id="383" name="Shape 383"/>
         <p:cNvGrpSpPr/>
         <p:nvPr/>
       </p:nvGrpSpPr>
@@ -4137,7 +4141,7 @@
       </p:grpSpPr>
       <p:sp>
         <p:nvSpPr>
-          <p:cNvPr id="387" name="Google Shape;387;gdd34e4ffd5_0_375:notes"/>
+          <p:cNvPr id="384" name="Google Shape;384;gdd34e4ffd5_0_375:notes"/>
           <p:cNvSpPr/>
           <p:nvPr>
             <p:ph idx="2" type="sldImg"/>
@@ -4172,7 +4176,7 @@
       </p:sp>
       <p:sp>
         <p:nvSpPr>
-          <p:cNvPr id="388" name="Google Shape;388;gdd34e4ffd5_0_375:notes"/>
+          <p:cNvPr id="385" name="Google Shape;385;gdd34e4ffd5_0_375:notes"/>
           <p:cNvSpPr txBox="1"/>
           <p:nvPr>
             <p:ph idx="1" type="body"/>
@@ -4222,7 +4226,7 @@
   <p:cSld>
     <p:spTree>
       <p:nvGrpSpPr>
-        <p:cNvPr id="393" name="Shape 393"/>
+        <p:cNvPr id="390" name="Shape 390"/>
         <p:cNvGrpSpPr/>
         <p:nvPr/>
       </p:nvGrpSpPr>
@@ -4236,7 +4240,7 @@
       </p:grpSpPr>
       <p:sp>
         <p:nvSpPr>
-          <p:cNvPr id="394" name="Google Shape;394;gdd34e4ffd5_0_405:notes"/>
+          <p:cNvPr id="391" name="Google Shape;391;gdd34e4ffd5_0_405:notes"/>
           <p:cNvSpPr/>
           <p:nvPr>
             <p:ph idx="2" type="sldImg"/>
@@ -4271,7 +4275,7 @@
       </p:sp>
       <p:sp>
         <p:nvSpPr>
-          <p:cNvPr id="395" name="Google Shape;395;gdd34e4ffd5_0_405:notes"/>
+          <p:cNvPr id="392" name="Google Shape;392;gdd34e4ffd5_0_405:notes"/>
           <p:cNvSpPr txBox="1"/>
           <p:nvPr>
             <p:ph idx="1" type="body"/>
@@ -4321,7 +4325,7 @@
   <p:cSld>
     <p:spTree>
       <p:nvGrpSpPr>
-        <p:cNvPr id="400" name="Shape 400"/>
+        <p:cNvPr id="397" name="Shape 397"/>
         <p:cNvGrpSpPr/>
         <p:nvPr/>
       </p:nvGrpSpPr>
@@ -4335,7 +4339,7 @@
       </p:grpSpPr>
       <p:sp>
         <p:nvSpPr>
-          <p:cNvPr id="401" name="Google Shape;401;gdd34e4ffd5_0_411:notes"/>
+          <p:cNvPr id="398" name="Google Shape;398;gdd34e4ffd5_0_411:notes"/>
           <p:cNvSpPr/>
           <p:nvPr>
             <p:ph idx="2" type="sldImg"/>
@@ -4370,7 +4374,7 @@
       </p:sp>
       <p:sp>
         <p:nvSpPr>
-          <p:cNvPr id="402" name="Google Shape;402;gdd34e4ffd5_0_411:notes"/>
+          <p:cNvPr id="399" name="Google Shape;399;gdd34e4ffd5_0_411:notes"/>
           <p:cNvSpPr txBox="1"/>
           <p:nvPr>
             <p:ph idx="1" type="body"/>
@@ -4420,7 +4424,7 @@
   <p:cSld>
     <p:spTree>
       <p:nvGrpSpPr>
-        <p:cNvPr id="406" name="Shape 406"/>
+        <p:cNvPr id="403" name="Shape 403"/>
         <p:cNvGrpSpPr/>
         <p:nvPr/>
       </p:nvGrpSpPr>
@@ -4434,7 +4438,7 @@
       </p:grpSpPr>
       <p:sp>
         <p:nvSpPr>
-          <p:cNvPr id="407" name="Google Shape;407;gdd34e4ffd5_0_417:notes"/>
+          <p:cNvPr id="404" name="Google Shape;404;gdd34e4ffd5_0_417:notes"/>
           <p:cNvSpPr/>
           <p:nvPr>
             <p:ph idx="2" type="sldImg"/>
@@ -4469,7 +4473,7 @@
       </p:sp>
       <p:sp>
         <p:nvSpPr>
-          <p:cNvPr id="408" name="Google Shape;408;gdd34e4ffd5_0_417:notes"/>
+          <p:cNvPr id="405" name="Google Shape;405;gdd34e4ffd5_0_417:notes"/>
           <p:cNvSpPr txBox="1"/>
           <p:nvPr>
             <p:ph idx="1" type="body"/>
@@ -4519,7 +4523,7 @@
   <p:cSld>
     <p:spTree>
       <p:nvGrpSpPr>
-        <p:cNvPr id="413" name="Shape 413"/>
+        <p:cNvPr id="410" name="Shape 410"/>
         <p:cNvGrpSpPr/>
         <p:nvPr/>
       </p:nvGrpSpPr>
@@ -4533,7 +4537,7 @@
       </p:grpSpPr>
       <p:sp>
         <p:nvSpPr>
-          <p:cNvPr id="414" name="Google Shape;414;gdd34e4ffd5_0_440:notes"/>
+          <p:cNvPr id="411" name="Google Shape;411;gdd72c03f75_0_0:notes"/>
           <p:cNvSpPr/>
           <p:nvPr>
             <p:ph idx="2" type="sldImg"/>
@@ -4568,7 +4572,7 @@
       </p:sp>
       <p:sp>
         <p:nvSpPr>
-          <p:cNvPr id="415" name="Google Shape;415;gdd34e4ffd5_0_440:notes"/>
+          <p:cNvPr id="412" name="Google Shape;412;gdd72c03f75_0_0:notes"/>
           <p:cNvSpPr txBox="1"/>
           <p:nvPr>
             <p:ph idx="1" type="body"/>
@@ -4618,7 +4622,7 @@
   <p:cSld>
     <p:spTree>
       <p:nvGrpSpPr>
-        <p:cNvPr id="421" name="Shape 421"/>
+        <p:cNvPr id="416" name="Shape 416"/>
         <p:cNvGrpSpPr/>
         <p:nvPr/>
       </p:nvGrpSpPr>
@@ -4632,7 +4636,7 @@
       </p:grpSpPr>
       <p:sp>
         <p:nvSpPr>
-          <p:cNvPr id="422" name="Google Shape;422;gdd34e4ffd5_0_423:notes"/>
+          <p:cNvPr id="417" name="Google Shape;417;gdd34e4ffd5_0_440:notes"/>
           <p:cNvSpPr/>
           <p:nvPr>
             <p:ph idx="2" type="sldImg"/>
@@ -4667,7 +4671,7 @@
       </p:sp>
       <p:sp>
         <p:nvSpPr>
-          <p:cNvPr id="423" name="Google Shape;423;gdd34e4ffd5_0_423:notes"/>
+          <p:cNvPr id="418" name="Google Shape;418;gdd34e4ffd5_0_440:notes"/>
           <p:cNvSpPr txBox="1"/>
           <p:nvPr>
             <p:ph idx="1" type="body"/>
@@ -4717,7 +4721,7 @@
   <p:cSld>
     <p:spTree>
       <p:nvGrpSpPr>
-        <p:cNvPr id="428" name="Shape 428"/>
+        <p:cNvPr id="424" name="Shape 424"/>
         <p:cNvGrpSpPr/>
         <p:nvPr/>
       </p:nvGrpSpPr>
@@ -4731,7 +4735,7 @@
       </p:grpSpPr>
       <p:sp>
         <p:nvSpPr>
-          <p:cNvPr id="429" name="Google Shape;429;gdd34e4ffd5_0_429:notes"/>
+          <p:cNvPr id="425" name="Google Shape;425;gdb0bea56ff_0_2:notes"/>
           <p:cNvSpPr/>
           <p:nvPr>
             <p:ph idx="2" type="sldImg"/>
@@ -4766,7 +4770,7 @@
       </p:sp>
       <p:sp>
         <p:nvSpPr>
-          <p:cNvPr id="430" name="Google Shape;430;gdd34e4ffd5_0_429:notes"/>
+          <p:cNvPr id="426" name="Google Shape;426;gdb0bea56ff_0_2:notes"/>
           <p:cNvSpPr txBox="1"/>
           <p:nvPr>
             <p:ph idx="1" type="body"/>
@@ -4816,7 +4820,7 @@
   <p:cSld>
     <p:spTree>
       <p:nvGrpSpPr>
-        <p:cNvPr id="435" name="Shape 435"/>
+        <p:cNvPr id="430" name="Shape 430"/>
         <p:cNvGrpSpPr/>
         <p:nvPr/>
       </p:nvGrpSpPr>
@@ -4830,7 +4834,7 @@
       </p:grpSpPr>
       <p:sp>
         <p:nvSpPr>
-          <p:cNvPr id="436" name="Google Shape;436;gdd34e4ffd5_0_434:notes"/>
+          <p:cNvPr id="431" name="Google Shape;431;gdb0bea56ff_0_21:notes"/>
           <p:cNvSpPr/>
           <p:nvPr>
             <p:ph idx="2" type="sldImg"/>
@@ -4865,7 +4869,7 @@
       </p:sp>
       <p:sp>
         <p:nvSpPr>
-          <p:cNvPr id="437" name="Google Shape;437;gdd34e4ffd5_0_434:notes"/>
+          <p:cNvPr id="432" name="Google Shape;432;gdb0bea56ff_0_21:notes"/>
           <p:cNvSpPr txBox="1"/>
           <p:nvPr>
             <p:ph idx="1" type="body"/>
@@ -4915,7 +4919,7 @@
   <p:cSld>
     <p:spTree>
       <p:nvGrpSpPr>
-        <p:cNvPr id="441" name="Shape 441"/>
+        <p:cNvPr id="440" name="Shape 440"/>
         <p:cNvGrpSpPr/>
         <p:nvPr/>
       </p:nvGrpSpPr>
@@ -4929,7 +4933,7 @@
       </p:grpSpPr>
       <p:sp>
         <p:nvSpPr>
-          <p:cNvPr id="442" name="Google Shape;442;gdd34e4ffd5_0_451:notes"/>
+          <p:cNvPr id="441" name="Google Shape;441;gdb0bea56ff_0_14:notes"/>
           <p:cNvSpPr/>
           <p:nvPr>
             <p:ph idx="2" type="sldImg"/>
@@ -4964,7 +4968,7 @@
       </p:sp>
       <p:sp>
         <p:nvSpPr>
-          <p:cNvPr id="443" name="Google Shape;443;gdd34e4ffd5_0_451:notes"/>
+          <p:cNvPr id="442" name="Google Shape;442;gdb0bea56ff_0_14:notes"/>
           <p:cNvSpPr txBox="1"/>
           <p:nvPr>
             <p:ph idx="1" type="body"/>
@@ -5014,7 +5018,7 @@
   <p:cSld>
     <p:spTree>
       <p:nvGrpSpPr>
-        <p:cNvPr id="448" name="Shape 448"/>
+        <p:cNvPr id="447" name="Shape 447"/>
         <p:cNvGrpSpPr/>
         <p:nvPr/>
       </p:nvGrpSpPr>
@@ -5028,7 +5032,7 @@
       </p:grpSpPr>
       <p:sp>
         <p:nvSpPr>
-          <p:cNvPr id="449" name="Google Shape;449;gdd34e4ffd5_0_462:notes"/>
+          <p:cNvPr id="448" name="Google Shape;448;gdd34e4ffd5_0_423:notes"/>
           <p:cNvSpPr/>
           <p:nvPr>
             <p:ph idx="2" type="sldImg"/>
@@ -5063,7 +5067,7 @@
       </p:sp>
       <p:sp>
         <p:nvSpPr>
-          <p:cNvPr id="450" name="Google Shape;450;gdd34e4ffd5_0_462:notes"/>
+          <p:cNvPr id="449" name="Google Shape;449;gdd34e4ffd5_0_423:notes"/>
           <p:cNvSpPr txBox="1"/>
           <p:nvPr>
             <p:ph idx="1" type="body"/>
@@ -5226,7 +5230,7 @@
       </p:grpSpPr>
       <p:sp>
         <p:nvSpPr>
-          <p:cNvPr id="455" name="Google Shape;455;gda272428dd_0_1107:notes"/>
+          <p:cNvPr id="455" name="Google Shape;455;gdd34e4ffd5_0_429:notes"/>
           <p:cNvSpPr/>
           <p:nvPr>
             <p:ph idx="2" type="sldImg"/>
@@ -5261,7 +5265,7 @@
       </p:sp>
       <p:sp>
         <p:nvSpPr>
-          <p:cNvPr id="456" name="Google Shape;456;gda272428dd_0_1107:notes"/>
+          <p:cNvPr id="456" name="Google Shape;456;gdd34e4ffd5_0_429:notes"/>
           <p:cNvSpPr txBox="1"/>
           <p:nvPr>
             <p:ph idx="1" type="body"/>
@@ -5311,7 +5315,7 @@
   <p:cSld>
     <p:spTree>
       <p:nvGrpSpPr>
-        <p:cNvPr id="462" name="Shape 462"/>
+        <p:cNvPr id="461" name="Shape 461"/>
         <p:cNvGrpSpPr/>
         <p:nvPr/>
       </p:nvGrpSpPr>
@@ -5325,7 +5329,7 @@
       </p:grpSpPr>
       <p:sp>
         <p:nvSpPr>
-          <p:cNvPr id="463" name="Google Shape;463;gda272428dd_0_1115:notes"/>
+          <p:cNvPr id="462" name="Google Shape;462;gdd34e4ffd5_0_434:notes"/>
           <p:cNvSpPr/>
           <p:nvPr>
             <p:ph idx="2" type="sldImg"/>
@@ -5360,7 +5364,403 @@
       </p:sp>
       <p:sp>
         <p:nvSpPr>
-          <p:cNvPr id="464" name="Google Shape;464;gda272428dd_0_1115:notes"/>
+          <p:cNvPr id="463" name="Google Shape;463;gdd34e4ffd5_0_434:notes"/>
+          <p:cNvSpPr txBox="1"/>
+          <p:nvPr>
+            <p:ph idx="1" type="body"/>
+          </p:nvPr>
+        </p:nvSpPr>
+        <p:spPr>
+          <a:xfrm>
+            <a:off x="685800" y="4343400"/>
+            <a:ext cx="5486400" cy="4114800"/>
+          </a:xfrm>
+          <a:prstGeom prst="rect">
+            <a:avLst/>
+          </a:prstGeom>
+        </p:spPr>
+        <p:txBody>
+          <a:bodyPr anchorCtr="0" anchor="t" bIns="91425" lIns="91425" spcFirstLastPara="1" rIns="91425" wrap="square" tIns="91425">
+            <a:noAutofit/>
+          </a:bodyPr>
+          <a:lstStyle/>
+          <a:p>
+            <a:pPr indent="0" lvl="0" marL="0" rtl="0" algn="l">
+              <a:spcBef>
+                <a:spcPts val="0"/>
+              </a:spcBef>
+              <a:spcAft>
+                <a:spcPts val="0"/>
+              </a:spcAft>
+              <a:buNone/>
+            </a:pPr>
+            <a:r>
+              <a:t/>
+            </a:r>
+            <a:endParaRPr/>
+          </a:p>
+        </p:txBody>
+      </p:sp>
+    </p:spTree>
+  </p:cSld>
+  <p:clrMapOvr>
+    <a:masterClrMapping/>
+  </p:clrMapOvr>
+</p:notes>
+</file>
+
+<file path=ppt/notesSlides/notesSlide52.xml><?xml version="1.0" encoding="utf-8"?>
+<p:notes xmlns:a="http://schemas.openxmlformats.org/drawingml/2006/main" xmlns:r="http://schemas.openxmlformats.org/officeDocument/2006/relationships" xmlns:mc="http://schemas.openxmlformats.org/markup-compatibility/2006" xmlns:mv="urn:schemas-microsoft-com:mac:vml" xmlns:p="http://schemas.openxmlformats.org/presentationml/2006/main" xmlns:c="http://schemas.openxmlformats.org/drawingml/2006/chart" xmlns:dgm="http://schemas.openxmlformats.org/drawingml/2006/diagram" xmlns:o="urn:schemas-microsoft-com:office:office" xmlns:v="urn:schemas-microsoft-com:vml" xmlns:pvml="urn:schemas-microsoft-com:office:powerpoint" xmlns:com="http://schemas.openxmlformats.org/drawingml/2006/compatibility" xmlns:p14="http://schemas.microsoft.com/office/powerpoint/2010/main" xmlns:p15="http://schemas.microsoft.com/office/powerpoint/2012/main" xmlns:ahyp="http://schemas.microsoft.com/office/drawing/2018/hyperlinkcolor" showMasterPhAnim="0" showMasterSp="0">
+  <p:cSld>
+    <p:spTree>
+      <p:nvGrpSpPr>
+        <p:cNvPr id="467" name="Shape 467"/>
+        <p:cNvGrpSpPr/>
+        <p:nvPr/>
+      </p:nvGrpSpPr>
+      <p:grpSpPr>
+        <a:xfrm>
+          <a:off x="0" y="0"/>
+          <a:ext cx="0" cy="0"/>
+          <a:chOff x="0" y="0"/>
+          <a:chExt cx="0" cy="0"/>
+        </a:xfrm>
+      </p:grpSpPr>
+      <p:sp>
+        <p:nvSpPr>
+          <p:cNvPr id="468" name="Google Shape;468;gdd34e4ffd5_0_451:notes"/>
+          <p:cNvSpPr/>
+          <p:nvPr>
+            <p:ph idx="2" type="sldImg"/>
+          </p:nvPr>
+        </p:nvSpPr>
+        <p:spPr>
+          <a:xfrm>
+            <a:off x="381300" y="685800"/>
+            <a:ext cx="6096000" cy="3429000"/>
+          </a:xfrm>
+          <a:custGeom>
+            <a:rect b="b" l="l" r="r" t="t"/>
+            <a:pathLst>
+              <a:path extrusionOk="0" h="120000" w="120000">
+                <a:moveTo>
+                  <a:pt x="0" y="0"/>
+                </a:moveTo>
+                <a:lnTo>
+                  <a:pt x="120000" y="0"/>
+                </a:lnTo>
+                <a:lnTo>
+                  <a:pt x="120000" y="120000"/>
+                </a:lnTo>
+                <a:lnTo>
+                  <a:pt x="0" y="120000"/>
+                </a:lnTo>
+                <a:close/>
+              </a:path>
+            </a:pathLst>
+          </a:custGeom>
+        </p:spPr>
+      </p:sp>
+      <p:sp>
+        <p:nvSpPr>
+          <p:cNvPr id="469" name="Google Shape;469;gdd34e4ffd5_0_451:notes"/>
+          <p:cNvSpPr txBox="1"/>
+          <p:nvPr>
+            <p:ph idx="1" type="body"/>
+          </p:nvPr>
+        </p:nvSpPr>
+        <p:spPr>
+          <a:xfrm>
+            <a:off x="685800" y="4343400"/>
+            <a:ext cx="5486400" cy="4114800"/>
+          </a:xfrm>
+          <a:prstGeom prst="rect">
+            <a:avLst/>
+          </a:prstGeom>
+        </p:spPr>
+        <p:txBody>
+          <a:bodyPr anchorCtr="0" anchor="t" bIns="91425" lIns="91425" spcFirstLastPara="1" rIns="91425" wrap="square" tIns="91425">
+            <a:noAutofit/>
+          </a:bodyPr>
+          <a:lstStyle/>
+          <a:p>
+            <a:pPr indent="0" lvl="0" marL="0" rtl="0" algn="l">
+              <a:spcBef>
+                <a:spcPts val="0"/>
+              </a:spcBef>
+              <a:spcAft>
+                <a:spcPts val="0"/>
+              </a:spcAft>
+              <a:buNone/>
+            </a:pPr>
+            <a:r>
+              <a:t/>
+            </a:r>
+            <a:endParaRPr/>
+          </a:p>
+        </p:txBody>
+      </p:sp>
+    </p:spTree>
+  </p:cSld>
+  <p:clrMapOvr>
+    <a:masterClrMapping/>
+  </p:clrMapOvr>
+</p:notes>
+</file>
+
+<file path=ppt/notesSlides/notesSlide53.xml><?xml version="1.0" encoding="utf-8"?>
+<p:notes xmlns:a="http://schemas.openxmlformats.org/drawingml/2006/main" xmlns:r="http://schemas.openxmlformats.org/officeDocument/2006/relationships" xmlns:mc="http://schemas.openxmlformats.org/markup-compatibility/2006" xmlns:mv="urn:schemas-microsoft-com:mac:vml" xmlns:p="http://schemas.openxmlformats.org/presentationml/2006/main" xmlns:c="http://schemas.openxmlformats.org/drawingml/2006/chart" xmlns:dgm="http://schemas.openxmlformats.org/drawingml/2006/diagram" xmlns:o="urn:schemas-microsoft-com:office:office" xmlns:v="urn:schemas-microsoft-com:vml" xmlns:pvml="urn:schemas-microsoft-com:office:powerpoint" xmlns:com="http://schemas.openxmlformats.org/drawingml/2006/compatibility" xmlns:p14="http://schemas.microsoft.com/office/powerpoint/2010/main" xmlns:p15="http://schemas.microsoft.com/office/powerpoint/2012/main" xmlns:ahyp="http://schemas.microsoft.com/office/drawing/2018/hyperlinkcolor" showMasterPhAnim="0" showMasterSp="0">
+  <p:cSld>
+    <p:spTree>
+      <p:nvGrpSpPr>
+        <p:cNvPr id="474" name="Shape 474"/>
+        <p:cNvGrpSpPr/>
+        <p:nvPr/>
+      </p:nvGrpSpPr>
+      <p:grpSpPr>
+        <a:xfrm>
+          <a:off x="0" y="0"/>
+          <a:ext cx="0" cy="0"/>
+          <a:chOff x="0" y="0"/>
+          <a:chExt cx="0" cy="0"/>
+        </a:xfrm>
+      </p:grpSpPr>
+      <p:sp>
+        <p:nvSpPr>
+          <p:cNvPr id="475" name="Google Shape;475;gdd34e4ffd5_0_462:notes"/>
+          <p:cNvSpPr/>
+          <p:nvPr>
+            <p:ph idx="2" type="sldImg"/>
+          </p:nvPr>
+        </p:nvSpPr>
+        <p:spPr>
+          <a:xfrm>
+            <a:off x="381300" y="685800"/>
+            <a:ext cx="6096000" cy="3429000"/>
+          </a:xfrm>
+          <a:custGeom>
+            <a:rect b="b" l="l" r="r" t="t"/>
+            <a:pathLst>
+              <a:path extrusionOk="0" h="120000" w="120000">
+                <a:moveTo>
+                  <a:pt x="0" y="0"/>
+                </a:moveTo>
+                <a:lnTo>
+                  <a:pt x="120000" y="0"/>
+                </a:lnTo>
+                <a:lnTo>
+                  <a:pt x="120000" y="120000"/>
+                </a:lnTo>
+                <a:lnTo>
+                  <a:pt x="0" y="120000"/>
+                </a:lnTo>
+                <a:close/>
+              </a:path>
+            </a:pathLst>
+          </a:custGeom>
+        </p:spPr>
+      </p:sp>
+      <p:sp>
+        <p:nvSpPr>
+          <p:cNvPr id="476" name="Google Shape;476;gdd34e4ffd5_0_462:notes"/>
+          <p:cNvSpPr txBox="1"/>
+          <p:nvPr>
+            <p:ph idx="1" type="body"/>
+          </p:nvPr>
+        </p:nvSpPr>
+        <p:spPr>
+          <a:xfrm>
+            <a:off x="685800" y="4343400"/>
+            <a:ext cx="5486400" cy="4114800"/>
+          </a:xfrm>
+          <a:prstGeom prst="rect">
+            <a:avLst/>
+          </a:prstGeom>
+        </p:spPr>
+        <p:txBody>
+          <a:bodyPr anchorCtr="0" anchor="t" bIns="91425" lIns="91425" spcFirstLastPara="1" rIns="91425" wrap="square" tIns="91425">
+            <a:noAutofit/>
+          </a:bodyPr>
+          <a:lstStyle/>
+          <a:p>
+            <a:pPr indent="0" lvl="0" marL="0" rtl="0" algn="l">
+              <a:spcBef>
+                <a:spcPts val="0"/>
+              </a:spcBef>
+              <a:spcAft>
+                <a:spcPts val="0"/>
+              </a:spcAft>
+              <a:buNone/>
+            </a:pPr>
+            <a:r>
+              <a:t/>
+            </a:r>
+            <a:endParaRPr/>
+          </a:p>
+        </p:txBody>
+      </p:sp>
+    </p:spTree>
+  </p:cSld>
+  <p:clrMapOvr>
+    <a:masterClrMapping/>
+  </p:clrMapOvr>
+</p:notes>
+</file>
+
+<file path=ppt/notesSlides/notesSlide54.xml><?xml version="1.0" encoding="utf-8"?>
+<p:notes xmlns:a="http://schemas.openxmlformats.org/drawingml/2006/main" xmlns:r="http://schemas.openxmlformats.org/officeDocument/2006/relationships" xmlns:mc="http://schemas.openxmlformats.org/markup-compatibility/2006" xmlns:mv="urn:schemas-microsoft-com:mac:vml" xmlns:p="http://schemas.openxmlformats.org/presentationml/2006/main" xmlns:c="http://schemas.openxmlformats.org/drawingml/2006/chart" xmlns:dgm="http://schemas.openxmlformats.org/drawingml/2006/diagram" xmlns:o="urn:schemas-microsoft-com:office:office" xmlns:v="urn:schemas-microsoft-com:vml" xmlns:pvml="urn:schemas-microsoft-com:office:powerpoint" xmlns:com="http://schemas.openxmlformats.org/drawingml/2006/compatibility" xmlns:p14="http://schemas.microsoft.com/office/powerpoint/2010/main" xmlns:p15="http://schemas.microsoft.com/office/powerpoint/2012/main" xmlns:ahyp="http://schemas.microsoft.com/office/drawing/2018/hyperlinkcolor" showMasterPhAnim="0" showMasterSp="0">
+  <p:cSld>
+    <p:spTree>
+      <p:nvGrpSpPr>
+        <p:cNvPr id="480" name="Shape 480"/>
+        <p:cNvGrpSpPr/>
+        <p:nvPr/>
+      </p:nvGrpSpPr>
+      <p:grpSpPr>
+        <a:xfrm>
+          <a:off x="0" y="0"/>
+          <a:ext cx="0" cy="0"/>
+          <a:chOff x="0" y="0"/>
+          <a:chExt cx="0" cy="0"/>
+        </a:xfrm>
+      </p:grpSpPr>
+      <p:sp>
+        <p:nvSpPr>
+          <p:cNvPr id="481" name="Google Shape;481;gda272428dd_0_1107:notes"/>
+          <p:cNvSpPr/>
+          <p:nvPr>
+            <p:ph idx="2" type="sldImg"/>
+          </p:nvPr>
+        </p:nvSpPr>
+        <p:spPr>
+          <a:xfrm>
+            <a:off x="381300" y="685800"/>
+            <a:ext cx="6096000" cy="3429000"/>
+          </a:xfrm>
+          <a:custGeom>
+            <a:rect b="b" l="l" r="r" t="t"/>
+            <a:pathLst>
+              <a:path extrusionOk="0" h="120000" w="120000">
+                <a:moveTo>
+                  <a:pt x="0" y="0"/>
+                </a:moveTo>
+                <a:lnTo>
+                  <a:pt x="120000" y="0"/>
+                </a:lnTo>
+                <a:lnTo>
+                  <a:pt x="120000" y="120000"/>
+                </a:lnTo>
+                <a:lnTo>
+                  <a:pt x="0" y="120000"/>
+                </a:lnTo>
+                <a:close/>
+              </a:path>
+            </a:pathLst>
+          </a:custGeom>
+        </p:spPr>
+      </p:sp>
+      <p:sp>
+        <p:nvSpPr>
+          <p:cNvPr id="482" name="Google Shape;482;gda272428dd_0_1107:notes"/>
+          <p:cNvSpPr txBox="1"/>
+          <p:nvPr>
+            <p:ph idx="1" type="body"/>
+          </p:nvPr>
+        </p:nvSpPr>
+        <p:spPr>
+          <a:xfrm>
+            <a:off x="685800" y="4343400"/>
+            <a:ext cx="5486400" cy="4114800"/>
+          </a:xfrm>
+          <a:prstGeom prst="rect">
+            <a:avLst/>
+          </a:prstGeom>
+        </p:spPr>
+        <p:txBody>
+          <a:bodyPr anchorCtr="0" anchor="t" bIns="91425" lIns="91425" spcFirstLastPara="1" rIns="91425" wrap="square" tIns="91425">
+            <a:noAutofit/>
+          </a:bodyPr>
+          <a:lstStyle/>
+          <a:p>
+            <a:pPr indent="0" lvl="0" marL="0" rtl="0" algn="l">
+              <a:spcBef>
+                <a:spcPts val="0"/>
+              </a:spcBef>
+              <a:spcAft>
+                <a:spcPts val="0"/>
+              </a:spcAft>
+              <a:buNone/>
+            </a:pPr>
+            <a:r>
+              <a:t/>
+            </a:r>
+            <a:endParaRPr/>
+          </a:p>
+        </p:txBody>
+      </p:sp>
+    </p:spTree>
+  </p:cSld>
+  <p:clrMapOvr>
+    <a:masterClrMapping/>
+  </p:clrMapOvr>
+</p:notes>
+</file>
+
+<file path=ppt/notesSlides/notesSlide55.xml><?xml version="1.0" encoding="utf-8"?>
+<p:notes xmlns:a="http://schemas.openxmlformats.org/drawingml/2006/main" xmlns:r="http://schemas.openxmlformats.org/officeDocument/2006/relationships" xmlns:mc="http://schemas.openxmlformats.org/markup-compatibility/2006" xmlns:mv="urn:schemas-microsoft-com:mac:vml" xmlns:p="http://schemas.openxmlformats.org/presentationml/2006/main" xmlns:c="http://schemas.openxmlformats.org/drawingml/2006/chart" xmlns:dgm="http://schemas.openxmlformats.org/drawingml/2006/diagram" xmlns:o="urn:schemas-microsoft-com:office:office" xmlns:v="urn:schemas-microsoft-com:vml" xmlns:pvml="urn:schemas-microsoft-com:office:powerpoint" xmlns:com="http://schemas.openxmlformats.org/drawingml/2006/compatibility" xmlns:p14="http://schemas.microsoft.com/office/powerpoint/2010/main" xmlns:p15="http://schemas.microsoft.com/office/powerpoint/2012/main" xmlns:ahyp="http://schemas.microsoft.com/office/drawing/2018/hyperlinkcolor" showMasterPhAnim="0" showMasterSp="0">
+  <p:cSld>
+    <p:spTree>
+      <p:nvGrpSpPr>
+        <p:cNvPr id="488" name="Shape 488"/>
+        <p:cNvGrpSpPr/>
+        <p:nvPr/>
+      </p:nvGrpSpPr>
+      <p:grpSpPr>
+        <a:xfrm>
+          <a:off x="0" y="0"/>
+          <a:ext cx="0" cy="0"/>
+          <a:chOff x="0" y="0"/>
+          <a:chExt cx="0" cy="0"/>
+        </a:xfrm>
+      </p:grpSpPr>
+      <p:sp>
+        <p:nvSpPr>
+          <p:cNvPr id="489" name="Google Shape;489;gda272428dd_0_1115:notes"/>
+          <p:cNvSpPr/>
+          <p:nvPr>
+            <p:ph idx="2" type="sldImg"/>
+          </p:nvPr>
+        </p:nvSpPr>
+        <p:spPr>
+          <a:xfrm>
+            <a:off x="381300" y="685800"/>
+            <a:ext cx="6096000" cy="3429000"/>
+          </a:xfrm>
+          <a:custGeom>
+            <a:rect b="b" l="l" r="r" t="t"/>
+            <a:pathLst>
+              <a:path extrusionOk="0" h="120000" w="120000">
+                <a:moveTo>
+                  <a:pt x="0" y="0"/>
+                </a:moveTo>
+                <a:lnTo>
+                  <a:pt x="120000" y="0"/>
+                </a:lnTo>
+                <a:lnTo>
+                  <a:pt x="120000" y="120000"/>
+                </a:lnTo>
+                <a:lnTo>
+                  <a:pt x="0" y="120000"/>
+                </a:lnTo>
+                <a:close/>
+              </a:path>
+            </a:pathLst>
+          </a:custGeom>
+        </p:spPr>
+      </p:sp>
+      <p:sp>
+        <p:nvSpPr>
+          <p:cNvPr id="490" name="Google Shape;490;gda272428dd_0_1115:notes"/>
           <p:cNvSpPr txBox="1"/>
           <p:nvPr>
             <p:ph idx="1" type="body"/>
@@ -5608,7 +6008,7 @@
   <p:cSld>
     <p:spTree>
       <p:nvGrpSpPr>
-        <p:cNvPr id="137" name="Shape 137"/>
+        <p:cNvPr id="136" name="Shape 136"/>
         <p:cNvGrpSpPr/>
         <p:nvPr/>
       </p:nvGrpSpPr>
@@ -5622,7 +6022,7 @@
       </p:grpSpPr>
       <p:sp>
         <p:nvSpPr>
-          <p:cNvPr id="138" name="Google Shape;138;gdd34e4ffd5_0_25:notes"/>
+          <p:cNvPr id="137" name="Google Shape;137;gdd34e4ffd5_0_25:notes"/>
           <p:cNvSpPr/>
           <p:nvPr>
             <p:ph idx="2" type="sldImg"/>
@@ -5657,7 +6057,7 @@
       </p:sp>
       <p:sp>
         <p:nvSpPr>
-          <p:cNvPr id="139" name="Google Shape;139;gdd34e4ffd5_0_25:notes"/>
+          <p:cNvPr id="138" name="Google Shape;138;gdd34e4ffd5_0_25:notes"/>
           <p:cNvSpPr txBox="1"/>
           <p:nvPr>
             <p:ph idx="1" type="body"/>
@@ -5707,7 +6107,7 @@
   <p:cSld>
     <p:spTree>
       <p:nvGrpSpPr>
-        <p:cNvPr id="146" name="Shape 146"/>
+        <p:cNvPr id="145" name="Shape 145"/>
         <p:cNvGrpSpPr/>
         <p:nvPr/>
       </p:nvGrpSpPr>
@@ -5721,7 +6121,7 @@
       </p:grpSpPr>
       <p:sp>
         <p:nvSpPr>
-          <p:cNvPr id="147" name="Google Shape;147;gdd34e4ffd5_0_71:notes"/>
+          <p:cNvPr id="146" name="Google Shape;146;gdd34e4ffd5_0_71:notes"/>
           <p:cNvSpPr/>
           <p:nvPr>
             <p:ph idx="2" type="sldImg"/>
@@ -5756,7 +6156,7 @@
       </p:sp>
       <p:sp>
         <p:nvSpPr>
-          <p:cNvPr id="148" name="Google Shape;148;gdd34e4ffd5_0_71:notes"/>
+          <p:cNvPr id="147" name="Google Shape;147;gdd34e4ffd5_0_71:notes"/>
           <p:cNvSpPr txBox="1"/>
           <p:nvPr>
             <p:ph idx="1" type="body"/>
@@ -12140,7 +12540,11 @@
             </a:pPr>
             <a:r>
               <a:rPr lang="en" sz="2980"/>
-              <a:t>A study on developing a hybrid recommender system for Telecommunication Industry in Sri Lanka</a:t>
+              <a:t>Telecommunication Data Analysis </a:t>
+            </a:r>
+            <a:r>
+              <a:rPr lang="en" sz="2980"/>
+              <a:t>Workflow</a:t>
             </a:r>
             <a:endParaRPr sz="2980"/>
           </a:p>
@@ -12337,7 +12741,7 @@
   <p:cSld>
     <p:spTree>
       <p:nvGrpSpPr>
-        <p:cNvPr id="155" name="Shape 155"/>
+        <p:cNvPr id="154" name="Shape 154"/>
         <p:cNvGrpSpPr/>
         <p:nvPr/>
       </p:nvGrpSpPr>
@@ -12351,7 +12755,7 @@
       </p:grpSpPr>
       <p:sp>
         <p:nvSpPr>
-          <p:cNvPr id="156" name="Google Shape;156;p22"/>
+          <p:cNvPr id="155" name="Google Shape;155;p22"/>
           <p:cNvSpPr txBox="1"/>
           <p:nvPr>
             <p:ph type="title"/>
@@ -12391,7 +12795,7 @@
       </p:sp>
       <p:sp>
         <p:nvSpPr>
-          <p:cNvPr id="157" name="Google Shape;157;p22"/>
+          <p:cNvPr id="156" name="Google Shape;156;p22"/>
           <p:cNvSpPr txBox="1"/>
           <p:nvPr>
             <p:ph idx="1" type="body"/>
@@ -12830,7 +13234,7 @@
   <p:cSld>
     <p:spTree>
       <p:nvGrpSpPr>
-        <p:cNvPr id="161" name="Shape 161"/>
+        <p:cNvPr id="160" name="Shape 160"/>
         <p:cNvGrpSpPr/>
         <p:nvPr/>
       </p:nvGrpSpPr>
@@ -12844,7 +13248,7 @@
       </p:grpSpPr>
       <p:sp>
         <p:nvSpPr>
-          <p:cNvPr id="162" name="Google Shape;162;p23"/>
+          <p:cNvPr id="161" name="Google Shape;161;p23"/>
           <p:cNvSpPr txBox="1"/>
           <p:nvPr>
             <p:ph type="title"/>
@@ -12884,7 +13288,7 @@
       </p:sp>
       <p:sp>
         <p:nvSpPr>
-          <p:cNvPr id="163" name="Google Shape;163;p23"/>
+          <p:cNvPr id="162" name="Google Shape;162;p23"/>
           <p:cNvSpPr txBox="1"/>
           <p:nvPr>
             <p:ph idx="1" type="body"/>
@@ -13000,7 +13404,7 @@
       </p:sp>
       <p:pic>
         <p:nvPicPr>
-          <p:cNvPr id="164" name="Google Shape;164;p23"/>
+          <p:cNvPr id="163" name="Google Shape;163;p23"/>
           <p:cNvPicPr preferRelativeResize="0"/>
           <p:nvPr/>
         </p:nvPicPr>
@@ -13045,7 +13449,7 @@
   <p:cSld>
     <p:spTree>
       <p:nvGrpSpPr>
-        <p:cNvPr id="168" name="Shape 168"/>
+        <p:cNvPr id="167" name="Shape 167"/>
         <p:cNvGrpSpPr/>
         <p:nvPr/>
       </p:nvGrpSpPr>
@@ -13059,7 +13463,7 @@
       </p:grpSpPr>
       <p:sp>
         <p:nvSpPr>
-          <p:cNvPr id="169" name="Google Shape;169;p24"/>
+          <p:cNvPr id="168" name="Google Shape;168;p24"/>
           <p:cNvSpPr txBox="1"/>
           <p:nvPr>
             <p:ph type="title"/>
@@ -13099,7 +13503,7 @@
       </p:sp>
       <p:sp>
         <p:nvSpPr>
-          <p:cNvPr id="170" name="Google Shape;170;p24"/>
+          <p:cNvPr id="169" name="Google Shape;169;p24"/>
           <p:cNvSpPr txBox="1"/>
           <p:nvPr>
             <p:ph idx="1" type="body"/>
@@ -13562,7 +13966,7 @@
   <p:cSld>
     <p:spTree>
       <p:nvGrpSpPr>
-        <p:cNvPr id="174" name="Shape 174"/>
+        <p:cNvPr id="173" name="Shape 173"/>
         <p:cNvGrpSpPr/>
         <p:nvPr/>
       </p:nvGrpSpPr>
@@ -13576,7 +13980,7 @@
       </p:grpSpPr>
       <p:sp>
         <p:nvSpPr>
-          <p:cNvPr id="175" name="Google Shape;175;p25"/>
+          <p:cNvPr id="174" name="Google Shape;174;p25"/>
           <p:cNvSpPr txBox="1"/>
           <p:nvPr>
             <p:ph type="title"/>
@@ -13616,7 +14020,7 @@
       </p:sp>
       <p:sp>
         <p:nvSpPr>
-          <p:cNvPr id="176" name="Google Shape;176;p25"/>
+          <p:cNvPr id="175" name="Google Shape;175;p25"/>
           <p:cNvSpPr txBox="1"/>
           <p:nvPr>
             <p:ph idx="1" type="body"/>
@@ -13824,7 +14228,7 @@
       </p:sp>
       <p:grpSp>
         <p:nvGrpSpPr>
-          <p:cNvPr id="177" name="Google Shape;177;p25"/>
+          <p:cNvPr id="176" name="Google Shape;176;p25"/>
           <p:cNvGrpSpPr/>
           <p:nvPr/>
         </p:nvGrpSpPr>
@@ -13838,7 +14242,7 @@
         </p:grpSpPr>
         <p:sp>
           <p:nvSpPr>
-            <p:cNvPr id="178" name="Google Shape;178;p25"/>
+            <p:cNvPr id="177" name="Google Shape;177;p25"/>
             <p:cNvSpPr txBox="1"/>
             <p:nvPr/>
           </p:nvSpPr>
@@ -14162,9 +14566,9 @@
         </p:sp>
         <p:cxnSp>
           <p:nvCxnSpPr>
-            <p:cNvPr id="179" name="Google Shape;179;p25"/>
+            <p:cNvPr id="178" name="Google Shape;178;p25"/>
             <p:cNvCxnSpPr>
-              <a:endCxn id="180" idx="0"/>
+              <a:endCxn id="179" idx="0"/>
             </p:cNvCxnSpPr>
             <p:nvPr/>
           </p:nvCxnSpPr>
@@ -14190,7 +14594,7 @@
         </p:cxnSp>
         <p:sp>
           <p:nvSpPr>
-            <p:cNvPr id="181" name="Google Shape;181;p25"/>
+            <p:cNvPr id="180" name="Google Shape;180;p25"/>
             <p:cNvSpPr txBox="1"/>
             <p:nvPr/>
           </p:nvSpPr>
@@ -14248,7 +14652,7 @@
         </p:sp>
         <p:sp>
           <p:nvSpPr>
-            <p:cNvPr id="180" name="Google Shape;180;p25"/>
+            <p:cNvPr id="179" name="Google Shape;179;p25"/>
             <p:cNvSpPr txBox="1"/>
             <p:nvPr/>
           </p:nvSpPr>
@@ -14306,7 +14710,7 @@
         </p:sp>
         <p:sp>
           <p:nvSpPr>
-            <p:cNvPr id="182" name="Google Shape;182;p25"/>
+            <p:cNvPr id="181" name="Google Shape;181;p25"/>
             <p:cNvSpPr txBox="1"/>
             <p:nvPr/>
           </p:nvSpPr>
@@ -14376,7 +14780,7 @@
   <p:cSld>
     <p:spTree>
       <p:nvGrpSpPr>
-        <p:cNvPr id="186" name="Shape 186"/>
+        <p:cNvPr id="185" name="Shape 185"/>
         <p:cNvGrpSpPr/>
         <p:nvPr/>
       </p:nvGrpSpPr>
@@ -14390,7 +14794,7 @@
       </p:grpSpPr>
       <p:sp>
         <p:nvSpPr>
-          <p:cNvPr id="187" name="Google Shape;187;p26"/>
+          <p:cNvPr id="186" name="Google Shape;186;p26"/>
           <p:cNvSpPr txBox="1"/>
           <p:nvPr>
             <p:ph type="title"/>
@@ -14430,7 +14834,7 @@
       </p:sp>
       <p:sp>
         <p:nvSpPr>
-          <p:cNvPr id="188" name="Google Shape;188;p26"/>
+          <p:cNvPr id="187" name="Google Shape;187;p26"/>
           <p:cNvSpPr txBox="1"/>
           <p:nvPr>
             <p:ph idx="1" type="body"/>
@@ -14670,7 +15074,7 @@
       </p:sp>
       <p:pic>
         <p:nvPicPr>
-          <p:cNvPr id="189" name="Google Shape;189;p26"/>
+          <p:cNvPr id="188" name="Google Shape;188;p26"/>
           <p:cNvPicPr preferRelativeResize="0"/>
           <p:nvPr/>
         </p:nvPicPr>
@@ -14698,7 +15102,7 @@
       </p:pic>
       <p:sp>
         <p:nvSpPr>
-          <p:cNvPr id="190" name="Google Shape;190;p26"/>
+          <p:cNvPr id="189" name="Google Shape;189;p26"/>
           <p:cNvSpPr txBox="1"/>
           <p:nvPr/>
         </p:nvSpPr>
@@ -14761,7 +15165,7 @@
   <p:cSld>
     <p:spTree>
       <p:nvGrpSpPr>
-        <p:cNvPr id="194" name="Shape 194"/>
+        <p:cNvPr id="193" name="Shape 193"/>
         <p:cNvGrpSpPr/>
         <p:nvPr/>
       </p:nvGrpSpPr>
@@ -14775,7 +15179,7 @@
       </p:grpSpPr>
       <p:sp>
         <p:nvSpPr>
-          <p:cNvPr id="195" name="Google Shape;195;p27"/>
+          <p:cNvPr id="194" name="Google Shape;194;p27"/>
           <p:cNvSpPr txBox="1"/>
           <p:nvPr>
             <p:ph type="title"/>
@@ -14815,7 +15219,7 @@
       </p:sp>
       <p:pic>
         <p:nvPicPr>
-          <p:cNvPr id="196" name="Google Shape;196;p27"/>
+          <p:cNvPr id="195" name="Google Shape;195;p27"/>
           <p:cNvPicPr preferRelativeResize="0"/>
           <p:nvPr/>
         </p:nvPicPr>
@@ -14843,7 +15247,7 @@
       </p:pic>
       <p:pic>
         <p:nvPicPr>
-          <p:cNvPr id="197" name="Google Shape;197;p27"/>
+          <p:cNvPr id="196" name="Google Shape;196;p27"/>
           <p:cNvPicPr preferRelativeResize="0"/>
           <p:nvPr/>
         </p:nvPicPr>
@@ -14882,7 +15286,7 @@
   <p:cSld>
     <p:spTree>
       <p:nvGrpSpPr>
-        <p:cNvPr id="201" name="Shape 201"/>
+        <p:cNvPr id="200" name="Shape 200"/>
         <p:cNvGrpSpPr/>
         <p:nvPr/>
       </p:nvGrpSpPr>
@@ -14896,7 +15300,7 @@
       </p:grpSpPr>
       <p:sp>
         <p:nvSpPr>
-          <p:cNvPr id="202" name="Google Shape;202;p28"/>
+          <p:cNvPr id="201" name="Google Shape;201;p28"/>
           <p:cNvSpPr txBox="1"/>
           <p:nvPr>
             <p:ph type="title"/>
@@ -14952,7 +15356,7 @@
       </p:sp>
       <p:sp>
         <p:nvSpPr>
-          <p:cNvPr id="203" name="Google Shape;203;p28"/>
+          <p:cNvPr id="202" name="Google Shape;202;p28"/>
           <p:cNvSpPr txBox="1"/>
           <p:nvPr>
             <p:ph idx="2" type="body"/>
@@ -14991,7 +15395,7 @@
       </p:sp>
       <p:sp>
         <p:nvSpPr>
-          <p:cNvPr id="204" name="Google Shape;204;p28"/>
+          <p:cNvPr id="203" name="Google Shape;203;p28"/>
           <p:cNvSpPr txBox="1"/>
           <p:nvPr>
             <p:ph idx="1" type="subTitle"/>
@@ -15030,21 +15434,22 @@
       </p:sp>
       <p:pic>
         <p:nvPicPr>
-          <p:cNvPr id="205" name="Google Shape;205;p28"/>
+          <p:cNvPr id="204" name="Google Shape;204;p28"/>
           <p:cNvPicPr preferRelativeResize="0"/>
           <p:nvPr/>
         </p:nvPicPr>
-        <p:blipFill rotWithShape="1">
+        <p:blipFill>
           <a:blip r:embed="rId3">
             <a:alphaModFix/>
           </a:blip>
-          <a:srcRect b="26336" l="0" r="0" t="6647"/>
-          <a:stretch/>
+          <a:stretch>
+            <a:fillRect/>
+          </a:stretch>
         </p:blipFill>
         <p:spPr>
           <a:xfrm>
-            <a:off x="4734350" y="1352625"/>
-            <a:ext cx="4181050" cy="2171925"/>
+            <a:off x="5082363" y="1238250"/>
+            <a:ext cx="3286125" cy="2667000"/>
           </a:xfrm>
           <a:prstGeom prst="rect">
             <a:avLst/>
@@ -15068,7 +15473,7 @@
   <p:cSld>
     <p:spTree>
       <p:nvGrpSpPr>
-        <p:cNvPr id="209" name="Shape 209"/>
+        <p:cNvPr id="208" name="Shape 208"/>
         <p:cNvGrpSpPr/>
         <p:nvPr/>
       </p:nvGrpSpPr>
@@ -15082,7 +15487,7 @@
       </p:grpSpPr>
       <p:sp>
         <p:nvSpPr>
-          <p:cNvPr id="210" name="Google Shape;210;p29"/>
+          <p:cNvPr id="209" name="Google Shape;209;p29"/>
           <p:cNvSpPr txBox="1"/>
           <p:nvPr>
             <p:ph type="title"/>
@@ -15126,7 +15531,7 @@
       </p:sp>
       <p:sp>
         <p:nvSpPr>
-          <p:cNvPr id="211" name="Google Shape;211;p29"/>
+          <p:cNvPr id="210" name="Google Shape;210;p29"/>
           <p:cNvSpPr txBox="1"/>
           <p:nvPr>
             <p:ph idx="1" type="body"/>
@@ -15480,7 +15885,7 @@
   <p:cSld>
     <p:spTree>
       <p:nvGrpSpPr>
-        <p:cNvPr id="215" name="Shape 215"/>
+        <p:cNvPr id="214" name="Shape 214"/>
         <p:cNvGrpSpPr/>
         <p:nvPr/>
       </p:nvGrpSpPr>
@@ -15494,7 +15899,7 @@
       </p:grpSpPr>
       <p:sp>
         <p:nvSpPr>
-          <p:cNvPr id="216" name="Google Shape;216;p30"/>
+          <p:cNvPr id="215" name="Google Shape;215;p30"/>
           <p:cNvSpPr txBox="1"/>
           <p:nvPr>
             <p:ph type="title"/>
@@ -15538,7 +15943,7 @@
       </p:sp>
       <p:pic>
         <p:nvPicPr>
-          <p:cNvPr id="217" name="Google Shape;217;p30"/>
+          <p:cNvPr id="216" name="Google Shape;216;p30"/>
           <p:cNvPicPr preferRelativeResize="0"/>
           <p:nvPr/>
         </p:nvPicPr>
@@ -15577,7 +15982,7 @@
   <p:cSld>
     <p:spTree>
       <p:nvGrpSpPr>
-        <p:cNvPr id="221" name="Shape 221"/>
+        <p:cNvPr id="220" name="Shape 220"/>
         <p:cNvGrpSpPr/>
         <p:nvPr/>
       </p:nvGrpSpPr>
@@ -15591,7 +15996,7 @@
       </p:grpSpPr>
       <p:sp>
         <p:nvSpPr>
-          <p:cNvPr id="222" name="Google Shape;222;p31"/>
+          <p:cNvPr id="221" name="Google Shape;221;p31"/>
           <p:cNvSpPr txBox="1"/>
           <p:nvPr>
             <p:ph type="title"/>
@@ -15635,7 +16040,7 @@
       </p:sp>
       <p:sp>
         <p:nvSpPr>
-          <p:cNvPr id="223" name="Google Shape;223;p31"/>
+          <p:cNvPr id="222" name="Google Shape;222;p31"/>
           <p:cNvSpPr txBox="1"/>
           <p:nvPr>
             <p:ph idx="1" type="body"/>
@@ -15781,7 +16186,7 @@
       </p:sp>
       <p:sp>
         <p:nvSpPr>
-          <p:cNvPr id="224" name="Google Shape;224;p31"/>
+          <p:cNvPr id="223" name="Google Shape;223;p31"/>
           <p:cNvSpPr txBox="1"/>
           <p:nvPr/>
         </p:nvSpPr>
@@ -15842,7 +16247,7 @@
       </p:sp>
       <p:pic>
         <p:nvPicPr>
-          <p:cNvPr id="225" name="Google Shape;225;p31"/>
+          <p:cNvPr id="224" name="Google Shape;224;p31"/>
           <p:cNvPicPr preferRelativeResize="0"/>
           <p:nvPr/>
         </p:nvPicPr>
@@ -15869,7 +16274,7 @@
       </p:pic>
       <p:pic>
         <p:nvPicPr>
-          <p:cNvPr id="226" name="Google Shape;226;p31"/>
+          <p:cNvPr id="225" name="Google Shape;225;p31"/>
           <p:cNvPicPr preferRelativeResize="0"/>
           <p:nvPr/>
         </p:nvPicPr>
@@ -15896,7 +16301,7 @@
       </p:pic>
       <p:pic>
         <p:nvPicPr>
-          <p:cNvPr id="227" name="Google Shape;227;p31"/>
+          <p:cNvPr id="226" name="Google Shape;226;p31"/>
           <p:cNvPicPr preferRelativeResize="0"/>
           <p:nvPr/>
         </p:nvPicPr>
@@ -16122,7 +16527,7 @@
   <p:cSld>
     <p:spTree>
       <p:nvGrpSpPr>
-        <p:cNvPr id="231" name="Shape 231"/>
+        <p:cNvPr id="230" name="Shape 230"/>
         <p:cNvGrpSpPr/>
         <p:nvPr/>
       </p:nvGrpSpPr>
@@ -16136,7 +16541,7 @@
       </p:grpSpPr>
       <p:sp>
         <p:nvSpPr>
-          <p:cNvPr id="232" name="Google Shape;232;p32"/>
+          <p:cNvPr id="231" name="Google Shape;231;p32"/>
           <p:cNvSpPr txBox="1"/>
           <p:nvPr>
             <p:ph type="title"/>
@@ -16180,7 +16585,7 @@
       </p:sp>
       <p:sp>
         <p:nvSpPr>
-          <p:cNvPr id="233" name="Google Shape;233;p32"/>
+          <p:cNvPr id="232" name="Google Shape;232;p32"/>
           <p:cNvSpPr txBox="1"/>
           <p:nvPr>
             <p:ph idx="1" type="body"/>
@@ -16452,7 +16857,7 @@
       </p:sp>
       <p:grpSp>
         <p:nvGrpSpPr>
-          <p:cNvPr id="234" name="Google Shape;234;p32"/>
+          <p:cNvPr id="233" name="Google Shape;233;p32"/>
           <p:cNvGrpSpPr/>
           <p:nvPr/>
         </p:nvGrpSpPr>
@@ -16466,7 +16871,7 @@
         </p:grpSpPr>
         <p:sp>
           <p:nvSpPr>
-            <p:cNvPr id="235" name="Google Shape;235;p32"/>
+            <p:cNvPr id="234" name="Google Shape;234;p32"/>
             <p:cNvSpPr txBox="1"/>
             <p:nvPr/>
           </p:nvSpPr>
@@ -16732,9 +17137,9 @@
         </p:sp>
         <p:cxnSp>
           <p:nvCxnSpPr>
-            <p:cNvPr id="236" name="Google Shape;236;p32"/>
+            <p:cNvPr id="235" name="Google Shape;235;p32"/>
             <p:cNvCxnSpPr>
-              <a:endCxn id="237" idx="0"/>
+              <a:endCxn id="236" idx="0"/>
             </p:cNvCxnSpPr>
             <p:nvPr/>
           </p:nvCxnSpPr>
@@ -16760,7 +17165,7 @@
         </p:cxnSp>
         <p:sp>
           <p:nvSpPr>
-            <p:cNvPr id="238" name="Google Shape;238;p32"/>
+            <p:cNvPr id="237" name="Google Shape;237;p32"/>
             <p:cNvSpPr txBox="1"/>
             <p:nvPr/>
           </p:nvSpPr>
@@ -16818,7 +17223,7 @@
         </p:sp>
         <p:sp>
           <p:nvSpPr>
-            <p:cNvPr id="237" name="Google Shape;237;p32"/>
+            <p:cNvPr id="236" name="Google Shape;236;p32"/>
             <p:cNvSpPr txBox="1"/>
             <p:nvPr/>
           </p:nvSpPr>
@@ -16876,7 +17281,7 @@
         </p:sp>
         <p:sp>
           <p:nvSpPr>
-            <p:cNvPr id="239" name="Google Shape;239;p32"/>
+            <p:cNvPr id="238" name="Google Shape;238;p32"/>
             <p:cNvSpPr txBox="1"/>
             <p:nvPr/>
           </p:nvSpPr>
@@ -16946,7 +17351,7 @@
   <p:cSld>
     <p:spTree>
       <p:nvGrpSpPr>
-        <p:cNvPr id="243" name="Shape 243"/>
+        <p:cNvPr id="242" name="Shape 242"/>
         <p:cNvGrpSpPr/>
         <p:nvPr/>
       </p:nvGrpSpPr>
@@ -16960,7 +17365,7 @@
       </p:grpSpPr>
       <p:sp>
         <p:nvSpPr>
-          <p:cNvPr id="244" name="Google Shape;244;p33"/>
+          <p:cNvPr id="243" name="Google Shape;243;p33"/>
           <p:cNvSpPr txBox="1"/>
           <p:nvPr>
             <p:ph type="title"/>
@@ -17004,7 +17409,7 @@
       </p:sp>
       <p:sp>
         <p:nvSpPr>
-          <p:cNvPr id="245" name="Google Shape;245;p33"/>
+          <p:cNvPr id="244" name="Google Shape;244;p33"/>
           <p:cNvSpPr txBox="1"/>
           <p:nvPr>
             <p:ph idx="1" type="body"/>
@@ -17012,7 +17417,7 @@
         </p:nvSpPr>
         <p:spPr>
           <a:xfrm>
-            <a:off x="729450" y="1563825"/>
+            <a:off x="729450" y="1640025"/>
             <a:ext cx="3701100" cy="3505500"/>
           </a:xfrm>
           <a:prstGeom prst="rect">
@@ -17205,14 +17610,14 @@
       </p:sp>
       <p:sp>
         <p:nvSpPr>
-          <p:cNvPr id="246" name="Google Shape;246;p33"/>
+          <p:cNvPr id="245" name="Google Shape;245;p33"/>
           <p:cNvSpPr txBox="1"/>
           <p:nvPr/>
         </p:nvSpPr>
         <p:spPr>
           <a:xfrm>
-            <a:off x="710550" y="4082525"/>
-            <a:ext cx="6957000" cy="1046700"/>
+            <a:off x="5128875" y="2221050"/>
+            <a:ext cx="3649200" cy="1462200"/>
           </a:xfrm>
           <a:prstGeom prst="rect">
             <a:avLst/>
@@ -17260,7 +17665,11 @@
                 </a:solidFill>
                 <a:hlinkClick r:id="rId3"/>
               </a:rPr>
-              <a:t>https://www.researchgate.net/post/Can-I-combine-2-independent-variable-as-one-variable-in-a-model-Can-I-still-include-the-individual-variable-in-the-same-model-after-combing-the-two</a:t>
+              <a:t>https://doi.org/10.1109/ICCE48956.2021.9352111</a:t>
+            </a:r>
+            <a:r>
+              <a:rPr lang="en" sz="900"/>
+              <a:t>, 2021  (Pham, C. D., Anh Chu, T., Pham, H. H., Linh Dao, M., Pham, T. S., Hung Trinh, V., &amp; Nguyen, D. H. A recommendation system for offers in telecommunications)</a:t>
             </a:r>
             <a:endParaRPr sz="900"/>
           </a:p>
@@ -17317,34 +17726,6 @@
           </a:p>
         </p:txBody>
       </p:sp>
-      <p:pic>
-        <p:nvPicPr>
-          <p:cNvPr id="247" name="Google Shape;247;p33"/>
-          <p:cNvPicPr preferRelativeResize="0"/>
-          <p:nvPr/>
-        </p:nvPicPr>
-        <p:blipFill>
-          <a:blip r:embed="rId5">
-            <a:alphaModFix/>
-          </a:blip>
-          <a:stretch>
-            <a:fillRect/>
-          </a:stretch>
-        </p:blipFill>
-        <p:spPr>
-          <a:xfrm>
-            <a:off x="4532100" y="1599950"/>
-            <a:ext cx="4408650" cy="2375728"/>
-          </a:xfrm>
-          <a:prstGeom prst="rect">
-            <a:avLst/>
-          </a:prstGeom>
-          <a:noFill/>
-          <a:ln>
-            <a:noFill/>
-          </a:ln>
-        </p:spPr>
-      </p:pic>
     </p:spTree>
   </p:cSld>
   <p:clrMapOvr>
@@ -17358,7 +17739,7 @@
   <p:cSld>
     <p:spTree>
       <p:nvGrpSpPr>
-        <p:cNvPr id="251" name="Shape 251"/>
+        <p:cNvPr id="249" name="Shape 249"/>
         <p:cNvGrpSpPr/>
         <p:nvPr/>
       </p:nvGrpSpPr>
@@ -17372,7 +17753,7 @@
       </p:grpSpPr>
       <p:sp>
         <p:nvSpPr>
-          <p:cNvPr id="252" name="Google Shape;252;p34"/>
+          <p:cNvPr id="250" name="Google Shape;250;p34"/>
           <p:cNvSpPr txBox="1"/>
           <p:nvPr>
             <p:ph type="title"/>
@@ -17416,7 +17797,7 @@
       </p:sp>
       <p:sp>
         <p:nvSpPr>
-          <p:cNvPr id="253" name="Google Shape;253;p34"/>
+          <p:cNvPr id="251" name="Google Shape;251;p34"/>
           <p:cNvSpPr txBox="1"/>
           <p:nvPr>
             <p:ph idx="1" type="body"/>
@@ -17656,7 +18037,7 @@
       </p:sp>
       <p:grpSp>
         <p:nvGrpSpPr>
-          <p:cNvPr id="254" name="Google Shape;254;p34"/>
+          <p:cNvPr id="252" name="Google Shape;252;p34"/>
           <p:cNvGrpSpPr/>
           <p:nvPr/>
         </p:nvGrpSpPr>
@@ -17670,7 +18051,7 @@
         </p:grpSpPr>
         <p:sp>
           <p:nvSpPr>
-            <p:cNvPr id="255" name="Google Shape;255;p34"/>
+            <p:cNvPr id="253" name="Google Shape;253;p34"/>
             <p:cNvSpPr txBox="1"/>
             <p:nvPr/>
           </p:nvSpPr>
@@ -17936,9 +18317,9 @@
         </p:sp>
         <p:cxnSp>
           <p:nvCxnSpPr>
-            <p:cNvPr id="256" name="Google Shape;256;p34"/>
+            <p:cNvPr id="254" name="Google Shape;254;p34"/>
             <p:cNvCxnSpPr>
-              <a:endCxn id="257" idx="0"/>
+              <a:endCxn id="255" idx="0"/>
             </p:cNvCxnSpPr>
             <p:nvPr/>
           </p:nvCxnSpPr>
@@ -17964,7 +18345,7 @@
         </p:cxnSp>
         <p:sp>
           <p:nvSpPr>
-            <p:cNvPr id="258" name="Google Shape;258;p34"/>
+            <p:cNvPr id="256" name="Google Shape;256;p34"/>
             <p:cNvSpPr txBox="1"/>
             <p:nvPr/>
           </p:nvSpPr>
@@ -18022,7 +18403,7 @@
         </p:sp>
         <p:sp>
           <p:nvSpPr>
-            <p:cNvPr id="257" name="Google Shape;257;p34"/>
+            <p:cNvPr id="255" name="Google Shape;255;p34"/>
             <p:cNvSpPr txBox="1"/>
             <p:nvPr/>
           </p:nvSpPr>
@@ -18080,7 +18461,7 @@
         </p:sp>
         <p:sp>
           <p:nvSpPr>
-            <p:cNvPr id="259" name="Google Shape;259;p34"/>
+            <p:cNvPr id="257" name="Google Shape;257;p34"/>
             <p:cNvSpPr txBox="1"/>
             <p:nvPr/>
           </p:nvSpPr>
@@ -18150,7 +18531,7 @@
   <p:cSld>
     <p:spTree>
       <p:nvGrpSpPr>
-        <p:cNvPr id="263" name="Shape 263"/>
+        <p:cNvPr id="261" name="Shape 261"/>
         <p:cNvGrpSpPr/>
         <p:nvPr/>
       </p:nvGrpSpPr>
@@ -18164,7 +18545,7 @@
       </p:grpSpPr>
       <p:sp>
         <p:nvSpPr>
-          <p:cNvPr id="264" name="Google Shape;264;p35"/>
+          <p:cNvPr id="262" name="Google Shape;262;p35"/>
           <p:cNvSpPr txBox="1"/>
           <p:nvPr>
             <p:ph type="title"/>
@@ -18208,7 +18589,7 @@
       </p:sp>
       <p:sp>
         <p:nvSpPr>
-          <p:cNvPr id="265" name="Google Shape;265;p35"/>
+          <p:cNvPr id="263" name="Google Shape;263;p35"/>
           <p:cNvSpPr txBox="1"/>
           <p:nvPr>
             <p:ph idx="1" type="body"/>
@@ -18440,7 +18821,7 @@
       </p:sp>
       <p:sp>
         <p:nvSpPr>
-          <p:cNvPr id="266" name="Google Shape;266;p35"/>
+          <p:cNvPr id="264" name="Google Shape;264;p35"/>
           <p:cNvSpPr txBox="1"/>
           <p:nvPr/>
         </p:nvSpPr>
@@ -18501,7 +18882,7 @@
       </p:sp>
       <p:pic>
         <p:nvPicPr>
-          <p:cNvPr id="267" name="Google Shape;267;p35"/>
+          <p:cNvPr id="265" name="Google Shape;265;p35"/>
           <p:cNvPicPr preferRelativeResize="0"/>
           <p:nvPr/>
         </p:nvPicPr>
@@ -18540,7 +18921,7 @@
   <p:cSld>
     <p:spTree>
       <p:nvGrpSpPr>
-        <p:cNvPr id="271" name="Shape 271"/>
+        <p:cNvPr id="269" name="Shape 269"/>
         <p:cNvGrpSpPr/>
         <p:nvPr/>
       </p:nvGrpSpPr>
@@ -18554,7 +18935,7 @@
       </p:grpSpPr>
       <p:sp>
         <p:nvSpPr>
-          <p:cNvPr id="272" name="Google Shape;272;p36"/>
+          <p:cNvPr id="270" name="Google Shape;270;p36"/>
           <p:cNvSpPr txBox="1"/>
           <p:nvPr>
             <p:ph type="title"/>
@@ -18598,7 +18979,7 @@
       </p:sp>
       <p:pic>
         <p:nvPicPr>
-          <p:cNvPr id="273" name="Google Shape;273;p36"/>
+          <p:cNvPr id="271" name="Google Shape;271;p36"/>
           <p:cNvPicPr preferRelativeResize="0"/>
           <p:nvPr/>
         </p:nvPicPr>
@@ -18626,7 +19007,7 @@
       </p:pic>
       <p:pic>
         <p:nvPicPr>
-          <p:cNvPr id="274" name="Google Shape;274;p36"/>
+          <p:cNvPr id="272" name="Google Shape;272;p36"/>
           <p:cNvPicPr preferRelativeResize="0"/>
           <p:nvPr/>
         </p:nvPicPr>
@@ -18665,7 +19046,7 @@
   <p:cSld>
     <p:spTree>
       <p:nvGrpSpPr>
-        <p:cNvPr id="278" name="Shape 278"/>
+        <p:cNvPr id="276" name="Shape 276"/>
         <p:cNvGrpSpPr/>
         <p:nvPr/>
       </p:nvGrpSpPr>
@@ -18679,7 +19060,7 @@
       </p:grpSpPr>
       <p:sp>
         <p:nvSpPr>
-          <p:cNvPr id="279" name="Google Shape;279;p37"/>
+          <p:cNvPr id="277" name="Google Shape;277;p37"/>
           <p:cNvSpPr txBox="1"/>
           <p:nvPr>
             <p:ph type="title"/>
@@ -18735,7 +19116,7 @@
       </p:sp>
       <p:sp>
         <p:nvSpPr>
-          <p:cNvPr id="280" name="Google Shape;280;p37"/>
+          <p:cNvPr id="278" name="Google Shape;278;p37"/>
           <p:cNvSpPr txBox="1"/>
           <p:nvPr>
             <p:ph idx="1" type="subTitle"/>
@@ -18774,7 +19155,7 @@
       </p:sp>
       <p:pic>
         <p:nvPicPr>
-          <p:cNvPr id="281" name="Google Shape;281;p37"/>
+          <p:cNvPr id="279" name="Google Shape;279;p37"/>
           <p:cNvPicPr preferRelativeResize="0"/>
           <p:nvPr/>
         </p:nvPicPr>
@@ -18788,8 +19169,8 @@
         </p:blipFill>
         <p:spPr>
           <a:xfrm>
-            <a:off x="4989913" y="1428822"/>
-            <a:ext cx="3590625" cy="2037000"/>
+            <a:off x="5129050" y="1155975"/>
+            <a:ext cx="3286125" cy="2667000"/>
           </a:xfrm>
           <a:prstGeom prst="rect">
             <a:avLst/>
@@ -18813,7 +19194,7 @@
   <p:cSld>
     <p:spTree>
       <p:nvGrpSpPr>
-        <p:cNvPr id="285" name="Shape 285"/>
+        <p:cNvPr id="283" name="Shape 283"/>
         <p:cNvGrpSpPr/>
         <p:nvPr/>
       </p:nvGrpSpPr>
@@ -18827,7 +19208,7 @@
       </p:grpSpPr>
       <p:sp>
         <p:nvSpPr>
-          <p:cNvPr id="286" name="Google Shape;286;p38"/>
+          <p:cNvPr id="284" name="Google Shape;284;p38"/>
           <p:cNvSpPr txBox="1"/>
           <p:nvPr>
             <p:ph type="title"/>
@@ -18871,7 +19252,7 @@
       </p:sp>
       <p:sp>
         <p:nvSpPr>
-          <p:cNvPr id="287" name="Google Shape;287;p38"/>
+          <p:cNvPr id="285" name="Google Shape;285;p38"/>
           <p:cNvSpPr txBox="1"/>
           <p:nvPr>
             <p:ph idx="1" type="body"/>
@@ -19287,7 +19668,7 @@
   <p:cSld>
     <p:spTree>
       <p:nvGrpSpPr>
-        <p:cNvPr id="291" name="Shape 291"/>
+        <p:cNvPr id="289" name="Shape 289"/>
         <p:cNvGrpSpPr/>
         <p:nvPr/>
       </p:nvGrpSpPr>
@@ -19301,7 +19682,7 @@
       </p:grpSpPr>
       <p:sp>
         <p:nvSpPr>
-          <p:cNvPr id="292" name="Google Shape;292;p39"/>
+          <p:cNvPr id="290" name="Google Shape;290;p39"/>
           <p:cNvSpPr txBox="1"/>
           <p:nvPr>
             <p:ph type="title"/>
@@ -19345,7 +19726,7 @@
       </p:sp>
       <p:pic>
         <p:nvPicPr>
-          <p:cNvPr id="293" name="Google Shape;293;p39"/>
+          <p:cNvPr id="291" name="Google Shape;291;p39"/>
           <p:cNvPicPr preferRelativeResize="0"/>
           <p:nvPr/>
         </p:nvPicPr>
@@ -19384,7 +19765,7 @@
   <p:cSld>
     <p:spTree>
       <p:nvGrpSpPr>
-        <p:cNvPr id="297" name="Shape 297"/>
+        <p:cNvPr id="295" name="Shape 295"/>
         <p:cNvGrpSpPr/>
         <p:nvPr/>
       </p:nvGrpSpPr>
@@ -19398,7 +19779,7 @@
       </p:grpSpPr>
       <p:sp>
         <p:nvSpPr>
-          <p:cNvPr id="298" name="Google Shape;298;p40"/>
+          <p:cNvPr id="296" name="Google Shape;296;p40"/>
           <p:cNvSpPr txBox="1"/>
           <p:nvPr>
             <p:ph type="title"/>
@@ -19442,7 +19823,7 @@
       </p:sp>
       <p:pic>
         <p:nvPicPr>
-          <p:cNvPr id="299" name="Google Shape;299;p40"/>
+          <p:cNvPr id="297" name="Google Shape;297;p40"/>
           <p:cNvPicPr preferRelativeResize="0"/>
           <p:nvPr/>
         </p:nvPicPr>
@@ -19481,7 +19862,7 @@
   <p:cSld>
     <p:spTree>
       <p:nvGrpSpPr>
-        <p:cNvPr id="303" name="Shape 303"/>
+        <p:cNvPr id="301" name="Shape 301"/>
         <p:cNvGrpSpPr/>
         <p:nvPr/>
       </p:nvGrpSpPr>
@@ -19495,7 +19876,7 @@
       </p:grpSpPr>
       <p:sp>
         <p:nvSpPr>
-          <p:cNvPr id="304" name="Google Shape;304;p41"/>
+          <p:cNvPr id="302" name="Google Shape;302;p41"/>
           <p:cNvSpPr txBox="1"/>
           <p:nvPr>
             <p:ph type="title"/>
@@ -19535,7 +19916,7 @@
       </p:sp>
       <p:pic>
         <p:nvPicPr>
-          <p:cNvPr id="305" name="Google Shape;305;p41"/>
+          <p:cNvPr id="303" name="Google Shape;303;p41"/>
           <p:cNvPicPr preferRelativeResize="0"/>
           <p:nvPr/>
         </p:nvPicPr>
@@ -19563,7 +19944,7 @@
       </p:pic>
       <p:pic>
         <p:nvPicPr>
-          <p:cNvPr id="306" name="Google Shape;306;p41"/>
+          <p:cNvPr id="304" name="Google Shape;304;p41"/>
           <p:cNvPicPr preferRelativeResize="0"/>
           <p:nvPr/>
         </p:nvPicPr>
@@ -20103,7 +20484,7 @@
   <p:cSld>
     <p:spTree>
       <p:nvGrpSpPr>
-        <p:cNvPr id="310" name="Shape 310"/>
+        <p:cNvPr id="308" name="Shape 308"/>
         <p:cNvGrpSpPr/>
         <p:nvPr/>
       </p:nvGrpSpPr>
@@ -20117,7 +20498,7 @@
       </p:grpSpPr>
       <p:sp>
         <p:nvSpPr>
-          <p:cNvPr id="311" name="Google Shape;311;p42"/>
+          <p:cNvPr id="309" name="Google Shape;309;p42"/>
           <p:cNvSpPr txBox="1"/>
           <p:nvPr>
             <p:ph type="title"/>
@@ -20161,7 +20542,7 @@
       </p:sp>
       <p:sp>
         <p:nvSpPr>
-          <p:cNvPr id="312" name="Google Shape;312;p42"/>
+          <p:cNvPr id="310" name="Google Shape;310;p42"/>
           <p:cNvSpPr txBox="1"/>
           <p:nvPr>
             <p:ph idx="1" type="body"/>
@@ -20317,7 +20698,7 @@
       </p:sp>
       <p:grpSp>
         <p:nvGrpSpPr>
-          <p:cNvPr id="313" name="Google Shape;313;p42"/>
+          <p:cNvPr id="311" name="Google Shape;311;p42"/>
           <p:cNvGrpSpPr/>
           <p:nvPr/>
         </p:nvGrpSpPr>
@@ -20331,7 +20712,7 @@
         </p:grpSpPr>
         <p:sp>
           <p:nvSpPr>
-            <p:cNvPr id="314" name="Google Shape;314;p42"/>
+            <p:cNvPr id="312" name="Google Shape;312;p42"/>
             <p:cNvSpPr txBox="1"/>
             <p:nvPr/>
           </p:nvSpPr>
@@ -20597,9 +20978,9 @@
         </p:sp>
         <p:cxnSp>
           <p:nvCxnSpPr>
-            <p:cNvPr id="315" name="Google Shape;315;p42"/>
+            <p:cNvPr id="313" name="Google Shape;313;p42"/>
             <p:cNvCxnSpPr>
-              <a:endCxn id="316" idx="0"/>
+              <a:endCxn id="314" idx="0"/>
             </p:cNvCxnSpPr>
             <p:nvPr/>
           </p:nvCxnSpPr>
@@ -20625,7 +21006,7 @@
         </p:cxnSp>
         <p:sp>
           <p:nvSpPr>
-            <p:cNvPr id="317" name="Google Shape;317;p42"/>
+            <p:cNvPr id="315" name="Google Shape;315;p42"/>
             <p:cNvSpPr txBox="1"/>
             <p:nvPr/>
           </p:nvSpPr>
@@ -20683,7 +21064,7 @@
         </p:sp>
         <p:sp>
           <p:nvSpPr>
-            <p:cNvPr id="316" name="Google Shape;316;p42"/>
+            <p:cNvPr id="314" name="Google Shape;314;p42"/>
             <p:cNvSpPr txBox="1"/>
             <p:nvPr/>
           </p:nvSpPr>
@@ -20741,7 +21122,7 @@
         </p:sp>
         <p:sp>
           <p:nvSpPr>
-            <p:cNvPr id="318" name="Google Shape;318;p42"/>
+            <p:cNvPr id="316" name="Google Shape;316;p42"/>
             <p:cNvSpPr txBox="1"/>
             <p:nvPr/>
           </p:nvSpPr>
@@ -20811,7 +21192,7 @@
   <p:cSld>
     <p:spTree>
       <p:nvGrpSpPr>
-        <p:cNvPr id="322" name="Shape 322"/>
+        <p:cNvPr id="320" name="Shape 320"/>
         <p:cNvGrpSpPr/>
         <p:nvPr/>
       </p:nvGrpSpPr>
@@ -20825,7 +21206,7 @@
       </p:grpSpPr>
       <p:sp>
         <p:nvSpPr>
-          <p:cNvPr id="323" name="Google Shape;323;p43"/>
+          <p:cNvPr id="321" name="Google Shape;321;p43"/>
           <p:cNvSpPr txBox="1"/>
           <p:nvPr>
             <p:ph type="title"/>
@@ -20869,7 +21250,7 @@
       </p:sp>
       <p:sp>
         <p:nvSpPr>
-          <p:cNvPr id="324" name="Google Shape;324;p43"/>
+          <p:cNvPr id="322" name="Google Shape;322;p43"/>
           <p:cNvSpPr txBox="1"/>
           <p:nvPr>
             <p:ph idx="1" type="body"/>
@@ -20877,7 +21258,7 @@
         </p:nvSpPr>
         <p:spPr>
           <a:xfrm>
-            <a:off x="729450" y="1563825"/>
+            <a:off x="729450" y="1640025"/>
             <a:ext cx="3701100" cy="3505500"/>
           </a:xfrm>
           <a:prstGeom prst="rect">
@@ -21070,14 +21451,14 @@
       </p:sp>
       <p:sp>
         <p:nvSpPr>
-          <p:cNvPr id="325" name="Google Shape;325;p43"/>
+          <p:cNvPr id="323" name="Google Shape;323;p43"/>
           <p:cNvSpPr txBox="1"/>
           <p:nvPr/>
         </p:nvSpPr>
         <p:spPr>
           <a:xfrm>
-            <a:off x="710550" y="4082525"/>
-            <a:ext cx="6957000" cy="1046700"/>
+            <a:off x="5128875" y="2221050"/>
+            <a:ext cx="3649200" cy="1462200"/>
           </a:xfrm>
           <a:prstGeom prst="rect">
             <a:avLst/>
@@ -21125,7 +21506,11 @@
                 </a:solidFill>
                 <a:hlinkClick r:id="rId3"/>
               </a:rPr>
-              <a:t>https://www.researchgate.net/post/Can-I-combine-2-independent-variable-as-one-variable-in-a-model-Can-I-still-include-the-individual-variable-in-the-same-model-after-combing-the-two</a:t>
+              <a:t>https://doi.org/10.1109/ICCE48956.2021.9352111</a:t>
+            </a:r>
+            <a:r>
+              <a:rPr lang="en" sz="900"/>
+              <a:t>, 2021  (Pham, C. D., Anh Chu, T., Pham, H. H., Linh Dao, M., Pham, T. S., Hung Trinh, V., &amp; Nguyen, D. H. A recommendation system for offers in telecommunications)</a:t>
             </a:r>
             <a:endParaRPr sz="900"/>
           </a:p>
@@ -21182,34 +21567,6 @@
           </a:p>
         </p:txBody>
       </p:sp>
-      <p:pic>
-        <p:nvPicPr>
-          <p:cNvPr id="326" name="Google Shape;326;p43"/>
-          <p:cNvPicPr preferRelativeResize="0"/>
-          <p:nvPr/>
-        </p:nvPicPr>
-        <p:blipFill>
-          <a:blip r:embed="rId5">
-            <a:alphaModFix/>
-          </a:blip>
-          <a:stretch>
-            <a:fillRect/>
-          </a:stretch>
-        </p:blipFill>
-        <p:spPr>
-          <a:xfrm>
-            <a:off x="5344950" y="1439950"/>
-            <a:ext cx="2724689" cy="2642575"/>
-          </a:xfrm>
-          <a:prstGeom prst="rect">
-            <a:avLst/>
-          </a:prstGeom>
-          <a:noFill/>
-          <a:ln>
-            <a:noFill/>
-          </a:ln>
-        </p:spPr>
-      </p:pic>
     </p:spTree>
   </p:cSld>
   <p:clrMapOvr>
@@ -21223,7 +21580,7 @@
   <p:cSld>
     <p:spTree>
       <p:nvGrpSpPr>
-        <p:cNvPr id="330" name="Shape 330"/>
+        <p:cNvPr id="327" name="Shape 327"/>
         <p:cNvGrpSpPr/>
         <p:nvPr/>
       </p:nvGrpSpPr>
@@ -21237,7 +21594,7 @@
       </p:grpSpPr>
       <p:sp>
         <p:nvSpPr>
-          <p:cNvPr id="331" name="Google Shape;331;p44"/>
+          <p:cNvPr id="328" name="Google Shape;328;p44"/>
           <p:cNvSpPr txBox="1"/>
           <p:nvPr>
             <p:ph type="title"/>
@@ -21281,7 +21638,7 @@
       </p:sp>
       <p:sp>
         <p:nvSpPr>
-          <p:cNvPr id="332" name="Google Shape;332;p44"/>
+          <p:cNvPr id="329" name="Google Shape;329;p44"/>
           <p:cNvSpPr txBox="1"/>
           <p:nvPr>
             <p:ph idx="1" type="body"/>
@@ -21489,7 +21846,7 @@
       </p:sp>
       <p:grpSp>
         <p:nvGrpSpPr>
-          <p:cNvPr id="333" name="Google Shape;333;p44"/>
+          <p:cNvPr id="330" name="Google Shape;330;p44"/>
           <p:cNvGrpSpPr/>
           <p:nvPr/>
         </p:nvGrpSpPr>
@@ -21503,7 +21860,7 @@
         </p:grpSpPr>
         <p:sp>
           <p:nvSpPr>
-            <p:cNvPr id="334" name="Google Shape;334;p44"/>
+            <p:cNvPr id="331" name="Google Shape;331;p44"/>
             <p:cNvSpPr txBox="1"/>
             <p:nvPr/>
           </p:nvSpPr>
@@ -21769,9 +22126,9 @@
         </p:sp>
         <p:cxnSp>
           <p:nvCxnSpPr>
-            <p:cNvPr id="335" name="Google Shape;335;p44"/>
+            <p:cNvPr id="332" name="Google Shape;332;p44"/>
             <p:cNvCxnSpPr>
-              <a:endCxn id="336" idx="0"/>
+              <a:endCxn id="333" idx="0"/>
             </p:cNvCxnSpPr>
             <p:nvPr/>
           </p:nvCxnSpPr>
@@ -21797,7 +22154,7 @@
         </p:cxnSp>
         <p:sp>
           <p:nvSpPr>
-            <p:cNvPr id="337" name="Google Shape;337;p44"/>
+            <p:cNvPr id="334" name="Google Shape;334;p44"/>
             <p:cNvSpPr txBox="1"/>
             <p:nvPr/>
           </p:nvSpPr>
@@ -21855,7 +22212,7 @@
         </p:sp>
         <p:sp>
           <p:nvSpPr>
-            <p:cNvPr id="336" name="Google Shape;336;p44"/>
+            <p:cNvPr id="333" name="Google Shape;333;p44"/>
             <p:cNvSpPr txBox="1"/>
             <p:nvPr/>
           </p:nvSpPr>
@@ -21913,7 +22270,7 @@
         </p:sp>
         <p:sp>
           <p:nvSpPr>
-            <p:cNvPr id="338" name="Google Shape;338;p44"/>
+            <p:cNvPr id="335" name="Google Shape;335;p44"/>
             <p:cNvSpPr txBox="1"/>
             <p:nvPr/>
           </p:nvSpPr>
@@ -21983,7 +22340,7 @@
   <p:cSld>
     <p:spTree>
       <p:nvGrpSpPr>
-        <p:cNvPr id="342" name="Shape 342"/>
+        <p:cNvPr id="339" name="Shape 339"/>
         <p:cNvGrpSpPr/>
         <p:nvPr/>
       </p:nvGrpSpPr>
@@ -21997,7 +22354,7 @@
       </p:grpSpPr>
       <p:sp>
         <p:nvSpPr>
-          <p:cNvPr id="343" name="Google Shape;343;p45"/>
+          <p:cNvPr id="340" name="Google Shape;340;p45"/>
           <p:cNvSpPr txBox="1"/>
           <p:nvPr>
             <p:ph type="title"/>
@@ -22041,7 +22398,7 @@
       </p:sp>
       <p:sp>
         <p:nvSpPr>
-          <p:cNvPr id="344" name="Google Shape;344;p45"/>
+          <p:cNvPr id="341" name="Google Shape;341;p45"/>
           <p:cNvSpPr txBox="1"/>
           <p:nvPr>
             <p:ph idx="1" type="body"/>
@@ -22273,7 +22630,7 @@
       </p:sp>
       <p:sp>
         <p:nvSpPr>
-          <p:cNvPr id="345" name="Google Shape;345;p45"/>
+          <p:cNvPr id="342" name="Google Shape;342;p45"/>
           <p:cNvSpPr txBox="1"/>
           <p:nvPr/>
         </p:nvSpPr>
@@ -22334,7 +22691,7 @@
       </p:sp>
       <p:pic>
         <p:nvPicPr>
-          <p:cNvPr id="346" name="Google Shape;346;p45"/>
+          <p:cNvPr id="343" name="Google Shape;343;p45"/>
           <p:cNvPicPr preferRelativeResize="0"/>
           <p:nvPr/>
         </p:nvPicPr>
@@ -22373,7 +22730,7 @@
   <p:cSld>
     <p:spTree>
       <p:nvGrpSpPr>
-        <p:cNvPr id="350" name="Shape 350"/>
+        <p:cNvPr id="347" name="Shape 347"/>
         <p:cNvGrpSpPr/>
         <p:nvPr/>
       </p:nvGrpSpPr>
@@ -22387,7 +22744,7 @@
       </p:grpSpPr>
       <p:sp>
         <p:nvSpPr>
-          <p:cNvPr id="351" name="Google Shape;351;p46"/>
+          <p:cNvPr id="348" name="Google Shape;348;p46"/>
           <p:cNvSpPr txBox="1"/>
           <p:nvPr>
             <p:ph type="title"/>
@@ -22431,7 +22788,7 @@
       </p:sp>
       <p:pic>
         <p:nvPicPr>
-          <p:cNvPr id="352" name="Google Shape;352;p46"/>
+          <p:cNvPr id="349" name="Google Shape;349;p46"/>
           <p:cNvPicPr preferRelativeResize="0"/>
           <p:nvPr/>
         </p:nvPicPr>
@@ -22459,7 +22816,7 @@
       </p:pic>
       <p:pic>
         <p:nvPicPr>
-          <p:cNvPr id="353" name="Google Shape;353;p46"/>
+          <p:cNvPr id="350" name="Google Shape;350;p46"/>
           <p:cNvPicPr preferRelativeResize="0"/>
           <p:nvPr/>
         </p:nvPicPr>
@@ -22498,7 +22855,7 @@
   <p:cSld>
     <p:spTree>
       <p:nvGrpSpPr>
-        <p:cNvPr id="357" name="Shape 357"/>
+        <p:cNvPr id="354" name="Shape 354"/>
         <p:cNvGrpSpPr/>
         <p:nvPr/>
       </p:nvGrpSpPr>
@@ -22512,7 +22869,7 @@
       </p:grpSpPr>
       <p:sp>
         <p:nvSpPr>
-          <p:cNvPr id="358" name="Google Shape;358;p47"/>
+          <p:cNvPr id="355" name="Google Shape;355;p47"/>
           <p:cNvSpPr txBox="1"/>
           <p:nvPr>
             <p:ph type="title"/>
@@ -22552,7 +22909,7 @@
       </p:sp>
       <p:pic>
         <p:nvPicPr>
-          <p:cNvPr id="359" name="Google Shape;359;p47"/>
+          <p:cNvPr id="356" name="Google Shape;356;p47"/>
           <p:cNvPicPr preferRelativeResize="0"/>
           <p:nvPr/>
         </p:nvPicPr>
@@ -22579,7 +22936,7 @@
       </p:pic>
       <p:pic>
         <p:nvPicPr>
-          <p:cNvPr id="360" name="Google Shape;360;p47"/>
+          <p:cNvPr id="357" name="Google Shape;357;p47"/>
           <p:cNvPicPr preferRelativeResize="0"/>
           <p:nvPr/>
         </p:nvPicPr>
@@ -22618,7 +22975,7 @@
   <p:cSld>
     <p:spTree>
       <p:nvGrpSpPr>
-        <p:cNvPr id="364" name="Shape 364"/>
+        <p:cNvPr id="361" name="Shape 361"/>
         <p:cNvGrpSpPr/>
         <p:nvPr/>
       </p:nvGrpSpPr>
@@ -22632,7 +22989,7 @@
       </p:grpSpPr>
       <p:sp>
         <p:nvSpPr>
-          <p:cNvPr id="365" name="Google Shape;365;p48"/>
+          <p:cNvPr id="362" name="Google Shape;362;p48"/>
           <p:cNvSpPr txBox="1"/>
           <p:nvPr>
             <p:ph type="title"/>
@@ -22672,7 +23029,7 @@
       </p:sp>
       <p:sp>
         <p:nvSpPr>
-          <p:cNvPr id="366" name="Google Shape;366;p48"/>
+          <p:cNvPr id="363" name="Google Shape;363;p48"/>
           <p:cNvSpPr txBox="1"/>
           <p:nvPr>
             <p:ph idx="1" type="subTitle"/>
@@ -22711,7 +23068,7 @@
       </p:sp>
       <p:pic>
         <p:nvPicPr>
-          <p:cNvPr id="367" name="Google Shape;367;p48"/>
+          <p:cNvPr id="364" name="Google Shape;364;p48"/>
           <p:cNvPicPr preferRelativeResize="0"/>
           <p:nvPr/>
         </p:nvPicPr>
@@ -22725,8 +23082,8 @@
         </p:blipFill>
         <p:spPr>
           <a:xfrm>
-            <a:off x="5563600" y="999801"/>
-            <a:ext cx="2640475" cy="3024900"/>
+            <a:off x="5045600" y="1257825"/>
+            <a:ext cx="3286125" cy="2667000"/>
           </a:xfrm>
           <a:prstGeom prst="rect">
             <a:avLst/>
@@ -22750,7 +23107,7 @@
   <p:cSld>
     <p:spTree>
       <p:nvGrpSpPr>
-        <p:cNvPr id="371" name="Shape 371"/>
+        <p:cNvPr id="368" name="Shape 368"/>
         <p:cNvGrpSpPr/>
         <p:nvPr/>
       </p:nvGrpSpPr>
@@ -22764,7 +23121,7 @@
       </p:grpSpPr>
       <p:sp>
         <p:nvSpPr>
-          <p:cNvPr id="372" name="Google Shape;372;p49"/>
+          <p:cNvPr id="369" name="Google Shape;369;p49"/>
           <p:cNvSpPr txBox="1"/>
           <p:nvPr>
             <p:ph type="title"/>
@@ -22808,7 +23165,7 @@
       </p:sp>
       <p:sp>
         <p:nvSpPr>
-          <p:cNvPr id="373" name="Google Shape;373;p49"/>
+          <p:cNvPr id="370" name="Google Shape;370;p49"/>
           <p:cNvSpPr txBox="1"/>
           <p:nvPr>
             <p:ph idx="1" type="body"/>
@@ -23153,7 +23510,7 @@
   <p:cSld>
     <p:spTree>
       <p:nvGrpSpPr>
-        <p:cNvPr id="377" name="Shape 377"/>
+        <p:cNvPr id="374" name="Shape 374"/>
         <p:cNvGrpSpPr/>
         <p:nvPr/>
       </p:nvGrpSpPr>
@@ -23167,7 +23524,7 @@
       </p:grpSpPr>
       <p:sp>
         <p:nvSpPr>
-          <p:cNvPr id="378" name="Google Shape;378;p50"/>
+          <p:cNvPr id="375" name="Google Shape;375;p50"/>
           <p:cNvSpPr txBox="1"/>
           <p:nvPr>
             <p:ph type="title"/>
@@ -23207,7 +23564,7 @@
       </p:sp>
       <p:pic>
         <p:nvPicPr>
-          <p:cNvPr id="379" name="Google Shape;379;p50"/>
+          <p:cNvPr id="376" name="Google Shape;376;p50"/>
           <p:cNvPicPr preferRelativeResize="0"/>
           <p:nvPr/>
         </p:nvPicPr>
@@ -23246,7 +23603,7 @@
   <p:cSld>
     <p:spTree>
       <p:nvGrpSpPr>
-        <p:cNvPr id="383" name="Shape 383"/>
+        <p:cNvPr id="380" name="Shape 380"/>
         <p:cNvGrpSpPr/>
         <p:nvPr/>
       </p:nvGrpSpPr>
@@ -23260,7 +23617,7 @@
       </p:grpSpPr>
       <p:sp>
         <p:nvSpPr>
-          <p:cNvPr id="384" name="Google Shape;384;p51"/>
+          <p:cNvPr id="381" name="Google Shape;381;p51"/>
           <p:cNvSpPr txBox="1"/>
           <p:nvPr>
             <p:ph type="title"/>
@@ -23300,7 +23657,7 @@
       </p:sp>
       <p:sp>
         <p:nvSpPr>
-          <p:cNvPr id="385" name="Google Shape;385;p51"/>
+          <p:cNvPr id="382" name="Google Shape;382;p51"/>
           <p:cNvSpPr txBox="1"/>
           <p:nvPr>
             <p:ph idx="1" type="body"/>
@@ -23670,7 +24027,7 @@
   <p:cSld>
     <p:spTree>
       <p:nvGrpSpPr>
-        <p:cNvPr id="389" name="Shape 389"/>
+        <p:cNvPr id="386" name="Shape 386"/>
         <p:cNvGrpSpPr/>
         <p:nvPr/>
       </p:nvGrpSpPr>
@@ -23684,7 +24041,7 @@
       </p:grpSpPr>
       <p:sp>
         <p:nvSpPr>
-          <p:cNvPr id="390" name="Google Shape;390;p52"/>
+          <p:cNvPr id="387" name="Google Shape;387;p52"/>
           <p:cNvSpPr txBox="1"/>
           <p:nvPr>
             <p:ph type="title"/>
@@ -23724,7 +24081,7 @@
       </p:sp>
       <p:pic>
         <p:nvPicPr>
-          <p:cNvPr id="391" name="Google Shape;391;p52"/>
+          <p:cNvPr id="388" name="Google Shape;388;p52"/>
           <p:cNvPicPr preferRelativeResize="0"/>
           <p:nvPr/>
         </p:nvPicPr>
@@ -23752,7 +24109,7 @@
       </p:pic>
       <p:pic>
         <p:nvPicPr>
-          <p:cNvPr id="392" name="Google Shape;392;p52"/>
+          <p:cNvPr id="389" name="Google Shape;389;p52"/>
           <p:cNvPicPr preferRelativeResize="0"/>
           <p:nvPr/>
         </p:nvPicPr>
@@ -23791,7 +24148,7 @@
   <p:cSld>
     <p:spTree>
       <p:nvGrpSpPr>
-        <p:cNvPr id="396" name="Shape 396"/>
+        <p:cNvPr id="393" name="Shape 393"/>
         <p:cNvGrpSpPr/>
         <p:nvPr/>
       </p:nvGrpSpPr>
@@ -23805,7 +24162,7 @@
       </p:grpSpPr>
       <p:sp>
         <p:nvSpPr>
-          <p:cNvPr id="397" name="Google Shape;397;p53"/>
+          <p:cNvPr id="394" name="Google Shape;394;p53"/>
           <p:cNvSpPr txBox="1"/>
           <p:nvPr>
             <p:ph type="title"/>
@@ -23845,7 +24202,7 @@
       </p:sp>
       <p:sp>
         <p:nvSpPr>
-          <p:cNvPr id="398" name="Google Shape;398;p53"/>
+          <p:cNvPr id="395" name="Google Shape;395;p53"/>
           <p:cNvSpPr txBox="1"/>
           <p:nvPr>
             <p:ph idx="1" type="subTitle"/>
@@ -23884,7 +24241,7 @@
       </p:sp>
       <p:pic>
         <p:nvPicPr>
-          <p:cNvPr id="399" name="Google Shape;399;p53"/>
+          <p:cNvPr id="396" name="Google Shape;396;p53"/>
           <p:cNvPicPr preferRelativeResize="0"/>
           <p:nvPr/>
         </p:nvPicPr>
@@ -23923,7 +24280,7 @@
   <p:cSld>
     <p:spTree>
       <p:nvGrpSpPr>
-        <p:cNvPr id="403" name="Shape 403"/>
+        <p:cNvPr id="400" name="Shape 400"/>
         <p:cNvGrpSpPr/>
         <p:nvPr/>
       </p:nvGrpSpPr>
@@ -23937,7 +24294,7 @@
       </p:grpSpPr>
       <p:sp>
         <p:nvSpPr>
-          <p:cNvPr id="404" name="Google Shape;404;p54"/>
+          <p:cNvPr id="401" name="Google Shape;401;p54"/>
           <p:cNvSpPr txBox="1"/>
           <p:nvPr>
             <p:ph type="title"/>
@@ -23977,7 +24334,7 @@
       </p:sp>
       <p:sp>
         <p:nvSpPr>
-          <p:cNvPr id="405" name="Google Shape;405;p54"/>
+          <p:cNvPr id="402" name="Google Shape;402;p54"/>
           <p:cNvSpPr txBox="1"/>
           <p:nvPr>
             <p:ph idx="1" type="body"/>
@@ -24551,7 +24908,7 @@
   <p:cSld>
     <p:spTree>
       <p:nvGrpSpPr>
-        <p:cNvPr id="409" name="Shape 409"/>
+        <p:cNvPr id="406" name="Shape 406"/>
         <p:cNvGrpSpPr/>
         <p:nvPr/>
       </p:nvGrpSpPr>
@@ -24565,7 +24922,7 @@
       </p:grpSpPr>
       <p:sp>
         <p:nvSpPr>
-          <p:cNvPr id="410" name="Google Shape;410;p55"/>
+          <p:cNvPr id="407" name="Google Shape;407;p55"/>
           <p:cNvSpPr txBox="1"/>
           <p:nvPr>
             <p:ph type="title"/>
@@ -24605,7 +24962,7 @@
       </p:sp>
       <p:sp>
         <p:nvSpPr>
-          <p:cNvPr id="411" name="Google Shape;411;p55"/>
+          <p:cNvPr id="408" name="Google Shape;408;p55"/>
           <p:cNvSpPr txBox="1"/>
           <p:nvPr>
             <p:ph idx="1" type="body"/>
@@ -24970,7 +25327,7 @@
       </p:sp>
       <p:sp>
         <p:nvSpPr>
-          <p:cNvPr id="412" name="Google Shape;412;p55"/>
+          <p:cNvPr id="409" name="Google Shape;409;p55"/>
           <p:cNvSpPr txBox="1"/>
           <p:nvPr>
             <p:ph idx="1" type="body"/>
@@ -25268,7 +25625,7 @@
   <p:cSld>
     <p:spTree>
       <p:nvGrpSpPr>
-        <p:cNvPr id="416" name="Shape 416"/>
+        <p:cNvPr id="413" name="Shape 413"/>
         <p:cNvGrpSpPr/>
         <p:nvPr/>
       </p:nvGrpSpPr>
@@ -25282,7 +25639,7 @@
       </p:grpSpPr>
       <p:sp>
         <p:nvSpPr>
-          <p:cNvPr id="417" name="Google Shape;417;p56"/>
+          <p:cNvPr id="414" name="Google Shape;414;p56"/>
           <p:cNvSpPr txBox="1"/>
           <p:nvPr>
             <p:ph type="title"/>
@@ -25314,6 +25671,488 @@
             </a:pPr>
             <a:r>
               <a:rPr lang="en"/>
+              <a:t>User Profile: Usage ranking methods</a:t>
+            </a:r>
+            <a:endParaRPr/>
+          </a:p>
+        </p:txBody>
+      </p:sp>
+      <p:sp>
+        <p:nvSpPr>
+          <p:cNvPr id="415" name="Google Shape;415;p56"/>
+          <p:cNvSpPr txBox="1"/>
+          <p:nvPr>
+            <p:ph idx="1" type="body"/>
+          </p:nvPr>
+        </p:nvSpPr>
+        <p:spPr>
+          <a:xfrm>
+            <a:off x="729450" y="1487625"/>
+            <a:ext cx="5473500" cy="3505500"/>
+          </a:xfrm>
+          <a:prstGeom prst="rect">
+            <a:avLst/>
+          </a:prstGeom>
+        </p:spPr>
+        <p:txBody>
+          <a:bodyPr anchorCtr="0" anchor="t" bIns="91425" lIns="91425" spcFirstLastPara="1" rIns="91425" wrap="square" tIns="91425">
+            <a:normAutofit/>
+          </a:bodyPr>
+          <a:lstStyle/>
+          <a:p>
+            <a:pPr indent="-311150" lvl="0" marL="457200" rtl="0" algn="l">
+              <a:lnSpc>
+                <a:spcPct val="150000"/>
+              </a:lnSpc>
+              <a:spcBef>
+                <a:spcPts val="0"/>
+              </a:spcBef>
+              <a:spcAft>
+                <a:spcPts val="0"/>
+              </a:spcAft>
+              <a:buClr>
+                <a:srgbClr val="434343"/>
+              </a:buClr>
+              <a:buSzPts val="1300"/>
+              <a:buChar char="●"/>
+            </a:pPr>
+            <a:r>
+              <a:rPr lang="en">
+                <a:solidFill>
+                  <a:srgbClr val="434343"/>
+                </a:solidFill>
+              </a:rPr>
+              <a:t>VOICE Overall Usage binning method:</a:t>
+            </a:r>
+            <a:endParaRPr>
+              <a:solidFill>
+                <a:srgbClr val="434343"/>
+              </a:solidFill>
+            </a:endParaRPr>
+          </a:p>
+          <a:p>
+            <a:pPr indent="-298450" lvl="1" marL="914400" rtl="0" algn="l">
+              <a:lnSpc>
+                <a:spcPct val="200000"/>
+              </a:lnSpc>
+              <a:spcBef>
+                <a:spcPts val="0"/>
+              </a:spcBef>
+              <a:spcAft>
+                <a:spcPts val="0"/>
+              </a:spcAft>
+              <a:buClr>
+                <a:srgbClr val="434343"/>
+              </a:buClr>
+              <a:buSzPts val="1100"/>
+              <a:buChar char="○"/>
+            </a:pPr>
+            <a:r>
+              <a:rPr lang="en">
+                <a:solidFill>
+                  <a:srgbClr val="434343"/>
+                </a:solidFill>
+              </a:rPr>
+              <a:t>2 out 0f 3 Usage </a:t>
+            </a:r>
+            <a:r>
+              <a:rPr lang="en">
+                <a:solidFill>
+                  <a:srgbClr val="434343"/>
+                </a:solidFill>
+              </a:rPr>
+              <a:t>Rankings</a:t>
+            </a:r>
+            <a:r>
+              <a:rPr lang="en">
+                <a:solidFill>
+                  <a:srgbClr val="434343"/>
+                </a:solidFill>
+              </a:rPr>
+              <a:t> are </a:t>
+            </a:r>
+            <a:r>
+              <a:rPr b="1" lang="en">
+                <a:solidFill>
+                  <a:srgbClr val="434343"/>
+                </a:solidFill>
+              </a:rPr>
+              <a:t>HIGH</a:t>
+            </a:r>
+            <a:r>
+              <a:rPr lang="en">
+                <a:solidFill>
+                  <a:srgbClr val="434343"/>
+                </a:solidFill>
+              </a:rPr>
+              <a:t>, then </a:t>
+            </a:r>
+            <a:r>
+              <a:rPr b="1" lang="en">
+                <a:solidFill>
+                  <a:srgbClr val="434343"/>
+                </a:solidFill>
+              </a:rPr>
+              <a:t>HIGH</a:t>
+            </a:r>
+            <a:endParaRPr b="1">
+              <a:solidFill>
+                <a:srgbClr val="434343"/>
+              </a:solidFill>
+            </a:endParaRPr>
+          </a:p>
+          <a:p>
+            <a:pPr indent="-298450" lvl="1" marL="914400" rtl="0" algn="l">
+              <a:lnSpc>
+                <a:spcPct val="200000"/>
+              </a:lnSpc>
+              <a:spcBef>
+                <a:spcPts val="0"/>
+              </a:spcBef>
+              <a:spcAft>
+                <a:spcPts val="0"/>
+              </a:spcAft>
+              <a:buClr>
+                <a:srgbClr val="434343"/>
+              </a:buClr>
+              <a:buSzPts val="1100"/>
+              <a:buChar char="○"/>
+            </a:pPr>
+            <a:r>
+              <a:rPr lang="en">
+                <a:solidFill>
+                  <a:srgbClr val="434343"/>
+                </a:solidFill>
+              </a:rPr>
+              <a:t>2 out 0f 3 Usage Rankings are </a:t>
+            </a:r>
+            <a:r>
+              <a:rPr b="1" lang="en">
+                <a:solidFill>
+                  <a:srgbClr val="434343"/>
+                </a:solidFill>
+              </a:rPr>
+              <a:t>LOW</a:t>
+            </a:r>
+            <a:r>
+              <a:rPr lang="en">
+                <a:solidFill>
+                  <a:srgbClr val="434343"/>
+                </a:solidFill>
+              </a:rPr>
+              <a:t>, then </a:t>
+            </a:r>
+            <a:r>
+              <a:rPr b="1" lang="en">
+                <a:solidFill>
+                  <a:srgbClr val="434343"/>
+                </a:solidFill>
+              </a:rPr>
+              <a:t>LOW</a:t>
+            </a:r>
+            <a:endParaRPr b="1">
+              <a:solidFill>
+                <a:srgbClr val="434343"/>
+              </a:solidFill>
+            </a:endParaRPr>
+          </a:p>
+          <a:p>
+            <a:pPr indent="-298450" lvl="1" marL="914400" rtl="0" algn="l">
+              <a:lnSpc>
+                <a:spcPct val="200000"/>
+              </a:lnSpc>
+              <a:spcBef>
+                <a:spcPts val="0"/>
+              </a:spcBef>
+              <a:spcAft>
+                <a:spcPts val="0"/>
+              </a:spcAft>
+              <a:buClr>
+                <a:srgbClr val="434343"/>
+              </a:buClr>
+              <a:buSzPts val="1100"/>
+              <a:buChar char="○"/>
+            </a:pPr>
+            <a:r>
+              <a:rPr lang="en">
+                <a:solidFill>
+                  <a:srgbClr val="434343"/>
+                </a:solidFill>
+              </a:rPr>
+              <a:t>2 out 0f 3 Usage Rankings are </a:t>
+            </a:r>
+            <a:r>
+              <a:rPr b="1" lang="en">
+                <a:solidFill>
+                  <a:srgbClr val="434343"/>
+                </a:solidFill>
+              </a:rPr>
+              <a:t>MEDIUM</a:t>
+            </a:r>
+            <a:r>
+              <a:rPr lang="en">
+                <a:solidFill>
+                  <a:srgbClr val="434343"/>
+                </a:solidFill>
+              </a:rPr>
+              <a:t>, then </a:t>
+            </a:r>
+            <a:r>
+              <a:rPr b="1" lang="en">
+                <a:solidFill>
+                  <a:srgbClr val="434343"/>
+                </a:solidFill>
+              </a:rPr>
+              <a:t>MEDIUM</a:t>
+            </a:r>
+            <a:endParaRPr b="1">
+              <a:solidFill>
+                <a:srgbClr val="434343"/>
+              </a:solidFill>
+            </a:endParaRPr>
+          </a:p>
+          <a:p>
+            <a:pPr indent="-298450" lvl="1" marL="914400" rtl="0" algn="l">
+              <a:lnSpc>
+                <a:spcPct val="200000"/>
+              </a:lnSpc>
+              <a:spcBef>
+                <a:spcPts val="0"/>
+              </a:spcBef>
+              <a:spcAft>
+                <a:spcPts val="0"/>
+              </a:spcAft>
+              <a:buClr>
+                <a:srgbClr val="434343"/>
+              </a:buClr>
+              <a:buSzPts val="1100"/>
+              <a:buChar char="○"/>
+            </a:pPr>
+            <a:r>
+              <a:rPr lang="en">
+                <a:solidFill>
+                  <a:srgbClr val="434343"/>
+                </a:solidFill>
+              </a:rPr>
+              <a:t>2 out 0f 3 Usage Rankings are </a:t>
+            </a:r>
+            <a:r>
+              <a:rPr b="1" lang="en">
+                <a:solidFill>
+                  <a:srgbClr val="434343"/>
+                </a:solidFill>
+              </a:rPr>
+              <a:t>NO</a:t>
+            </a:r>
+            <a:r>
+              <a:rPr lang="en">
+                <a:solidFill>
+                  <a:srgbClr val="434343"/>
+                </a:solidFill>
+              </a:rPr>
+              <a:t>, then </a:t>
+            </a:r>
+            <a:r>
+              <a:rPr b="1" lang="en">
+                <a:solidFill>
+                  <a:srgbClr val="434343"/>
+                </a:solidFill>
+              </a:rPr>
+              <a:t>LOW</a:t>
+            </a:r>
+            <a:endParaRPr b="1">
+              <a:solidFill>
+                <a:srgbClr val="434343"/>
+              </a:solidFill>
+            </a:endParaRPr>
+          </a:p>
+          <a:p>
+            <a:pPr indent="-298450" lvl="1" marL="914400" rtl="0" algn="l">
+              <a:lnSpc>
+                <a:spcPct val="200000"/>
+              </a:lnSpc>
+              <a:spcBef>
+                <a:spcPts val="0"/>
+              </a:spcBef>
+              <a:spcAft>
+                <a:spcPts val="0"/>
+              </a:spcAft>
+              <a:buClr>
+                <a:srgbClr val="434343"/>
+              </a:buClr>
+              <a:buSzPts val="1100"/>
+              <a:buChar char="○"/>
+            </a:pPr>
+            <a:r>
+              <a:rPr lang="en">
+                <a:solidFill>
+                  <a:srgbClr val="434343"/>
+                </a:solidFill>
+              </a:rPr>
+              <a:t>If </a:t>
+            </a:r>
+            <a:r>
+              <a:rPr b="1" lang="en">
+                <a:solidFill>
+                  <a:srgbClr val="434343"/>
+                </a:solidFill>
+              </a:rPr>
+              <a:t>all</a:t>
+            </a:r>
+            <a:r>
+              <a:rPr lang="en">
+                <a:solidFill>
+                  <a:srgbClr val="434343"/>
+                </a:solidFill>
+              </a:rPr>
+              <a:t> Usage Rankings are </a:t>
+            </a:r>
+            <a:r>
+              <a:rPr b="1" lang="en">
+                <a:solidFill>
+                  <a:srgbClr val="434343"/>
+                </a:solidFill>
+              </a:rPr>
+              <a:t>NO</a:t>
+            </a:r>
+            <a:r>
+              <a:rPr lang="en">
+                <a:solidFill>
+                  <a:srgbClr val="434343"/>
+                </a:solidFill>
+              </a:rPr>
+              <a:t>, then </a:t>
+            </a:r>
+            <a:r>
+              <a:rPr b="1" lang="en">
+                <a:solidFill>
+                  <a:srgbClr val="434343"/>
+                </a:solidFill>
+              </a:rPr>
+              <a:t>NO</a:t>
+            </a:r>
+            <a:endParaRPr b="1">
+              <a:solidFill>
+                <a:srgbClr val="434343"/>
+              </a:solidFill>
+            </a:endParaRPr>
+          </a:p>
+          <a:p>
+            <a:pPr indent="-298450" lvl="1" marL="914400" rtl="0" algn="l">
+              <a:lnSpc>
+                <a:spcPct val="200000"/>
+              </a:lnSpc>
+              <a:spcBef>
+                <a:spcPts val="0"/>
+              </a:spcBef>
+              <a:spcAft>
+                <a:spcPts val="0"/>
+              </a:spcAft>
+              <a:buClr>
+                <a:srgbClr val="434343"/>
+              </a:buClr>
+              <a:buSzPts val="1100"/>
+              <a:buChar char="○"/>
+            </a:pPr>
+            <a:r>
+              <a:rPr lang="en">
+                <a:solidFill>
+                  <a:srgbClr val="434343"/>
+                </a:solidFill>
+              </a:rPr>
+              <a:t>If</a:t>
+            </a:r>
+            <a:r>
+              <a:rPr b="1" lang="en">
+                <a:solidFill>
+                  <a:srgbClr val="434343"/>
+                </a:solidFill>
+              </a:rPr>
+              <a:t> 1 LOW, 1 HIGH, 1 MEDIUM </a:t>
+            </a:r>
+            <a:r>
+              <a:rPr lang="en">
+                <a:solidFill>
+                  <a:srgbClr val="434343"/>
+                </a:solidFill>
+              </a:rPr>
+              <a:t>Then</a:t>
+            </a:r>
+            <a:r>
+              <a:rPr b="1" lang="en">
+                <a:solidFill>
+                  <a:srgbClr val="434343"/>
+                </a:solidFill>
+              </a:rPr>
+              <a:t> MEDIUM</a:t>
+            </a:r>
+            <a:endParaRPr b="1">
+              <a:solidFill>
+                <a:srgbClr val="434343"/>
+              </a:solidFill>
+            </a:endParaRPr>
+          </a:p>
+        </p:txBody>
+      </p:sp>
+    </p:spTree>
+  </p:cSld>
+  <p:clrMapOvr>
+    <a:masterClrMapping/>
+  </p:clrMapOvr>
+</p:sld>
+</file>
+
+<file path=ppt/slides/slide45.xml><?xml version="1.0" encoding="utf-8"?>
+<p:sld xmlns:a="http://schemas.openxmlformats.org/drawingml/2006/main" xmlns:r="http://schemas.openxmlformats.org/officeDocument/2006/relationships" xmlns:mc="http://schemas.openxmlformats.org/markup-compatibility/2006" xmlns:mv="urn:schemas-microsoft-com:mac:vml" xmlns:p="http://schemas.openxmlformats.org/presentationml/2006/main" xmlns:c="http://schemas.openxmlformats.org/drawingml/2006/chart" xmlns:dgm="http://schemas.openxmlformats.org/drawingml/2006/diagram" xmlns:o="urn:schemas-microsoft-com:office:office" xmlns:v="urn:schemas-microsoft-com:vml" xmlns:pvml="urn:schemas-microsoft-com:office:powerpoint" xmlns:com="http://schemas.openxmlformats.org/drawingml/2006/compatibility" xmlns:p14="http://schemas.microsoft.com/office/powerpoint/2010/main" xmlns:p15="http://schemas.microsoft.com/office/powerpoint/2012/main" xmlns:ahyp="http://schemas.microsoft.com/office/drawing/2018/hyperlinkcolor">
+  <p:cSld>
+    <p:spTree>
+      <p:nvGrpSpPr>
+        <p:cNvPr id="419" name="Shape 419"/>
+        <p:cNvGrpSpPr/>
+        <p:nvPr/>
+      </p:nvGrpSpPr>
+      <p:grpSpPr>
+        <a:xfrm>
+          <a:off x="0" y="0"/>
+          <a:ext cx="0" cy="0"/>
+          <a:chOff x="0" y="0"/>
+          <a:chExt cx="0" cy="0"/>
+        </a:xfrm>
+      </p:grpSpPr>
+      <p:sp>
+        <p:nvSpPr>
+          <p:cNvPr id="420" name="Google Shape;420;p57"/>
+          <p:cNvSpPr txBox="1"/>
+          <p:nvPr>
+            <p:ph type="title"/>
+          </p:nvPr>
+        </p:nvSpPr>
+        <p:spPr>
+          <a:xfrm>
+            <a:off x="727650" y="599950"/>
+            <a:ext cx="7688700" cy="535200"/>
+          </a:xfrm>
+          <a:prstGeom prst="rect">
+            <a:avLst/>
+          </a:prstGeom>
+        </p:spPr>
+        <p:txBody>
+          <a:bodyPr anchorCtr="0" anchor="t" bIns="91425" lIns="91425" spcFirstLastPara="1" rIns="91425" wrap="square" tIns="91425">
+            <a:normAutofit fontScale="90000"/>
+          </a:bodyPr>
+          <a:lstStyle/>
+          <a:p>
+            <a:pPr indent="0" lvl="0" marL="0" rtl="0" algn="l">
+              <a:spcBef>
+                <a:spcPts val="0"/>
+              </a:spcBef>
+              <a:spcAft>
+                <a:spcPts val="0"/>
+              </a:spcAft>
+              <a:buNone/>
+            </a:pPr>
+            <a:r>
+              <a:rPr lang="en"/>
               <a:t>User Profile cont’d.</a:t>
             </a:r>
             <a:endParaRPr/>
@@ -25322,7 +26161,7 @@
       </p:sp>
       <p:grpSp>
         <p:nvGrpSpPr>
-          <p:cNvPr id="418" name="Google Shape;418;p56"/>
+          <p:cNvPr id="421" name="Google Shape;421;p57"/>
           <p:cNvGrpSpPr/>
           <p:nvPr/>
         </p:nvGrpSpPr>
@@ -25336,7 +26175,7 @@
         </p:grpSpPr>
         <p:pic>
           <p:nvPicPr>
-            <p:cNvPr id="419" name="Google Shape;419;p56"/>
+            <p:cNvPr id="422" name="Google Shape;422;p57"/>
             <p:cNvPicPr preferRelativeResize="0"/>
             <p:nvPr/>
           </p:nvPicPr>
@@ -25364,7 +26203,7 @@
         </p:pic>
         <p:pic>
           <p:nvPicPr>
-            <p:cNvPr id="420" name="Google Shape;420;p56"/>
+            <p:cNvPr id="423" name="Google Shape;423;p57"/>
             <p:cNvPicPr preferRelativeResize="0"/>
             <p:nvPr/>
           </p:nvPicPr>
@@ -25399,12 +26238,12 @@
 </p:sld>
 </file>
 
-<file path=ppt/slides/slide45.xml><?xml version="1.0" encoding="utf-8"?>
+<file path=ppt/slides/slide46.xml><?xml version="1.0" encoding="utf-8"?>
 <p:sld xmlns:a="http://schemas.openxmlformats.org/drawingml/2006/main" xmlns:r="http://schemas.openxmlformats.org/officeDocument/2006/relationships" xmlns:mc="http://schemas.openxmlformats.org/markup-compatibility/2006" xmlns:mv="urn:schemas-microsoft-com:mac:vml" xmlns:p="http://schemas.openxmlformats.org/presentationml/2006/main" xmlns:c="http://schemas.openxmlformats.org/drawingml/2006/chart" xmlns:dgm="http://schemas.openxmlformats.org/drawingml/2006/diagram" xmlns:o="urn:schemas-microsoft-com:office:office" xmlns:v="urn:schemas-microsoft-com:vml" xmlns:pvml="urn:schemas-microsoft-com:office:powerpoint" xmlns:com="http://schemas.openxmlformats.org/drawingml/2006/compatibility" xmlns:p14="http://schemas.microsoft.com/office/powerpoint/2010/main" xmlns:p15="http://schemas.microsoft.com/office/powerpoint/2012/main" xmlns:ahyp="http://schemas.microsoft.com/office/drawing/2018/hyperlinkcolor">
   <p:cSld>
     <p:spTree>
       <p:nvGrpSpPr>
-        <p:cNvPr id="424" name="Shape 424"/>
+        <p:cNvPr id="427" name="Shape 427"/>
         <p:cNvGrpSpPr/>
         <p:nvPr/>
       </p:nvGrpSpPr>
@@ -25418,7 +26257,787 @@
       </p:grpSpPr>
       <p:sp>
         <p:nvSpPr>
-          <p:cNvPr id="425" name="Google Shape;425;p57"/>
+          <p:cNvPr id="428" name="Google Shape;428;p58"/>
+          <p:cNvSpPr txBox="1"/>
+          <p:nvPr>
+            <p:ph type="title"/>
+          </p:nvPr>
+        </p:nvSpPr>
+        <p:spPr>
+          <a:xfrm>
+            <a:off x="727650" y="599950"/>
+            <a:ext cx="7688700" cy="535200"/>
+          </a:xfrm>
+          <a:prstGeom prst="rect">
+            <a:avLst/>
+          </a:prstGeom>
+        </p:spPr>
+        <p:txBody>
+          <a:bodyPr anchorCtr="0" anchor="t" bIns="91425" lIns="91425" spcFirstLastPara="1" rIns="91425" wrap="square" tIns="91425">
+            <a:normAutofit fontScale="90000"/>
+          </a:bodyPr>
+          <a:lstStyle/>
+          <a:p>
+            <a:pPr indent="0" lvl="0" marL="0" rtl="0" algn="l">
+              <a:spcBef>
+                <a:spcPts val="0"/>
+              </a:spcBef>
+              <a:spcAft>
+                <a:spcPts val="0"/>
+              </a:spcAft>
+              <a:buNone/>
+            </a:pPr>
+            <a:r>
+              <a:rPr lang="en"/>
+              <a:t>User Profile : Clustering Users</a:t>
+            </a:r>
+            <a:endParaRPr/>
+          </a:p>
+        </p:txBody>
+      </p:sp>
+      <p:sp>
+        <p:nvSpPr>
+          <p:cNvPr id="429" name="Google Shape;429;p58"/>
+          <p:cNvSpPr txBox="1"/>
+          <p:nvPr>
+            <p:ph idx="1" type="body"/>
+          </p:nvPr>
+        </p:nvSpPr>
+        <p:spPr>
+          <a:xfrm>
+            <a:off x="729450" y="1487625"/>
+            <a:ext cx="7792200" cy="3505500"/>
+          </a:xfrm>
+          <a:prstGeom prst="rect">
+            <a:avLst/>
+          </a:prstGeom>
+        </p:spPr>
+        <p:txBody>
+          <a:bodyPr anchorCtr="0" anchor="t" bIns="91425" lIns="91425" spcFirstLastPara="1" rIns="91425" wrap="square" tIns="91425">
+            <a:normAutofit/>
+          </a:bodyPr>
+          <a:lstStyle/>
+          <a:p>
+            <a:pPr indent="-311150" lvl="0" marL="457200" rtl="0" algn="l">
+              <a:lnSpc>
+                <a:spcPct val="150000"/>
+              </a:lnSpc>
+              <a:spcBef>
+                <a:spcPts val="0"/>
+              </a:spcBef>
+              <a:spcAft>
+                <a:spcPts val="0"/>
+              </a:spcAft>
+              <a:buClr>
+                <a:srgbClr val="434343"/>
+              </a:buClr>
+              <a:buSzPts val="1300"/>
+              <a:buChar char="●"/>
+            </a:pPr>
+            <a:r>
+              <a:rPr lang="en">
+                <a:solidFill>
+                  <a:srgbClr val="434343"/>
+                </a:solidFill>
+              </a:rPr>
+              <a:t>K-Means Clustering based on Scaled user features (Usage Ratings)</a:t>
+            </a:r>
+            <a:endParaRPr>
+              <a:solidFill>
+                <a:srgbClr val="434343"/>
+              </a:solidFill>
+            </a:endParaRPr>
+          </a:p>
+          <a:p>
+            <a:pPr indent="-298450" lvl="1" marL="914400" rtl="0" algn="l">
+              <a:lnSpc>
+                <a:spcPct val="150000"/>
+              </a:lnSpc>
+              <a:spcBef>
+                <a:spcPts val="0"/>
+              </a:spcBef>
+              <a:spcAft>
+                <a:spcPts val="0"/>
+              </a:spcAft>
+              <a:buClr>
+                <a:srgbClr val="434343"/>
+              </a:buClr>
+              <a:buSzPts val="1100"/>
+              <a:buChar char="○"/>
+            </a:pPr>
+            <a:r>
+              <a:rPr lang="en">
+                <a:solidFill>
+                  <a:srgbClr val="434343"/>
+                </a:solidFill>
+              </a:rPr>
+              <a:t>Best no of clusters (k) was selected using Elbow method</a:t>
+            </a:r>
+            <a:endParaRPr>
+              <a:solidFill>
+                <a:srgbClr val="434343"/>
+              </a:solidFill>
+            </a:endParaRPr>
+          </a:p>
+          <a:p>
+            <a:pPr indent="-298450" lvl="1" marL="914400" rtl="0" algn="l">
+              <a:lnSpc>
+                <a:spcPct val="150000"/>
+              </a:lnSpc>
+              <a:spcBef>
+                <a:spcPts val="0"/>
+              </a:spcBef>
+              <a:spcAft>
+                <a:spcPts val="0"/>
+              </a:spcAft>
+              <a:buClr>
+                <a:srgbClr val="434343"/>
+              </a:buClr>
+              <a:buSzPts val="1100"/>
+              <a:buChar char="○"/>
+            </a:pPr>
+            <a:r>
+              <a:rPr lang="en">
+                <a:solidFill>
+                  <a:srgbClr val="434343"/>
+                </a:solidFill>
+              </a:rPr>
+              <a:t>Three clusters were identified </a:t>
+            </a:r>
+            <a:endParaRPr>
+              <a:solidFill>
+                <a:srgbClr val="434343"/>
+              </a:solidFill>
+            </a:endParaRPr>
+          </a:p>
+          <a:p>
+            <a:pPr indent="-298450" lvl="2" marL="1371600" rtl="0" algn="l">
+              <a:lnSpc>
+                <a:spcPct val="150000"/>
+              </a:lnSpc>
+              <a:spcBef>
+                <a:spcPts val="0"/>
+              </a:spcBef>
+              <a:spcAft>
+                <a:spcPts val="0"/>
+              </a:spcAft>
+              <a:buClr>
+                <a:srgbClr val="434343"/>
+              </a:buClr>
+              <a:buSzPts val="1100"/>
+              <a:buChar char="■"/>
+            </a:pPr>
+            <a:r>
+              <a:rPr lang="en">
+                <a:solidFill>
+                  <a:srgbClr val="434343"/>
+                </a:solidFill>
+              </a:rPr>
+              <a:t>Cluster 1: 914 users, </a:t>
+            </a:r>
+            <a:endParaRPr>
+              <a:solidFill>
+                <a:srgbClr val="434343"/>
+              </a:solidFill>
+            </a:endParaRPr>
+          </a:p>
+          <a:p>
+            <a:pPr indent="-298450" lvl="2" marL="1371600" rtl="0" algn="l">
+              <a:lnSpc>
+                <a:spcPct val="150000"/>
+              </a:lnSpc>
+              <a:spcBef>
+                <a:spcPts val="0"/>
+              </a:spcBef>
+              <a:spcAft>
+                <a:spcPts val="0"/>
+              </a:spcAft>
+              <a:buClr>
+                <a:srgbClr val="434343"/>
+              </a:buClr>
+              <a:buSzPts val="1100"/>
+              <a:buChar char="■"/>
+            </a:pPr>
+            <a:r>
+              <a:rPr lang="en">
+                <a:solidFill>
+                  <a:srgbClr val="434343"/>
+                </a:solidFill>
+              </a:rPr>
+              <a:t>Cluster 2: 2145 users, </a:t>
+            </a:r>
+            <a:endParaRPr>
+              <a:solidFill>
+                <a:srgbClr val="434343"/>
+              </a:solidFill>
+            </a:endParaRPr>
+          </a:p>
+          <a:p>
+            <a:pPr indent="-298450" lvl="2" marL="1371600" rtl="0" algn="l">
+              <a:lnSpc>
+                <a:spcPct val="150000"/>
+              </a:lnSpc>
+              <a:spcBef>
+                <a:spcPts val="0"/>
+              </a:spcBef>
+              <a:spcAft>
+                <a:spcPts val="0"/>
+              </a:spcAft>
+              <a:buClr>
+                <a:srgbClr val="434343"/>
+              </a:buClr>
+              <a:buSzPts val="1100"/>
+              <a:buChar char="■"/>
+            </a:pPr>
+            <a:r>
+              <a:rPr lang="en">
+                <a:solidFill>
+                  <a:srgbClr val="434343"/>
+                </a:solidFill>
+              </a:rPr>
+              <a:t>Cluster 3: 248 users</a:t>
+            </a:r>
+            <a:br>
+              <a:rPr lang="en">
+                <a:solidFill>
+                  <a:srgbClr val="434343"/>
+                </a:solidFill>
+              </a:rPr>
+            </a:br>
+            <a:endParaRPr>
+              <a:solidFill>
+                <a:srgbClr val="434343"/>
+              </a:solidFill>
+            </a:endParaRPr>
+          </a:p>
+          <a:p>
+            <a:pPr indent="-311150" lvl="0" marL="457200" rtl="0" algn="l">
+              <a:lnSpc>
+                <a:spcPct val="150000"/>
+              </a:lnSpc>
+              <a:spcBef>
+                <a:spcPts val="0"/>
+              </a:spcBef>
+              <a:spcAft>
+                <a:spcPts val="0"/>
+              </a:spcAft>
+              <a:buClr>
+                <a:srgbClr val="434343"/>
+              </a:buClr>
+              <a:buSzPts val="1300"/>
+              <a:buChar char="●"/>
+            </a:pPr>
+            <a:r>
+              <a:rPr lang="en">
+                <a:solidFill>
+                  <a:srgbClr val="434343"/>
+                </a:solidFill>
+              </a:rPr>
+              <a:t>Hierarchical (Agglomerative)</a:t>
+            </a:r>
+            <a:r>
+              <a:rPr lang="en">
+                <a:solidFill>
+                  <a:srgbClr val="434343"/>
+                </a:solidFill>
+              </a:rPr>
+              <a:t> Clustering based on Scaled user features (Usage Ratings)</a:t>
+            </a:r>
+            <a:endParaRPr>
+              <a:solidFill>
+                <a:srgbClr val="434343"/>
+              </a:solidFill>
+            </a:endParaRPr>
+          </a:p>
+          <a:p>
+            <a:pPr indent="-298450" lvl="1" marL="914400" rtl="0" algn="l">
+              <a:lnSpc>
+                <a:spcPct val="150000"/>
+              </a:lnSpc>
+              <a:spcBef>
+                <a:spcPts val="0"/>
+              </a:spcBef>
+              <a:spcAft>
+                <a:spcPts val="0"/>
+              </a:spcAft>
+              <a:buClr>
+                <a:srgbClr val="434343"/>
+              </a:buClr>
+              <a:buSzPts val="1100"/>
+              <a:buChar char="○"/>
+            </a:pPr>
+            <a:r>
+              <a:rPr lang="en">
+                <a:solidFill>
+                  <a:srgbClr val="434343"/>
+                </a:solidFill>
+              </a:rPr>
+              <a:t>Best no of clusters were identified as 3.</a:t>
+            </a:r>
+            <a:endParaRPr>
+              <a:solidFill>
+                <a:srgbClr val="434343"/>
+              </a:solidFill>
+            </a:endParaRPr>
+          </a:p>
+          <a:p>
+            <a:pPr indent="-298450" lvl="1" marL="914400" rtl="0" algn="l">
+              <a:lnSpc>
+                <a:spcPct val="150000"/>
+              </a:lnSpc>
+              <a:spcBef>
+                <a:spcPts val="0"/>
+              </a:spcBef>
+              <a:spcAft>
+                <a:spcPts val="0"/>
+              </a:spcAft>
+              <a:buClr>
+                <a:srgbClr val="434343"/>
+              </a:buClr>
+              <a:buSzPts val="1100"/>
+              <a:buChar char="○"/>
+            </a:pPr>
+            <a:r>
+              <a:rPr lang="en">
+                <a:solidFill>
+                  <a:srgbClr val="434343"/>
+                </a:solidFill>
+              </a:rPr>
+              <a:t>Considered euclidean distances</a:t>
+            </a:r>
+            <a:endParaRPr>
+              <a:solidFill>
+                <a:srgbClr val="434343"/>
+              </a:solidFill>
+            </a:endParaRPr>
+          </a:p>
+        </p:txBody>
+      </p:sp>
+    </p:spTree>
+  </p:cSld>
+  <p:clrMapOvr>
+    <a:masterClrMapping/>
+  </p:clrMapOvr>
+</p:sld>
+</file>
+
+<file path=ppt/slides/slide47.xml><?xml version="1.0" encoding="utf-8"?>
+<p:sld xmlns:a="http://schemas.openxmlformats.org/drawingml/2006/main" xmlns:r="http://schemas.openxmlformats.org/officeDocument/2006/relationships" xmlns:mc="http://schemas.openxmlformats.org/markup-compatibility/2006" xmlns:mv="urn:schemas-microsoft-com:mac:vml" xmlns:p="http://schemas.openxmlformats.org/presentationml/2006/main" xmlns:c="http://schemas.openxmlformats.org/drawingml/2006/chart" xmlns:dgm="http://schemas.openxmlformats.org/drawingml/2006/diagram" xmlns:o="urn:schemas-microsoft-com:office:office" xmlns:v="urn:schemas-microsoft-com:vml" xmlns:pvml="urn:schemas-microsoft-com:office:powerpoint" xmlns:com="http://schemas.openxmlformats.org/drawingml/2006/compatibility" xmlns:p14="http://schemas.microsoft.com/office/powerpoint/2010/main" xmlns:p15="http://schemas.microsoft.com/office/powerpoint/2012/main" xmlns:ahyp="http://schemas.microsoft.com/office/drawing/2018/hyperlinkcolor">
+  <p:cSld>
+    <p:spTree>
+      <p:nvGrpSpPr>
+        <p:cNvPr id="433" name="Shape 433"/>
+        <p:cNvGrpSpPr/>
+        <p:nvPr/>
+      </p:nvGrpSpPr>
+      <p:grpSpPr>
+        <a:xfrm>
+          <a:off x="0" y="0"/>
+          <a:ext cx="0" cy="0"/>
+          <a:chOff x="0" y="0"/>
+          <a:chExt cx="0" cy="0"/>
+        </a:xfrm>
+      </p:grpSpPr>
+      <p:sp>
+        <p:nvSpPr>
+          <p:cNvPr id="434" name="Google Shape;434;p59"/>
+          <p:cNvSpPr txBox="1"/>
+          <p:nvPr>
+            <p:ph type="title"/>
+          </p:nvPr>
+        </p:nvSpPr>
+        <p:spPr>
+          <a:xfrm>
+            <a:off x="727650" y="599950"/>
+            <a:ext cx="7688700" cy="535200"/>
+          </a:xfrm>
+          <a:prstGeom prst="rect">
+            <a:avLst/>
+          </a:prstGeom>
+        </p:spPr>
+        <p:txBody>
+          <a:bodyPr anchorCtr="0" anchor="t" bIns="91425" lIns="91425" spcFirstLastPara="1" rIns="91425" wrap="square" tIns="91425">
+            <a:normAutofit fontScale="90000"/>
+          </a:bodyPr>
+          <a:lstStyle/>
+          <a:p>
+            <a:pPr indent="0" lvl="0" marL="0" rtl="0" algn="l">
+              <a:spcBef>
+                <a:spcPts val="0"/>
+              </a:spcBef>
+              <a:spcAft>
+                <a:spcPts val="0"/>
+              </a:spcAft>
+              <a:buNone/>
+            </a:pPr>
+            <a:r>
+              <a:rPr lang="en"/>
+              <a:t>User Profile : Clustering Users</a:t>
+            </a:r>
+            <a:endParaRPr/>
+          </a:p>
+        </p:txBody>
+      </p:sp>
+      <p:sp>
+        <p:nvSpPr>
+          <p:cNvPr id="435" name="Google Shape;435;p59"/>
+          <p:cNvSpPr txBox="1"/>
+          <p:nvPr/>
+        </p:nvSpPr>
+        <p:spPr>
+          <a:xfrm>
+            <a:off x="662225" y="3969850"/>
+            <a:ext cx="2684400" cy="323100"/>
+          </a:xfrm>
+          <a:prstGeom prst="rect">
+            <a:avLst/>
+          </a:prstGeom>
+          <a:noFill/>
+          <a:ln>
+            <a:noFill/>
+          </a:ln>
+        </p:spPr>
+        <p:txBody>
+          <a:bodyPr anchorCtr="0" anchor="t" bIns="91425" lIns="91425" spcFirstLastPara="1" rIns="91425" wrap="square" tIns="91425">
+            <a:spAutoFit/>
+          </a:bodyPr>
+          <a:lstStyle/>
+          <a:p>
+            <a:pPr indent="0" lvl="0" marL="0" rtl="0" algn="ctr">
+              <a:spcBef>
+                <a:spcPts val="0"/>
+              </a:spcBef>
+              <a:spcAft>
+                <a:spcPts val="0"/>
+              </a:spcAft>
+              <a:buNone/>
+            </a:pPr>
+            <a:r>
+              <a:rPr lang="en" sz="900">
+                <a:latin typeface="Lato"/>
+                <a:ea typeface="Lato"/>
+                <a:cs typeface="Lato"/>
+                <a:sym typeface="Lato"/>
+              </a:rPr>
+              <a:t>KMeans clustering - ELBOW</a:t>
+            </a:r>
+            <a:endParaRPr sz="900">
+              <a:latin typeface="Lato"/>
+              <a:ea typeface="Lato"/>
+              <a:cs typeface="Lato"/>
+              <a:sym typeface="Lato"/>
+            </a:endParaRPr>
+          </a:p>
+        </p:txBody>
+      </p:sp>
+      <p:pic>
+        <p:nvPicPr>
+          <p:cNvPr id="436" name="Google Shape;436;p59"/>
+          <p:cNvPicPr preferRelativeResize="0"/>
+          <p:nvPr/>
+        </p:nvPicPr>
+        <p:blipFill>
+          <a:blip r:embed="rId3">
+            <a:alphaModFix/>
+          </a:blip>
+          <a:stretch>
+            <a:fillRect/>
+          </a:stretch>
+        </p:blipFill>
+        <p:spPr>
+          <a:xfrm>
+            <a:off x="863187" y="1732725"/>
+            <a:ext cx="2282475" cy="2179900"/>
+          </a:xfrm>
+          <a:prstGeom prst="rect">
+            <a:avLst/>
+          </a:prstGeom>
+          <a:noFill/>
+          <a:ln>
+            <a:noFill/>
+          </a:ln>
+        </p:spPr>
+      </p:pic>
+      <p:pic>
+        <p:nvPicPr>
+          <p:cNvPr id="437" name="Google Shape;437;p59"/>
+          <p:cNvPicPr preferRelativeResize="0"/>
+          <p:nvPr/>
+        </p:nvPicPr>
+        <p:blipFill rotWithShape="1">
+          <a:blip r:embed="rId4">
+            <a:alphaModFix/>
+          </a:blip>
+          <a:srcRect b="0" l="1146" r="0" t="0"/>
+          <a:stretch/>
+        </p:blipFill>
+        <p:spPr>
+          <a:xfrm>
+            <a:off x="3799175" y="1662100"/>
+            <a:ext cx="2351553" cy="2228025"/>
+          </a:xfrm>
+          <a:prstGeom prst="rect">
+            <a:avLst/>
+          </a:prstGeom>
+          <a:noFill/>
+          <a:ln>
+            <a:noFill/>
+          </a:ln>
+        </p:spPr>
+      </p:pic>
+      <p:sp>
+        <p:nvSpPr>
+          <p:cNvPr id="438" name="Google Shape;438;p59"/>
+          <p:cNvSpPr txBox="1"/>
+          <p:nvPr/>
+        </p:nvSpPr>
+        <p:spPr>
+          <a:xfrm>
+            <a:off x="4880375" y="3882175"/>
+            <a:ext cx="2684400" cy="323100"/>
+          </a:xfrm>
+          <a:prstGeom prst="rect">
+            <a:avLst/>
+          </a:prstGeom>
+          <a:noFill/>
+          <a:ln>
+            <a:noFill/>
+          </a:ln>
+        </p:spPr>
+        <p:txBody>
+          <a:bodyPr anchorCtr="0" anchor="t" bIns="91425" lIns="91425" spcFirstLastPara="1" rIns="91425" wrap="square" tIns="91425">
+            <a:spAutoFit/>
+          </a:bodyPr>
+          <a:lstStyle/>
+          <a:p>
+            <a:pPr indent="0" lvl="0" marL="0" rtl="0" algn="ctr">
+              <a:spcBef>
+                <a:spcPts val="0"/>
+              </a:spcBef>
+              <a:spcAft>
+                <a:spcPts val="0"/>
+              </a:spcAft>
+              <a:buNone/>
+            </a:pPr>
+            <a:r>
+              <a:rPr lang="en" sz="900">
+                <a:latin typeface="Lato"/>
+                <a:ea typeface="Lato"/>
+                <a:cs typeface="Lato"/>
+                <a:sym typeface="Lato"/>
+              </a:rPr>
+              <a:t>Three clusters identified</a:t>
+            </a:r>
+            <a:endParaRPr sz="900">
+              <a:latin typeface="Lato"/>
+              <a:ea typeface="Lato"/>
+              <a:cs typeface="Lato"/>
+              <a:sym typeface="Lato"/>
+            </a:endParaRPr>
+          </a:p>
+        </p:txBody>
+      </p:sp>
+      <p:pic>
+        <p:nvPicPr>
+          <p:cNvPr id="439" name="Google Shape;439;p59"/>
+          <p:cNvPicPr preferRelativeResize="0"/>
+          <p:nvPr/>
+        </p:nvPicPr>
+        <p:blipFill>
+          <a:blip r:embed="rId5">
+            <a:alphaModFix/>
+          </a:blip>
+          <a:stretch>
+            <a:fillRect/>
+          </a:stretch>
+        </p:blipFill>
+        <p:spPr>
+          <a:xfrm>
+            <a:off x="6190225" y="2176437"/>
+            <a:ext cx="2714999" cy="1370300"/>
+          </a:xfrm>
+          <a:prstGeom prst="rect">
+            <a:avLst/>
+          </a:prstGeom>
+          <a:noFill/>
+          <a:ln>
+            <a:noFill/>
+          </a:ln>
+        </p:spPr>
+      </p:pic>
+    </p:spTree>
+  </p:cSld>
+  <p:clrMapOvr>
+    <a:masterClrMapping/>
+  </p:clrMapOvr>
+</p:sld>
+</file>
+
+<file path=ppt/slides/slide48.xml><?xml version="1.0" encoding="utf-8"?>
+<p:sld xmlns:a="http://schemas.openxmlformats.org/drawingml/2006/main" xmlns:r="http://schemas.openxmlformats.org/officeDocument/2006/relationships" xmlns:mc="http://schemas.openxmlformats.org/markup-compatibility/2006" xmlns:mv="urn:schemas-microsoft-com:mac:vml" xmlns:p="http://schemas.openxmlformats.org/presentationml/2006/main" xmlns:c="http://schemas.openxmlformats.org/drawingml/2006/chart" xmlns:dgm="http://schemas.openxmlformats.org/drawingml/2006/diagram" xmlns:o="urn:schemas-microsoft-com:office:office" xmlns:v="urn:schemas-microsoft-com:vml" xmlns:pvml="urn:schemas-microsoft-com:office:powerpoint" xmlns:com="http://schemas.openxmlformats.org/drawingml/2006/compatibility" xmlns:p14="http://schemas.microsoft.com/office/powerpoint/2010/main" xmlns:p15="http://schemas.microsoft.com/office/powerpoint/2012/main" xmlns:ahyp="http://schemas.microsoft.com/office/drawing/2018/hyperlinkcolor">
+  <p:cSld>
+    <p:spTree>
+      <p:nvGrpSpPr>
+        <p:cNvPr id="443" name="Shape 443"/>
+        <p:cNvGrpSpPr/>
+        <p:nvPr/>
+      </p:nvGrpSpPr>
+      <p:grpSpPr>
+        <a:xfrm>
+          <a:off x="0" y="0"/>
+          <a:ext cx="0" cy="0"/>
+          <a:chOff x="0" y="0"/>
+          <a:chExt cx="0" cy="0"/>
+        </a:xfrm>
+      </p:grpSpPr>
+      <p:sp>
+        <p:nvSpPr>
+          <p:cNvPr id="444" name="Google Shape;444;p60"/>
+          <p:cNvSpPr txBox="1"/>
+          <p:nvPr>
+            <p:ph type="title"/>
+          </p:nvPr>
+        </p:nvSpPr>
+        <p:spPr>
+          <a:xfrm>
+            <a:off x="727650" y="599950"/>
+            <a:ext cx="7688700" cy="535200"/>
+          </a:xfrm>
+          <a:prstGeom prst="rect">
+            <a:avLst/>
+          </a:prstGeom>
+        </p:spPr>
+        <p:txBody>
+          <a:bodyPr anchorCtr="0" anchor="t" bIns="91425" lIns="91425" spcFirstLastPara="1" rIns="91425" wrap="square" tIns="91425">
+            <a:normAutofit fontScale="90000"/>
+          </a:bodyPr>
+          <a:lstStyle/>
+          <a:p>
+            <a:pPr indent="0" lvl="0" marL="0" rtl="0" algn="l">
+              <a:spcBef>
+                <a:spcPts val="0"/>
+              </a:spcBef>
+              <a:spcAft>
+                <a:spcPts val="0"/>
+              </a:spcAft>
+              <a:buNone/>
+            </a:pPr>
+            <a:r>
+              <a:rPr lang="en"/>
+              <a:t>User Profile : Clustering Users</a:t>
+            </a:r>
+            <a:endParaRPr/>
+          </a:p>
+        </p:txBody>
+      </p:sp>
+      <p:pic>
+        <p:nvPicPr>
+          <p:cNvPr id="445" name="Google Shape;445;p60"/>
+          <p:cNvPicPr preferRelativeResize="0"/>
+          <p:nvPr/>
+        </p:nvPicPr>
+        <p:blipFill>
+          <a:blip r:embed="rId3">
+            <a:alphaModFix/>
+          </a:blip>
+          <a:stretch>
+            <a:fillRect/>
+          </a:stretch>
+        </p:blipFill>
+        <p:spPr>
+          <a:xfrm>
+            <a:off x="3075850" y="1086150"/>
+            <a:ext cx="4062200" cy="3952901"/>
+          </a:xfrm>
+          <a:prstGeom prst="rect">
+            <a:avLst/>
+          </a:prstGeom>
+          <a:noFill/>
+          <a:ln>
+            <a:noFill/>
+          </a:ln>
+        </p:spPr>
+      </p:pic>
+      <p:sp>
+        <p:nvSpPr>
+          <p:cNvPr id="446" name="Google Shape;446;p60"/>
+          <p:cNvSpPr txBox="1"/>
+          <p:nvPr/>
+        </p:nvSpPr>
+        <p:spPr>
+          <a:xfrm>
+            <a:off x="912750" y="2901050"/>
+            <a:ext cx="2684400" cy="323100"/>
+          </a:xfrm>
+          <a:prstGeom prst="rect">
+            <a:avLst/>
+          </a:prstGeom>
+          <a:noFill/>
+          <a:ln>
+            <a:noFill/>
+          </a:ln>
+        </p:spPr>
+        <p:txBody>
+          <a:bodyPr anchorCtr="0" anchor="t" bIns="91425" lIns="91425" spcFirstLastPara="1" rIns="91425" wrap="square" tIns="91425">
+            <a:spAutoFit/>
+          </a:bodyPr>
+          <a:lstStyle/>
+          <a:p>
+            <a:pPr indent="0" lvl="0" marL="0" rtl="0" algn="ctr">
+              <a:spcBef>
+                <a:spcPts val="0"/>
+              </a:spcBef>
+              <a:spcAft>
+                <a:spcPts val="0"/>
+              </a:spcAft>
+              <a:buNone/>
+            </a:pPr>
+            <a:r>
+              <a:rPr lang="en" sz="900">
+                <a:latin typeface="Lato"/>
+                <a:ea typeface="Lato"/>
+                <a:cs typeface="Lato"/>
+                <a:sym typeface="Lato"/>
+              </a:rPr>
+              <a:t>Clustering: Dendrogram</a:t>
+            </a:r>
+            <a:endParaRPr sz="900">
+              <a:latin typeface="Lato"/>
+              <a:ea typeface="Lato"/>
+              <a:cs typeface="Lato"/>
+              <a:sym typeface="Lato"/>
+            </a:endParaRPr>
+          </a:p>
+        </p:txBody>
+      </p:sp>
+    </p:spTree>
+  </p:cSld>
+  <p:clrMapOvr>
+    <a:masterClrMapping/>
+  </p:clrMapOvr>
+</p:sld>
+</file>
+
+<file path=ppt/slides/slide49.xml><?xml version="1.0" encoding="utf-8"?>
+<p:sld xmlns:a="http://schemas.openxmlformats.org/drawingml/2006/main" xmlns:r="http://schemas.openxmlformats.org/officeDocument/2006/relationships" xmlns:mc="http://schemas.openxmlformats.org/markup-compatibility/2006" xmlns:mv="urn:schemas-microsoft-com:mac:vml" xmlns:p="http://schemas.openxmlformats.org/presentationml/2006/main" xmlns:c="http://schemas.openxmlformats.org/drawingml/2006/chart" xmlns:dgm="http://schemas.openxmlformats.org/drawingml/2006/diagram" xmlns:o="urn:schemas-microsoft-com:office:office" xmlns:v="urn:schemas-microsoft-com:vml" xmlns:pvml="urn:schemas-microsoft-com:office:powerpoint" xmlns:com="http://schemas.openxmlformats.org/drawingml/2006/compatibility" xmlns:p14="http://schemas.microsoft.com/office/powerpoint/2010/main" xmlns:p15="http://schemas.microsoft.com/office/powerpoint/2012/main" xmlns:ahyp="http://schemas.microsoft.com/office/drawing/2018/hyperlinkcolor">
+  <p:cSld>
+    <p:spTree>
+      <p:nvGrpSpPr>
+        <p:cNvPr id="450" name="Shape 450"/>
+        <p:cNvGrpSpPr/>
+        <p:nvPr/>
+      </p:nvGrpSpPr>
+      <p:grpSpPr>
+        <a:xfrm>
+          <a:off x="0" y="0"/>
+          <a:ext cx="0" cy="0"/>
+          <a:chOff x="0" y="0"/>
+          <a:chExt cx="0" cy="0"/>
+        </a:xfrm>
+      </p:grpSpPr>
+      <p:sp>
+        <p:nvSpPr>
+          <p:cNvPr id="451" name="Google Shape;451;p61"/>
           <p:cNvSpPr txBox="1"/>
           <p:nvPr>
             <p:ph type="title"/>
@@ -25458,7 +27077,7 @@
       </p:sp>
       <p:sp>
         <p:nvSpPr>
-          <p:cNvPr id="426" name="Google Shape;426;p57"/>
+          <p:cNvPr id="452" name="Google Shape;452;p61"/>
           <p:cNvSpPr txBox="1"/>
           <p:nvPr>
             <p:ph idx="1" type="subTitle"/>
@@ -25497,7 +27116,7 @@
       </p:sp>
       <p:pic>
         <p:nvPicPr>
-          <p:cNvPr id="427" name="Google Shape;427;p57"/>
+          <p:cNvPr id="453" name="Google Shape;453;p61"/>
           <p:cNvPicPr preferRelativeResize="0"/>
           <p:nvPr/>
         </p:nvPicPr>
@@ -25513,1948 +27132,6 @@
           <a:xfrm>
             <a:off x="5621725" y="1162225"/>
             <a:ext cx="2637275" cy="2637275"/>
-          </a:xfrm>
-          <a:prstGeom prst="rect">
-            <a:avLst/>
-          </a:prstGeom>
-          <a:noFill/>
-          <a:ln>
-            <a:noFill/>
-          </a:ln>
-        </p:spPr>
-      </p:pic>
-    </p:spTree>
-  </p:cSld>
-  <p:clrMapOvr>
-    <a:masterClrMapping/>
-  </p:clrMapOvr>
-</p:sld>
-</file>
-
-<file path=ppt/slides/slide46.xml><?xml version="1.0" encoding="utf-8"?>
-<p:sld xmlns:a="http://schemas.openxmlformats.org/drawingml/2006/main" xmlns:r="http://schemas.openxmlformats.org/officeDocument/2006/relationships" xmlns:mc="http://schemas.openxmlformats.org/markup-compatibility/2006" xmlns:mv="urn:schemas-microsoft-com:mac:vml" xmlns:p="http://schemas.openxmlformats.org/presentationml/2006/main" xmlns:c="http://schemas.openxmlformats.org/drawingml/2006/chart" xmlns:dgm="http://schemas.openxmlformats.org/drawingml/2006/diagram" xmlns:o="urn:schemas-microsoft-com:office:office" xmlns:v="urn:schemas-microsoft-com:vml" xmlns:pvml="urn:schemas-microsoft-com:office:powerpoint" xmlns:com="http://schemas.openxmlformats.org/drawingml/2006/compatibility" xmlns:p14="http://schemas.microsoft.com/office/powerpoint/2010/main" xmlns:p15="http://schemas.microsoft.com/office/powerpoint/2012/main" xmlns:ahyp="http://schemas.microsoft.com/office/drawing/2018/hyperlinkcolor">
-  <p:cSld>
-    <p:spTree>
-      <p:nvGrpSpPr>
-        <p:cNvPr id="431" name="Shape 431"/>
-        <p:cNvGrpSpPr/>
-        <p:nvPr/>
-      </p:nvGrpSpPr>
-      <p:grpSpPr>
-        <a:xfrm>
-          <a:off x="0" y="0"/>
-          <a:ext cx="0" cy="0"/>
-          <a:chOff x="0" y="0"/>
-          <a:chExt cx="0" cy="0"/>
-        </a:xfrm>
-      </p:grpSpPr>
-      <p:sp>
-        <p:nvSpPr>
-          <p:cNvPr id="432" name="Google Shape;432;p58"/>
-          <p:cNvSpPr txBox="1"/>
-          <p:nvPr>
-            <p:ph type="title"/>
-          </p:nvPr>
-        </p:nvSpPr>
-        <p:spPr>
-          <a:xfrm>
-            <a:off x="727650" y="599950"/>
-            <a:ext cx="7688700" cy="535200"/>
-          </a:xfrm>
-          <a:prstGeom prst="rect">
-            <a:avLst/>
-          </a:prstGeom>
-        </p:spPr>
-        <p:txBody>
-          <a:bodyPr anchorCtr="0" anchor="t" bIns="91425" lIns="91425" spcFirstLastPara="1" rIns="91425" wrap="square" tIns="91425">
-            <a:normAutofit fontScale="90000"/>
-          </a:bodyPr>
-          <a:lstStyle/>
-          <a:p>
-            <a:pPr indent="0" lvl="0" marL="0" rtl="0" algn="l">
-              <a:spcBef>
-                <a:spcPts val="0"/>
-              </a:spcBef>
-              <a:spcAft>
-                <a:spcPts val="0"/>
-              </a:spcAft>
-              <a:buNone/>
-            </a:pPr>
-            <a:r>
-              <a:rPr lang="en"/>
-              <a:t>Product</a:t>
-            </a:r>
-            <a:r>
-              <a:rPr lang="en"/>
-              <a:t> Profiles</a:t>
-            </a:r>
-            <a:endParaRPr/>
-          </a:p>
-        </p:txBody>
-      </p:sp>
-      <p:sp>
-        <p:nvSpPr>
-          <p:cNvPr id="433" name="Google Shape;433;p58"/>
-          <p:cNvSpPr txBox="1"/>
-          <p:nvPr>
-            <p:ph idx="1" type="body"/>
-          </p:nvPr>
-        </p:nvSpPr>
-        <p:spPr>
-          <a:xfrm>
-            <a:off x="729450" y="1487625"/>
-            <a:ext cx="7792200" cy="3505500"/>
-          </a:xfrm>
-          <a:prstGeom prst="rect">
-            <a:avLst/>
-          </a:prstGeom>
-        </p:spPr>
-        <p:txBody>
-          <a:bodyPr anchorCtr="0" anchor="t" bIns="91425" lIns="91425" spcFirstLastPara="1" rIns="91425" wrap="square" tIns="91425">
-            <a:normAutofit/>
-          </a:bodyPr>
-          <a:lstStyle/>
-          <a:p>
-            <a:pPr indent="-311150" lvl="0" marL="457200" rtl="0" algn="l">
-              <a:lnSpc>
-                <a:spcPct val="150000"/>
-              </a:lnSpc>
-              <a:spcBef>
-                <a:spcPts val="0"/>
-              </a:spcBef>
-              <a:spcAft>
-                <a:spcPts val="0"/>
-              </a:spcAft>
-              <a:buClr>
-                <a:srgbClr val="434343"/>
-              </a:buClr>
-              <a:buSzPts val="1300"/>
-              <a:buChar char="●"/>
-            </a:pPr>
-            <a:r>
-              <a:rPr lang="en">
-                <a:solidFill>
-                  <a:srgbClr val="434343"/>
-                </a:solidFill>
-              </a:rPr>
-              <a:t>Product</a:t>
-            </a:r>
-            <a:r>
-              <a:rPr lang="en">
-                <a:solidFill>
-                  <a:srgbClr val="434343"/>
-                </a:solidFill>
-              </a:rPr>
-              <a:t> Profile Includes:</a:t>
-            </a:r>
-            <a:endParaRPr>
-              <a:solidFill>
-                <a:srgbClr val="434343"/>
-              </a:solidFill>
-            </a:endParaRPr>
-          </a:p>
-          <a:p>
-            <a:pPr indent="-298450" lvl="1" marL="914400" rtl="0" algn="l">
-              <a:lnSpc>
-                <a:spcPct val="150000"/>
-              </a:lnSpc>
-              <a:spcBef>
-                <a:spcPts val="0"/>
-              </a:spcBef>
-              <a:spcAft>
-                <a:spcPts val="0"/>
-              </a:spcAft>
-              <a:buClr>
-                <a:srgbClr val="434343"/>
-              </a:buClr>
-              <a:buSzPts val="1100"/>
-              <a:buChar char="○"/>
-            </a:pPr>
-            <a:r>
-              <a:rPr b="1" lang="en">
-                <a:solidFill>
-                  <a:srgbClr val="434343"/>
-                </a:solidFill>
-              </a:rPr>
-              <a:t>Product/package  details</a:t>
-            </a:r>
-            <a:endParaRPr b="1">
-              <a:solidFill>
-                <a:srgbClr val="434343"/>
-              </a:solidFill>
-            </a:endParaRPr>
-          </a:p>
-          <a:p>
-            <a:pPr indent="-298450" lvl="1" marL="914400" rtl="0" algn="l">
-              <a:lnSpc>
-                <a:spcPct val="150000"/>
-              </a:lnSpc>
-              <a:spcBef>
-                <a:spcPts val="0"/>
-              </a:spcBef>
-              <a:spcAft>
-                <a:spcPts val="0"/>
-              </a:spcAft>
-              <a:buClr>
-                <a:srgbClr val="434343"/>
-              </a:buClr>
-              <a:buSzPts val="1100"/>
-              <a:buChar char="○"/>
-            </a:pPr>
-            <a:r>
-              <a:rPr b="1" lang="en">
-                <a:solidFill>
-                  <a:srgbClr val="434343"/>
-                </a:solidFill>
-              </a:rPr>
-              <a:t>Subscription Plans</a:t>
-            </a:r>
-            <a:endParaRPr b="1">
-              <a:solidFill>
-                <a:srgbClr val="434343"/>
-              </a:solidFill>
-            </a:endParaRPr>
-          </a:p>
-          <a:p>
-            <a:pPr indent="-298450" lvl="1" marL="914400" rtl="0" algn="l">
-              <a:lnSpc>
-                <a:spcPct val="150000"/>
-              </a:lnSpc>
-              <a:spcBef>
-                <a:spcPts val="0"/>
-              </a:spcBef>
-              <a:spcAft>
-                <a:spcPts val="0"/>
-              </a:spcAft>
-              <a:buClr>
-                <a:srgbClr val="434343"/>
-              </a:buClr>
-              <a:buSzPts val="1100"/>
-              <a:buChar char="○"/>
-            </a:pPr>
-            <a:r>
-              <a:rPr b="1" lang="en">
-                <a:solidFill>
-                  <a:srgbClr val="434343"/>
-                </a:solidFill>
-              </a:rPr>
-              <a:t>Price (Downpayment)</a:t>
-            </a:r>
-            <a:endParaRPr b="1">
-              <a:solidFill>
-                <a:srgbClr val="434343"/>
-              </a:solidFill>
-            </a:endParaRPr>
-          </a:p>
-          <a:p>
-            <a:pPr indent="-298450" lvl="1" marL="914400" rtl="0" algn="l">
-              <a:lnSpc>
-                <a:spcPct val="150000"/>
-              </a:lnSpc>
-              <a:spcBef>
-                <a:spcPts val="0"/>
-              </a:spcBef>
-              <a:spcAft>
-                <a:spcPts val="0"/>
-              </a:spcAft>
-              <a:buClr>
-                <a:srgbClr val="434343"/>
-              </a:buClr>
-              <a:buSzPts val="1100"/>
-              <a:buChar char="○"/>
-            </a:pPr>
-            <a:r>
-              <a:rPr b="1" lang="en">
-                <a:solidFill>
-                  <a:srgbClr val="434343"/>
-                </a:solidFill>
-              </a:rPr>
-              <a:t>Monthly Installments</a:t>
-            </a:r>
-            <a:endParaRPr b="1">
-              <a:solidFill>
-                <a:srgbClr val="434343"/>
-              </a:solidFill>
-            </a:endParaRPr>
-          </a:p>
-          <a:p>
-            <a:pPr indent="-298450" lvl="1" marL="914400" rtl="0" algn="l">
-              <a:lnSpc>
-                <a:spcPct val="150000"/>
-              </a:lnSpc>
-              <a:spcBef>
-                <a:spcPts val="0"/>
-              </a:spcBef>
-              <a:spcAft>
-                <a:spcPts val="0"/>
-              </a:spcAft>
-              <a:buClr>
-                <a:srgbClr val="434343"/>
-              </a:buClr>
-              <a:buSzPts val="1100"/>
-              <a:buChar char="○"/>
-            </a:pPr>
-            <a:r>
-              <a:rPr b="1" lang="en">
-                <a:solidFill>
-                  <a:srgbClr val="434343"/>
-                </a:solidFill>
-              </a:rPr>
-              <a:t>Data plans (for BroadBand packages) (Time-based/Anytime/Unlimited)</a:t>
-            </a:r>
-            <a:endParaRPr b="1">
-              <a:solidFill>
-                <a:srgbClr val="434343"/>
-              </a:solidFill>
-            </a:endParaRPr>
-          </a:p>
-          <a:p>
-            <a:pPr indent="-298450" lvl="1" marL="914400" rtl="0" algn="l">
-              <a:lnSpc>
-                <a:spcPct val="150000"/>
-              </a:lnSpc>
-              <a:spcBef>
-                <a:spcPts val="0"/>
-              </a:spcBef>
-              <a:spcAft>
-                <a:spcPts val="0"/>
-              </a:spcAft>
-              <a:buClr>
-                <a:srgbClr val="434343"/>
-              </a:buClr>
-              <a:buSzPts val="1100"/>
-              <a:buChar char="○"/>
-            </a:pPr>
-            <a:r>
-              <a:rPr b="1" lang="en">
-                <a:solidFill>
-                  <a:srgbClr val="434343"/>
-                </a:solidFill>
-              </a:rPr>
-              <a:t>Call Charges (VOICE packages)</a:t>
-            </a:r>
-            <a:endParaRPr b="1">
-              <a:solidFill>
-                <a:srgbClr val="434343"/>
-              </a:solidFill>
-            </a:endParaRPr>
-          </a:p>
-          <a:p>
-            <a:pPr indent="-298450" lvl="1" marL="914400" rtl="0" algn="l">
-              <a:lnSpc>
-                <a:spcPct val="150000"/>
-              </a:lnSpc>
-              <a:spcBef>
-                <a:spcPts val="0"/>
-              </a:spcBef>
-              <a:spcAft>
-                <a:spcPts val="0"/>
-              </a:spcAft>
-              <a:buClr>
-                <a:srgbClr val="434343"/>
-              </a:buClr>
-              <a:buSzPts val="1100"/>
-              <a:buChar char="○"/>
-            </a:pPr>
-            <a:r>
-              <a:rPr b="1" lang="en">
-                <a:solidFill>
-                  <a:srgbClr val="434343"/>
-                </a:solidFill>
-              </a:rPr>
-              <a:t>TV Channels and monthly charges (PeoTV Packages)</a:t>
-            </a:r>
-            <a:endParaRPr b="1">
-              <a:solidFill>
-                <a:srgbClr val="434343"/>
-              </a:solidFill>
-            </a:endParaRPr>
-          </a:p>
-          <a:p>
-            <a:pPr indent="-298450" lvl="1" marL="914400" rtl="0" algn="l">
-              <a:lnSpc>
-                <a:spcPct val="150000"/>
-              </a:lnSpc>
-              <a:spcBef>
-                <a:spcPts val="0"/>
-              </a:spcBef>
-              <a:spcAft>
-                <a:spcPts val="0"/>
-              </a:spcAft>
-              <a:buClr>
-                <a:srgbClr val="434343"/>
-              </a:buClr>
-              <a:buSzPts val="1100"/>
-              <a:buChar char="○"/>
-            </a:pPr>
-            <a:r>
-              <a:rPr b="1" lang="en">
-                <a:solidFill>
-                  <a:srgbClr val="434343"/>
-                </a:solidFill>
-              </a:rPr>
-              <a:t>Value Added services details (VAS)</a:t>
-            </a:r>
-            <a:endParaRPr b="1">
-              <a:solidFill>
-                <a:srgbClr val="434343"/>
-              </a:solidFill>
-            </a:endParaRPr>
-          </a:p>
-          <a:p>
-            <a:pPr indent="-298450" lvl="1" marL="914400" rtl="0" algn="l">
-              <a:lnSpc>
-                <a:spcPct val="150000"/>
-              </a:lnSpc>
-              <a:spcBef>
-                <a:spcPts val="0"/>
-              </a:spcBef>
-              <a:spcAft>
-                <a:spcPts val="0"/>
-              </a:spcAft>
-              <a:buClr>
-                <a:srgbClr val="434343"/>
-              </a:buClr>
-              <a:buSzPts val="1100"/>
-              <a:buChar char="○"/>
-            </a:pPr>
-            <a:r>
-              <a:rPr b="1" lang="en">
-                <a:solidFill>
-                  <a:srgbClr val="434343"/>
-                </a:solidFill>
-              </a:rPr>
-              <a:t>Conditions</a:t>
-            </a:r>
-            <a:endParaRPr b="1">
-              <a:solidFill>
-                <a:srgbClr val="434343"/>
-              </a:solidFill>
-            </a:endParaRPr>
-          </a:p>
-          <a:p>
-            <a:pPr indent="-298450" lvl="1" marL="914400" rtl="0" algn="l">
-              <a:lnSpc>
-                <a:spcPct val="150000"/>
-              </a:lnSpc>
-              <a:spcBef>
-                <a:spcPts val="0"/>
-              </a:spcBef>
-              <a:spcAft>
-                <a:spcPts val="0"/>
-              </a:spcAft>
-              <a:buClr>
-                <a:srgbClr val="434343"/>
-              </a:buClr>
-              <a:buSzPts val="1100"/>
-              <a:buChar char="○"/>
-            </a:pPr>
-            <a:r>
-              <a:rPr b="1" lang="en">
-                <a:solidFill>
-                  <a:srgbClr val="434343"/>
-                </a:solidFill>
-              </a:rPr>
-              <a:t>* Dependent Products</a:t>
-            </a:r>
-            <a:endParaRPr b="1">
-              <a:solidFill>
-                <a:srgbClr val="434343"/>
-              </a:solidFill>
-            </a:endParaRPr>
-          </a:p>
-          <a:p>
-            <a:pPr indent="-298450" lvl="1" marL="914400" rtl="0" algn="l">
-              <a:lnSpc>
-                <a:spcPct val="150000"/>
-              </a:lnSpc>
-              <a:spcBef>
-                <a:spcPts val="0"/>
-              </a:spcBef>
-              <a:spcAft>
-                <a:spcPts val="0"/>
-              </a:spcAft>
-              <a:buClr>
-                <a:srgbClr val="434343"/>
-              </a:buClr>
-              <a:buSzPts val="1100"/>
-              <a:buChar char="○"/>
-            </a:pPr>
-            <a:r>
-              <a:rPr b="1" lang="en">
-                <a:solidFill>
-                  <a:srgbClr val="434343"/>
-                </a:solidFill>
-              </a:rPr>
-              <a:t>* Available locations</a:t>
-            </a:r>
-            <a:endParaRPr b="1">
-              <a:solidFill>
-                <a:srgbClr val="434343"/>
-              </a:solidFill>
-            </a:endParaRPr>
-          </a:p>
-        </p:txBody>
-      </p:sp>
-      <p:sp>
-        <p:nvSpPr>
-          <p:cNvPr id="434" name="Google Shape;434;p58"/>
-          <p:cNvSpPr txBox="1"/>
-          <p:nvPr/>
-        </p:nvSpPr>
-        <p:spPr>
-          <a:xfrm>
-            <a:off x="6367275" y="4460025"/>
-            <a:ext cx="2684400" cy="461700"/>
-          </a:xfrm>
-          <a:prstGeom prst="rect">
-            <a:avLst/>
-          </a:prstGeom>
-          <a:noFill/>
-          <a:ln>
-            <a:noFill/>
-          </a:ln>
-        </p:spPr>
-        <p:txBody>
-          <a:bodyPr anchorCtr="0" anchor="t" bIns="91425" lIns="91425" spcFirstLastPara="1" rIns="91425" wrap="square" tIns="91425">
-            <a:spAutoFit/>
-          </a:bodyPr>
-          <a:lstStyle/>
-          <a:p>
-            <a:pPr indent="0" lvl="0" marL="0" rtl="0" algn="ctr">
-              <a:spcBef>
-                <a:spcPts val="0"/>
-              </a:spcBef>
-              <a:spcAft>
-                <a:spcPts val="0"/>
-              </a:spcAft>
-              <a:buNone/>
-            </a:pPr>
-            <a:r>
-              <a:rPr b="1" lang="en" sz="900">
-                <a:latin typeface="Lato"/>
-                <a:ea typeface="Lato"/>
-                <a:cs typeface="Lato"/>
-                <a:sym typeface="Lato"/>
-              </a:rPr>
-              <a:t>Data Extracted From:</a:t>
-            </a:r>
-            <a:endParaRPr b="1" sz="900">
-              <a:latin typeface="Lato"/>
-              <a:ea typeface="Lato"/>
-              <a:cs typeface="Lato"/>
-              <a:sym typeface="Lato"/>
-            </a:endParaRPr>
-          </a:p>
-          <a:p>
-            <a:pPr indent="0" lvl="0" marL="0" rtl="0" algn="ctr">
-              <a:spcBef>
-                <a:spcPts val="0"/>
-              </a:spcBef>
-              <a:spcAft>
-                <a:spcPts val="0"/>
-              </a:spcAft>
-              <a:buNone/>
-            </a:pPr>
-            <a:r>
-              <a:rPr lang="en" sz="900">
-                <a:latin typeface="Lato"/>
-                <a:ea typeface="Lato"/>
-                <a:cs typeface="Lato"/>
-                <a:sym typeface="Lato"/>
-              </a:rPr>
-              <a:t>SLT Web site, Annual report 2020</a:t>
-            </a:r>
-            <a:endParaRPr sz="900">
-              <a:latin typeface="Lato"/>
-              <a:ea typeface="Lato"/>
-              <a:cs typeface="Lato"/>
-              <a:sym typeface="Lato"/>
-            </a:endParaRPr>
-          </a:p>
-        </p:txBody>
-      </p:sp>
-    </p:spTree>
-  </p:cSld>
-  <p:clrMapOvr>
-    <a:masterClrMapping/>
-  </p:clrMapOvr>
-</p:sld>
-</file>
-
-<file path=ppt/slides/slide47.xml><?xml version="1.0" encoding="utf-8"?>
-<p:sld xmlns:a="http://schemas.openxmlformats.org/drawingml/2006/main" xmlns:r="http://schemas.openxmlformats.org/officeDocument/2006/relationships" xmlns:mc="http://schemas.openxmlformats.org/markup-compatibility/2006" xmlns:mv="urn:schemas-microsoft-com:mac:vml" xmlns:p="http://schemas.openxmlformats.org/presentationml/2006/main" xmlns:c="http://schemas.openxmlformats.org/drawingml/2006/chart" xmlns:dgm="http://schemas.openxmlformats.org/drawingml/2006/diagram" xmlns:o="urn:schemas-microsoft-com:office:office" xmlns:v="urn:schemas-microsoft-com:vml" xmlns:pvml="urn:schemas-microsoft-com:office:powerpoint" xmlns:com="http://schemas.openxmlformats.org/drawingml/2006/compatibility" xmlns:p14="http://schemas.microsoft.com/office/powerpoint/2010/main" xmlns:p15="http://schemas.microsoft.com/office/powerpoint/2012/main" xmlns:ahyp="http://schemas.microsoft.com/office/drawing/2018/hyperlinkcolor">
-  <p:cSld>
-    <p:spTree>
-      <p:nvGrpSpPr>
-        <p:cNvPr id="438" name="Shape 438"/>
-        <p:cNvGrpSpPr/>
-        <p:nvPr/>
-      </p:nvGrpSpPr>
-      <p:grpSpPr>
-        <a:xfrm>
-          <a:off x="0" y="0"/>
-          <a:ext cx="0" cy="0"/>
-          <a:chOff x="0" y="0"/>
-          <a:chExt cx="0" cy="0"/>
-        </a:xfrm>
-      </p:grpSpPr>
-      <p:sp>
-        <p:nvSpPr>
-          <p:cNvPr id="439" name="Google Shape;439;p59"/>
-          <p:cNvSpPr txBox="1"/>
-          <p:nvPr>
-            <p:ph type="title"/>
-          </p:nvPr>
-        </p:nvSpPr>
-        <p:spPr>
-          <a:xfrm>
-            <a:off x="727650" y="599950"/>
-            <a:ext cx="7688700" cy="535200"/>
-          </a:xfrm>
-          <a:prstGeom prst="rect">
-            <a:avLst/>
-          </a:prstGeom>
-        </p:spPr>
-        <p:txBody>
-          <a:bodyPr anchorCtr="0" anchor="t" bIns="91425" lIns="91425" spcFirstLastPara="1" rIns="91425" wrap="square" tIns="91425">
-            <a:normAutofit fontScale="90000"/>
-          </a:bodyPr>
-          <a:lstStyle/>
-          <a:p>
-            <a:pPr indent="0" lvl="0" marL="0" rtl="0" algn="l">
-              <a:spcBef>
-                <a:spcPts val="0"/>
-              </a:spcBef>
-              <a:spcAft>
-                <a:spcPts val="0"/>
-              </a:spcAft>
-              <a:buNone/>
-            </a:pPr>
-            <a:r>
-              <a:rPr lang="en"/>
-              <a:t>Product</a:t>
-            </a:r>
-            <a:r>
-              <a:rPr lang="en"/>
-              <a:t> Profiles: Available features</a:t>
-            </a:r>
-            <a:endParaRPr/>
-          </a:p>
-        </p:txBody>
-      </p:sp>
-      <p:sp>
-        <p:nvSpPr>
-          <p:cNvPr id="440" name="Google Shape;440;p59"/>
-          <p:cNvSpPr txBox="1"/>
-          <p:nvPr>
-            <p:ph idx="1" type="body"/>
-          </p:nvPr>
-        </p:nvSpPr>
-        <p:spPr>
-          <a:xfrm>
-            <a:off x="697250" y="1383875"/>
-            <a:ext cx="5143500" cy="3835800"/>
-          </a:xfrm>
-          <a:prstGeom prst="rect">
-            <a:avLst/>
-          </a:prstGeom>
-        </p:spPr>
-        <p:txBody>
-          <a:bodyPr anchorCtr="0" anchor="t" bIns="91425" lIns="91425" spcFirstLastPara="1" rIns="91425" wrap="square" tIns="91425">
-            <a:normAutofit fontScale="92500" lnSpcReduction="20000"/>
-          </a:bodyPr>
-          <a:lstStyle/>
-          <a:p>
-            <a:pPr indent="-304958" lvl="0" marL="457200" rtl="0" algn="l">
-              <a:lnSpc>
-                <a:spcPct val="150000"/>
-              </a:lnSpc>
-              <a:spcBef>
-                <a:spcPts val="0"/>
-              </a:spcBef>
-              <a:spcAft>
-                <a:spcPts val="0"/>
-              </a:spcAft>
-              <a:buClr>
-                <a:srgbClr val="434343"/>
-              </a:buClr>
-              <a:buSzPct val="100000"/>
-              <a:buChar char="●"/>
-            </a:pPr>
-            <a:r>
-              <a:rPr lang="en">
-                <a:solidFill>
-                  <a:srgbClr val="434343"/>
-                </a:solidFill>
-              </a:rPr>
-              <a:t>Common features</a:t>
-            </a:r>
-            <a:r>
-              <a:rPr lang="en">
-                <a:solidFill>
-                  <a:srgbClr val="434343"/>
-                </a:solidFill>
-              </a:rPr>
-              <a:t>:</a:t>
-            </a:r>
-            <a:endParaRPr>
-              <a:solidFill>
-                <a:srgbClr val="434343"/>
-              </a:solidFill>
-            </a:endParaRPr>
-          </a:p>
-          <a:p>
-            <a:pPr indent="-293211" lvl="1" marL="914400" rtl="0" algn="l">
-              <a:lnSpc>
-                <a:spcPct val="150000"/>
-              </a:lnSpc>
-              <a:spcBef>
-                <a:spcPts val="0"/>
-              </a:spcBef>
-              <a:spcAft>
-                <a:spcPts val="0"/>
-              </a:spcAft>
-              <a:buClr>
-                <a:srgbClr val="434343"/>
-              </a:buClr>
-              <a:buSzPct val="100000"/>
-              <a:buChar char="○"/>
-            </a:pPr>
-            <a:r>
-              <a:rPr lang="en">
-                <a:solidFill>
-                  <a:srgbClr val="434343"/>
-                </a:solidFill>
-              </a:rPr>
-              <a:t>Product_ID - product code</a:t>
-            </a:r>
-            <a:endParaRPr>
-              <a:solidFill>
-                <a:srgbClr val="434343"/>
-              </a:solidFill>
-            </a:endParaRPr>
-          </a:p>
-          <a:p>
-            <a:pPr indent="-293211" lvl="1" marL="914400" rtl="0" algn="l">
-              <a:lnSpc>
-                <a:spcPct val="150000"/>
-              </a:lnSpc>
-              <a:spcBef>
-                <a:spcPts val="0"/>
-              </a:spcBef>
-              <a:spcAft>
-                <a:spcPts val="0"/>
-              </a:spcAft>
-              <a:buClr>
-                <a:srgbClr val="434343"/>
-              </a:buClr>
-              <a:buSzPct val="100000"/>
-              <a:buChar char="○"/>
-            </a:pPr>
-            <a:r>
-              <a:rPr lang="en">
-                <a:solidFill>
-                  <a:srgbClr val="434343"/>
-                </a:solidFill>
-              </a:rPr>
-              <a:t>Base_Type (BB/VOICE/PEOTV)</a:t>
-            </a:r>
-            <a:endParaRPr>
-              <a:solidFill>
-                <a:srgbClr val="434343"/>
-              </a:solidFill>
-            </a:endParaRPr>
-          </a:p>
-          <a:p>
-            <a:pPr indent="-293211" lvl="1" marL="914400" rtl="0" algn="l">
-              <a:lnSpc>
-                <a:spcPct val="150000"/>
-              </a:lnSpc>
-              <a:spcBef>
-                <a:spcPts val="0"/>
-              </a:spcBef>
-              <a:spcAft>
-                <a:spcPts val="0"/>
-              </a:spcAft>
-              <a:buClr>
-                <a:srgbClr val="434343"/>
-              </a:buClr>
-              <a:buSzPct val="100000"/>
-              <a:buChar char="○"/>
-            </a:pPr>
-            <a:r>
-              <a:rPr lang="en">
-                <a:solidFill>
-                  <a:srgbClr val="434343"/>
-                </a:solidFill>
-              </a:rPr>
-              <a:t>Pricing_Type (PAID/FREE)</a:t>
-            </a:r>
-            <a:endParaRPr>
-              <a:solidFill>
-                <a:srgbClr val="434343"/>
-              </a:solidFill>
-            </a:endParaRPr>
-          </a:p>
-          <a:p>
-            <a:pPr indent="-293211" lvl="1" marL="914400" rtl="0" algn="l">
-              <a:lnSpc>
-                <a:spcPct val="150000"/>
-              </a:lnSpc>
-              <a:spcBef>
-                <a:spcPts val="0"/>
-              </a:spcBef>
-              <a:spcAft>
-                <a:spcPts val="0"/>
-              </a:spcAft>
-              <a:buClr>
-                <a:srgbClr val="434343"/>
-              </a:buClr>
-              <a:buSzPct val="100000"/>
-              <a:buChar char="○"/>
-            </a:pPr>
-            <a:r>
-              <a:rPr lang="en">
-                <a:solidFill>
-                  <a:srgbClr val="434343"/>
-                </a:solidFill>
-              </a:rPr>
-              <a:t>Package_Type (ADSL/Fibre/4G/Telephone/PeoTV)</a:t>
-            </a:r>
-            <a:endParaRPr>
-              <a:solidFill>
-                <a:srgbClr val="434343"/>
-              </a:solidFill>
-            </a:endParaRPr>
-          </a:p>
-          <a:p>
-            <a:pPr indent="-293211" lvl="1" marL="914400" rtl="0" algn="l">
-              <a:lnSpc>
-                <a:spcPct val="150000"/>
-              </a:lnSpc>
-              <a:spcBef>
-                <a:spcPts val="0"/>
-              </a:spcBef>
-              <a:spcAft>
-                <a:spcPts val="0"/>
-              </a:spcAft>
-              <a:buClr>
-                <a:srgbClr val="434343"/>
-              </a:buClr>
-              <a:buSzPct val="100000"/>
-              <a:buChar char="○"/>
-            </a:pPr>
-            <a:r>
-              <a:rPr lang="en">
-                <a:solidFill>
-                  <a:srgbClr val="434343"/>
-                </a:solidFill>
-              </a:rPr>
-              <a:t>VAS (YES/NO) - value added service</a:t>
-            </a:r>
-            <a:endParaRPr>
-              <a:solidFill>
-                <a:srgbClr val="434343"/>
-              </a:solidFill>
-            </a:endParaRPr>
-          </a:p>
-          <a:p>
-            <a:pPr indent="-293211" lvl="1" marL="914400" rtl="0" algn="l">
-              <a:lnSpc>
-                <a:spcPct val="150000"/>
-              </a:lnSpc>
-              <a:spcBef>
-                <a:spcPts val="0"/>
-              </a:spcBef>
-              <a:spcAft>
-                <a:spcPts val="0"/>
-              </a:spcAft>
-              <a:buClr>
-                <a:srgbClr val="434343"/>
-              </a:buClr>
-              <a:buSzPct val="100000"/>
-              <a:buChar char="○"/>
-            </a:pPr>
-            <a:r>
-              <a:rPr lang="en">
-                <a:solidFill>
-                  <a:srgbClr val="434343"/>
-                </a:solidFill>
-              </a:rPr>
-              <a:t>Title and Description</a:t>
-            </a:r>
-            <a:endParaRPr>
-              <a:solidFill>
-                <a:srgbClr val="434343"/>
-              </a:solidFill>
-            </a:endParaRPr>
-          </a:p>
-          <a:p>
-            <a:pPr indent="-293211" lvl="1" marL="914400" rtl="0" algn="l">
-              <a:lnSpc>
-                <a:spcPct val="150000"/>
-              </a:lnSpc>
-              <a:spcBef>
-                <a:spcPts val="0"/>
-              </a:spcBef>
-              <a:spcAft>
-                <a:spcPts val="0"/>
-              </a:spcAft>
-              <a:buClr>
-                <a:srgbClr val="434343"/>
-              </a:buClr>
-              <a:buSzPct val="100000"/>
-              <a:buChar char="○"/>
-            </a:pPr>
-            <a:r>
-              <a:rPr lang="en">
-                <a:solidFill>
-                  <a:srgbClr val="434343"/>
-                </a:solidFill>
-              </a:rPr>
-              <a:t>Included_Packages - packages shipped with a product</a:t>
-            </a:r>
-            <a:endParaRPr>
-              <a:solidFill>
-                <a:srgbClr val="434343"/>
-              </a:solidFill>
-            </a:endParaRPr>
-          </a:p>
-          <a:p>
-            <a:pPr indent="-293211" lvl="1" marL="914400" rtl="0" algn="l">
-              <a:lnSpc>
-                <a:spcPct val="150000"/>
-              </a:lnSpc>
-              <a:spcBef>
-                <a:spcPts val="0"/>
-              </a:spcBef>
-              <a:spcAft>
-                <a:spcPts val="0"/>
-              </a:spcAft>
-              <a:buClr>
-                <a:srgbClr val="434343"/>
-              </a:buClr>
-              <a:buSzPct val="100000"/>
-              <a:buChar char="○"/>
-            </a:pPr>
-            <a:r>
-              <a:rPr lang="en">
-                <a:solidFill>
-                  <a:srgbClr val="434343"/>
-                </a:solidFill>
-              </a:rPr>
-              <a:t>Price (Rs.) - totl cost, downpayment or first installment</a:t>
-            </a:r>
-            <a:endParaRPr>
-              <a:solidFill>
-                <a:srgbClr val="434343"/>
-              </a:solidFill>
-            </a:endParaRPr>
-          </a:p>
-          <a:p>
-            <a:pPr indent="-293211" lvl="1" marL="914400" rtl="0" algn="l">
-              <a:lnSpc>
-                <a:spcPct val="150000"/>
-              </a:lnSpc>
-              <a:spcBef>
-                <a:spcPts val="0"/>
-              </a:spcBef>
-              <a:spcAft>
-                <a:spcPts val="0"/>
-              </a:spcAft>
-              <a:buClr>
-                <a:srgbClr val="434343"/>
-              </a:buClr>
-              <a:buSzPct val="100000"/>
-              <a:buChar char="○"/>
-            </a:pPr>
-            <a:r>
-              <a:rPr lang="en">
-                <a:solidFill>
-                  <a:srgbClr val="434343"/>
-                </a:solidFill>
-              </a:rPr>
-              <a:t>Monthly_Rental (Rs.)</a:t>
-            </a:r>
-            <a:endParaRPr>
-              <a:solidFill>
-                <a:srgbClr val="434343"/>
-              </a:solidFill>
-            </a:endParaRPr>
-          </a:p>
-          <a:p>
-            <a:pPr indent="-293211" lvl="1" marL="914400" rtl="0" algn="l">
-              <a:lnSpc>
-                <a:spcPct val="150000"/>
-              </a:lnSpc>
-              <a:spcBef>
-                <a:spcPts val="0"/>
-              </a:spcBef>
-              <a:spcAft>
-                <a:spcPts val="0"/>
-              </a:spcAft>
-              <a:buClr>
-                <a:srgbClr val="434343"/>
-              </a:buClr>
-              <a:buSzPct val="100000"/>
-              <a:buChar char="○"/>
-            </a:pPr>
-            <a:r>
-              <a:rPr lang="en">
-                <a:solidFill>
-                  <a:srgbClr val="434343"/>
-                </a:solidFill>
-              </a:rPr>
-              <a:t>Subscription_Type (SINGLE_PLAY/DOUBLE_PLAY/TRIPLE_PLAY)</a:t>
-            </a:r>
-            <a:endParaRPr>
-              <a:solidFill>
-                <a:srgbClr val="434343"/>
-              </a:solidFill>
-            </a:endParaRPr>
-          </a:p>
-          <a:p>
-            <a:pPr indent="-293211" lvl="1" marL="914400" rtl="0" algn="l">
-              <a:lnSpc>
-                <a:spcPct val="150000"/>
-              </a:lnSpc>
-              <a:spcBef>
-                <a:spcPts val="0"/>
-              </a:spcBef>
-              <a:spcAft>
-                <a:spcPts val="0"/>
-              </a:spcAft>
-              <a:buClr>
-                <a:srgbClr val="434343"/>
-              </a:buClr>
-              <a:buSzPct val="100000"/>
-              <a:buChar char="○"/>
-            </a:pPr>
-            <a:r>
-              <a:rPr lang="en">
-                <a:solidFill>
-                  <a:srgbClr val="434343"/>
-                </a:solidFill>
-              </a:rPr>
-              <a:t>Minimum_Subscription_Period (years)</a:t>
-            </a:r>
-            <a:endParaRPr>
-              <a:solidFill>
-                <a:srgbClr val="434343"/>
-              </a:solidFill>
-            </a:endParaRPr>
-          </a:p>
-          <a:p>
-            <a:pPr indent="-293211" lvl="1" marL="914400" rtl="0" algn="l">
-              <a:lnSpc>
-                <a:spcPct val="150000"/>
-              </a:lnSpc>
-              <a:spcBef>
-                <a:spcPts val="0"/>
-              </a:spcBef>
-              <a:spcAft>
-                <a:spcPts val="0"/>
-              </a:spcAft>
-              <a:buClr>
-                <a:srgbClr val="434343"/>
-              </a:buClr>
-              <a:buSzPct val="100000"/>
-              <a:buChar char="○"/>
-            </a:pPr>
-            <a:r>
-              <a:rPr lang="en">
-                <a:solidFill>
-                  <a:srgbClr val="434343"/>
-                </a:solidFill>
-              </a:rPr>
-              <a:t>Recidence_Type (Home/Office)</a:t>
-            </a:r>
-            <a:endParaRPr>
-              <a:solidFill>
-                <a:srgbClr val="434343"/>
-              </a:solidFill>
-            </a:endParaRPr>
-          </a:p>
-          <a:p>
-            <a:pPr indent="-293211" lvl="1" marL="914400" rtl="0" algn="l">
-              <a:lnSpc>
-                <a:spcPct val="150000"/>
-              </a:lnSpc>
-              <a:spcBef>
-                <a:spcPts val="0"/>
-              </a:spcBef>
-              <a:spcAft>
-                <a:spcPts val="0"/>
-              </a:spcAft>
-              <a:buClr>
-                <a:srgbClr val="434343"/>
-              </a:buClr>
-              <a:buSzPct val="100000"/>
-              <a:buChar char="○"/>
-            </a:pPr>
-            <a:r>
-              <a:rPr lang="en">
-                <a:solidFill>
-                  <a:srgbClr val="434343"/>
-                </a:solidFill>
-              </a:rPr>
-              <a:t>Tax_Status (INCLUDED/EXCLUDED)</a:t>
-            </a:r>
-            <a:endParaRPr>
-              <a:solidFill>
-                <a:srgbClr val="434343"/>
-              </a:solidFill>
-            </a:endParaRPr>
-          </a:p>
-          <a:p>
-            <a:pPr indent="-293211" lvl="1" marL="914400" rtl="0" algn="l">
-              <a:lnSpc>
-                <a:spcPct val="150000"/>
-              </a:lnSpc>
-              <a:spcBef>
-                <a:spcPts val="0"/>
-              </a:spcBef>
-              <a:spcAft>
-                <a:spcPts val="0"/>
-              </a:spcAft>
-              <a:buClr>
-                <a:srgbClr val="434343"/>
-              </a:buClr>
-              <a:buSzPct val="100000"/>
-              <a:buChar char="○"/>
-            </a:pPr>
-            <a:r>
-              <a:rPr lang="en">
-                <a:solidFill>
-                  <a:srgbClr val="434343"/>
-                </a:solidFill>
-              </a:rPr>
-              <a:t>Conditions - list of conditions for package</a:t>
-            </a:r>
-            <a:endParaRPr>
-              <a:solidFill>
-                <a:srgbClr val="434343"/>
-              </a:solidFill>
-            </a:endParaRPr>
-          </a:p>
-          <a:p>
-            <a:pPr indent="-293211" lvl="1" marL="914400" rtl="0" algn="l">
-              <a:lnSpc>
-                <a:spcPct val="150000"/>
-              </a:lnSpc>
-              <a:spcBef>
-                <a:spcPts val="0"/>
-              </a:spcBef>
-              <a:spcAft>
-                <a:spcPts val="0"/>
-              </a:spcAft>
-              <a:buClr>
-                <a:srgbClr val="434343"/>
-              </a:buClr>
-              <a:buSzPct val="100000"/>
-              <a:buChar char="○"/>
-            </a:pPr>
-            <a:r>
-              <a:rPr lang="en">
-                <a:solidFill>
-                  <a:srgbClr val="434343"/>
-                </a:solidFill>
-              </a:rPr>
-              <a:t>Available_Regions - list of available regions: MSAN or related level</a:t>
-            </a:r>
-            <a:endParaRPr>
-              <a:solidFill>
-                <a:srgbClr val="434343"/>
-              </a:solidFill>
-            </a:endParaRPr>
-          </a:p>
-          <a:p>
-            <a:pPr indent="-293211" lvl="1" marL="914400" rtl="0" algn="l">
-              <a:lnSpc>
-                <a:spcPct val="150000"/>
-              </a:lnSpc>
-              <a:spcBef>
-                <a:spcPts val="0"/>
-              </a:spcBef>
-              <a:spcAft>
-                <a:spcPts val="0"/>
-              </a:spcAft>
-              <a:buClr>
-                <a:srgbClr val="434343"/>
-              </a:buClr>
-              <a:buSzPct val="100000"/>
-              <a:buChar char="○"/>
-            </a:pPr>
-            <a:r>
-              <a:rPr lang="en">
-                <a:solidFill>
-                  <a:srgbClr val="434343"/>
-                </a:solidFill>
-              </a:rPr>
-              <a:t>Dependent_Packages (other products it depends on)</a:t>
-            </a:r>
-            <a:endParaRPr>
-              <a:solidFill>
-                <a:srgbClr val="434343"/>
-              </a:solidFill>
-            </a:endParaRPr>
-          </a:p>
-        </p:txBody>
-      </p:sp>
-    </p:spTree>
-  </p:cSld>
-  <p:clrMapOvr>
-    <a:masterClrMapping/>
-  </p:clrMapOvr>
-</p:sld>
-</file>
-
-<file path=ppt/slides/slide48.xml><?xml version="1.0" encoding="utf-8"?>
-<p:sld xmlns:a="http://schemas.openxmlformats.org/drawingml/2006/main" xmlns:r="http://schemas.openxmlformats.org/officeDocument/2006/relationships" xmlns:mc="http://schemas.openxmlformats.org/markup-compatibility/2006" xmlns:mv="urn:schemas-microsoft-com:mac:vml" xmlns:p="http://schemas.openxmlformats.org/presentationml/2006/main" xmlns:c="http://schemas.openxmlformats.org/drawingml/2006/chart" xmlns:dgm="http://schemas.openxmlformats.org/drawingml/2006/diagram" xmlns:o="urn:schemas-microsoft-com:office:office" xmlns:v="urn:schemas-microsoft-com:vml" xmlns:pvml="urn:schemas-microsoft-com:office:powerpoint" xmlns:com="http://schemas.openxmlformats.org/drawingml/2006/compatibility" xmlns:p14="http://schemas.microsoft.com/office/powerpoint/2010/main" xmlns:p15="http://schemas.microsoft.com/office/powerpoint/2012/main" xmlns:ahyp="http://schemas.microsoft.com/office/drawing/2018/hyperlinkcolor">
-  <p:cSld>
-    <p:spTree>
-      <p:nvGrpSpPr>
-        <p:cNvPr id="444" name="Shape 444"/>
-        <p:cNvGrpSpPr/>
-        <p:nvPr/>
-      </p:nvGrpSpPr>
-      <p:grpSpPr>
-        <a:xfrm>
-          <a:off x="0" y="0"/>
-          <a:ext cx="0" cy="0"/>
-          <a:chOff x="0" y="0"/>
-          <a:chExt cx="0" cy="0"/>
-        </a:xfrm>
-      </p:grpSpPr>
-      <p:sp>
-        <p:nvSpPr>
-          <p:cNvPr id="445" name="Google Shape;445;p60"/>
-          <p:cNvSpPr txBox="1"/>
-          <p:nvPr>
-            <p:ph type="title"/>
-          </p:nvPr>
-        </p:nvSpPr>
-        <p:spPr>
-          <a:xfrm>
-            <a:off x="727650" y="599950"/>
-            <a:ext cx="7688700" cy="535200"/>
-          </a:xfrm>
-          <a:prstGeom prst="rect">
-            <a:avLst/>
-          </a:prstGeom>
-        </p:spPr>
-        <p:txBody>
-          <a:bodyPr anchorCtr="0" anchor="t" bIns="91425" lIns="91425" spcFirstLastPara="1" rIns="91425" wrap="square" tIns="91425">
-            <a:normAutofit fontScale="90000"/>
-          </a:bodyPr>
-          <a:lstStyle/>
-          <a:p>
-            <a:pPr indent="0" lvl="0" marL="0" rtl="0" algn="l">
-              <a:spcBef>
-                <a:spcPts val="0"/>
-              </a:spcBef>
-              <a:spcAft>
-                <a:spcPts val="0"/>
-              </a:spcAft>
-              <a:buNone/>
-            </a:pPr>
-            <a:r>
-              <a:rPr lang="en"/>
-              <a:t>Product Profiles: Available features</a:t>
-            </a:r>
-            <a:endParaRPr/>
-          </a:p>
-        </p:txBody>
-      </p:sp>
-      <p:sp>
-        <p:nvSpPr>
-          <p:cNvPr id="446" name="Google Shape;446;p60"/>
-          <p:cNvSpPr txBox="1"/>
-          <p:nvPr>
-            <p:ph idx="1" type="body"/>
-          </p:nvPr>
-        </p:nvSpPr>
-        <p:spPr>
-          <a:xfrm>
-            <a:off x="697250" y="1383875"/>
-            <a:ext cx="6923700" cy="3835800"/>
-          </a:xfrm>
-          <a:prstGeom prst="rect">
-            <a:avLst/>
-          </a:prstGeom>
-        </p:spPr>
-        <p:txBody>
-          <a:bodyPr anchorCtr="0" anchor="t" bIns="91425" lIns="91425" spcFirstLastPara="1" rIns="91425" wrap="square" tIns="91425">
-            <a:normAutofit fontScale="85000"/>
-          </a:bodyPr>
-          <a:lstStyle/>
-          <a:p>
-            <a:pPr indent="-298767" lvl="0" marL="457200" rtl="0" algn="l">
-              <a:lnSpc>
-                <a:spcPct val="150000"/>
-              </a:lnSpc>
-              <a:spcBef>
-                <a:spcPts val="0"/>
-              </a:spcBef>
-              <a:spcAft>
-                <a:spcPts val="0"/>
-              </a:spcAft>
-              <a:buClr>
-                <a:srgbClr val="434343"/>
-              </a:buClr>
-              <a:buSzPct val="100000"/>
-              <a:buChar char="●"/>
-            </a:pPr>
-            <a:r>
-              <a:rPr lang="en">
-                <a:solidFill>
-                  <a:srgbClr val="434343"/>
-                </a:solidFill>
-              </a:rPr>
-              <a:t>BroadBand specific features:</a:t>
-            </a:r>
-            <a:endParaRPr>
-              <a:solidFill>
-                <a:srgbClr val="434343"/>
-              </a:solidFill>
-            </a:endParaRPr>
-          </a:p>
-          <a:p>
-            <a:pPr indent="-287972" lvl="1" marL="914400" rtl="0" algn="l">
-              <a:lnSpc>
-                <a:spcPct val="150000"/>
-              </a:lnSpc>
-              <a:spcBef>
-                <a:spcPts val="0"/>
-              </a:spcBef>
-              <a:spcAft>
-                <a:spcPts val="0"/>
-              </a:spcAft>
-              <a:buClr>
-                <a:srgbClr val="434343"/>
-              </a:buClr>
-              <a:buSzPct val="100000"/>
-              <a:buChar char="○"/>
-            </a:pPr>
-            <a:r>
-              <a:rPr lang="en">
-                <a:solidFill>
-                  <a:srgbClr val="434343"/>
-                </a:solidFill>
-              </a:rPr>
-              <a:t>BB_Data_standard (GB) - Standard data for a Time-based package</a:t>
-            </a:r>
-            <a:endParaRPr>
-              <a:solidFill>
-                <a:srgbClr val="434343"/>
-              </a:solidFill>
-            </a:endParaRPr>
-          </a:p>
-          <a:p>
-            <a:pPr indent="-287972" lvl="1" marL="914400" rtl="0" algn="l">
-              <a:lnSpc>
-                <a:spcPct val="150000"/>
-              </a:lnSpc>
-              <a:spcBef>
-                <a:spcPts val="0"/>
-              </a:spcBef>
-              <a:spcAft>
-                <a:spcPts val="0"/>
-              </a:spcAft>
-              <a:buClr>
-                <a:srgbClr val="434343"/>
-              </a:buClr>
-              <a:buSzPct val="100000"/>
-              <a:buChar char="○"/>
-            </a:pPr>
-            <a:r>
-              <a:rPr lang="en">
-                <a:solidFill>
-                  <a:srgbClr val="434343"/>
-                </a:solidFill>
-              </a:rPr>
-              <a:t>BB_Data_Free (GB) - Free data for a Time-based package</a:t>
-            </a:r>
-            <a:endParaRPr>
-              <a:solidFill>
-                <a:srgbClr val="434343"/>
-              </a:solidFill>
-            </a:endParaRPr>
-          </a:p>
-          <a:p>
-            <a:pPr indent="-287972" lvl="1" marL="914400" rtl="0" algn="l">
-              <a:lnSpc>
-                <a:spcPct val="150000"/>
-              </a:lnSpc>
-              <a:spcBef>
-                <a:spcPts val="0"/>
-              </a:spcBef>
-              <a:spcAft>
-                <a:spcPts val="0"/>
-              </a:spcAft>
-              <a:buClr>
-                <a:srgbClr val="434343"/>
-              </a:buClr>
-              <a:buSzPct val="100000"/>
-              <a:buChar char="○"/>
-            </a:pPr>
-            <a:r>
-              <a:rPr lang="en">
-                <a:solidFill>
-                  <a:srgbClr val="434343"/>
-                </a:solidFill>
-              </a:rPr>
-              <a:t>BB_Data_Anytime (GB) - data for anytime package</a:t>
-            </a:r>
-            <a:endParaRPr>
-              <a:solidFill>
-                <a:srgbClr val="434343"/>
-              </a:solidFill>
-            </a:endParaRPr>
-          </a:p>
-          <a:p>
-            <a:pPr indent="-287972" lvl="1" marL="914400" rtl="0" algn="l">
-              <a:lnSpc>
-                <a:spcPct val="150000"/>
-              </a:lnSpc>
-              <a:spcBef>
-                <a:spcPts val="0"/>
-              </a:spcBef>
-              <a:spcAft>
-                <a:spcPts val="0"/>
-              </a:spcAft>
-              <a:buClr>
-                <a:srgbClr val="434343"/>
-              </a:buClr>
-              <a:buSzPct val="100000"/>
-              <a:buChar char="○"/>
-            </a:pPr>
-            <a:r>
-              <a:rPr lang="en">
-                <a:solidFill>
-                  <a:srgbClr val="434343"/>
-                </a:solidFill>
-              </a:rPr>
-              <a:t>BB_Data_Unlimited (GB) - data for unlimited package</a:t>
-            </a:r>
-            <a:endParaRPr>
-              <a:solidFill>
-                <a:srgbClr val="434343"/>
-              </a:solidFill>
-            </a:endParaRPr>
-          </a:p>
-          <a:p>
-            <a:pPr indent="-287972" lvl="1" marL="914400" rtl="0" algn="l">
-              <a:lnSpc>
-                <a:spcPct val="150000"/>
-              </a:lnSpc>
-              <a:spcBef>
-                <a:spcPts val="0"/>
-              </a:spcBef>
-              <a:spcAft>
-                <a:spcPts val="0"/>
-              </a:spcAft>
-              <a:buClr>
-                <a:srgbClr val="434343"/>
-              </a:buClr>
-              <a:buSzPct val="100000"/>
-              <a:buChar char="○"/>
-            </a:pPr>
-            <a:r>
-              <a:rPr lang="en">
-                <a:solidFill>
-                  <a:srgbClr val="434343"/>
-                </a:solidFill>
-              </a:rPr>
-              <a:t>BB_Connection_Type (Time-based/Anytime/Unlimited)</a:t>
-            </a:r>
-            <a:endParaRPr>
-              <a:solidFill>
-                <a:srgbClr val="434343"/>
-              </a:solidFill>
-            </a:endParaRPr>
-          </a:p>
-          <a:p>
-            <a:pPr indent="-287972" lvl="1" marL="914400" rtl="0" algn="l">
-              <a:lnSpc>
-                <a:spcPct val="150000"/>
-              </a:lnSpc>
-              <a:spcBef>
-                <a:spcPts val="0"/>
-              </a:spcBef>
-              <a:spcAft>
-                <a:spcPts val="0"/>
-              </a:spcAft>
-              <a:buClr>
-                <a:srgbClr val="434343"/>
-              </a:buClr>
-              <a:buSzPct val="127210"/>
-              <a:buChar char="○"/>
-            </a:pPr>
-            <a:r>
-              <a:rPr lang="en">
-                <a:solidFill>
-                  <a:srgbClr val="434343"/>
-                </a:solidFill>
-              </a:rPr>
-              <a:t>BB_Connection_Speed (Download Speed/ Upload Speed)</a:t>
-            </a:r>
-            <a:br>
-              <a:rPr lang="en">
-                <a:solidFill>
-                  <a:srgbClr val="434343"/>
-                </a:solidFill>
-              </a:rPr>
-            </a:br>
-            <a:endParaRPr sz="864">
-              <a:solidFill>
-                <a:srgbClr val="434343"/>
-              </a:solidFill>
-            </a:endParaRPr>
-          </a:p>
-          <a:p>
-            <a:pPr indent="-298767" lvl="0" marL="457200" rtl="0" algn="l">
-              <a:lnSpc>
-                <a:spcPct val="150000"/>
-              </a:lnSpc>
-              <a:spcBef>
-                <a:spcPts val="0"/>
-              </a:spcBef>
-              <a:spcAft>
-                <a:spcPts val="0"/>
-              </a:spcAft>
-              <a:buClr>
-                <a:srgbClr val="434343"/>
-              </a:buClr>
-              <a:buSzPct val="100000"/>
-              <a:buChar char="●"/>
-            </a:pPr>
-            <a:r>
-              <a:rPr lang="en">
-                <a:solidFill>
-                  <a:srgbClr val="434343"/>
-                </a:solidFill>
-              </a:rPr>
-              <a:t>VOICE specific features:</a:t>
-            </a:r>
-            <a:endParaRPr>
-              <a:solidFill>
-                <a:srgbClr val="434343"/>
-              </a:solidFill>
-            </a:endParaRPr>
-          </a:p>
-          <a:p>
-            <a:pPr indent="-287972" lvl="1" marL="914400" rtl="0" algn="l">
-              <a:lnSpc>
-                <a:spcPct val="150000"/>
-              </a:lnSpc>
-              <a:spcBef>
-                <a:spcPts val="0"/>
-              </a:spcBef>
-              <a:spcAft>
-                <a:spcPts val="0"/>
-              </a:spcAft>
-              <a:buClr>
-                <a:srgbClr val="434343"/>
-              </a:buClr>
-              <a:buSzPct val="100000"/>
-              <a:buChar char="○"/>
-            </a:pPr>
-            <a:r>
-              <a:rPr lang="en">
-                <a:solidFill>
-                  <a:srgbClr val="434343"/>
-                </a:solidFill>
-              </a:rPr>
-              <a:t>VOICE_Home_SLT_Instrument_Rental (Rs.) - Home Telephone rental (with SLT provided telephone)</a:t>
-            </a:r>
-            <a:endParaRPr>
-              <a:solidFill>
-                <a:srgbClr val="434343"/>
-              </a:solidFill>
-            </a:endParaRPr>
-          </a:p>
-          <a:p>
-            <a:pPr indent="-287972" lvl="1" marL="914400" rtl="0" algn="l">
-              <a:lnSpc>
-                <a:spcPct val="150000"/>
-              </a:lnSpc>
-              <a:spcBef>
-                <a:spcPts val="0"/>
-              </a:spcBef>
-              <a:spcAft>
-                <a:spcPts val="0"/>
-              </a:spcAft>
-              <a:buClr>
-                <a:srgbClr val="434343"/>
-              </a:buClr>
-              <a:buSzPct val="100000"/>
-              <a:buChar char="○"/>
-            </a:pPr>
-            <a:r>
-              <a:rPr lang="en">
-                <a:solidFill>
-                  <a:srgbClr val="434343"/>
-                </a:solidFill>
-              </a:rPr>
-              <a:t>VOICE_Home_Customer_Instrument_Rental (Rs.) - Home Telephone rental (with Customer provided telephone)</a:t>
-            </a:r>
-            <a:endParaRPr>
-              <a:solidFill>
-                <a:srgbClr val="434343"/>
-              </a:solidFill>
-            </a:endParaRPr>
-          </a:p>
-          <a:p>
-            <a:pPr indent="-287972" lvl="1" marL="914400" rtl="0" algn="l">
-              <a:lnSpc>
-                <a:spcPct val="150000"/>
-              </a:lnSpc>
-              <a:spcBef>
-                <a:spcPts val="0"/>
-              </a:spcBef>
-              <a:spcAft>
-                <a:spcPts val="0"/>
-              </a:spcAft>
-              <a:buClr>
-                <a:srgbClr val="434343"/>
-              </a:buClr>
-              <a:buSzPct val="100000"/>
-              <a:buChar char="○"/>
-            </a:pPr>
-            <a:r>
-              <a:rPr lang="en">
-                <a:solidFill>
-                  <a:srgbClr val="434343"/>
-                </a:solidFill>
-              </a:rPr>
-              <a:t>VOICE_Charge_Active_Hours (SLT-STL, SLT-Other) (Rs.) - Voice calls charges for Active hours</a:t>
-            </a:r>
-            <a:endParaRPr>
-              <a:solidFill>
-                <a:srgbClr val="434343"/>
-              </a:solidFill>
-            </a:endParaRPr>
-          </a:p>
-          <a:p>
-            <a:pPr indent="-287972" lvl="1" marL="914400" rtl="0" algn="l">
-              <a:lnSpc>
-                <a:spcPct val="150000"/>
-              </a:lnSpc>
-              <a:spcBef>
-                <a:spcPts val="0"/>
-              </a:spcBef>
-              <a:spcAft>
-                <a:spcPts val="0"/>
-              </a:spcAft>
-              <a:buClr>
-                <a:srgbClr val="434343"/>
-              </a:buClr>
-              <a:buSzPct val="100000"/>
-              <a:buChar char="○"/>
-            </a:pPr>
-            <a:r>
-              <a:rPr lang="en">
-                <a:solidFill>
-                  <a:srgbClr val="434343"/>
-                </a:solidFill>
-              </a:rPr>
-              <a:t>VOICE_Charge_Leisure_Hours (SLT-STL, SLT-Other) (Rs.) - Voice calls charges for Leisure hours</a:t>
-            </a:r>
-            <a:endParaRPr>
-              <a:solidFill>
-                <a:srgbClr val="434343"/>
-              </a:solidFill>
-            </a:endParaRPr>
-          </a:p>
-          <a:p>
-            <a:pPr indent="-287972" lvl="1" marL="914400" rtl="0" algn="l">
-              <a:lnSpc>
-                <a:spcPct val="150000"/>
-              </a:lnSpc>
-              <a:spcBef>
-                <a:spcPts val="0"/>
-              </a:spcBef>
-              <a:spcAft>
-                <a:spcPts val="0"/>
-              </a:spcAft>
-              <a:buClr>
-                <a:srgbClr val="434343"/>
-              </a:buClr>
-              <a:buSzPct val="100000"/>
-              <a:buChar char="○"/>
-            </a:pPr>
-            <a:r>
-              <a:rPr lang="en">
-                <a:solidFill>
-                  <a:srgbClr val="434343"/>
-                </a:solidFill>
-              </a:rPr>
-              <a:t>VOICE_Free_Minutes - Free voice call minutes given per package</a:t>
-            </a:r>
-            <a:endParaRPr>
-              <a:solidFill>
-                <a:srgbClr val="434343"/>
-              </a:solidFill>
-            </a:endParaRPr>
-          </a:p>
-          <a:p>
-            <a:pPr indent="-287972" lvl="1" marL="914400" rtl="0" algn="l">
-              <a:lnSpc>
-                <a:spcPct val="150000"/>
-              </a:lnSpc>
-              <a:spcBef>
-                <a:spcPts val="0"/>
-              </a:spcBef>
-              <a:spcAft>
-                <a:spcPts val="0"/>
-              </a:spcAft>
-              <a:buClr>
-                <a:srgbClr val="434343"/>
-              </a:buClr>
-              <a:buSzPct val="100000"/>
-              <a:buChar char="○"/>
-            </a:pPr>
-            <a:r>
-              <a:rPr lang="en">
-                <a:solidFill>
-                  <a:srgbClr val="434343"/>
-                </a:solidFill>
-              </a:rPr>
-              <a:t>VOICE_Telehelth_Insurance_Benefits (Rs.) - Awarded Benefit at fulfillment for SLT Telehealth Insurance packages</a:t>
-            </a:r>
-            <a:endParaRPr>
-              <a:solidFill>
-                <a:srgbClr val="434343"/>
-              </a:solidFill>
-            </a:endParaRPr>
-          </a:p>
-          <a:p>
-            <a:pPr indent="-287972" lvl="1" marL="914400" rtl="0" algn="l">
-              <a:lnSpc>
-                <a:spcPct val="150000"/>
-              </a:lnSpc>
-              <a:spcBef>
-                <a:spcPts val="0"/>
-              </a:spcBef>
-              <a:spcAft>
-                <a:spcPts val="0"/>
-              </a:spcAft>
-              <a:buClr>
-                <a:srgbClr val="434343"/>
-              </a:buClr>
-              <a:buSzPct val="100000"/>
-              <a:buChar char="○"/>
-            </a:pPr>
-            <a:r>
-              <a:rPr lang="en">
-                <a:solidFill>
-                  <a:srgbClr val="434343"/>
-                </a:solidFill>
-              </a:rPr>
-              <a:t>VOICE_Tele_Life_Insurance_Benefits (Rs.) - Awarded Benefit at fulfillment for SLT Tele Life Insurance packages</a:t>
-            </a:r>
-            <a:endParaRPr>
-              <a:solidFill>
-                <a:srgbClr val="434343"/>
-              </a:solidFill>
-            </a:endParaRPr>
-          </a:p>
-        </p:txBody>
-      </p:sp>
-      <p:sp>
-        <p:nvSpPr>
-          <p:cNvPr id="447" name="Google Shape;447;p60"/>
-          <p:cNvSpPr txBox="1"/>
-          <p:nvPr>
-            <p:ph idx="1" type="body"/>
-          </p:nvPr>
-        </p:nvSpPr>
-        <p:spPr>
-          <a:xfrm>
-            <a:off x="5622650" y="1383875"/>
-            <a:ext cx="3607200" cy="3835800"/>
-          </a:xfrm>
-          <a:prstGeom prst="rect">
-            <a:avLst/>
-          </a:prstGeom>
-        </p:spPr>
-        <p:txBody>
-          <a:bodyPr anchorCtr="0" anchor="t" bIns="91425" lIns="91425" spcFirstLastPara="1" rIns="91425" wrap="square" tIns="91425">
-            <a:normAutofit/>
-          </a:bodyPr>
-          <a:lstStyle/>
-          <a:p>
-            <a:pPr indent="-298450" lvl="0" marL="457200" rtl="0" algn="l">
-              <a:lnSpc>
-                <a:spcPct val="150000"/>
-              </a:lnSpc>
-              <a:spcBef>
-                <a:spcPts val="0"/>
-              </a:spcBef>
-              <a:spcAft>
-                <a:spcPts val="0"/>
-              </a:spcAft>
-              <a:buClr>
-                <a:srgbClr val="434343"/>
-              </a:buClr>
-              <a:buSzPts val="1100"/>
-              <a:buChar char="●"/>
-            </a:pPr>
-            <a:r>
-              <a:rPr lang="en" sz="1100">
-                <a:solidFill>
-                  <a:srgbClr val="434343"/>
-                </a:solidFill>
-              </a:rPr>
-              <a:t>PeoTV</a:t>
-            </a:r>
-            <a:r>
-              <a:rPr lang="en" sz="1100">
-                <a:solidFill>
-                  <a:srgbClr val="434343"/>
-                </a:solidFill>
-              </a:rPr>
-              <a:t> specific features:</a:t>
-            </a:r>
-            <a:endParaRPr sz="1100">
-              <a:solidFill>
-                <a:srgbClr val="434343"/>
-              </a:solidFill>
-            </a:endParaRPr>
-          </a:p>
-          <a:p>
-            <a:pPr indent="-285750" lvl="1" marL="914400" rtl="0" algn="l">
-              <a:lnSpc>
-                <a:spcPct val="150000"/>
-              </a:lnSpc>
-              <a:spcBef>
-                <a:spcPts val="0"/>
-              </a:spcBef>
-              <a:spcAft>
-                <a:spcPts val="0"/>
-              </a:spcAft>
-              <a:buClr>
-                <a:srgbClr val="434343"/>
-              </a:buClr>
-              <a:buSzPts val="900"/>
-              <a:buChar char="○"/>
-            </a:pPr>
-            <a:r>
-              <a:rPr lang="en" sz="900">
-                <a:solidFill>
-                  <a:srgbClr val="434343"/>
-                </a:solidFill>
-              </a:rPr>
-              <a:t>PEOTV_No_of_Channels - No of channels </a:t>
-            </a:r>
-            <a:br>
-              <a:rPr lang="en" sz="900">
-                <a:solidFill>
-                  <a:srgbClr val="434343"/>
-                </a:solidFill>
-              </a:rPr>
-            </a:br>
-            <a:r>
-              <a:rPr lang="en" sz="900">
-                <a:solidFill>
-                  <a:srgbClr val="434343"/>
-                </a:solidFill>
-              </a:rPr>
-              <a:t>in a PEO TV package</a:t>
-            </a:r>
-            <a:endParaRPr sz="900">
-              <a:solidFill>
-                <a:srgbClr val="434343"/>
-              </a:solidFill>
-            </a:endParaRPr>
-          </a:p>
-        </p:txBody>
-      </p:sp>
-    </p:spTree>
-  </p:cSld>
-  <p:clrMapOvr>
-    <a:masterClrMapping/>
-  </p:clrMapOvr>
-</p:sld>
-</file>
-
-<file path=ppt/slides/slide49.xml><?xml version="1.0" encoding="utf-8"?>
-<p:sld xmlns:a="http://schemas.openxmlformats.org/drawingml/2006/main" xmlns:r="http://schemas.openxmlformats.org/officeDocument/2006/relationships" xmlns:mc="http://schemas.openxmlformats.org/markup-compatibility/2006" xmlns:mv="urn:schemas-microsoft-com:mac:vml" xmlns:p="http://schemas.openxmlformats.org/presentationml/2006/main" xmlns:c="http://schemas.openxmlformats.org/drawingml/2006/chart" xmlns:dgm="http://schemas.openxmlformats.org/drawingml/2006/diagram" xmlns:o="urn:schemas-microsoft-com:office:office" xmlns:v="urn:schemas-microsoft-com:vml" xmlns:pvml="urn:schemas-microsoft-com:office:powerpoint" xmlns:com="http://schemas.openxmlformats.org/drawingml/2006/compatibility" xmlns:p14="http://schemas.microsoft.com/office/powerpoint/2010/main" xmlns:p15="http://schemas.microsoft.com/office/powerpoint/2012/main" xmlns:ahyp="http://schemas.microsoft.com/office/drawing/2018/hyperlinkcolor">
-  <p:cSld>
-    <p:spTree>
-      <p:nvGrpSpPr>
-        <p:cNvPr id="451" name="Shape 451"/>
-        <p:cNvGrpSpPr/>
-        <p:nvPr/>
-      </p:nvGrpSpPr>
-      <p:grpSpPr>
-        <a:xfrm>
-          <a:off x="0" y="0"/>
-          <a:ext cx="0" cy="0"/>
-          <a:chOff x="0" y="0"/>
-          <a:chExt cx="0" cy="0"/>
-        </a:xfrm>
-      </p:grpSpPr>
-      <p:sp>
-        <p:nvSpPr>
-          <p:cNvPr id="452" name="Google Shape;452;p61"/>
-          <p:cNvSpPr txBox="1"/>
-          <p:nvPr>
-            <p:ph type="title"/>
-          </p:nvPr>
-        </p:nvSpPr>
-        <p:spPr>
-          <a:xfrm>
-            <a:off x="727650" y="599950"/>
-            <a:ext cx="7688700" cy="535200"/>
-          </a:xfrm>
-          <a:prstGeom prst="rect">
-            <a:avLst/>
-          </a:prstGeom>
-        </p:spPr>
-        <p:txBody>
-          <a:bodyPr anchorCtr="0" anchor="t" bIns="91425" lIns="91425" spcFirstLastPara="1" rIns="91425" wrap="square" tIns="91425">
-            <a:normAutofit fontScale="90000"/>
-          </a:bodyPr>
-          <a:lstStyle/>
-          <a:p>
-            <a:pPr indent="0" lvl="0" marL="0" rtl="0" algn="l">
-              <a:spcBef>
-                <a:spcPts val="0"/>
-              </a:spcBef>
-              <a:spcAft>
-                <a:spcPts val="0"/>
-              </a:spcAft>
-              <a:buNone/>
-            </a:pPr>
-            <a:r>
-              <a:rPr lang="en"/>
-              <a:t>Product Profiles</a:t>
-            </a:r>
-            <a:endParaRPr/>
-          </a:p>
-        </p:txBody>
-      </p:sp>
-      <p:pic>
-        <p:nvPicPr>
-          <p:cNvPr id="453" name="Google Shape;453;p61"/>
-          <p:cNvPicPr preferRelativeResize="0"/>
-          <p:nvPr/>
-        </p:nvPicPr>
-        <p:blipFill>
-          <a:blip r:embed="rId3">
-            <a:alphaModFix/>
-          </a:blip>
-          <a:stretch>
-            <a:fillRect/>
-          </a:stretch>
-        </p:blipFill>
-        <p:spPr>
-          <a:xfrm>
-            <a:off x="1783600" y="1358100"/>
-            <a:ext cx="6017851" cy="3607651"/>
           </a:xfrm>
           <a:prstGeom prst="rect">
             <a:avLst/>
@@ -27862,6 +27539,1948 @@
         </p:nvSpPr>
         <p:spPr>
           <a:xfrm>
+            <a:off x="727650" y="599950"/>
+            <a:ext cx="7688700" cy="535200"/>
+          </a:xfrm>
+          <a:prstGeom prst="rect">
+            <a:avLst/>
+          </a:prstGeom>
+        </p:spPr>
+        <p:txBody>
+          <a:bodyPr anchorCtr="0" anchor="t" bIns="91425" lIns="91425" spcFirstLastPara="1" rIns="91425" wrap="square" tIns="91425">
+            <a:normAutofit fontScale="90000"/>
+          </a:bodyPr>
+          <a:lstStyle/>
+          <a:p>
+            <a:pPr indent="0" lvl="0" marL="0" rtl="0" algn="l">
+              <a:spcBef>
+                <a:spcPts val="0"/>
+              </a:spcBef>
+              <a:spcAft>
+                <a:spcPts val="0"/>
+              </a:spcAft>
+              <a:buNone/>
+            </a:pPr>
+            <a:r>
+              <a:rPr lang="en"/>
+              <a:t>Product</a:t>
+            </a:r>
+            <a:r>
+              <a:rPr lang="en"/>
+              <a:t> Profiles</a:t>
+            </a:r>
+            <a:endParaRPr/>
+          </a:p>
+        </p:txBody>
+      </p:sp>
+      <p:sp>
+        <p:nvSpPr>
+          <p:cNvPr id="459" name="Google Shape;459;p62"/>
+          <p:cNvSpPr txBox="1"/>
+          <p:nvPr>
+            <p:ph idx="1" type="body"/>
+          </p:nvPr>
+        </p:nvSpPr>
+        <p:spPr>
+          <a:xfrm>
+            <a:off x="729450" y="1487625"/>
+            <a:ext cx="7792200" cy="3505500"/>
+          </a:xfrm>
+          <a:prstGeom prst="rect">
+            <a:avLst/>
+          </a:prstGeom>
+        </p:spPr>
+        <p:txBody>
+          <a:bodyPr anchorCtr="0" anchor="t" bIns="91425" lIns="91425" spcFirstLastPara="1" rIns="91425" wrap="square" tIns="91425">
+            <a:normAutofit/>
+          </a:bodyPr>
+          <a:lstStyle/>
+          <a:p>
+            <a:pPr indent="-311150" lvl="0" marL="457200" rtl="0" algn="l">
+              <a:lnSpc>
+                <a:spcPct val="150000"/>
+              </a:lnSpc>
+              <a:spcBef>
+                <a:spcPts val="0"/>
+              </a:spcBef>
+              <a:spcAft>
+                <a:spcPts val="0"/>
+              </a:spcAft>
+              <a:buClr>
+                <a:srgbClr val="434343"/>
+              </a:buClr>
+              <a:buSzPts val="1300"/>
+              <a:buChar char="●"/>
+            </a:pPr>
+            <a:r>
+              <a:rPr lang="en">
+                <a:solidFill>
+                  <a:srgbClr val="434343"/>
+                </a:solidFill>
+              </a:rPr>
+              <a:t>Product</a:t>
+            </a:r>
+            <a:r>
+              <a:rPr lang="en">
+                <a:solidFill>
+                  <a:srgbClr val="434343"/>
+                </a:solidFill>
+              </a:rPr>
+              <a:t> Profile Includes:</a:t>
+            </a:r>
+            <a:endParaRPr>
+              <a:solidFill>
+                <a:srgbClr val="434343"/>
+              </a:solidFill>
+            </a:endParaRPr>
+          </a:p>
+          <a:p>
+            <a:pPr indent="-298450" lvl="1" marL="914400" rtl="0" algn="l">
+              <a:lnSpc>
+                <a:spcPct val="150000"/>
+              </a:lnSpc>
+              <a:spcBef>
+                <a:spcPts val="0"/>
+              </a:spcBef>
+              <a:spcAft>
+                <a:spcPts val="0"/>
+              </a:spcAft>
+              <a:buClr>
+                <a:srgbClr val="434343"/>
+              </a:buClr>
+              <a:buSzPts val="1100"/>
+              <a:buChar char="○"/>
+            </a:pPr>
+            <a:r>
+              <a:rPr b="1" lang="en">
+                <a:solidFill>
+                  <a:srgbClr val="434343"/>
+                </a:solidFill>
+              </a:rPr>
+              <a:t>Product/package  details</a:t>
+            </a:r>
+            <a:endParaRPr b="1">
+              <a:solidFill>
+                <a:srgbClr val="434343"/>
+              </a:solidFill>
+            </a:endParaRPr>
+          </a:p>
+          <a:p>
+            <a:pPr indent="-298450" lvl="1" marL="914400" rtl="0" algn="l">
+              <a:lnSpc>
+                <a:spcPct val="150000"/>
+              </a:lnSpc>
+              <a:spcBef>
+                <a:spcPts val="0"/>
+              </a:spcBef>
+              <a:spcAft>
+                <a:spcPts val="0"/>
+              </a:spcAft>
+              <a:buClr>
+                <a:srgbClr val="434343"/>
+              </a:buClr>
+              <a:buSzPts val="1100"/>
+              <a:buChar char="○"/>
+            </a:pPr>
+            <a:r>
+              <a:rPr b="1" lang="en">
+                <a:solidFill>
+                  <a:srgbClr val="434343"/>
+                </a:solidFill>
+              </a:rPr>
+              <a:t>Subscription Plans</a:t>
+            </a:r>
+            <a:endParaRPr b="1">
+              <a:solidFill>
+                <a:srgbClr val="434343"/>
+              </a:solidFill>
+            </a:endParaRPr>
+          </a:p>
+          <a:p>
+            <a:pPr indent="-298450" lvl="1" marL="914400" rtl="0" algn="l">
+              <a:lnSpc>
+                <a:spcPct val="150000"/>
+              </a:lnSpc>
+              <a:spcBef>
+                <a:spcPts val="0"/>
+              </a:spcBef>
+              <a:spcAft>
+                <a:spcPts val="0"/>
+              </a:spcAft>
+              <a:buClr>
+                <a:srgbClr val="434343"/>
+              </a:buClr>
+              <a:buSzPts val="1100"/>
+              <a:buChar char="○"/>
+            </a:pPr>
+            <a:r>
+              <a:rPr b="1" lang="en">
+                <a:solidFill>
+                  <a:srgbClr val="434343"/>
+                </a:solidFill>
+              </a:rPr>
+              <a:t>Price (Downpayment)</a:t>
+            </a:r>
+            <a:endParaRPr b="1">
+              <a:solidFill>
+                <a:srgbClr val="434343"/>
+              </a:solidFill>
+            </a:endParaRPr>
+          </a:p>
+          <a:p>
+            <a:pPr indent="-298450" lvl="1" marL="914400" rtl="0" algn="l">
+              <a:lnSpc>
+                <a:spcPct val="150000"/>
+              </a:lnSpc>
+              <a:spcBef>
+                <a:spcPts val="0"/>
+              </a:spcBef>
+              <a:spcAft>
+                <a:spcPts val="0"/>
+              </a:spcAft>
+              <a:buClr>
+                <a:srgbClr val="434343"/>
+              </a:buClr>
+              <a:buSzPts val="1100"/>
+              <a:buChar char="○"/>
+            </a:pPr>
+            <a:r>
+              <a:rPr b="1" lang="en">
+                <a:solidFill>
+                  <a:srgbClr val="434343"/>
+                </a:solidFill>
+              </a:rPr>
+              <a:t>Monthly Installments</a:t>
+            </a:r>
+            <a:endParaRPr b="1">
+              <a:solidFill>
+                <a:srgbClr val="434343"/>
+              </a:solidFill>
+            </a:endParaRPr>
+          </a:p>
+          <a:p>
+            <a:pPr indent="-298450" lvl="1" marL="914400" rtl="0" algn="l">
+              <a:lnSpc>
+                <a:spcPct val="150000"/>
+              </a:lnSpc>
+              <a:spcBef>
+                <a:spcPts val="0"/>
+              </a:spcBef>
+              <a:spcAft>
+                <a:spcPts val="0"/>
+              </a:spcAft>
+              <a:buClr>
+                <a:srgbClr val="434343"/>
+              </a:buClr>
+              <a:buSzPts val="1100"/>
+              <a:buChar char="○"/>
+            </a:pPr>
+            <a:r>
+              <a:rPr b="1" lang="en">
+                <a:solidFill>
+                  <a:srgbClr val="434343"/>
+                </a:solidFill>
+              </a:rPr>
+              <a:t>Data plans (for BroadBand packages) (Time-based/Anytime/Unlimited)</a:t>
+            </a:r>
+            <a:endParaRPr b="1">
+              <a:solidFill>
+                <a:srgbClr val="434343"/>
+              </a:solidFill>
+            </a:endParaRPr>
+          </a:p>
+          <a:p>
+            <a:pPr indent="-298450" lvl="1" marL="914400" rtl="0" algn="l">
+              <a:lnSpc>
+                <a:spcPct val="150000"/>
+              </a:lnSpc>
+              <a:spcBef>
+                <a:spcPts val="0"/>
+              </a:spcBef>
+              <a:spcAft>
+                <a:spcPts val="0"/>
+              </a:spcAft>
+              <a:buClr>
+                <a:srgbClr val="434343"/>
+              </a:buClr>
+              <a:buSzPts val="1100"/>
+              <a:buChar char="○"/>
+            </a:pPr>
+            <a:r>
+              <a:rPr b="1" lang="en">
+                <a:solidFill>
+                  <a:srgbClr val="434343"/>
+                </a:solidFill>
+              </a:rPr>
+              <a:t>Call Charges (VOICE packages)</a:t>
+            </a:r>
+            <a:endParaRPr b="1">
+              <a:solidFill>
+                <a:srgbClr val="434343"/>
+              </a:solidFill>
+            </a:endParaRPr>
+          </a:p>
+          <a:p>
+            <a:pPr indent="-298450" lvl="1" marL="914400" rtl="0" algn="l">
+              <a:lnSpc>
+                <a:spcPct val="150000"/>
+              </a:lnSpc>
+              <a:spcBef>
+                <a:spcPts val="0"/>
+              </a:spcBef>
+              <a:spcAft>
+                <a:spcPts val="0"/>
+              </a:spcAft>
+              <a:buClr>
+                <a:srgbClr val="434343"/>
+              </a:buClr>
+              <a:buSzPts val="1100"/>
+              <a:buChar char="○"/>
+            </a:pPr>
+            <a:r>
+              <a:rPr b="1" lang="en">
+                <a:solidFill>
+                  <a:srgbClr val="434343"/>
+                </a:solidFill>
+              </a:rPr>
+              <a:t>TV Channels and monthly charges (PeoTV Packages)</a:t>
+            </a:r>
+            <a:endParaRPr b="1">
+              <a:solidFill>
+                <a:srgbClr val="434343"/>
+              </a:solidFill>
+            </a:endParaRPr>
+          </a:p>
+          <a:p>
+            <a:pPr indent="-298450" lvl="1" marL="914400" rtl="0" algn="l">
+              <a:lnSpc>
+                <a:spcPct val="150000"/>
+              </a:lnSpc>
+              <a:spcBef>
+                <a:spcPts val="0"/>
+              </a:spcBef>
+              <a:spcAft>
+                <a:spcPts val="0"/>
+              </a:spcAft>
+              <a:buClr>
+                <a:srgbClr val="434343"/>
+              </a:buClr>
+              <a:buSzPts val="1100"/>
+              <a:buChar char="○"/>
+            </a:pPr>
+            <a:r>
+              <a:rPr b="1" lang="en">
+                <a:solidFill>
+                  <a:srgbClr val="434343"/>
+                </a:solidFill>
+              </a:rPr>
+              <a:t>Value Added services details (VAS)</a:t>
+            </a:r>
+            <a:endParaRPr b="1">
+              <a:solidFill>
+                <a:srgbClr val="434343"/>
+              </a:solidFill>
+            </a:endParaRPr>
+          </a:p>
+          <a:p>
+            <a:pPr indent="-298450" lvl="1" marL="914400" rtl="0" algn="l">
+              <a:lnSpc>
+                <a:spcPct val="150000"/>
+              </a:lnSpc>
+              <a:spcBef>
+                <a:spcPts val="0"/>
+              </a:spcBef>
+              <a:spcAft>
+                <a:spcPts val="0"/>
+              </a:spcAft>
+              <a:buClr>
+                <a:srgbClr val="434343"/>
+              </a:buClr>
+              <a:buSzPts val="1100"/>
+              <a:buChar char="○"/>
+            </a:pPr>
+            <a:r>
+              <a:rPr b="1" lang="en">
+                <a:solidFill>
+                  <a:srgbClr val="434343"/>
+                </a:solidFill>
+              </a:rPr>
+              <a:t>Conditions</a:t>
+            </a:r>
+            <a:endParaRPr b="1">
+              <a:solidFill>
+                <a:srgbClr val="434343"/>
+              </a:solidFill>
+            </a:endParaRPr>
+          </a:p>
+          <a:p>
+            <a:pPr indent="-298450" lvl="1" marL="914400" rtl="0" algn="l">
+              <a:lnSpc>
+                <a:spcPct val="150000"/>
+              </a:lnSpc>
+              <a:spcBef>
+                <a:spcPts val="0"/>
+              </a:spcBef>
+              <a:spcAft>
+                <a:spcPts val="0"/>
+              </a:spcAft>
+              <a:buClr>
+                <a:srgbClr val="434343"/>
+              </a:buClr>
+              <a:buSzPts val="1100"/>
+              <a:buChar char="○"/>
+            </a:pPr>
+            <a:r>
+              <a:rPr b="1" lang="en">
+                <a:solidFill>
+                  <a:srgbClr val="434343"/>
+                </a:solidFill>
+              </a:rPr>
+              <a:t>* Dependent Products</a:t>
+            </a:r>
+            <a:endParaRPr b="1">
+              <a:solidFill>
+                <a:srgbClr val="434343"/>
+              </a:solidFill>
+            </a:endParaRPr>
+          </a:p>
+          <a:p>
+            <a:pPr indent="-298450" lvl="1" marL="914400" rtl="0" algn="l">
+              <a:lnSpc>
+                <a:spcPct val="150000"/>
+              </a:lnSpc>
+              <a:spcBef>
+                <a:spcPts val="0"/>
+              </a:spcBef>
+              <a:spcAft>
+                <a:spcPts val="0"/>
+              </a:spcAft>
+              <a:buClr>
+                <a:srgbClr val="434343"/>
+              </a:buClr>
+              <a:buSzPts val="1100"/>
+              <a:buChar char="○"/>
+            </a:pPr>
+            <a:r>
+              <a:rPr b="1" lang="en">
+                <a:solidFill>
+                  <a:srgbClr val="434343"/>
+                </a:solidFill>
+              </a:rPr>
+              <a:t>* Available locations</a:t>
+            </a:r>
+            <a:endParaRPr b="1">
+              <a:solidFill>
+                <a:srgbClr val="434343"/>
+              </a:solidFill>
+            </a:endParaRPr>
+          </a:p>
+        </p:txBody>
+      </p:sp>
+      <p:sp>
+        <p:nvSpPr>
+          <p:cNvPr id="460" name="Google Shape;460;p62"/>
+          <p:cNvSpPr txBox="1"/>
+          <p:nvPr/>
+        </p:nvSpPr>
+        <p:spPr>
+          <a:xfrm>
+            <a:off x="6367275" y="4460025"/>
+            <a:ext cx="2684400" cy="461700"/>
+          </a:xfrm>
+          <a:prstGeom prst="rect">
+            <a:avLst/>
+          </a:prstGeom>
+          <a:noFill/>
+          <a:ln>
+            <a:noFill/>
+          </a:ln>
+        </p:spPr>
+        <p:txBody>
+          <a:bodyPr anchorCtr="0" anchor="t" bIns="91425" lIns="91425" spcFirstLastPara="1" rIns="91425" wrap="square" tIns="91425">
+            <a:spAutoFit/>
+          </a:bodyPr>
+          <a:lstStyle/>
+          <a:p>
+            <a:pPr indent="0" lvl="0" marL="0" rtl="0" algn="ctr">
+              <a:spcBef>
+                <a:spcPts val="0"/>
+              </a:spcBef>
+              <a:spcAft>
+                <a:spcPts val="0"/>
+              </a:spcAft>
+              <a:buNone/>
+            </a:pPr>
+            <a:r>
+              <a:rPr b="1" lang="en" sz="900">
+                <a:latin typeface="Lato"/>
+                <a:ea typeface="Lato"/>
+                <a:cs typeface="Lato"/>
+                <a:sym typeface="Lato"/>
+              </a:rPr>
+              <a:t>Data Extracted From:</a:t>
+            </a:r>
+            <a:endParaRPr b="1" sz="900">
+              <a:latin typeface="Lato"/>
+              <a:ea typeface="Lato"/>
+              <a:cs typeface="Lato"/>
+              <a:sym typeface="Lato"/>
+            </a:endParaRPr>
+          </a:p>
+          <a:p>
+            <a:pPr indent="0" lvl="0" marL="0" rtl="0" algn="ctr">
+              <a:spcBef>
+                <a:spcPts val="0"/>
+              </a:spcBef>
+              <a:spcAft>
+                <a:spcPts val="0"/>
+              </a:spcAft>
+              <a:buNone/>
+            </a:pPr>
+            <a:r>
+              <a:rPr lang="en" sz="900">
+                <a:latin typeface="Lato"/>
+                <a:ea typeface="Lato"/>
+                <a:cs typeface="Lato"/>
+                <a:sym typeface="Lato"/>
+              </a:rPr>
+              <a:t>SLT Web site, Annual report 2020</a:t>
+            </a:r>
+            <a:endParaRPr sz="900">
+              <a:latin typeface="Lato"/>
+              <a:ea typeface="Lato"/>
+              <a:cs typeface="Lato"/>
+              <a:sym typeface="Lato"/>
+            </a:endParaRPr>
+          </a:p>
+        </p:txBody>
+      </p:sp>
+    </p:spTree>
+  </p:cSld>
+  <p:clrMapOvr>
+    <a:masterClrMapping/>
+  </p:clrMapOvr>
+</p:sld>
+</file>
+
+<file path=ppt/slides/slide51.xml><?xml version="1.0" encoding="utf-8"?>
+<p:sld xmlns:a="http://schemas.openxmlformats.org/drawingml/2006/main" xmlns:r="http://schemas.openxmlformats.org/officeDocument/2006/relationships" xmlns:mc="http://schemas.openxmlformats.org/markup-compatibility/2006" xmlns:mv="urn:schemas-microsoft-com:mac:vml" xmlns:p="http://schemas.openxmlformats.org/presentationml/2006/main" xmlns:c="http://schemas.openxmlformats.org/drawingml/2006/chart" xmlns:dgm="http://schemas.openxmlformats.org/drawingml/2006/diagram" xmlns:o="urn:schemas-microsoft-com:office:office" xmlns:v="urn:schemas-microsoft-com:vml" xmlns:pvml="urn:schemas-microsoft-com:office:powerpoint" xmlns:com="http://schemas.openxmlformats.org/drawingml/2006/compatibility" xmlns:p14="http://schemas.microsoft.com/office/powerpoint/2010/main" xmlns:p15="http://schemas.microsoft.com/office/powerpoint/2012/main" xmlns:ahyp="http://schemas.microsoft.com/office/drawing/2018/hyperlinkcolor">
+  <p:cSld>
+    <p:spTree>
+      <p:nvGrpSpPr>
+        <p:cNvPr id="464" name="Shape 464"/>
+        <p:cNvGrpSpPr/>
+        <p:nvPr/>
+      </p:nvGrpSpPr>
+      <p:grpSpPr>
+        <a:xfrm>
+          <a:off x="0" y="0"/>
+          <a:ext cx="0" cy="0"/>
+          <a:chOff x="0" y="0"/>
+          <a:chExt cx="0" cy="0"/>
+        </a:xfrm>
+      </p:grpSpPr>
+      <p:sp>
+        <p:nvSpPr>
+          <p:cNvPr id="465" name="Google Shape;465;p63"/>
+          <p:cNvSpPr txBox="1"/>
+          <p:nvPr>
+            <p:ph type="title"/>
+          </p:nvPr>
+        </p:nvSpPr>
+        <p:spPr>
+          <a:xfrm>
+            <a:off x="727650" y="599950"/>
+            <a:ext cx="7688700" cy="535200"/>
+          </a:xfrm>
+          <a:prstGeom prst="rect">
+            <a:avLst/>
+          </a:prstGeom>
+        </p:spPr>
+        <p:txBody>
+          <a:bodyPr anchorCtr="0" anchor="t" bIns="91425" lIns="91425" spcFirstLastPara="1" rIns="91425" wrap="square" tIns="91425">
+            <a:normAutofit fontScale="90000"/>
+          </a:bodyPr>
+          <a:lstStyle/>
+          <a:p>
+            <a:pPr indent="0" lvl="0" marL="0" rtl="0" algn="l">
+              <a:spcBef>
+                <a:spcPts val="0"/>
+              </a:spcBef>
+              <a:spcAft>
+                <a:spcPts val="0"/>
+              </a:spcAft>
+              <a:buNone/>
+            </a:pPr>
+            <a:r>
+              <a:rPr lang="en"/>
+              <a:t>Product</a:t>
+            </a:r>
+            <a:r>
+              <a:rPr lang="en"/>
+              <a:t> Profiles: Available features</a:t>
+            </a:r>
+            <a:endParaRPr/>
+          </a:p>
+        </p:txBody>
+      </p:sp>
+      <p:sp>
+        <p:nvSpPr>
+          <p:cNvPr id="466" name="Google Shape;466;p63"/>
+          <p:cNvSpPr txBox="1"/>
+          <p:nvPr>
+            <p:ph idx="1" type="body"/>
+          </p:nvPr>
+        </p:nvSpPr>
+        <p:spPr>
+          <a:xfrm>
+            <a:off x="697250" y="1383875"/>
+            <a:ext cx="5143500" cy="3835800"/>
+          </a:xfrm>
+          <a:prstGeom prst="rect">
+            <a:avLst/>
+          </a:prstGeom>
+        </p:spPr>
+        <p:txBody>
+          <a:bodyPr anchorCtr="0" anchor="t" bIns="91425" lIns="91425" spcFirstLastPara="1" rIns="91425" wrap="square" tIns="91425">
+            <a:normAutofit fontScale="92500" lnSpcReduction="20000"/>
+          </a:bodyPr>
+          <a:lstStyle/>
+          <a:p>
+            <a:pPr indent="-304958" lvl="0" marL="457200" rtl="0" algn="l">
+              <a:lnSpc>
+                <a:spcPct val="150000"/>
+              </a:lnSpc>
+              <a:spcBef>
+                <a:spcPts val="0"/>
+              </a:spcBef>
+              <a:spcAft>
+                <a:spcPts val="0"/>
+              </a:spcAft>
+              <a:buClr>
+                <a:srgbClr val="434343"/>
+              </a:buClr>
+              <a:buSzPct val="100000"/>
+              <a:buChar char="●"/>
+            </a:pPr>
+            <a:r>
+              <a:rPr lang="en">
+                <a:solidFill>
+                  <a:srgbClr val="434343"/>
+                </a:solidFill>
+              </a:rPr>
+              <a:t>Common features</a:t>
+            </a:r>
+            <a:r>
+              <a:rPr lang="en">
+                <a:solidFill>
+                  <a:srgbClr val="434343"/>
+                </a:solidFill>
+              </a:rPr>
+              <a:t>:</a:t>
+            </a:r>
+            <a:endParaRPr>
+              <a:solidFill>
+                <a:srgbClr val="434343"/>
+              </a:solidFill>
+            </a:endParaRPr>
+          </a:p>
+          <a:p>
+            <a:pPr indent="-293211" lvl="1" marL="914400" rtl="0" algn="l">
+              <a:lnSpc>
+                <a:spcPct val="150000"/>
+              </a:lnSpc>
+              <a:spcBef>
+                <a:spcPts val="0"/>
+              </a:spcBef>
+              <a:spcAft>
+                <a:spcPts val="0"/>
+              </a:spcAft>
+              <a:buClr>
+                <a:srgbClr val="434343"/>
+              </a:buClr>
+              <a:buSzPct val="100000"/>
+              <a:buChar char="○"/>
+            </a:pPr>
+            <a:r>
+              <a:rPr lang="en">
+                <a:solidFill>
+                  <a:srgbClr val="434343"/>
+                </a:solidFill>
+              </a:rPr>
+              <a:t>Product_ID - product code</a:t>
+            </a:r>
+            <a:endParaRPr>
+              <a:solidFill>
+                <a:srgbClr val="434343"/>
+              </a:solidFill>
+            </a:endParaRPr>
+          </a:p>
+          <a:p>
+            <a:pPr indent="-293211" lvl="1" marL="914400" rtl="0" algn="l">
+              <a:lnSpc>
+                <a:spcPct val="150000"/>
+              </a:lnSpc>
+              <a:spcBef>
+                <a:spcPts val="0"/>
+              </a:spcBef>
+              <a:spcAft>
+                <a:spcPts val="0"/>
+              </a:spcAft>
+              <a:buClr>
+                <a:srgbClr val="434343"/>
+              </a:buClr>
+              <a:buSzPct val="100000"/>
+              <a:buChar char="○"/>
+            </a:pPr>
+            <a:r>
+              <a:rPr lang="en">
+                <a:solidFill>
+                  <a:srgbClr val="434343"/>
+                </a:solidFill>
+              </a:rPr>
+              <a:t>Base_Type (BB/VOICE/PEOTV)</a:t>
+            </a:r>
+            <a:endParaRPr>
+              <a:solidFill>
+                <a:srgbClr val="434343"/>
+              </a:solidFill>
+            </a:endParaRPr>
+          </a:p>
+          <a:p>
+            <a:pPr indent="-293211" lvl="1" marL="914400" rtl="0" algn="l">
+              <a:lnSpc>
+                <a:spcPct val="150000"/>
+              </a:lnSpc>
+              <a:spcBef>
+                <a:spcPts val="0"/>
+              </a:spcBef>
+              <a:spcAft>
+                <a:spcPts val="0"/>
+              </a:spcAft>
+              <a:buClr>
+                <a:srgbClr val="434343"/>
+              </a:buClr>
+              <a:buSzPct val="100000"/>
+              <a:buChar char="○"/>
+            </a:pPr>
+            <a:r>
+              <a:rPr lang="en">
+                <a:solidFill>
+                  <a:srgbClr val="434343"/>
+                </a:solidFill>
+              </a:rPr>
+              <a:t>Pricing_Type (PAID/FREE)</a:t>
+            </a:r>
+            <a:endParaRPr>
+              <a:solidFill>
+                <a:srgbClr val="434343"/>
+              </a:solidFill>
+            </a:endParaRPr>
+          </a:p>
+          <a:p>
+            <a:pPr indent="-293211" lvl="1" marL="914400" rtl="0" algn="l">
+              <a:lnSpc>
+                <a:spcPct val="150000"/>
+              </a:lnSpc>
+              <a:spcBef>
+                <a:spcPts val="0"/>
+              </a:spcBef>
+              <a:spcAft>
+                <a:spcPts val="0"/>
+              </a:spcAft>
+              <a:buClr>
+                <a:srgbClr val="434343"/>
+              </a:buClr>
+              <a:buSzPct val="100000"/>
+              <a:buChar char="○"/>
+            </a:pPr>
+            <a:r>
+              <a:rPr lang="en">
+                <a:solidFill>
+                  <a:srgbClr val="434343"/>
+                </a:solidFill>
+              </a:rPr>
+              <a:t>Package_Type (ADSL/Fibre/4G/Telephone/PeoTV)</a:t>
+            </a:r>
+            <a:endParaRPr>
+              <a:solidFill>
+                <a:srgbClr val="434343"/>
+              </a:solidFill>
+            </a:endParaRPr>
+          </a:p>
+          <a:p>
+            <a:pPr indent="-293211" lvl="1" marL="914400" rtl="0" algn="l">
+              <a:lnSpc>
+                <a:spcPct val="150000"/>
+              </a:lnSpc>
+              <a:spcBef>
+                <a:spcPts val="0"/>
+              </a:spcBef>
+              <a:spcAft>
+                <a:spcPts val="0"/>
+              </a:spcAft>
+              <a:buClr>
+                <a:srgbClr val="434343"/>
+              </a:buClr>
+              <a:buSzPct val="100000"/>
+              <a:buChar char="○"/>
+            </a:pPr>
+            <a:r>
+              <a:rPr lang="en">
+                <a:solidFill>
+                  <a:srgbClr val="434343"/>
+                </a:solidFill>
+              </a:rPr>
+              <a:t>VAS (YES/NO) - value added service</a:t>
+            </a:r>
+            <a:endParaRPr>
+              <a:solidFill>
+                <a:srgbClr val="434343"/>
+              </a:solidFill>
+            </a:endParaRPr>
+          </a:p>
+          <a:p>
+            <a:pPr indent="-293211" lvl="1" marL="914400" rtl="0" algn="l">
+              <a:lnSpc>
+                <a:spcPct val="150000"/>
+              </a:lnSpc>
+              <a:spcBef>
+                <a:spcPts val="0"/>
+              </a:spcBef>
+              <a:spcAft>
+                <a:spcPts val="0"/>
+              </a:spcAft>
+              <a:buClr>
+                <a:srgbClr val="434343"/>
+              </a:buClr>
+              <a:buSzPct val="100000"/>
+              <a:buChar char="○"/>
+            </a:pPr>
+            <a:r>
+              <a:rPr lang="en">
+                <a:solidFill>
+                  <a:srgbClr val="434343"/>
+                </a:solidFill>
+              </a:rPr>
+              <a:t>Title and Description</a:t>
+            </a:r>
+            <a:endParaRPr>
+              <a:solidFill>
+                <a:srgbClr val="434343"/>
+              </a:solidFill>
+            </a:endParaRPr>
+          </a:p>
+          <a:p>
+            <a:pPr indent="-293211" lvl="1" marL="914400" rtl="0" algn="l">
+              <a:lnSpc>
+                <a:spcPct val="150000"/>
+              </a:lnSpc>
+              <a:spcBef>
+                <a:spcPts val="0"/>
+              </a:spcBef>
+              <a:spcAft>
+                <a:spcPts val="0"/>
+              </a:spcAft>
+              <a:buClr>
+                <a:srgbClr val="434343"/>
+              </a:buClr>
+              <a:buSzPct val="100000"/>
+              <a:buChar char="○"/>
+            </a:pPr>
+            <a:r>
+              <a:rPr lang="en">
+                <a:solidFill>
+                  <a:srgbClr val="434343"/>
+                </a:solidFill>
+              </a:rPr>
+              <a:t>Included_Packages - packages shipped with a product</a:t>
+            </a:r>
+            <a:endParaRPr>
+              <a:solidFill>
+                <a:srgbClr val="434343"/>
+              </a:solidFill>
+            </a:endParaRPr>
+          </a:p>
+          <a:p>
+            <a:pPr indent="-293211" lvl="1" marL="914400" rtl="0" algn="l">
+              <a:lnSpc>
+                <a:spcPct val="150000"/>
+              </a:lnSpc>
+              <a:spcBef>
+                <a:spcPts val="0"/>
+              </a:spcBef>
+              <a:spcAft>
+                <a:spcPts val="0"/>
+              </a:spcAft>
+              <a:buClr>
+                <a:srgbClr val="434343"/>
+              </a:buClr>
+              <a:buSzPct val="100000"/>
+              <a:buChar char="○"/>
+            </a:pPr>
+            <a:r>
+              <a:rPr lang="en">
+                <a:solidFill>
+                  <a:srgbClr val="434343"/>
+                </a:solidFill>
+              </a:rPr>
+              <a:t>Price (Rs.) - totl cost, downpayment or first installment</a:t>
+            </a:r>
+            <a:endParaRPr>
+              <a:solidFill>
+                <a:srgbClr val="434343"/>
+              </a:solidFill>
+            </a:endParaRPr>
+          </a:p>
+          <a:p>
+            <a:pPr indent="-293211" lvl="1" marL="914400" rtl="0" algn="l">
+              <a:lnSpc>
+                <a:spcPct val="150000"/>
+              </a:lnSpc>
+              <a:spcBef>
+                <a:spcPts val="0"/>
+              </a:spcBef>
+              <a:spcAft>
+                <a:spcPts val="0"/>
+              </a:spcAft>
+              <a:buClr>
+                <a:srgbClr val="434343"/>
+              </a:buClr>
+              <a:buSzPct val="100000"/>
+              <a:buChar char="○"/>
+            </a:pPr>
+            <a:r>
+              <a:rPr lang="en">
+                <a:solidFill>
+                  <a:srgbClr val="434343"/>
+                </a:solidFill>
+              </a:rPr>
+              <a:t>Monthly_Rental (Rs.)</a:t>
+            </a:r>
+            <a:endParaRPr>
+              <a:solidFill>
+                <a:srgbClr val="434343"/>
+              </a:solidFill>
+            </a:endParaRPr>
+          </a:p>
+          <a:p>
+            <a:pPr indent="-293211" lvl="1" marL="914400" rtl="0" algn="l">
+              <a:lnSpc>
+                <a:spcPct val="150000"/>
+              </a:lnSpc>
+              <a:spcBef>
+                <a:spcPts val="0"/>
+              </a:spcBef>
+              <a:spcAft>
+                <a:spcPts val="0"/>
+              </a:spcAft>
+              <a:buClr>
+                <a:srgbClr val="434343"/>
+              </a:buClr>
+              <a:buSzPct val="100000"/>
+              <a:buChar char="○"/>
+            </a:pPr>
+            <a:r>
+              <a:rPr lang="en">
+                <a:solidFill>
+                  <a:srgbClr val="434343"/>
+                </a:solidFill>
+              </a:rPr>
+              <a:t>Subscription_Type (SINGLE_PLAY/DOUBLE_PLAY/TRIPLE_PLAY)</a:t>
+            </a:r>
+            <a:endParaRPr>
+              <a:solidFill>
+                <a:srgbClr val="434343"/>
+              </a:solidFill>
+            </a:endParaRPr>
+          </a:p>
+          <a:p>
+            <a:pPr indent="-293211" lvl="1" marL="914400" rtl="0" algn="l">
+              <a:lnSpc>
+                <a:spcPct val="150000"/>
+              </a:lnSpc>
+              <a:spcBef>
+                <a:spcPts val="0"/>
+              </a:spcBef>
+              <a:spcAft>
+                <a:spcPts val="0"/>
+              </a:spcAft>
+              <a:buClr>
+                <a:srgbClr val="434343"/>
+              </a:buClr>
+              <a:buSzPct val="100000"/>
+              <a:buChar char="○"/>
+            </a:pPr>
+            <a:r>
+              <a:rPr lang="en">
+                <a:solidFill>
+                  <a:srgbClr val="434343"/>
+                </a:solidFill>
+              </a:rPr>
+              <a:t>Minimum_Subscription_Period (years)</a:t>
+            </a:r>
+            <a:endParaRPr>
+              <a:solidFill>
+                <a:srgbClr val="434343"/>
+              </a:solidFill>
+            </a:endParaRPr>
+          </a:p>
+          <a:p>
+            <a:pPr indent="-293211" lvl="1" marL="914400" rtl="0" algn="l">
+              <a:lnSpc>
+                <a:spcPct val="150000"/>
+              </a:lnSpc>
+              <a:spcBef>
+                <a:spcPts val="0"/>
+              </a:spcBef>
+              <a:spcAft>
+                <a:spcPts val="0"/>
+              </a:spcAft>
+              <a:buClr>
+                <a:srgbClr val="434343"/>
+              </a:buClr>
+              <a:buSzPct val="100000"/>
+              <a:buChar char="○"/>
+            </a:pPr>
+            <a:r>
+              <a:rPr lang="en">
+                <a:solidFill>
+                  <a:srgbClr val="434343"/>
+                </a:solidFill>
+              </a:rPr>
+              <a:t>Recidence_Type (Home/Office)</a:t>
+            </a:r>
+            <a:endParaRPr>
+              <a:solidFill>
+                <a:srgbClr val="434343"/>
+              </a:solidFill>
+            </a:endParaRPr>
+          </a:p>
+          <a:p>
+            <a:pPr indent="-293211" lvl="1" marL="914400" rtl="0" algn="l">
+              <a:lnSpc>
+                <a:spcPct val="150000"/>
+              </a:lnSpc>
+              <a:spcBef>
+                <a:spcPts val="0"/>
+              </a:spcBef>
+              <a:spcAft>
+                <a:spcPts val="0"/>
+              </a:spcAft>
+              <a:buClr>
+                <a:srgbClr val="434343"/>
+              </a:buClr>
+              <a:buSzPct val="100000"/>
+              <a:buChar char="○"/>
+            </a:pPr>
+            <a:r>
+              <a:rPr lang="en">
+                <a:solidFill>
+                  <a:srgbClr val="434343"/>
+                </a:solidFill>
+              </a:rPr>
+              <a:t>Tax_Status (INCLUDED/EXCLUDED)</a:t>
+            </a:r>
+            <a:endParaRPr>
+              <a:solidFill>
+                <a:srgbClr val="434343"/>
+              </a:solidFill>
+            </a:endParaRPr>
+          </a:p>
+          <a:p>
+            <a:pPr indent="-293211" lvl="1" marL="914400" rtl="0" algn="l">
+              <a:lnSpc>
+                <a:spcPct val="150000"/>
+              </a:lnSpc>
+              <a:spcBef>
+                <a:spcPts val="0"/>
+              </a:spcBef>
+              <a:spcAft>
+                <a:spcPts val="0"/>
+              </a:spcAft>
+              <a:buClr>
+                <a:srgbClr val="434343"/>
+              </a:buClr>
+              <a:buSzPct val="100000"/>
+              <a:buChar char="○"/>
+            </a:pPr>
+            <a:r>
+              <a:rPr lang="en">
+                <a:solidFill>
+                  <a:srgbClr val="434343"/>
+                </a:solidFill>
+              </a:rPr>
+              <a:t>Conditions - list of conditions for package</a:t>
+            </a:r>
+            <a:endParaRPr>
+              <a:solidFill>
+                <a:srgbClr val="434343"/>
+              </a:solidFill>
+            </a:endParaRPr>
+          </a:p>
+          <a:p>
+            <a:pPr indent="-293211" lvl="1" marL="914400" rtl="0" algn="l">
+              <a:lnSpc>
+                <a:spcPct val="150000"/>
+              </a:lnSpc>
+              <a:spcBef>
+                <a:spcPts val="0"/>
+              </a:spcBef>
+              <a:spcAft>
+                <a:spcPts val="0"/>
+              </a:spcAft>
+              <a:buClr>
+                <a:srgbClr val="434343"/>
+              </a:buClr>
+              <a:buSzPct val="100000"/>
+              <a:buChar char="○"/>
+            </a:pPr>
+            <a:r>
+              <a:rPr lang="en">
+                <a:solidFill>
+                  <a:srgbClr val="434343"/>
+                </a:solidFill>
+              </a:rPr>
+              <a:t>Available_Regions - list of available regions: MSAN or related level</a:t>
+            </a:r>
+            <a:endParaRPr>
+              <a:solidFill>
+                <a:srgbClr val="434343"/>
+              </a:solidFill>
+            </a:endParaRPr>
+          </a:p>
+          <a:p>
+            <a:pPr indent="-293211" lvl="1" marL="914400" rtl="0" algn="l">
+              <a:lnSpc>
+                <a:spcPct val="150000"/>
+              </a:lnSpc>
+              <a:spcBef>
+                <a:spcPts val="0"/>
+              </a:spcBef>
+              <a:spcAft>
+                <a:spcPts val="0"/>
+              </a:spcAft>
+              <a:buClr>
+                <a:srgbClr val="434343"/>
+              </a:buClr>
+              <a:buSzPct val="100000"/>
+              <a:buChar char="○"/>
+            </a:pPr>
+            <a:r>
+              <a:rPr lang="en">
+                <a:solidFill>
+                  <a:srgbClr val="434343"/>
+                </a:solidFill>
+              </a:rPr>
+              <a:t>Dependent_Packages (other products it depends on)</a:t>
+            </a:r>
+            <a:endParaRPr>
+              <a:solidFill>
+                <a:srgbClr val="434343"/>
+              </a:solidFill>
+            </a:endParaRPr>
+          </a:p>
+        </p:txBody>
+      </p:sp>
+    </p:spTree>
+  </p:cSld>
+  <p:clrMapOvr>
+    <a:masterClrMapping/>
+  </p:clrMapOvr>
+</p:sld>
+</file>
+
+<file path=ppt/slides/slide52.xml><?xml version="1.0" encoding="utf-8"?>
+<p:sld xmlns:a="http://schemas.openxmlformats.org/drawingml/2006/main" xmlns:r="http://schemas.openxmlformats.org/officeDocument/2006/relationships" xmlns:mc="http://schemas.openxmlformats.org/markup-compatibility/2006" xmlns:mv="urn:schemas-microsoft-com:mac:vml" xmlns:p="http://schemas.openxmlformats.org/presentationml/2006/main" xmlns:c="http://schemas.openxmlformats.org/drawingml/2006/chart" xmlns:dgm="http://schemas.openxmlformats.org/drawingml/2006/diagram" xmlns:o="urn:schemas-microsoft-com:office:office" xmlns:v="urn:schemas-microsoft-com:vml" xmlns:pvml="urn:schemas-microsoft-com:office:powerpoint" xmlns:com="http://schemas.openxmlformats.org/drawingml/2006/compatibility" xmlns:p14="http://schemas.microsoft.com/office/powerpoint/2010/main" xmlns:p15="http://schemas.microsoft.com/office/powerpoint/2012/main" xmlns:ahyp="http://schemas.microsoft.com/office/drawing/2018/hyperlinkcolor">
+  <p:cSld>
+    <p:spTree>
+      <p:nvGrpSpPr>
+        <p:cNvPr id="470" name="Shape 470"/>
+        <p:cNvGrpSpPr/>
+        <p:nvPr/>
+      </p:nvGrpSpPr>
+      <p:grpSpPr>
+        <a:xfrm>
+          <a:off x="0" y="0"/>
+          <a:ext cx="0" cy="0"/>
+          <a:chOff x="0" y="0"/>
+          <a:chExt cx="0" cy="0"/>
+        </a:xfrm>
+      </p:grpSpPr>
+      <p:sp>
+        <p:nvSpPr>
+          <p:cNvPr id="471" name="Google Shape;471;p64"/>
+          <p:cNvSpPr txBox="1"/>
+          <p:nvPr>
+            <p:ph type="title"/>
+          </p:nvPr>
+        </p:nvSpPr>
+        <p:spPr>
+          <a:xfrm>
+            <a:off x="727650" y="599950"/>
+            <a:ext cx="7688700" cy="535200"/>
+          </a:xfrm>
+          <a:prstGeom prst="rect">
+            <a:avLst/>
+          </a:prstGeom>
+        </p:spPr>
+        <p:txBody>
+          <a:bodyPr anchorCtr="0" anchor="t" bIns="91425" lIns="91425" spcFirstLastPara="1" rIns="91425" wrap="square" tIns="91425">
+            <a:normAutofit fontScale="90000"/>
+          </a:bodyPr>
+          <a:lstStyle/>
+          <a:p>
+            <a:pPr indent="0" lvl="0" marL="0" rtl="0" algn="l">
+              <a:spcBef>
+                <a:spcPts val="0"/>
+              </a:spcBef>
+              <a:spcAft>
+                <a:spcPts val="0"/>
+              </a:spcAft>
+              <a:buNone/>
+            </a:pPr>
+            <a:r>
+              <a:rPr lang="en"/>
+              <a:t>Product Profiles: Available features</a:t>
+            </a:r>
+            <a:endParaRPr/>
+          </a:p>
+        </p:txBody>
+      </p:sp>
+      <p:sp>
+        <p:nvSpPr>
+          <p:cNvPr id="472" name="Google Shape;472;p64"/>
+          <p:cNvSpPr txBox="1"/>
+          <p:nvPr>
+            <p:ph idx="1" type="body"/>
+          </p:nvPr>
+        </p:nvSpPr>
+        <p:spPr>
+          <a:xfrm>
+            <a:off x="697250" y="1383875"/>
+            <a:ext cx="6923700" cy="3835800"/>
+          </a:xfrm>
+          <a:prstGeom prst="rect">
+            <a:avLst/>
+          </a:prstGeom>
+        </p:spPr>
+        <p:txBody>
+          <a:bodyPr anchorCtr="0" anchor="t" bIns="91425" lIns="91425" spcFirstLastPara="1" rIns="91425" wrap="square" tIns="91425">
+            <a:normAutofit fontScale="85000"/>
+          </a:bodyPr>
+          <a:lstStyle/>
+          <a:p>
+            <a:pPr indent="-298767" lvl="0" marL="457200" rtl="0" algn="l">
+              <a:lnSpc>
+                <a:spcPct val="150000"/>
+              </a:lnSpc>
+              <a:spcBef>
+                <a:spcPts val="0"/>
+              </a:spcBef>
+              <a:spcAft>
+                <a:spcPts val="0"/>
+              </a:spcAft>
+              <a:buClr>
+                <a:srgbClr val="434343"/>
+              </a:buClr>
+              <a:buSzPct val="100000"/>
+              <a:buChar char="●"/>
+            </a:pPr>
+            <a:r>
+              <a:rPr lang="en">
+                <a:solidFill>
+                  <a:srgbClr val="434343"/>
+                </a:solidFill>
+              </a:rPr>
+              <a:t>BroadBand specific features:</a:t>
+            </a:r>
+            <a:endParaRPr>
+              <a:solidFill>
+                <a:srgbClr val="434343"/>
+              </a:solidFill>
+            </a:endParaRPr>
+          </a:p>
+          <a:p>
+            <a:pPr indent="-287972" lvl="1" marL="914400" rtl="0" algn="l">
+              <a:lnSpc>
+                <a:spcPct val="150000"/>
+              </a:lnSpc>
+              <a:spcBef>
+                <a:spcPts val="0"/>
+              </a:spcBef>
+              <a:spcAft>
+                <a:spcPts val="0"/>
+              </a:spcAft>
+              <a:buClr>
+                <a:srgbClr val="434343"/>
+              </a:buClr>
+              <a:buSzPct val="100000"/>
+              <a:buChar char="○"/>
+            </a:pPr>
+            <a:r>
+              <a:rPr lang="en">
+                <a:solidFill>
+                  <a:srgbClr val="434343"/>
+                </a:solidFill>
+              </a:rPr>
+              <a:t>BB_Data_standard (GB) - Standard data for a Time-based package</a:t>
+            </a:r>
+            <a:endParaRPr>
+              <a:solidFill>
+                <a:srgbClr val="434343"/>
+              </a:solidFill>
+            </a:endParaRPr>
+          </a:p>
+          <a:p>
+            <a:pPr indent="-287972" lvl="1" marL="914400" rtl="0" algn="l">
+              <a:lnSpc>
+                <a:spcPct val="150000"/>
+              </a:lnSpc>
+              <a:spcBef>
+                <a:spcPts val="0"/>
+              </a:spcBef>
+              <a:spcAft>
+                <a:spcPts val="0"/>
+              </a:spcAft>
+              <a:buClr>
+                <a:srgbClr val="434343"/>
+              </a:buClr>
+              <a:buSzPct val="100000"/>
+              <a:buChar char="○"/>
+            </a:pPr>
+            <a:r>
+              <a:rPr lang="en">
+                <a:solidFill>
+                  <a:srgbClr val="434343"/>
+                </a:solidFill>
+              </a:rPr>
+              <a:t>BB_Data_Free (GB) - Free data for a Time-based package</a:t>
+            </a:r>
+            <a:endParaRPr>
+              <a:solidFill>
+                <a:srgbClr val="434343"/>
+              </a:solidFill>
+            </a:endParaRPr>
+          </a:p>
+          <a:p>
+            <a:pPr indent="-287972" lvl="1" marL="914400" rtl="0" algn="l">
+              <a:lnSpc>
+                <a:spcPct val="150000"/>
+              </a:lnSpc>
+              <a:spcBef>
+                <a:spcPts val="0"/>
+              </a:spcBef>
+              <a:spcAft>
+                <a:spcPts val="0"/>
+              </a:spcAft>
+              <a:buClr>
+                <a:srgbClr val="434343"/>
+              </a:buClr>
+              <a:buSzPct val="100000"/>
+              <a:buChar char="○"/>
+            </a:pPr>
+            <a:r>
+              <a:rPr lang="en">
+                <a:solidFill>
+                  <a:srgbClr val="434343"/>
+                </a:solidFill>
+              </a:rPr>
+              <a:t>BB_Data_Anytime (GB) - data for anytime package</a:t>
+            </a:r>
+            <a:endParaRPr>
+              <a:solidFill>
+                <a:srgbClr val="434343"/>
+              </a:solidFill>
+            </a:endParaRPr>
+          </a:p>
+          <a:p>
+            <a:pPr indent="-287972" lvl="1" marL="914400" rtl="0" algn="l">
+              <a:lnSpc>
+                <a:spcPct val="150000"/>
+              </a:lnSpc>
+              <a:spcBef>
+                <a:spcPts val="0"/>
+              </a:spcBef>
+              <a:spcAft>
+                <a:spcPts val="0"/>
+              </a:spcAft>
+              <a:buClr>
+                <a:srgbClr val="434343"/>
+              </a:buClr>
+              <a:buSzPct val="100000"/>
+              <a:buChar char="○"/>
+            </a:pPr>
+            <a:r>
+              <a:rPr lang="en">
+                <a:solidFill>
+                  <a:srgbClr val="434343"/>
+                </a:solidFill>
+              </a:rPr>
+              <a:t>BB_Data_Unlimited (GB) - data for unlimited package</a:t>
+            </a:r>
+            <a:endParaRPr>
+              <a:solidFill>
+                <a:srgbClr val="434343"/>
+              </a:solidFill>
+            </a:endParaRPr>
+          </a:p>
+          <a:p>
+            <a:pPr indent="-287972" lvl="1" marL="914400" rtl="0" algn="l">
+              <a:lnSpc>
+                <a:spcPct val="150000"/>
+              </a:lnSpc>
+              <a:spcBef>
+                <a:spcPts val="0"/>
+              </a:spcBef>
+              <a:spcAft>
+                <a:spcPts val="0"/>
+              </a:spcAft>
+              <a:buClr>
+                <a:srgbClr val="434343"/>
+              </a:buClr>
+              <a:buSzPct val="100000"/>
+              <a:buChar char="○"/>
+            </a:pPr>
+            <a:r>
+              <a:rPr lang="en">
+                <a:solidFill>
+                  <a:srgbClr val="434343"/>
+                </a:solidFill>
+              </a:rPr>
+              <a:t>BB_Connection_Type (Time-based/Anytime/Unlimited)</a:t>
+            </a:r>
+            <a:endParaRPr>
+              <a:solidFill>
+                <a:srgbClr val="434343"/>
+              </a:solidFill>
+            </a:endParaRPr>
+          </a:p>
+          <a:p>
+            <a:pPr indent="-287972" lvl="1" marL="914400" rtl="0" algn="l">
+              <a:lnSpc>
+                <a:spcPct val="150000"/>
+              </a:lnSpc>
+              <a:spcBef>
+                <a:spcPts val="0"/>
+              </a:spcBef>
+              <a:spcAft>
+                <a:spcPts val="0"/>
+              </a:spcAft>
+              <a:buClr>
+                <a:srgbClr val="434343"/>
+              </a:buClr>
+              <a:buSzPct val="127210"/>
+              <a:buChar char="○"/>
+            </a:pPr>
+            <a:r>
+              <a:rPr lang="en">
+                <a:solidFill>
+                  <a:srgbClr val="434343"/>
+                </a:solidFill>
+              </a:rPr>
+              <a:t>BB_Connection_Speed (Download Speed/ Upload Speed)</a:t>
+            </a:r>
+            <a:br>
+              <a:rPr lang="en">
+                <a:solidFill>
+                  <a:srgbClr val="434343"/>
+                </a:solidFill>
+              </a:rPr>
+            </a:br>
+            <a:endParaRPr sz="864">
+              <a:solidFill>
+                <a:srgbClr val="434343"/>
+              </a:solidFill>
+            </a:endParaRPr>
+          </a:p>
+          <a:p>
+            <a:pPr indent="-298767" lvl="0" marL="457200" rtl="0" algn="l">
+              <a:lnSpc>
+                <a:spcPct val="150000"/>
+              </a:lnSpc>
+              <a:spcBef>
+                <a:spcPts val="0"/>
+              </a:spcBef>
+              <a:spcAft>
+                <a:spcPts val="0"/>
+              </a:spcAft>
+              <a:buClr>
+                <a:srgbClr val="434343"/>
+              </a:buClr>
+              <a:buSzPct val="100000"/>
+              <a:buChar char="●"/>
+            </a:pPr>
+            <a:r>
+              <a:rPr lang="en">
+                <a:solidFill>
+                  <a:srgbClr val="434343"/>
+                </a:solidFill>
+              </a:rPr>
+              <a:t>VOICE specific features:</a:t>
+            </a:r>
+            <a:endParaRPr>
+              <a:solidFill>
+                <a:srgbClr val="434343"/>
+              </a:solidFill>
+            </a:endParaRPr>
+          </a:p>
+          <a:p>
+            <a:pPr indent="-287972" lvl="1" marL="914400" rtl="0" algn="l">
+              <a:lnSpc>
+                <a:spcPct val="150000"/>
+              </a:lnSpc>
+              <a:spcBef>
+                <a:spcPts val="0"/>
+              </a:spcBef>
+              <a:spcAft>
+                <a:spcPts val="0"/>
+              </a:spcAft>
+              <a:buClr>
+                <a:srgbClr val="434343"/>
+              </a:buClr>
+              <a:buSzPct val="100000"/>
+              <a:buChar char="○"/>
+            </a:pPr>
+            <a:r>
+              <a:rPr lang="en">
+                <a:solidFill>
+                  <a:srgbClr val="434343"/>
+                </a:solidFill>
+              </a:rPr>
+              <a:t>VOICE_Home_SLT_Instrument_Rental (Rs.) - Home Telephone rental (with SLT provided telephone)</a:t>
+            </a:r>
+            <a:endParaRPr>
+              <a:solidFill>
+                <a:srgbClr val="434343"/>
+              </a:solidFill>
+            </a:endParaRPr>
+          </a:p>
+          <a:p>
+            <a:pPr indent="-287972" lvl="1" marL="914400" rtl="0" algn="l">
+              <a:lnSpc>
+                <a:spcPct val="150000"/>
+              </a:lnSpc>
+              <a:spcBef>
+                <a:spcPts val="0"/>
+              </a:spcBef>
+              <a:spcAft>
+                <a:spcPts val="0"/>
+              </a:spcAft>
+              <a:buClr>
+                <a:srgbClr val="434343"/>
+              </a:buClr>
+              <a:buSzPct val="100000"/>
+              <a:buChar char="○"/>
+            </a:pPr>
+            <a:r>
+              <a:rPr lang="en">
+                <a:solidFill>
+                  <a:srgbClr val="434343"/>
+                </a:solidFill>
+              </a:rPr>
+              <a:t>VOICE_Home_Customer_Instrument_Rental (Rs.) - Home Telephone rental (with Customer provided telephone)</a:t>
+            </a:r>
+            <a:endParaRPr>
+              <a:solidFill>
+                <a:srgbClr val="434343"/>
+              </a:solidFill>
+            </a:endParaRPr>
+          </a:p>
+          <a:p>
+            <a:pPr indent="-287972" lvl="1" marL="914400" rtl="0" algn="l">
+              <a:lnSpc>
+                <a:spcPct val="150000"/>
+              </a:lnSpc>
+              <a:spcBef>
+                <a:spcPts val="0"/>
+              </a:spcBef>
+              <a:spcAft>
+                <a:spcPts val="0"/>
+              </a:spcAft>
+              <a:buClr>
+                <a:srgbClr val="434343"/>
+              </a:buClr>
+              <a:buSzPct val="100000"/>
+              <a:buChar char="○"/>
+            </a:pPr>
+            <a:r>
+              <a:rPr lang="en">
+                <a:solidFill>
+                  <a:srgbClr val="434343"/>
+                </a:solidFill>
+              </a:rPr>
+              <a:t>VOICE_Charge_Active_Hours (SLT-STL, SLT-Other) (Rs.) - Voice calls charges for Active hours</a:t>
+            </a:r>
+            <a:endParaRPr>
+              <a:solidFill>
+                <a:srgbClr val="434343"/>
+              </a:solidFill>
+            </a:endParaRPr>
+          </a:p>
+          <a:p>
+            <a:pPr indent="-287972" lvl="1" marL="914400" rtl="0" algn="l">
+              <a:lnSpc>
+                <a:spcPct val="150000"/>
+              </a:lnSpc>
+              <a:spcBef>
+                <a:spcPts val="0"/>
+              </a:spcBef>
+              <a:spcAft>
+                <a:spcPts val="0"/>
+              </a:spcAft>
+              <a:buClr>
+                <a:srgbClr val="434343"/>
+              </a:buClr>
+              <a:buSzPct val="100000"/>
+              <a:buChar char="○"/>
+            </a:pPr>
+            <a:r>
+              <a:rPr lang="en">
+                <a:solidFill>
+                  <a:srgbClr val="434343"/>
+                </a:solidFill>
+              </a:rPr>
+              <a:t>VOICE_Charge_Leisure_Hours (SLT-STL, SLT-Other) (Rs.) - Voice calls charges for Leisure hours</a:t>
+            </a:r>
+            <a:endParaRPr>
+              <a:solidFill>
+                <a:srgbClr val="434343"/>
+              </a:solidFill>
+            </a:endParaRPr>
+          </a:p>
+          <a:p>
+            <a:pPr indent="-287972" lvl="1" marL="914400" rtl="0" algn="l">
+              <a:lnSpc>
+                <a:spcPct val="150000"/>
+              </a:lnSpc>
+              <a:spcBef>
+                <a:spcPts val="0"/>
+              </a:spcBef>
+              <a:spcAft>
+                <a:spcPts val="0"/>
+              </a:spcAft>
+              <a:buClr>
+                <a:srgbClr val="434343"/>
+              </a:buClr>
+              <a:buSzPct val="100000"/>
+              <a:buChar char="○"/>
+            </a:pPr>
+            <a:r>
+              <a:rPr lang="en">
+                <a:solidFill>
+                  <a:srgbClr val="434343"/>
+                </a:solidFill>
+              </a:rPr>
+              <a:t>VOICE_Free_Minutes - Free voice call minutes given per package</a:t>
+            </a:r>
+            <a:endParaRPr>
+              <a:solidFill>
+                <a:srgbClr val="434343"/>
+              </a:solidFill>
+            </a:endParaRPr>
+          </a:p>
+          <a:p>
+            <a:pPr indent="-287972" lvl="1" marL="914400" rtl="0" algn="l">
+              <a:lnSpc>
+                <a:spcPct val="150000"/>
+              </a:lnSpc>
+              <a:spcBef>
+                <a:spcPts val="0"/>
+              </a:spcBef>
+              <a:spcAft>
+                <a:spcPts val="0"/>
+              </a:spcAft>
+              <a:buClr>
+                <a:srgbClr val="434343"/>
+              </a:buClr>
+              <a:buSzPct val="100000"/>
+              <a:buChar char="○"/>
+            </a:pPr>
+            <a:r>
+              <a:rPr lang="en">
+                <a:solidFill>
+                  <a:srgbClr val="434343"/>
+                </a:solidFill>
+              </a:rPr>
+              <a:t>VOICE_Telehelth_Insurance_Benefits (Rs.) - Awarded Benefit at fulfillment for SLT Telehealth Insurance packages</a:t>
+            </a:r>
+            <a:endParaRPr>
+              <a:solidFill>
+                <a:srgbClr val="434343"/>
+              </a:solidFill>
+            </a:endParaRPr>
+          </a:p>
+          <a:p>
+            <a:pPr indent="-287972" lvl="1" marL="914400" rtl="0" algn="l">
+              <a:lnSpc>
+                <a:spcPct val="150000"/>
+              </a:lnSpc>
+              <a:spcBef>
+                <a:spcPts val="0"/>
+              </a:spcBef>
+              <a:spcAft>
+                <a:spcPts val="0"/>
+              </a:spcAft>
+              <a:buClr>
+                <a:srgbClr val="434343"/>
+              </a:buClr>
+              <a:buSzPct val="100000"/>
+              <a:buChar char="○"/>
+            </a:pPr>
+            <a:r>
+              <a:rPr lang="en">
+                <a:solidFill>
+                  <a:srgbClr val="434343"/>
+                </a:solidFill>
+              </a:rPr>
+              <a:t>VOICE_Tele_Life_Insurance_Benefits (Rs.) - Awarded Benefit at fulfillment for SLT Tele Life Insurance packages</a:t>
+            </a:r>
+            <a:endParaRPr>
+              <a:solidFill>
+                <a:srgbClr val="434343"/>
+              </a:solidFill>
+            </a:endParaRPr>
+          </a:p>
+        </p:txBody>
+      </p:sp>
+      <p:sp>
+        <p:nvSpPr>
+          <p:cNvPr id="473" name="Google Shape;473;p64"/>
+          <p:cNvSpPr txBox="1"/>
+          <p:nvPr>
+            <p:ph idx="1" type="body"/>
+          </p:nvPr>
+        </p:nvSpPr>
+        <p:spPr>
+          <a:xfrm>
+            <a:off x="5622650" y="1383875"/>
+            <a:ext cx="3607200" cy="3835800"/>
+          </a:xfrm>
+          <a:prstGeom prst="rect">
+            <a:avLst/>
+          </a:prstGeom>
+        </p:spPr>
+        <p:txBody>
+          <a:bodyPr anchorCtr="0" anchor="t" bIns="91425" lIns="91425" spcFirstLastPara="1" rIns="91425" wrap="square" tIns="91425">
+            <a:normAutofit/>
+          </a:bodyPr>
+          <a:lstStyle/>
+          <a:p>
+            <a:pPr indent="-298450" lvl="0" marL="457200" rtl="0" algn="l">
+              <a:lnSpc>
+                <a:spcPct val="150000"/>
+              </a:lnSpc>
+              <a:spcBef>
+                <a:spcPts val="0"/>
+              </a:spcBef>
+              <a:spcAft>
+                <a:spcPts val="0"/>
+              </a:spcAft>
+              <a:buClr>
+                <a:srgbClr val="434343"/>
+              </a:buClr>
+              <a:buSzPts val="1100"/>
+              <a:buChar char="●"/>
+            </a:pPr>
+            <a:r>
+              <a:rPr lang="en" sz="1100">
+                <a:solidFill>
+                  <a:srgbClr val="434343"/>
+                </a:solidFill>
+              </a:rPr>
+              <a:t>PeoTV</a:t>
+            </a:r>
+            <a:r>
+              <a:rPr lang="en" sz="1100">
+                <a:solidFill>
+                  <a:srgbClr val="434343"/>
+                </a:solidFill>
+              </a:rPr>
+              <a:t> specific features:</a:t>
+            </a:r>
+            <a:endParaRPr sz="1100">
+              <a:solidFill>
+                <a:srgbClr val="434343"/>
+              </a:solidFill>
+            </a:endParaRPr>
+          </a:p>
+          <a:p>
+            <a:pPr indent="-285750" lvl="1" marL="914400" rtl="0" algn="l">
+              <a:lnSpc>
+                <a:spcPct val="150000"/>
+              </a:lnSpc>
+              <a:spcBef>
+                <a:spcPts val="0"/>
+              </a:spcBef>
+              <a:spcAft>
+                <a:spcPts val="0"/>
+              </a:spcAft>
+              <a:buClr>
+                <a:srgbClr val="434343"/>
+              </a:buClr>
+              <a:buSzPts val="900"/>
+              <a:buChar char="○"/>
+            </a:pPr>
+            <a:r>
+              <a:rPr lang="en" sz="900">
+                <a:solidFill>
+                  <a:srgbClr val="434343"/>
+                </a:solidFill>
+              </a:rPr>
+              <a:t>PEOTV_No_of_Channels - No of channels </a:t>
+            </a:r>
+            <a:br>
+              <a:rPr lang="en" sz="900">
+                <a:solidFill>
+                  <a:srgbClr val="434343"/>
+                </a:solidFill>
+              </a:rPr>
+            </a:br>
+            <a:r>
+              <a:rPr lang="en" sz="900">
+                <a:solidFill>
+                  <a:srgbClr val="434343"/>
+                </a:solidFill>
+              </a:rPr>
+              <a:t>in a PEO TV package</a:t>
+            </a:r>
+            <a:endParaRPr sz="900">
+              <a:solidFill>
+                <a:srgbClr val="434343"/>
+              </a:solidFill>
+            </a:endParaRPr>
+          </a:p>
+        </p:txBody>
+      </p:sp>
+    </p:spTree>
+  </p:cSld>
+  <p:clrMapOvr>
+    <a:masterClrMapping/>
+  </p:clrMapOvr>
+</p:sld>
+</file>
+
+<file path=ppt/slides/slide53.xml><?xml version="1.0" encoding="utf-8"?>
+<p:sld xmlns:a="http://schemas.openxmlformats.org/drawingml/2006/main" xmlns:r="http://schemas.openxmlformats.org/officeDocument/2006/relationships" xmlns:mc="http://schemas.openxmlformats.org/markup-compatibility/2006" xmlns:mv="urn:schemas-microsoft-com:mac:vml" xmlns:p="http://schemas.openxmlformats.org/presentationml/2006/main" xmlns:c="http://schemas.openxmlformats.org/drawingml/2006/chart" xmlns:dgm="http://schemas.openxmlformats.org/drawingml/2006/diagram" xmlns:o="urn:schemas-microsoft-com:office:office" xmlns:v="urn:schemas-microsoft-com:vml" xmlns:pvml="urn:schemas-microsoft-com:office:powerpoint" xmlns:com="http://schemas.openxmlformats.org/drawingml/2006/compatibility" xmlns:p14="http://schemas.microsoft.com/office/powerpoint/2010/main" xmlns:p15="http://schemas.microsoft.com/office/powerpoint/2012/main" xmlns:ahyp="http://schemas.microsoft.com/office/drawing/2018/hyperlinkcolor">
+  <p:cSld>
+    <p:spTree>
+      <p:nvGrpSpPr>
+        <p:cNvPr id="477" name="Shape 477"/>
+        <p:cNvGrpSpPr/>
+        <p:nvPr/>
+      </p:nvGrpSpPr>
+      <p:grpSpPr>
+        <a:xfrm>
+          <a:off x="0" y="0"/>
+          <a:ext cx="0" cy="0"/>
+          <a:chOff x="0" y="0"/>
+          <a:chExt cx="0" cy="0"/>
+        </a:xfrm>
+      </p:grpSpPr>
+      <p:sp>
+        <p:nvSpPr>
+          <p:cNvPr id="478" name="Google Shape;478;p65"/>
+          <p:cNvSpPr txBox="1"/>
+          <p:nvPr>
+            <p:ph type="title"/>
+          </p:nvPr>
+        </p:nvSpPr>
+        <p:spPr>
+          <a:xfrm>
+            <a:off x="727650" y="599950"/>
+            <a:ext cx="7688700" cy="535200"/>
+          </a:xfrm>
+          <a:prstGeom prst="rect">
+            <a:avLst/>
+          </a:prstGeom>
+        </p:spPr>
+        <p:txBody>
+          <a:bodyPr anchorCtr="0" anchor="t" bIns="91425" lIns="91425" spcFirstLastPara="1" rIns="91425" wrap="square" tIns="91425">
+            <a:normAutofit fontScale="90000"/>
+          </a:bodyPr>
+          <a:lstStyle/>
+          <a:p>
+            <a:pPr indent="0" lvl="0" marL="0" rtl="0" algn="l">
+              <a:spcBef>
+                <a:spcPts val="0"/>
+              </a:spcBef>
+              <a:spcAft>
+                <a:spcPts val="0"/>
+              </a:spcAft>
+              <a:buNone/>
+            </a:pPr>
+            <a:r>
+              <a:rPr lang="en"/>
+              <a:t>Product Profiles</a:t>
+            </a:r>
+            <a:endParaRPr/>
+          </a:p>
+        </p:txBody>
+      </p:sp>
+      <p:pic>
+        <p:nvPicPr>
+          <p:cNvPr id="479" name="Google Shape;479;p65"/>
+          <p:cNvPicPr preferRelativeResize="0"/>
+          <p:nvPr/>
+        </p:nvPicPr>
+        <p:blipFill>
+          <a:blip r:embed="rId3">
+            <a:alphaModFix/>
+          </a:blip>
+          <a:stretch>
+            <a:fillRect/>
+          </a:stretch>
+        </p:blipFill>
+        <p:spPr>
+          <a:xfrm>
+            <a:off x="1783600" y="1358100"/>
+            <a:ext cx="6017851" cy="3607651"/>
+          </a:xfrm>
+          <a:prstGeom prst="rect">
+            <a:avLst/>
+          </a:prstGeom>
+          <a:noFill/>
+          <a:ln>
+            <a:noFill/>
+          </a:ln>
+        </p:spPr>
+      </p:pic>
+    </p:spTree>
+  </p:cSld>
+  <p:clrMapOvr>
+    <a:masterClrMapping/>
+  </p:clrMapOvr>
+</p:sld>
+</file>
+
+<file path=ppt/slides/slide54.xml><?xml version="1.0" encoding="utf-8"?>
+<p:sld xmlns:a="http://schemas.openxmlformats.org/drawingml/2006/main" xmlns:r="http://schemas.openxmlformats.org/officeDocument/2006/relationships" xmlns:mc="http://schemas.openxmlformats.org/markup-compatibility/2006" xmlns:mv="urn:schemas-microsoft-com:mac:vml" xmlns:p="http://schemas.openxmlformats.org/presentationml/2006/main" xmlns:c="http://schemas.openxmlformats.org/drawingml/2006/chart" xmlns:dgm="http://schemas.openxmlformats.org/drawingml/2006/diagram" xmlns:o="urn:schemas-microsoft-com:office:office" xmlns:v="urn:schemas-microsoft-com:vml" xmlns:pvml="urn:schemas-microsoft-com:office:powerpoint" xmlns:com="http://schemas.openxmlformats.org/drawingml/2006/compatibility" xmlns:p14="http://schemas.microsoft.com/office/powerpoint/2010/main" xmlns:p15="http://schemas.microsoft.com/office/powerpoint/2012/main" xmlns:ahyp="http://schemas.microsoft.com/office/drawing/2018/hyperlinkcolor">
+  <p:cSld>
+    <p:spTree>
+      <p:nvGrpSpPr>
+        <p:cNvPr id="483" name="Shape 483"/>
+        <p:cNvGrpSpPr/>
+        <p:nvPr/>
+      </p:nvGrpSpPr>
+      <p:grpSpPr>
+        <a:xfrm>
+          <a:off x="0" y="0"/>
+          <a:ext cx="0" cy="0"/>
+          <a:chOff x="0" y="0"/>
+          <a:chExt cx="0" cy="0"/>
+        </a:xfrm>
+      </p:grpSpPr>
+      <p:sp>
+        <p:nvSpPr>
+          <p:cNvPr id="484" name="Google Shape;484;p66"/>
+          <p:cNvSpPr txBox="1"/>
+          <p:nvPr>
+            <p:ph type="title"/>
+          </p:nvPr>
+        </p:nvSpPr>
+        <p:spPr>
+          <a:xfrm>
             <a:off x="730000" y="1318650"/>
             <a:ext cx="3634200" cy="1687200"/>
           </a:xfrm>
@@ -27894,7 +29513,7 @@
       </p:sp>
       <p:sp>
         <p:nvSpPr>
-          <p:cNvPr id="459" name="Google Shape;459;p62"/>
+          <p:cNvPr id="485" name="Google Shape;485;p66"/>
           <p:cNvSpPr txBox="1"/>
           <p:nvPr>
             <p:ph idx="2" type="body"/>
@@ -27933,7 +29552,7 @@
       </p:sp>
       <p:sp>
         <p:nvSpPr>
-          <p:cNvPr id="460" name="Google Shape;460;p62"/>
+          <p:cNvPr id="486" name="Google Shape;486;p66"/>
           <p:cNvSpPr txBox="1"/>
           <p:nvPr>
             <p:ph idx="1" type="subTitle"/>
@@ -27972,7 +29591,7 @@
       </p:sp>
       <p:pic>
         <p:nvPicPr>
-          <p:cNvPr id="461" name="Google Shape;461;p62"/>
+          <p:cNvPr id="487" name="Google Shape;487;p66"/>
           <p:cNvPicPr preferRelativeResize="0"/>
           <p:nvPr/>
         </p:nvPicPr>
@@ -28005,12 +29624,12 @@
 </p:sld>
 </file>
 
-<file path=ppt/slides/slide51.xml><?xml version="1.0" encoding="utf-8"?>
+<file path=ppt/slides/slide55.xml><?xml version="1.0" encoding="utf-8"?>
 <p:sld xmlns:a="http://schemas.openxmlformats.org/drawingml/2006/main" xmlns:r="http://schemas.openxmlformats.org/officeDocument/2006/relationships" xmlns:mc="http://schemas.openxmlformats.org/markup-compatibility/2006" xmlns:mv="urn:schemas-microsoft-com:mac:vml" xmlns:p="http://schemas.openxmlformats.org/presentationml/2006/main" xmlns:c="http://schemas.openxmlformats.org/drawingml/2006/chart" xmlns:dgm="http://schemas.openxmlformats.org/drawingml/2006/diagram" xmlns:o="urn:schemas-microsoft-com:office:office" xmlns:v="urn:schemas-microsoft-com:vml" xmlns:pvml="urn:schemas-microsoft-com:office:powerpoint" xmlns:com="http://schemas.openxmlformats.org/drawingml/2006/compatibility" xmlns:p14="http://schemas.microsoft.com/office/powerpoint/2010/main" xmlns:p15="http://schemas.microsoft.com/office/powerpoint/2012/main" xmlns:ahyp="http://schemas.microsoft.com/office/drawing/2018/hyperlinkcolor">
   <p:cSld>
     <p:spTree>
       <p:nvGrpSpPr>
-        <p:cNvPr id="465" name="Shape 465"/>
+        <p:cNvPr id="491" name="Shape 491"/>
         <p:cNvGrpSpPr/>
         <p:nvPr/>
       </p:nvGrpSpPr>
@@ -28024,7 +29643,7 @@
       </p:grpSpPr>
       <p:sp>
         <p:nvSpPr>
-          <p:cNvPr id="466" name="Google Shape;466;p63"/>
+          <p:cNvPr id="492" name="Google Shape;492;p67"/>
           <p:cNvSpPr txBox="1"/>
           <p:nvPr>
             <p:ph type="title"/>
@@ -29183,8 +30802,8 @@
         </p:nvSpPr>
         <p:spPr>
           <a:xfrm>
-            <a:off x="729450" y="1563825"/>
-            <a:ext cx="3701100" cy="3505500"/>
+            <a:off x="729450" y="1640025"/>
+            <a:ext cx="4158300" cy="3505500"/>
           </a:xfrm>
           <a:prstGeom prst="rect">
             <a:avLst/>
@@ -29382,8 +31001,8 @@
         </p:nvSpPr>
         <p:spPr>
           <a:xfrm>
-            <a:off x="710550" y="4082525"/>
-            <a:ext cx="6957000" cy="1046700"/>
+            <a:off x="5052675" y="2144850"/>
+            <a:ext cx="3649200" cy="1462200"/>
           </a:xfrm>
           <a:prstGeom prst="rect">
             <a:avLst/>
@@ -29431,7 +31050,11 @@
                 </a:solidFill>
                 <a:hlinkClick r:id="rId3"/>
               </a:rPr>
-              <a:t>https://www.researchgate.net/post/Can-I-combine-2-independent-variable-as-one-variable-in-a-model-Can-I-still-include-the-individual-variable-in-the-same-model-after-combing-the-two</a:t>
+              <a:t>https://doi.org/10.1109/ICCE48956.2021.9352111</a:t>
+            </a:r>
+            <a:r>
+              <a:rPr lang="en" sz="900"/>
+              <a:t>, 2021  (Pham, C. D., Anh Chu, T., Pham, H. H., Linh Dao, M., Pham, T. S., Hung Trinh, V., &amp; Nguyen, D. H. A recommendation system for offers in telecommunications)</a:t>
             </a:r>
             <a:endParaRPr sz="900"/>
           </a:p>
@@ -29488,34 +31111,6 @@
           </a:p>
         </p:txBody>
       </p:sp>
-      <p:pic>
-        <p:nvPicPr>
-          <p:cNvPr id="136" name="Google Shape;136;p19"/>
-          <p:cNvPicPr preferRelativeResize="0"/>
-          <p:nvPr/>
-        </p:nvPicPr>
-        <p:blipFill>
-          <a:blip r:embed="rId5">
-            <a:alphaModFix/>
-          </a:blip>
-          <a:stretch>
-            <a:fillRect/>
-          </a:stretch>
-        </p:blipFill>
-        <p:spPr>
-          <a:xfrm>
-            <a:off x="4415425" y="1834900"/>
-            <a:ext cx="4573150" cy="2376425"/>
-          </a:xfrm>
-          <a:prstGeom prst="rect">
-            <a:avLst/>
-          </a:prstGeom>
-          <a:noFill/>
-          <a:ln>
-            <a:noFill/>
-          </a:ln>
-        </p:spPr>
-      </p:pic>
     </p:spTree>
   </p:cSld>
   <p:clrMapOvr>
@@ -29529,7 +31124,7 @@
   <p:cSld>
     <p:spTree>
       <p:nvGrpSpPr>
-        <p:cNvPr id="140" name="Shape 140"/>
+        <p:cNvPr id="139" name="Shape 139"/>
         <p:cNvGrpSpPr/>
         <p:nvPr/>
       </p:nvGrpSpPr>
@@ -29543,7 +31138,7 @@
       </p:grpSpPr>
       <p:sp>
         <p:nvSpPr>
-          <p:cNvPr id="141" name="Google Shape;141;p20"/>
+          <p:cNvPr id="140" name="Google Shape;140;p20"/>
           <p:cNvSpPr txBox="1"/>
           <p:nvPr>
             <p:ph type="title"/>
@@ -29583,7 +31178,7 @@
       </p:sp>
       <p:pic>
         <p:nvPicPr>
-          <p:cNvPr id="142" name="Google Shape;142;p20"/>
+          <p:cNvPr id="141" name="Google Shape;141;p20"/>
           <p:cNvPicPr preferRelativeResize="0"/>
           <p:nvPr/>
         </p:nvPicPr>
@@ -29611,7 +31206,7 @@
       </p:pic>
       <p:sp>
         <p:nvSpPr>
-          <p:cNvPr id="143" name="Google Shape;143;p20"/>
+          <p:cNvPr id="142" name="Google Shape;142;p20"/>
           <p:cNvSpPr txBox="1"/>
           <p:nvPr/>
         </p:nvSpPr>
@@ -29663,7 +31258,7 @@
       </p:sp>
       <p:pic>
         <p:nvPicPr>
-          <p:cNvPr id="144" name="Google Shape;144;p20"/>
+          <p:cNvPr id="143" name="Google Shape;143;p20"/>
           <p:cNvPicPr preferRelativeResize="0"/>
           <p:nvPr/>
         </p:nvPicPr>
@@ -29691,7 +31286,7 @@
       </p:pic>
       <p:sp>
         <p:nvSpPr>
-          <p:cNvPr id="145" name="Google Shape;145;p20"/>
+          <p:cNvPr id="144" name="Google Shape;144;p20"/>
           <p:cNvSpPr txBox="1"/>
           <p:nvPr/>
         </p:nvSpPr>
@@ -29754,7 +31349,7 @@
   <p:cSld>
     <p:spTree>
       <p:nvGrpSpPr>
-        <p:cNvPr id="149" name="Shape 149"/>
+        <p:cNvPr id="148" name="Shape 148"/>
         <p:cNvGrpSpPr/>
         <p:nvPr/>
       </p:nvGrpSpPr>
@@ -29768,7 +31363,7 @@
       </p:grpSpPr>
       <p:sp>
         <p:nvSpPr>
-          <p:cNvPr id="150" name="Google Shape;150;p21"/>
+          <p:cNvPr id="149" name="Google Shape;149;p21"/>
           <p:cNvSpPr txBox="1"/>
           <p:nvPr>
             <p:ph type="title"/>
@@ -29808,7 +31403,7 @@
       </p:sp>
       <p:sp>
         <p:nvSpPr>
-          <p:cNvPr id="151" name="Google Shape;151;p21"/>
+          <p:cNvPr id="150" name="Google Shape;150;p21"/>
           <p:cNvSpPr txBox="1"/>
           <p:nvPr>
             <p:ph idx="1" type="body"/>
@@ -30133,6 +31728,285 @@
 </file>
 
 <file path=ppt/theme/theme1.xml><?xml version="1.0" encoding="utf-8"?>
+<a:theme xmlns:a="http://schemas.openxmlformats.org/drawingml/2006/main" xmlns:r="http://schemas.openxmlformats.org/officeDocument/2006/relationships" name="Streamline">
+  <a:themeElements>
+    <a:clrScheme name="Streamline">
+      <a:dk1>
+        <a:srgbClr val="1A9988"/>
+      </a:dk1>
+      <a:lt1>
+        <a:srgbClr val="FFFFFF"/>
+      </a:lt1>
+      <a:dk2>
+        <a:srgbClr val="1A1A1A"/>
+      </a:dk2>
+      <a:lt2>
+        <a:srgbClr val="E9EDEE"/>
+      </a:lt2>
+      <a:accent1>
+        <a:srgbClr val="595959"/>
+      </a:accent1>
+      <a:accent2>
+        <a:srgbClr val="6AA4C8"/>
+      </a:accent2>
+      <a:accent3>
+        <a:srgbClr val="EB5600"/>
+      </a:accent3>
+      <a:accent4>
+        <a:srgbClr val="A2FFE8"/>
+      </a:accent4>
+      <a:accent5>
+        <a:srgbClr val="1C3678"/>
+      </a:accent5>
+      <a:accent6>
+        <a:srgbClr val="FFB8A2"/>
+      </a:accent6>
+      <a:hlink>
+        <a:srgbClr val="1C3678"/>
+      </a:hlink>
+      <a:folHlink>
+        <a:srgbClr val="1C3678"/>
+      </a:folHlink>
+    </a:clrScheme>
+    <a:fontScheme name="Office">
+      <a:majorFont>
+        <a:latin typeface="Arial"/>
+        <a:ea typeface=""/>
+        <a:cs typeface=""/>
+        <a:font script="Jpan" typeface="ＭＳ Ｐゴシック"/>
+        <a:font script="Hang" typeface="맑은 고딕"/>
+        <a:font script="Hans" typeface="宋体"/>
+        <a:font script="Hant" typeface="新細明體"/>
+        <a:font script="Arab" typeface="Times New Roman"/>
+        <a:font script="Hebr" typeface="Times New Roman"/>
+        <a:font script="Thai" typeface="Angsana New"/>
+        <a:font script="Ethi" typeface="Nyala"/>
+        <a:font script="Beng" typeface="Vrinda"/>
+        <a:font script="Gujr" typeface="Shruti"/>
+        <a:font script="Khmr" typeface="MoolBoran"/>
+        <a:font script="Knda" typeface="Tunga"/>
+        <a:font script="Guru" typeface="Raavi"/>
+        <a:font script="Cans" typeface="Euphemia"/>
+        <a:font script="Cher" typeface="Plantagenet Cherokee"/>
+        <a:font script="Yiii" typeface="Microsoft Yi Baiti"/>
+        <a:font script="Tibt" typeface="Microsoft Himalaya"/>
+        <a:font script="Thaa" typeface="MV Boli"/>
+        <a:font script="Deva" typeface="Mangal"/>
+        <a:font script="Telu" typeface="Gautami"/>
+        <a:font script="Taml" typeface="Latha"/>
+        <a:font script="Syrc" typeface="Estrangelo Edessa"/>
+        <a:font script="Orya" typeface="Kalinga"/>
+        <a:font script="Mlym" typeface="Kartika"/>
+        <a:font script="Laoo" typeface="DokChampa"/>
+        <a:font script="Sinh" typeface="Iskoola Pota"/>
+        <a:font script="Mong" typeface="Mongolian Baiti"/>
+        <a:font script="Viet" typeface="Times New Roman"/>
+        <a:font script="Uigh" typeface="Microsoft Uighur"/>
+        <a:font script="Geor" typeface="Sylfaen"/>
+      </a:majorFont>
+      <a:minorFont>
+        <a:latin typeface="Arial"/>
+        <a:ea typeface=""/>
+        <a:cs typeface=""/>
+        <a:font script="Jpan" typeface="ＭＳ Ｐゴシック"/>
+        <a:font script="Hang" typeface="맑은 고딕"/>
+        <a:font script="Hans" typeface="宋体"/>
+        <a:font script="Hant" typeface="新細明體"/>
+        <a:font script="Arab" typeface="Arial"/>
+        <a:font script="Hebr" typeface="Arial"/>
+        <a:font script="Thai" typeface="Cordia New"/>
+        <a:font script="Ethi" typeface="Nyala"/>
+        <a:font script="Beng" typeface="Vrinda"/>
+        <a:font script="Gujr" typeface="Shruti"/>
+        <a:font script="Khmr" typeface="DaunPenh"/>
+        <a:font script="Knda" typeface="Tunga"/>
+        <a:font script="Guru" typeface="Raavi"/>
+        <a:font script="Cans" typeface="Euphemia"/>
+        <a:font script="Cher" typeface="Plantagenet Cherokee"/>
+        <a:font script="Yiii" typeface="Microsoft Yi Baiti"/>
+        <a:font script="Tibt" typeface="Microsoft Himalaya"/>
+        <a:font script="Thaa" typeface="MV Boli"/>
+        <a:font script="Deva" typeface="Mangal"/>
+        <a:font script="Telu" typeface="Gautami"/>
+        <a:font script="Taml" typeface="Latha"/>
+        <a:font script="Syrc" typeface="Estrangelo Edessa"/>
+        <a:font script="Orya" typeface="Kalinga"/>
+        <a:font script="Mlym" typeface="Kartika"/>
+        <a:font script="Laoo" typeface="DokChampa"/>
+        <a:font script="Sinh" typeface="Iskoola Pota"/>
+        <a:font script="Mong" typeface="Mongolian Baiti"/>
+        <a:font script="Viet" typeface="Arial"/>
+        <a:font script="Uigh" typeface="Microsoft Uighur"/>
+        <a:font script="Geor" typeface="Sylfaen"/>
+      </a:minorFont>
+    </a:fontScheme>
+    <a:fmtScheme name="Office">
+      <a:fillStyleLst>
+        <a:solidFill>
+          <a:schemeClr val="phClr"/>
+        </a:solidFill>
+        <a:gradFill rotWithShape="1">
+          <a:gsLst>
+            <a:gs pos="0">
+              <a:schemeClr val="phClr">
+                <a:tint val="50000"/>
+                <a:satMod val="300000"/>
+              </a:schemeClr>
+            </a:gs>
+            <a:gs pos="35000">
+              <a:schemeClr val="phClr">
+                <a:tint val="37000"/>
+                <a:satMod val="300000"/>
+              </a:schemeClr>
+            </a:gs>
+            <a:gs pos="100000">
+              <a:schemeClr val="phClr">
+                <a:tint val="15000"/>
+                <a:satMod val="350000"/>
+              </a:schemeClr>
+            </a:gs>
+          </a:gsLst>
+          <a:lin ang="16200000" scaled="1"/>
+        </a:gradFill>
+        <a:gradFill rotWithShape="1">
+          <a:gsLst>
+            <a:gs pos="0">
+              <a:schemeClr val="phClr">
+                <a:tint val="100000"/>
+                <a:shade val="100000"/>
+                <a:satMod val="130000"/>
+              </a:schemeClr>
+            </a:gs>
+            <a:gs pos="100000">
+              <a:schemeClr val="phClr">
+                <a:tint val="50000"/>
+                <a:shade val="100000"/>
+                <a:satMod val="350000"/>
+              </a:schemeClr>
+            </a:gs>
+          </a:gsLst>
+          <a:lin ang="16200000" scaled="0"/>
+        </a:gradFill>
+      </a:fillStyleLst>
+      <a:lnStyleLst>
+        <a:ln w="9525" cap="flat" cmpd="sng" algn="ctr">
+          <a:solidFill>
+            <a:schemeClr val="phClr">
+              <a:shade val="95000"/>
+              <a:satMod val="105000"/>
+            </a:schemeClr>
+          </a:solidFill>
+          <a:prstDash val="solid"/>
+        </a:ln>
+        <a:ln w="25400" cap="flat" cmpd="sng" algn="ctr">
+          <a:solidFill>
+            <a:schemeClr val="phClr"/>
+          </a:solidFill>
+          <a:prstDash val="solid"/>
+        </a:ln>
+        <a:ln w="38100" cap="flat" cmpd="sng" algn="ctr">
+          <a:solidFill>
+            <a:schemeClr val="phClr"/>
+          </a:solidFill>
+          <a:prstDash val="solid"/>
+        </a:ln>
+      </a:lnStyleLst>
+      <a:effectStyleLst>
+        <a:effectStyle>
+          <a:effectLst>
+            <a:outerShdw blurRad="40000" dist="20000" dir="5400000" rotWithShape="0">
+              <a:srgbClr val="000000">
+                <a:alpha val="38000"/>
+              </a:srgbClr>
+            </a:outerShdw>
+          </a:effectLst>
+        </a:effectStyle>
+        <a:effectStyle>
+          <a:effectLst>
+            <a:outerShdw blurRad="40000" dist="23000" dir="5400000" rotWithShape="0">
+              <a:srgbClr val="000000">
+                <a:alpha val="35000"/>
+              </a:srgbClr>
+            </a:outerShdw>
+          </a:effectLst>
+        </a:effectStyle>
+        <a:effectStyle>
+          <a:effectLst>
+            <a:outerShdw blurRad="40000" dist="23000" dir="5400000" rotWithShape="0">
+              <a:srgbClr val="000000">
+                <a:alpha val="35000"/>
+              </a:srgbClr>
+            </a:outerShdw>
+          </a:effectLst>
+          <a:scene3d>
+            <a:camera prst="orthographicFront">
+              <a:rot lat="0" lon="0" rev="0"/>
+            </a:camera>
+            <a:lightRig rig="threePt" dir="t">
+              <a:rot lat="0" lon="0" rev="1200000"/>
+            </a:lightRig>
+          </a:scene3d>
+          <a:sp3d>
+            <a:bevelT w="63500" h="25400"/>
+          </a:sp3d>
+        </a:effectStyle>
+      </a:effectStyleLst>
+      <a:bgFillStyleLst>
+        <a:solidFill>
+          <a:schemeClr val="phClr"/>
+        </a:solidFill>
+        <a:gradFill rotWithShape="1">
+          <a:gsLst>
+            <a:gs pos="0">
+              <a:schemeClr val="phClr">
+                <a:tint val="40000"/>
+                <a:satMod val="350000"/>
+              </a:schemeClr>
+            </a:gs>
+            <a:gs pos="40000">
+              <a:schemeClr val="phClr">
+                <a:tint val="45000"/>
+                <a:shade val="99000"/>
+                <a:satMod val="350000"/>
+              </a:schemeClr>
+            </a:gs>
+            <a:gs pos="100000">
+              <a:schemeClr val="phClr">
+                <a:shade val="20000"/>
+                <a:satMod val="255000"/>
+              </a:schemeClr>
+            </a:gs>
+          </a:gsLst>
+          <a:path path="circle">
+            <a:fillToRect l="50000" t="-80000" r="50000" b="180000"/>
+          </a:path>
+        </a:gradFill>
+        <a:gradFill rotWithShape="1">
+          <a:gsLst>
+            <a:gs pos="0">
+              <a:schemeClr val="phClr">
+                <a:tint val="80000"/>
+                <a:satMod val="300000"/>
+              </a:schemeClr>
+            </a:gs>
+            <a:gs pos="100000">
+              <a:schemeClr val="phClr">
+                <a:shade val="30000"/>
+                <a:satMod val="200000"/>
+              </a:schemeClr>
+            </a:gs>
+          </a:gsLst>
+          <a:path path="circle">
+            <a:fillToRect l="50000" t="50000" r="50000" b="50000"/>
+          </a:path>
+        </a:gradFill>
+      </a:bgFillStyleLst>
+    </a:fmtScheme>
+  </a:themeElements>
+</a:theme>
+</file>
+
+<file path=ppt/theme/theme2.xml><?xml version="1.0" encoding="utf-8"?>
 <a:theme xmlns:a="http://schemas.openxmlformats.org/drawingml/2006/main" xmlns:r="http://schemas.openxmlformats.org/officeDocument/2006/relationships">
   <a:themeElements>
     <a:clrScheme name="Default">
@@ -30409,283 +32283,4 @@
     </a:fmtScheme>
   </a:themeElements>
 </a:theme>
-</file>
-
-<file path=ppt/theme/theme2.xml><?xml version="1.0" encoding="utf-8"?>
-<a:theme xmlns:a="http://schemas.openxmlformats.org/drawingml/2006/main" xmlns:r="http://schemas.openxmlformats.org/officeDocument/2006/relationships" name="Streamline">
-  <a:themeElements>
-    <a:clrScheme name="Streamline">
-      <a:dk1>
-        <a:srgbClr val="1A9988"/>
-      </a:dk1>
-      <a:lt1>
-        <a:srgbClr val="FFFFFF"/>
-      </a:lt1>
-      <a:dk2>
-        <a:srgbClr val="1A1A1A"/>
-      </a:dk2>
-      <a:lt2>
-        <a:srgbClr val="E9EDEE"/>
-      </a:lt2>
-      <a:accent1>
-        <a:srgbClr val="595959"/>
-      </a:accent1>
-      <a:accent2>
-        <a:srgbClr val="6AA4C8"/>
-      </a:accent2>
-      <a:accent3>
-        <a:srgbClr val="EB5600"/>
-      </a:accent3>
-      <a:accent4>
-        <a:srgbClr val="A2FFE8"/>
-      </a:accent4>
-      <a:accent5>
-        <a:srgbClr val="1C3678"/>
-      </a:accent5>
-      <a:accent6>
-        <a:srgbClr val="FFB8A2"/>
-      </a:accent6>
-      <a:hlink>
-        <a:srgbClr val="1C3678"/>
-      </a:hlink>
-      <a:folHlink>
-        <a:srgbClr val="1C3678"/>
-      </a:folHlink>
-    </a:clrScheme>
-    <a:fontScheme name="Office">
-      <a:majorFont>
-        <a:latin typeface="Arial"/>
-        <a:ea typeface=""/>
-        <a:cs typeface=""/>
-        <a:font script="Jpan" typeface="ＭＳ Ｐゴシック"/>
-        <a:font script="Hang" typeface="맑은 고딕"/>
-        <a:font script="Hans" typeface="宋体"/>
-        <a:font script="Hant" typeface="新細明體"/>
-        <a:font script="Arab" typeface="Times New Roman"/>
-        <a:font script="Hebr" typeface="Times New Roman"/>
-        <a:font script="Thai" typeface="Angsana New"/>
-        <a:font script="Ethi" typeface="Nyala"/>
-        <a:font script="Beng" typeface="Vrinda"/>
-        <a:font script="Gujr" typeface="Shruti"/>
-        <a:font script="Khmr" typeface="MoolBoran"/>
-        <a:font script="Knda" typeface="Tunga"/>
-        <a:font script="Guru" typeface="Raavi"/>
-        <a:font script="Cans" typeface="Euphemia"/>
-        <a:font script="Cher" typeface="Plantagenet Cherokee"/>
-        <a:font script="Yiii" typeface="Microsoft Yi Baiti"/>
-        <a:font script="Tibt" typeface="Microsoft Himalaya"/>
-        <a:font script="Thaa" typeface="MV Boli"/>
-        <a:font script="Deva" typeface="Mangal"/>
-        <a:font script="Telu" typeface="Gautami"/>
-        <a:font script="Taml" typeface="Latha"/>
-        <a:font script="Syrc" typeface="Estrangelo Edessa"/>
-        <a:font script="Orya" typeface="Kalinga"/>
-        <a:font script="Mlym" typeface="Kartika"/>
-        <a:font script="Laoo" typeface="DokChampa"/>
-        <a:font script="Sinh" typeface="Iskoola Pota"/>
-        <a:font script="Mong" typeface="Mongolian Baiti"/>
-        <a:font script="Viet" typeface="Times New Roman"/>
-        <a:font script="Uigh" typeface="Microsoft Uighur"/>
-        <a:font script="Geor" typeface="Sylfaen"/>
-      </a:majorFont>
-      <a:minorFont>
-        <a:latin typeface="Arial"/>
-        <a:ea typeface=""/>
-        <a:cs typeface=""/>
-        <a:font script="Jpan" typeface="ＭＳ Ｐゴシック"/>
-        <a:font script="Hang" typeface="맑은 고딕"/>
-        <a:font script="Hans" typeface="宋体"/>
-        <a:font script="Hant" typeface="新細明體"/>
-        <a:font script="Arab" typeface="Arial"/>
-        <a:font script="Hebr" typeface="Arial"/>
-        <a:font script="Thai" typeface="Cordia New"/>
-        <a:font script="Ethi" typeface="Nyala"/>
-        <a:font script="Beng" typeface="Vrinda"/>
-        <a:font script="Gujr" typeface="Shruti"/>
-        <a:font script="Khmr" typeface="DaunPenh"/>
-        <a:font script="Knda" typeface="Tunga"/>
-        <a:font script="Guru" typeface="Raavi"/>
-        <a:font script="Cans" typeface="Euphemia"/>
-        <a:font script="Cher" typeface="Plantagenet Cherokee"/>
-        <a:font script="Yiii" typeface="Microsoft Yi Baiti"/>
-        <a:font script="Tibt" typeface="Microsoft Himalaya"/>
-        <a:font script="Thaa" typeface="MV Boli"/>
-        <a:font script="Deva" typeface="Mangal"/>
-        <a:font script="Telu" typeface="Gautami"/>
-        <a:font script="Taml" typeface="Latha"/>
-        <a:font script="Syrc" typeface="Estrangelo Edessa"/>
-        <a:font script="Orya" typeface="Kalinga"/>
-        <a:font script="Mlym" typeface="Kartika"/>
-        <a:font script="Laoo" typeface="DokChampa"/>
-        <a:font script="Sinh" typeface="Iskoola Pota"/>
-        <a:font script="Mong" typeface="Mongolian Baiti"/>
-        <a:font script="Viet" typeface="Arial"/>
-        <a:font script="Uigh" typeface="Microsoft Uighur"/>
-        <a:font script="Geor" typeface="Sylfaen"/>
-      </a:minorFont>
-    </a:fontScheme>
-    <a:fmtScheme name="Office">
-      <a:fillStyleLst>
-        <a:solidFill>
-          <a:schemeClr val="phClr"/>
-        </a:solidFill>
-        <a:gradFill rotWithShape="1">
-          <a:gsLst>
-            <a:gs pos="0">
-              <a:schemeClr val="phClr">
-                <a:tint val="50000"/>
-                <a:satMod val="300000"/>
-              </a:schemeClr>
-            </a:gs>
-            <a:gs pos="35000">
-              <a:schemeClr val="phClr">
-                <a:tint val="37000"/>
-                <a:satMod val="300000"/>
-              </a:schemeClr>
-            </a:gs>
-            <a:gs pos="100000">
-              <a:schemeClr val="phClr">
-                <a:tint val="15000"/>
-                <a:satMod val="350000"/>
-              </a:schemeClr>
-            </a:gs>
-          </a:gsLst>
-          <a:lin ang="16200000" scaled="1"/>
-        </a:gradFill>
-        <a:gradFill rotWithShape="1">
-          <a:gsLst>
-            <a:gs pos="0">
-              <a:schemeClr val="phClr">
-                <a:tint val="100000"/>
-                <a:shade val="100000"/>
-                <a:satMod val="130000"/>
-              </a:schemeClr>
-            </a:gs>
-            <a:gs pos="100000">
-              <a:schemeClr val="phClr">
-                <a:tint val="50000"/>
-                <a:shade val="100000"/>
-                <a:satMod val="350000"/>
-              </a:schemeClr>
-            </a:gs>
-          </a:gsLst>
-          <a:lin ang="16200000" scaled="0"/>
-        </a:gradFill>
-      </a:fillStyleLst>
-      <a:lnStyleLst>
-        <a:ln w="9525" cap="flat" cmpd="sng" algn="ctr">
-          <a:solidFill>
-            <a:schemeClr val="phClr">
-              <a:shade val="95000"/>
-              <a:satMod val="105000"/>
-            </a:schemeClr>
-          </a:solidFill>
-          <a:prstDash val="solid"/>
-        </a:ln>
-        <a:ln w="25400" cap="flat" cmpd="sng" algn="ctr">
-          <a:solidFill>
-            <a:schemeClr val="phClr"/>
-          </a:solidFill>
-          <a:prstDash val="solid"/>
-        </a:ln>
-        <a:ln w="38100" cap="flat" cmpd="sng" algn="ctr">
-          <a:solidFill>
-            <a:schemeClr val="phClr"/>
-          </a:solidFill>
-          <a:prstDash val="solid"/>
-        </a:ln>
-      </a:lnStyleLst>
-      <a:effectStyleLst>
-        <a:effectStyle>
-          <a:effectLst>
-            <a:outerShdw blurRad="40000" dist="20000" dir="5400000" rotWithShape="0">
-              <a:srgbClr val="000000">
-                <a:alpha val="38000"/>
-              </a:srgbClr>
-            </a:outerShdw>
-          </a:effectLst>
-        </a:effectStyle>
-        <a:effectStyle>
-          <a:effectLst>
-            <a:outerShdw blurRad="40000" dist="23000" dir="5400000" rotWithShape="0">
-              <a:srgbClr val="000000">
-                <a:alpha val="35000"/>
-              </a:srgbClr>
-            </a:outerShdw>
-          </a:effectLst>
-        </a:effectStyle>
-        <a:effectStyle>
-          <a:effectLst>
-            <a:outerShdw blurRad="40000" dist="23000" dir="5400000" rotWithShape="0">
-              <a:srgbClr val="000000">
-                <a:alpha val="35000"/>
-              </a:srgbClr>
-            </a:outerShdw>
-          </a:effectLst>
-          <a:scene3d>
-            <a:camera prst="orthographicFront">
-              <a:rot lat="0" lon="0" rev="0"/>
-            </a:camera>
-            <a:lightRig rig="threePt" dir="t">
-              <a:rot lat="0" lon="0" rev="1200000"/>
-            </a:lightRig>
-          </a:scene3d>
-          <a:sp3d>
-            <a:bevelT w="63500" h="25400"/>
-          </a:sp3d>
-        </a:effectStyle>
-      </a:effectStyleLst>
-      <a:bgFillStyleLst>
-        <a:solidFill>
-          <a:schemeClr val="phClr"/>
-        </a:solidFill>
-        <a:gradFill rotWithShape="1">
-          <a:gsLst>
-            <a:gs pos="0">
-              <a:schemeClr val="phClr">
-                <a:tint val="40000"/>
-                <a:satMod val="350000"/>
-              </a:schemeClr>
-            </a:gs>
-            <a:gs pos="40000">
-              <a:schemeClr val="phClr">
-                <a:tint val="45000"/>
-                <a:shade val="99000"/>
-                <a:satMod val="350000"/>
-              </a:schemeClr>
-            </a:gs>
-            <a:gs pos="100000">
-              <a:schemeClr val="phClr">
-                <a:shade val="20000"/>
-                <a:satMod val="255000"/>
-              </a:schemeClr>
-            </a:gs>
-          </a:gsLst>
-          <a:path path="circle">
-            <a:fillToRect l="50000" t="-80000" r="50000" b="180000"/>
-          </a:path>
-        </a:gradFill>
-        <a:gradFill rotWithShape="1">
-          <a:gsLst>
-            <a:gs pos="0">
-              <a:schemeClr val="phClr">
-                <a:tint val="80000"/>
-                <a:satMod val="300000"/>
-              </a:schemeClr>
-            </a:gs>
-            <a:gs pos="100000">
-              <a:schemeClr val="phClr">
-                <a:shade val="30000"/>
-                <a:satMod val="200000"/>
-              </a:schemeClr>
-            </a:gs>
-          </a:gsLst>
-          <a:path path="circle">
-            <a:fillToRect l="50000" t="50000" r="50000" b="50000"/>
-          </a:path>
-        </a:gradFill>
-      </a:bgFillStyleLst>
-    </a:fmtScheme>
-  </a:themeElements>
-</a:theme>
 </file>
--- a/documents/presentations/SLT project - Data Engineering Flow.pptx
+++ b/documents/presentations/SLT project - Data Engineering Flow.pptx
@@ -63,23 +63,24 @@
     <p:sldId id="308" r:id="rId58"/>
     <p:sldId id="309" r:id="rId59"/>
     <p:sldId id="310" r:id="rId60"/>
+    <p:sldId id="311" r:id="rId61"/>
   </p:sldIdLst>
   <p:sldSz cy="5143500" cx="9144000"/>
   <p:notesSz cx="6858000" cy="9144000"/>
   <p:embeddedFontLst>
     <p:embeddedFont>
       <p:font typeface="Raleway"/>
-      <p:regular r:id="rId61"/>
-      <p:bold r:id="rId62"/>
-      <p:italic r:id="rId63"/>
-      <p:boldItalic r:id="rId64"/>
+      <p:regular r:id="rId62"/>
+      <p:bold r:id="rId63"/>
+      <p:italic r:id="rId64"/>
+      <p:boldItalic r:id="rId65"/>
     </p:embeddedFont>
     <p:embeddedFont>
       <p:font typeface="Lato"/>
-      <p:regular r:id="rId65"/>
-      <p:bold r:id="rId66"/>
-      <p:italic r:id="rId67"/>
-      <p:boldItalic r:id="rId68"/>
+      <p:regular r:id="rId66"/>
+      <p:bold r:id="rId67"/>
+      <p:italic r:id="rId68"/>
+      <p:boldItalic r:id="rId69"/>
     </p:embeddedFont>
   </p:embeddedFontLst>
   <p:defaultTextStyle>
@@ -4735,7 +4736,7 @@
       </p:grpSpPr>
       <p:sp>
         <p:nvSpPr>
-          <p:cNvPr id="425" name="Google Shape;425;gdb0bea56ff_0_2:notes"/>
+          <p:cNvPr id="425" name="Google Shape;425;gde5c3e8165_0_0:notes"/>
           <p:cNvSpPr/>
           <p:nvPr>
             <p:ph idx="2" type="sldImg"/>
@@ -4770,7 +4771,7 @@
       </p:sp>
       <p:sp>
         <p:nvSpPr>
-          <p:cNvPr id="426" name="Google Shape;426;gdb0bea56ff_0_2:notes"/>
+          <p:cNvPr id="426" name="Google Shape;426;gde5c3e8165_0_0:notes"/>
           <p:cNvSpPr txBox="1"/>
           <p:nvPr>
             <p:ph idx="1" type="body"/>
@@ -4834,7 +4835,7 @@
       </p:grpSpPr>
       <p:sp>
         <p:nvSpPr>
-          <p:cNvPr id="431" name="Google Shape;431;gdb0bea56ff_0_21:notes"/>
+          <p:cNvPr id="431" name="Google Shape;431;gdb0bea56ff_0_2:notes"/>
           <p:cNvSpPr/>
           <p:nvPr>
             <p:ph idx="2" type="sldImg"/>
@@ -4869,7 +4870,7 @@
       </p:sp>
       <p:sp>
         <p:nvSpPr>
-          <p:cNvPr id="432" name="Google Shape;432;gdb0bea56ff_0_21:notes"/>
+          <p:cNvPr id="432" name="Google Shape;432;gdb0bea56ff_0_2:notes"/>
           <p:cNvSpPr txBox="1"/>
           <p:nvPr>
             <p:ph idx="1" type="body"/>
@@ -4919,7 +4920,7 @@
   <p:cSld>
     <p:spTree>
       <p:nvGrpSpPr>
-        <p:cNvPr id="440" name="Shape 440"/>
+        <p:cNvPr id="436" name="Shape 436"/>
         <p:cNvGrpSpPr/>
         <p:nvPr/>
       </p:nvGrpSpPr>
@@ -4933,7 +4934,7 @@
       </p:grpSpPr>
       <p:sp>
         <p:nvSpPr>
-          <p:cNvPr id="441" name="Google Shape;441;gdb0bea56ff_0_14:notes"/>
+          <p:cNvPr id="437" name="Google Shape;437;gdb0bea56ff_0_21:notes"/>
           <p:cNvSpPr/>
           <p:nvPr>
             <p:ph idx="2" type="sldImg"/>
@@ -4968,7 +4969,7 @@
       </p:sp>
       <p:sp>
         <p:nvSpPr>
-          <p:cNvPr id="442" name="Google Shape;442;gdb0bea56ff_0_14:notes"/>
+          <p:cNvPr id="438" name="Google Shape;438;gdb0bea56ff_0_21:notes"/>
           <p:cNvSpPr txBox="1"/>
           <p:nvPr>
             <p:ph idx="1" type="body"/>
@@ -5018,7 +5019,7 @@
   <p:cSld>
     <p:spTree>
       <p:nvGrpSpPr>
-        <p:cNvPr id="447" name="Shape 447"/>
+        <p:cNvPr id="446" name="Shape 446"/>
         <p:cNvGrpSpPr/>
         <p:nvPr/>
       </p:nvGrpSpPr>
@@ -5032,7 +5033,7 @@
       </p:grpSpPr>
       <p:sp>
         <p:nvSpPr>
-          <p:cNvPr id="448" name="Google Shape;448;gdd34e4ffd5_0_423:notes"/>
+          <p:cNvPr id="447" name="Google Shape;447;gdb0bea56ff_0_14:notes"/>
           <p:cNvSpPr/>
           <p:nvPr>
             <p:ph idx="2" type="sldImg"/>
@@ -5067,7 +5068,7 @@
       </p:sp>
       <p:sp>
         <p:nvSpPr>
-          <p:cNvPr id="449" name="Google Shape;449;gdd34e4ffd5_0_423:notes"/>
+          <p:cNvPr id="448" name="Google Shape;448;gdb0bea56ff_0_14:notes"/>
           <p:cNvSpPr txBox="1"/>
           <p:nvPr>
             <p:ph idx="1" type="body"/>
@@ -5216,7 +5217,7 @@
   <p:cSld>
     <p:spTree>
       <p:nvGrpSpPr>
-        <p:cNvPr id="454" name="Shape 454"/>
+        <p:cNvPr id="453" name="Shape 453"/>
         <p:cNvGrpSpPr/>
         <p:nvPr/>
       </p:nvGrpSpPr>
@@ -5230,7 +5231,7 @@
       </p:grpSpPr>
       <p:sp>
         <p:nvSpPr>
-          <p:cNvPr id="455" name="Google Shape;455;gdd34e4ffd5_0_429:notes"/>
+          <p:cNvPr id="454" name="Google Shape;454;gdd34e4ffd5_0_423:notes"/>
           <p:cNvSpPr/>
           <p:nvPr>
             <p:ph idx="2" type="sldImg"/>
@@ -5265,7 +5266,7 @@
       </p:sp>
       <p:sp>
         <p:nvSpPr>
-          <p:cNvPr id="456" name="Google Shape;456;gdd34e4ffd5_0_429:notes"/>
+          <p:cNvPr id="455" name="Google Shape;455;gdd34e4ffd5_0_423:notes"/>
           <p:cNvSpPr txBox="1"/>
           <p:nvPr>
             <p:ph idx="1" type="body"/>
@@ -5315,7 +5316,7 @@
   <p:cSld>
     <p:spTree>
       <p:nvGrpSpPr>
-        <p:cNvPr id="461" name="Shape 461"/>
+        <p:cNvPr id="460" name="Shape 460"/>
         <p:cNvGrpSpPr/>
         <p:nvPr/>
       </p:nvGrpSpPr>
@@ -5329,7 +5330,7 @@
       </p:grpSpPr>
       <p:sp>
         <p:nvSpPr>
-          <p:cNvPr id="462" name="Google Shape;462;gdd34e4ffd5_0_434:notes"/>
+          <p:cNvPr id="461" name="Google Shape;461;gdd34e4ffd5_0_429:notes"/>
           <p:cNvSpPr/>
           <p:nvPr>
             <p:ph idx="2" type="sldImg"/>
@@ -5364,7 +5365,7 @@
       </p:sp>
       <p:sp>
         <p:nvSpPr>
-          <p:cNvPr id="463" name="Google Shape;463;gdd34e4ffd5_0_434:notes"/>
+          <p:cNvPr id="462" name="Google Shape;462;gdd34e4ffd5_0_429:notes"/>
           <p:cNvSpPr txBox="1"/>
           <p:nvPr>
             <p:ph idx="1" type="body"/>
@@ -5428,7 +5429,7 @@
       </p:grpSpPr>
       <p:sp>
         <p:nvSpPr>
-          <p:cNvPr id="468" name="Google Shape;468;gdd34e4ffd5_0_451:notes"/>
+          <p:cNvPr id="468" name="Google Shape;468;gdd34e4ffd5_0_434:notes"/>
           <p:cNvSpPr/>
           <p:nvPr>
             <p:ph idx="2" type="sldImg"/>
@@ -5463,7 +5464,7 @@
       </p:sp>
       <p:sp>
         <p:nvSpPr>
-          <p:cNvPr id="469" name="Google Shape;469;gdd34e4ffd5_0_451:notes"/>
+          <p:cNvPr id="469" name="Google Shape;469;gdd34e4ffd5_0_434:notes"/>
           <p:cNvSpPr txBox="1"/>
           <p:nvPr>
             <p:ph idx="1" type="body"/>
@@ -5513,7 +5514,7 @@
   <p:cSld>
     <p:spTree>
       <p:nvGrpSpPr>
-        <p:cNvPr id="474" name="Shape 474"/>
+        <p:cNvPr id="473" name="Shape 473"/>
         <p:cNvGrpSpPr/>
         <p:nvPr/>
       </p:nvGrpSpPr>
@@ -5527,7 +5528,7 @@
       </p:grpSpPr>
       <p:sp>
         <p:nvSpPr>
-          <p:cNvPr id="475" name="Google Shape;475;gdd34e4ffd5_0_462:notes"/>
+          <p:cNvPr id="474" name="Google Shape;474;gdd34e4ffd5_0_451:notes"/>
           <p:cNvSpPr/>
           <p:nvPr>
             <p:ph idx="2" type="sldImg"/>
@@ -5562,7 +5563,7 @@
       </p:sp>
       <p:sp>
         <p:nvSpPr>
-          <p:cNvPr id="476" name="Google Shape;476;gdd34e4ffd5_0_462:notes"/>
+          <p:cNvPr id="475" name="Google Shape;475;gdd34e4ffd5_0_451:notes"/>
           <p:cNvSpPr txBox="1"/>
           <p:nvPr>
             <p:ph idx="1" type="body"/>
@@ -5626,7 +5627,7 @@
       </p:grpSpPr>
       <p:sp>
         <p:nvSpPr>
-          <p:cNvPr id="481" name="Google Shape;481;gda272428dd_0_1107:notes"/>
+          <p:cNvPr id="481" name="Google Shape;481;gdd34e4ffd5_0_462:notes"/>
           <p:cNvSpPr/>
           <p:nvPr>
             <p:ph idx="2" type="sldImg"/>
@@ -5661,7 +5662,7 @@
       </p:sp>
       <p:sp>
         <p:nvSpPr>
-          <p:cNvPr id="482" name="Google Shape;482;gda272428dd_0_1107:notes"/>
+          <p:cNvPr id="482" name="Google Shape;482;gdd34e4ffd5_0_462:notes"/>
           <p:cNvSpPr txBox="1"/>
           <p:nvPr>
             <p:ph idx="1" type="body"/>
@@ -5711,7 +5712,7 @@
   <p:cSld>
     <p:spTree>
       <p:nvGrpSpPr>
-        <p:cNvPr id="488" name="Shape 488"/>
+        <p:cNvPr id="486" name="Shape 486"/>
         <p:cNvGrpSpPr/>
         <p:nvPr/>
       </p:nvGrpSpPr>
@@ -5725,7 +5726,7 @@
       </p:grpSpPr>
       <p:sp>
         <p:nvSpPr>
-          <p:cNvPr id="489" name="Google Shape;489;gda272428dd_0_1115:notes"/>
+          <p:cNvPr id="487" name="Google Shape;487;gda272428dd_0_1107:notes"/>
           <p:cNvSpPr/>
           <p:nvPr>
             <p:ph idx="2" type="sldImg"/>
@@ -5760,7 +5761,106 @@
       </p:sp>
       <p:sp>
         <p:nvSpPr>
-          <p:cNvPr id="490" name="Google Shape;490;gda272428dd_0_1115:notes"/>
+          <p:cNvPr id="488" name="Google Shape;488;gda272428dd_0_1107:notes"/>
+          <p:cNvSpPr txBox="1"/>
+          <p:nvPr>
+            <p:ph idx="1" type="body"/>
+          </p:nvPr>
+        </p:nvSpPr>
+        <p:spPr>
+          <a:xfrm>
+            <a:off x="685800" y="4343400"/>
+            <a:ext cx="5486400" cy="4114800"/>
+          </a:xfrm>
+          <a:prstGeom prst="rect">
+            <a:avLst/>
+          </a:prstGeom>
+        </p:spPr>
+        <p:txBody>
+          <a:bodyPr anchorCtr="0" anchor="t" bIns="91425" lIns="91425" spcFirstLastPara="1" rIns="91425" wrap="square" tIns="91425">
+            <a:noAutofit/>
+          </a:bodyPr>
+          <a:lstStyle/>
+          <a:p>
+            <a:pPr indent="0" lvl="0" marL="0" rtl="0" algn="l">
+              <a:spcBef>
+                <a:spcPts val="0"/>
+              </a:spcBef>
+              <a:spcAft>
+                <a:spcPts val="0"/>
+              </a:spcAft>
+              <a:buNone/>
+            </a:pPr>
+            <a:r>
+              <a:t/>
+            </a:r>
+            <a:endParaRPr/>
+          </a:p>
+        </p:txBody>
+      </p:sp>
+    </p:spTree>
+  </p:cSld>
+  <p:clrMapOvr>
+    <a:masterClrMapping/>
+  </p:clrMapOvr>
+</p:notes>
+</file>
+
+<file path=ppt/notesSlides/notesSlide56.xml><?xml version="1.0" encoding="utf-8"?>
+<p:notes xmlns:a="http://schemas.openxmlformats.org/drawingml/2006/main" xmlns:r="http://schemas.openxmlformats.org/officeDocument/2006/relationships" xmlns:mc="http://schemas.openxmlformats.org/markup-compatibility/2006" xmlns:mv="urn:schemas-microsoft-com:mac:vml" xmlns:p="http://schemas.openxmlformats.org/presentationml/2006/main" xmlns:c="http://schemas.openxmlformats.org/drawingml/2006/chart" xmlns:dgm="http://schemas.openxmlformats.org/drawingml/2006/diagram" xmlns:o="urn:schemas-microsoft-com:office:office" xmlns:v="urn:schemas-microsoft-com:vml" xmlns:pvml="urn:schemas-microsoft-com:office:powerpoint" xmlns:com="http://schemas.openxmlformats.org/drawingml/2006/compatibility" xmlns:p14="http://schemas.microsoft.com/office/powerpoint/2010/main" xmlns:p15="http://schemas.microsoft.com/office/powerpoint/2012/main" xmlns:ahyp="http://schemas.microsoft.com/office/drawing/2018/hyperlinkcolor" showMasterPhAnim="0" showMasterSp="0">
+  <p:cSld>
+    <p:spTree>
+      <p:nvGrpSpPr>
+        <p:cNvPr id="494" name="Shape 494"/>
+        <p:cNvGrpSpPr/>
+        <p:nvPr/>
+      </p:nvGrpSpPr>
+      <p:grpSpPr>
+        <a:xfrm>
+          <a:off x="0" y="0"/>
+          <a:ext cx="0" cy="0"/>
+          <a:chOff x="0" y="0"/>
+          <a:chExt cx="0" cy="0"/>
+        </a:xfrm>
+      </p:grpSpPr>
+      <p:sp>
+        <p:nvSpPr>
+          <p:cNvPr id="495" name="Google Shape;495;gda272428dd_0_1115:notes"/>
+          <p:cNvSpPr/>
+          <p:nvPr>
+            <p:ph idx="2" type="sldImg"/>
+          </p:nvPr>
+        </p:nvSpPr>
+        <p:spPr>
+          <a:xfrm>
+            <a:off x="381300" y="685800"/>
+            <a:ext cx="6096000" cy="3429000"/>
+          </a:xfrm>
+          <a:custGeom>
+            <a:rect b="b" l="l" r="r" t="t"/>
+            <a:pathLst>
+              <a:path extrusionOk="0" h="120000" w="120000">
+                <a:moveTo>
+                  <a:pt x="0" y="0"/>
+                </a:moveTo>
+                <a:lnTo>
+                  <a:pt x="120000" y="0"/>
+                </a:lnTo>
+                <a:lnTo>
+                  <a:pt x="120000" y="120000"/>
+                </a:lnTo>
+                <a:lnTo>
+                  <a:pt x="0" y="120000"/>
+                </a:lnTo>
+                <a:close/>
+              </a:path>
+            </a:pathLst>
+          </a:custGeom>
+        </p:spPr>
+      </p:sp>
+      <p:sp>
+        <p:nvSpPr>
+          <p:cNvPr id="496" name="Google Shape;496;gda272428dd_0_1115:notes"/>
           <p:cNvSpPr txBox="1"/>
           <p:nvPr>
             <p:ph idx="1" type="body"/>
@@ -16659,7 +16759,15 @@
                   <a:srgbClr val="434343"/>
                 </a:solidFill>
               </a:rPr>
-              <a:t>Bin ranges selected considering skewness of data distribution</a:t>
+              <a:t>Bin ranges selected considering skewness of data distribution </a:t>
+            </a:r>
+            <a:r>
+              <a:rPr lang="en">
+                <a:solidFill>
+                  <a:srgbClr val="434343"/>
+                </a:solidFill>
+              </a:rPr>
+              <a:t>(25,50,75th precentiles)</a:t>
             </a:r>
             <a:endParaRPr>
               <a:solidFill>
@@ -16775,7 +16883,15 @@
                   <a:srgbClr val="434343"/>
                 </a:solidFill>
               </a:rPr>
-              <a:t>Bin ranges selected considering skewness of data distribution</a:t>
+              <a:t>Bin ranges selected considering skewness of data distribution </a:t>
+            </a:r>
+            <a:r>
+              <a:rPr lang="en">
+                <a:solidFill>
+                  <a:srgbClr val="434343"/>
+                </a:solidFill>
+              </a:rPr>
+              <a:t>(25,50,75th precentiles)</a:t>
             </a:r>
             <a:endParaRPr>
               <a:solidFill>
@@ -20616,38 +20732,22 @@
                   <a:srgbClr val="434343"/>
                 </a:solidFill>
               </a:rPr>
-              <a:t>Bin ranges selected considering skewness of data distribution</a:t>
-            </a:r>
-            <a:endParaRPr>
-              <a:solidFill>
-                <a:srgbClr val="434343"/>
-              </a:solidFill>
-            </a:endParaRPr>
-          </a:p>
-          <a:p>
-            <a:pPr indent="-298450" lvl="1" marL="914400" rtl="0" algn="l">
-              <a:lnSpc>
-                <a:spcPct val="200000"/>
-              </a:lnSpc>
-              <a:spcBef>
-                <a:spcPts val="0"/>
-              </a:spcBef>
-              <a:spcAft>
-                <a:spcPts val="0"/>
-              </a:spcAft>
-              <a:buClr>
-                <a:srgbClr val="434343"/>
-              </a:buClr>
-              <a:buSzPts val="1100"/>
-              <a:buChar char="○"/>
-            </a:pPr>
-            <a:r>
-              <a:rPr b="1" lang="en">
-                <a:solidFill>
-                  <a:srgbClr val="434343"/>
-                </a:solidFill>
-              </a:rPr>
-              <a:t>Freedman-Diaconis’s Rule based approach (Using Interquartile range)</a:t>
+              <a:t>Bin ranges selected considering skewness of data distribution </a:t>
+            </a:r>
+            <a:br>
+              <a:rPr lang="en">
+                <a:solidFill>
+                  <a:srgbClr val="434343"/>
+                </a:solidFill>
+              </a:rPr>
+            </a:br>
+            <a:r>
+              <a:rPr lang="en">
+                <a:solidFill>
+                  <a:srgbClr val="434343"/>
+                </a:solidFill>
+              </a:rPr>
+              <a:t>(25,50,75th precentiles)</a:t>
             </a:r>
             <a:endParaRPr>
               <a:solidFill>
@@ -26289,7 +26389,7 @@
             </a:pPr>
             <a:r>
               <a:rPr lang="en"/>
-              <a:t>User Profile : Clustering Users</a:t>
+              <a:t>User Profile cont’d.</a:t>
             </a:r>
             <a:endParaRPr/>
           </a:p>
@@ -26340,7 +26440,7 @@
                   <a:srgbClr val="434343"/>
                 </a:solidFill>
               </a:rPr>
-              <a:t>K-Means Clustering based on Scaled user features (Usage Ratings)</a:t>
+              <a:t>Customers with products from all categories (PeoTV, VOICE and Other)</a:t>
             </a:r>
             <a:endParaRPr>
               <a:solidFill>
@@ -26366,12 +26466,66 @@
               <a:buChar char="○"/>
             </a:pPr>
             <a:r>
+              <a:rPr b="1" lang="en">
+                <a:solidFill>
+                  <a:srgbClr val="434343"/>
+                </a:solidFill>
+              </a:rPr>
+              <a:t>40</a:t>
+            </a:r>
+            <a:r>
               <a:rPr lang="en">
                 <a:solidFill>
                   <a:srgbClr val="434343"/>
                 </a:solidFill>
               </a:rPr>
-              <a:t>Best no of clusters (k) was selected using Elbow method</a:t>
+              <a:t> / 3307    </a:t>
+            </a:r>
+            <a:r>
+              <a:rPr b="1" lang="en">
+                <a:solidFill>
+                  <a:srgbClr val="434343"/>
+                </a:solidFill>
+              </a:rPr>
+              <a:t>(1.2%)</a:t>
+            </a:r>
+            <a:br>
+              <a:rPr lang="en">
+                <a:solidFill>
+                  <a:srgbClr val="434343"/>
+                </a:solidFill>
+              </a:rPr>
+            </a:br>
+            <a:endParaRPr sz="700">
+              <a:solidFill>
+                <a:srgbClr val="434343"/>
+              </a:solidFill>
+            </a:endParaRPr>
+          </a:p>
+          <a:p>
+            <a:pPr indent="-311150" lvl="0" marL="457200" rtl="0" algn="l">
+              <a:lnSpc>
+                <a:spcPct val="150000"/>
+              </a:lnSpc>
+              <a:spcBef>
+                <a:spcPts val="0"/>
+              </a:spcBef>
+              <a:spcAft>
+                <a:spcPts val="0"/>
+              </a:spcAft>
+              <a:buClr>
+                <a:srgbClr val="434343"/>
+              </a:buClr>
+              <a:buSzPts val="1300"/>
+              <a:buChar char="●"/>
+            </a:pPr>
+            <a:r>
+              <a:rPr lang="en">
+                <a:solidFill>
+                  <a:srgbClr val="434343"/>
+                </a:solidFill>
+              </a:rPr>
+              <a:t>Customers who has purchased Voice Packages and VAS</a:t>
             </a:r>
             <a:endParaRPr>
               <a:solidFill>
@@ -26397,105 +26551,28 @@
               <a:buChar char="○"/>
             </a:pPr>
             <a:r>
+              <a:rPr b="1" lang="en">
+                <a:solidFill>
+                  <a:srgbClr val="434343"/>
+                </a:solidFill>
+              </a:rPr>
+              <a:t>300</a:t>
+            </a:r>
+            <a:r>
               <a:rPr lang="en">
                 <a:solidFill>
                   <a:srgbClr val="434343"/>
                 </a:solidFill>
               </a:rPr>
-              <a:t>Three clusters were identified </a:t>
-            </a:r>
-            <a:endParaRPr>
-              <a:solidFill>
-                <a:srgbClr val="434343"/>
-              </a:solidFill>
-            </a:endParaRPr>
-          </a:p>
-          <a:p>
-            <a:pPr indent="-298450" lvl="2" marL="1371600" rtl="0" algn="l">
-              <a:lnSpc>
-                <a:spcPct val="150000"/>
-              </a:lnSpc>
-              <a:spcBef>
-                <a:spcPts val="0"/>
-              </a:spcBef>
-              <a:spcAft>
-                <a:spcPts val="0"/>
-              </a:spcAft>
-              <a:buClr>
-                <a:srgbClr val="434343"/>
-              </a:buClr>
-              <a:buSzPts val="1100"/>
-              <a:buChar char="■"/>
-            </a:pPr>
-            <a:r>
-              <a:rPr lang="en">
-                <a:solidFill>
-                  <a:srgbClr val="434343"/>
-                </a:solidFill>
-              </a:rPr>
-              <a:t>Cluster 1: 914 users, </a:t>
-            </a:r>
-            <a:endParaRPr>
-              <a:solidFill>
-                <a:srgbClr val="434343"/>
-              </a:solidFill>
-            </a:endParaRPr>
-          </a:p>
-          <a:p>
-            <a:pPr indent="-298450" lvl="2" marL="1371600" rtl="0" algn="l">
-              <a:lnSpc>
-                <a:spcPct val="150000"/>
-              </a:lnSpc>
-              <a:spcBef>
-                <a:spcPts val="0"/>
-              </a:spcBef>
-              <a:spcAft>
-                <a:spcPts val="0"/>
-              </a:spcAft>
-              <a:buClr>
-                <a:srgbClr val="434343"/>
-              </a:buClr>
-              <a:buSzPts val="1100"/>
-              <a:buChar char="■"/>
-            </a:pPr>
-            <a:r>
-              <a:rPr lang="en">
-                <a:solidFill>
-                  <a:srgbClr val="434343"/>
-                </a:solidFill>
-              </a:rPr>
-              <a:t>Cluster 2: 2145 users, </a:t>
-            </a:r>
-            <a:endParaRPr>
-              <a:solidFill>
-                <a:srgbClr val="434343"/>
-              </a:solidFill>
-            </a:endParaRPr>
-          </a:p>
-          <a:p>
-            <a:pPr indent="-298450" lvl="2" marL="1371600" rtl="0" algn="l">
-              <a:lnSpc>
-                <a:spcPct val="150000"/>
-              </a:lnSpc>
-              <a:spcBef>
-                <a:spcPts val="0"/>
-              </a:spcBef>
-              <a:spcAft>
-                <a:spcPts val="0"/>
-              </a:spcAft>
-              <a:buClr>
-                <a:srgbClr val="434343"/>
-              </a:buClr>
-              <a:buSzPts val="1100"/>
-              <a:buChar char="■"/>
-            </a:pPr>
-            <a:r>
-              <a:rPr lang="en">
-                <a:solidFill>
-                  <a:srgbClr val="434343"/>
-                </a:solidFill>
-              </a:rPr>
-              <a:t>Cluster 3: 248 users</a:t>
+              <a:t> / 3307  </a:t>
+            </a:r>
+            <a:r>
+              <a:rPr b="1" lang="en">
+                <a:solidFill>
+                  <a:srgbClr val="434343"/>
+                </a:solidFill>
+              </a:rPr>
+              <a:t>(9.07%)</a:t>
             </a:r>
             <a:br>
               <a:rPr lang="en">
@@ -26504,7 +26581,7 @@
                 </a:solidFill>
               </a:rPr>
             </a:br>
-            <a:endParaRPr>
+            <a:endParaRPr sz="700">
               <a:solidFill>
                 <a:srgbClr val="434343"/>
               </a:solidFill>
@@ -26533,15 +26610,7 @@
                   <a:srgbClr val="434343"/>
                 </a:solidFill>
               </a:rPr>
-              <a:t>Hierarchical (Agglomerative)</a:t>
-            </a:r>
-            <a:r>
-              <a:rPr lang="en">
-                <a:solidFill>
-                  <a:srgbClr val="434343"/>
-                </a:solidFill>
-              </a:rPr>
-              <a:t> Clustering based on Scaled user features (Usage Ratings)</a:t>
+              <a:t>Customers who has purchased PeoTV Packages</a:t>
             </a:r>
             <a:endParaRPr>
               <a:solidFill>
@@ -26567,12 +26636,66 @@
               <a:buChar char="○"/>
             </a:pPr>
             <a:r>
+              <a:rPr b="1" lang="en">
+                <a:solidFill>
+                  <a:srgbClr val="434343"/>
+                </a:solidFill>
+              </a:rPr>
+              <a:t>1274</a:t>
+            </a:r>
+            <a:r>
               <a:rPr lang="en">
                 <a:solidFill>
                   <a:srgbClr val="434343"/>
                 </a:solidFill>
               </a:rPr>
-              <a:t>Best no of clusters were identified as 3.</a:t>
+              <a:t> / 3307   </a:t>
+            </a:r>
+            <a:r>
+              <a:rPr b="1" lang="en">
+                <a:solidFill>
+                  <a:srgbClr val="434343"/>
+                </a:solidFill>
+              </a:rPr>
+              <a:t>(38.52%)</a:t>
+            </a:r>
+            <a:br>
+              <a:rPr lang="en">
+                <a:solidFill>
+                  <a:srgbClr val="434343"/>
+                </a:solidFill>
+              </a:rPr>
+            </a:br>
+            <a:endParaRPr sz="700">
+              <a:solidFill>
+                <a:srgbClr val="434343"/>
+              </a:solidFill>
+            </a:endParaRPr>
+          </a:p>
+          <a:p>
+            <a:pPr indent="-311150" lvl="0" marL="457200" rtl="0" algn="l">
+              <a:lnSpc>
+                <a:spcPct val="150000"/>
+              </a:lnSpc>
+              <a:spcBef>
+                <a:spcPts val="0"/>
+              </a:spcBef>
+              <a:spcAft>
+                <a:spcPts val="0"/>
+              </a:spcAft>
+              <a:buClr>
+                <a:srgbClr val="434343"/>
+              </a:buClr>
+              <a:buSzPts val="1300"/>
+              <a:buChar char="●"/>
+            </a:pPr>
+            <a:r>
+              <a:rPr lang="en">
+                <a:solidFill>
+                  <a:srgbClr val="434343"/>
+                </a:solidFill>
+              </a:rPr>
+              <a:t>Customers who has purchased at least one Product or Package</a:t>
             </a:r>
             <a:endParaRPr>
               <a:solidFill>
@@ -26598,14 +26721,30 @@
               <a:buChar char="○"/>
             </a:pPr>
             <a:r>
+              <a:rPr b="1" lang="en">
+                <a:solidFill>
+                  <a:srgbClr val="434343"/>
+                </a:solidFill>
+              </a:rPr>
+              <a:t>1461</a:t>
+            </a:r>
+            <a:r>
               <a:rPr lang="en">
                 <a:solidFill>
                   <a:srgbClr val="434343"/>
                 </a:solidFill>
               </a:rPr>
-              <a:t>Considered euclidean distances</a:t>
-            </a:r>
-            <a:endParaRPr>
+              <a:t> / 3307  </a:t>
+            </a:r>
+            <a:r>
+              <a:rPr b="1" lang="en">
+                <a:solidFill>
+                  <a:srgbClr val="434343"/>
+                </a:solidFill>
+              </a:rPr>
+              <a:t>(44.18%)</a:t>
+            </a:r>
+            <a:endParaRPr b="1">
               <a:solidFill>
                 <a:srgbClr val="434343"/>
               </a:solidFill>
@@ -26682,6 +26821,389 @@
         <p:nvSpPr>
           <p:cNvPr id="435" name="Google Shape;435;p59"/>
           <p:cNvSpPr txBox="1"/>
+          <p:nvPr>
+            <p:ph idx="1" type="body"/>
+          </p:nvPr>
+        </p:nvSpPr>
+        <p:spPr>
+          <a:xfrm>
+            <a:off x="729450" y="1487625"/>
+            <a:ext cx="7792200" cy="3505500"/>
+          </a:xfrm>
+          <a:prstGeom prst="rect">
+            <a:avLst/>
+          </a:prstGeom>
+        </p:spPr>
+        <p:txBody>
+          <a:bodyPr anchorCtr="0" anchor="t" bIns="91425" lIns="91425" spcFirstLastPara="1" rIns="91425" wrap="square" tIns="91425">
+            <a:normAutofit/>
+          </a:bodyPr>
+          <a:lstStyle/>
+          <a:p>
+            <a:pPr indent="-311150" lvl="0" marL="457200" rtl="0" algn="l">
+              <a:lnSpc>
+                <a:spcPct val="150000"/>
+              </a:lnSpc>
+              <a:spcBef>
+                <a:spcPts val="0"/>
+              </a:spcBef>
+              <a:spcAft>
+                <a:spcPts val="0"/>
+              </a:spcAft>
+              <a:buClr>
+                <a:srgbClr val="434343"/>
+              </a:buClr>
+              <a:buSzPts val="1300"/>
+              <a:buChar char="●"/>
+            </a:pPr>
+            <a:r>
+              <a:rPr lang="en">
+                <a:solidFill>
+                  <a:srgbClr val="434343"/>
+                </a:solidFill>
+              </a:rPr>
+              <a:t>K-Means Clustering based on Scaled user features (Usage Ratings)</a:t>
+            </a:r>
+            <a:endParaRPr>
+              <a:solidFill>
+                <a:srgbClr val="434343"/>
+              </a:solidFill>
+            </a:endParaRPr>
+          </a:p>
+          <a:p>
+            <a:pPr indent="-298450" lvl="1" marL="914400" rtl="0" algn="l">
+              <a:lnSpc>
+                <a:spcPct val="150000"/>
+              </a:lnSpc>
+              <a:spcBef>
+                <a:spcPts val="0"/>
+              </a:spcBef>
+              <a:spcAft>
+                <a:spcPts val="0"/>
+              </a:spcAft>
+              <a:buClr>
+                <a:srgbClr val="434343"/>
+              </a:buClr>
+              <a:buSzPts val="1100"/>
+              <a:buChar char="○"/>
+            </a:pPr>
+            <a:r>
+              <a:rPr lang="en">
+                <a:solidFill>
+                  <a:srgbClr val="434343"/>
+                </a:solidFill>
+              </a:rPr>
+              <a:t>Best no of clusters (k) was selected using Elbow method</a:t>
+            </a:r>
+            <a:endParaRPr>
+              <a:solidFill>
+                <a:srgbClr val="434343"/>
+              </a:solidFill>
+            </a:endParaRPr>
+          </a:p>
+          <a:p>
+            <a:pPr indent="-298450" lvl="1" marL="914400" rtl="0" algn="l">
+              <a:lnSpc>
+                <a:spcPct val="150000"/>
+              </a:lnSpc>
+              <a:spcBef>
+                <a:spcPts val="0"/>
+              </a:spcBef>
+              <a:spcAft>
+                <a:spcPts val="0"/>
+              </a:spcAft>
+              <a:buClr>
+                <a:srgbClr val="434343"/>
+              </a:buClr>
+              <a:buSzPts val="1100"/>
+              <a:buChar char="○"/>
+            </a:pPr>
+            <a:r>
+              <a:rPr lang="en">
+                <a:solidFill>
+                  <a:srgbClr val="434343"/>
+                </a:solidFill>
+              </a:rPr>
+              <a:t>Three clusters were identified </a:t>
+            </a:r>
+            <a:endParaRPr>
+              <a:solidFill>
+                <a:srgbClr val="434343"/>
+              </a:solidFill>
+            </a:endParaRPr>
+          </a:p>
+          <a:p>
+            <a:pPr indent="-298450" lvl="2" marL="1371600" rtl="0" algn="l">
+              <a:lnSpc>
+                <a:spcPct val="150000"/>
+              </a:lnSpc>
+              <a:spcBef>
+                <a:spcPts val="0"/>
+              </a:spcBef>
+              <a:spcAft>
+                <a:spcPts val="0"/>
+              </a:spcAft>
+              <a:buClr>
+                <a:srgbClr val="434343"/>
+              </a:buClr>
+              <a:buSzPts val="1100"/>
+              <a:buChar char="■"/>
+            </a:pPr>
+            <a:r>
+              <a:rPr lang="en">
+                <a:solidFill>
+                  <a:srgbClr val="434343"/>
+                </a:solidFill>
+              </a:rPr>
+              <a:t>Cluster 1: 914 users, </a:t>
+            </a:r>
+            <a:endParaRPr>
+              <a:solidFill>
+                <a:srgbClr val="434343"/>
+              </a:solidFill>
+            </a:endParaRPr>
+          </a:p>
+          <a:p>
+            <a:pPr indent="-298450" lvl="2" marL="1371600" rtl="0" algn="l">
+              <a:lnSpc>
+                <a:spcPct val="150000"/>
+              </a:lnSpc>
+              <a:spcBef>
+                <a:spcPts val="0"/>
+              </a:spcBef>
+              <a:spcAft>
+                <a:spcPts val="0"/>
+              </a:spcAft>
+              <a:buClr>
+                <a:srgbClr val="434343"/>
+              </a:buClr>
+              <a:buSzPts val="1100"/>
+              <a:buChar char="■"/>
+            </a:pPr>
+            <a:r>
+              <a:rPr lang="en">
+                <a:solidFill>
+                  <a:srgbClr val="434343"/>
+                </a:solidFill>
+              </a:rPr>
+              <a:t>Cluster 2: 2145 users, </a:t>
+            </a:r>
+            <a:endParaRPr>
+              <a:solidFill>
+                <a:srgbClr val="434343"/>
+              </a:solidFill>
+            </a:endParaRPr>
+          </a:p>
+          <a:p>
+            <a:pPr indent="-298450" lvl="2" marL="1371600" rtl="0" algn="l">
+              <a:lnSpc>
+                <a:spcPct val="150000"/>
+              </a:lnSpc>
+              <a:spcBef>
+                <a:spcPts val="0"/>
+              </a:spcBef>
+              <a:spcAft>
+                <a:spcPts val="0"/>
+              </a:spcAft>
+              <a:buClr>
+                <a:srgbClr val="434343"/>
+              </a:buClr>
+              <a:buSzPts val="1100"/>
+              <a:buChar char="■"/>
+            </a:pPr>
+            <a:r>
+              <a:rPr lang="en">
+                <a:solidFill>
+                  <a:srgbClr val="434343"/>
+                </a:solidFill>
+              </a:rPr>
+              <a:t>Cluster 3: 248 users</a:t>
+            </a:r>
+            <a:br>
+              <a:rPr lang="en">
+                <a:solidFill>
+                  <a:srgbClr val="434343"/>
+                </a:solidFill>
+              </a:rPr>
+            </a:br>
+            <a:endParaRPr>
+              <a:solidFill>
+                <a:srgbClr val="434343"/>
+              </a:solidFill>
+            </a:endParaRPr>
+          </a:p>
+          <a:p>
+            <a:pPr indent="-311150" lvl="0" marL="457200" rtl="0" algn="l">
+              <a:lnSpc>
+                <a:spcPct val="150000"/>
+              </a:lnSpc>
+              <a:spcBef>
+                <a:spcPts val="0"/>
+              </a:spcBef>
+              <a:spcAft>
+                <a:spcPts val="0"/>
+              </a:spcAft>
+              <a:buClr>
+                <a:srgbClr val="434343"/>
+              </a:buClr>
+              <a:buSzPts val="1300"/>
+              <a:buChar char="●"/>
+            </a:pPr>
+            <a:r>
+              <a:rPr lang="en">
+                <a:solidFill>
+                  <a:srgbClr val="434343"/>
+                </a:solidFill>
+              </a:rPr>
+              <a:t>Hierarchical (Agglomerative)</a:t>
+            </a:r>
+            <a:r>
+              <a:rPr lang="en">
+                <a:solidFill>
+                  <a:srgbClr val="434343"/>
+                </a:solidFill>
+              </a:rPr>
+              <a:t> Clustering based on Scaled user features (Usage Ratings)</a:t>
+            </a:r>
+            <a:endParaRPr>
+              <a:solidFill>
+                <a:srgbClr val="434343"/>
+              </a:solidFill>
+            </a:endParaRPr>
+          </a:p>
+          <a:p>
+            <a:pPr indent="-298450" lvl="1" marL="914400" rtl="0" algn="l">
+              <a:lnSpc>
+                <a:spcPct val="150000"/>
+              </a:lnSpc>
+              <a:spcBef>
+                <a:spcPts val="0"/>
+              </a:spcBef>
+              <a:spcAft>
+                <a:spcPts val="0"/>
+              </a:spcAft>
+              <a:buClr>
+                <a:srgbClr val="434343"/>
+              </a:buClr>
+              <a:buSzPts val="1100"/>
+              <a:buChar char="○"/>
+            </a:pPr>
+            <a:r>
+              <a:rPr lang="en">
+                <a:solidFill>
+                  <a:srgbClr val="434343"/>
+                </a:solidFill>
+              </a:rPr>
+              <a:t>Best no of clusters were identified as 3.</a:t>
+            </a:r>
+            <a:endParaRPr>
+              <a:solidFill>
+                <a:srgbClr val="434343"/>
+              </a:solidFill>
+            </a:endParaRPr>
+          </a:p>
+          <a:p>
+            <a:pPr indent="-298450" lvl="1" marL="914400" rtl="0" algn="l">
+              <a:lnSpc>
+                <a:spcPct val="150000"/>
+              </a:lnSpc>
+              <a:spcBef>
+                <a:spcPts val="0"/>
+              </a:spcBef>
+              <a:spcAft>
+                <a:spcPts val="0"/>
+              </a:spcAft>
+              <a:buClr>
+                <a:srgbClr val="434343"/>
+              </a:buClr>
+              <a:buSzPts val="1100"/>
+              <a:buChar char="○"/>
+            </a:pPr>
+            <a:r>
+              <a:rPr lang="en">
+                <a:solidFill>
+                  <a:srgbClr val="434343"/>
+                </a:solidFill>
+              </a:rPr>
+              <a:t>Considered euclidean distances</a:t>
+            </a:r>
+            <a:endParaRPr>
+              <a:solidFill>
+                <a:srgbClr val="434343"/>
+              </a:solidFill>
+            </a:endParaRPr>
+          </a:p>
+        </p:txBody>
+      </p:sp>
+    </p:spTree>
+  </p:cSld>
+  <p:clrMapOvr>
+    <a:masterClrMapping/>
+  </p:clrMapOvr>
+</p:sld>
+</file>
+
+<file path=ppt/slides/slide48.xml><?xml version="1.0" encoding="utf-8"?>
+<p:sld xmlns:a="http://schemas.openxmlformats.org/drawingml/2006/main" xmlns:r="http://schemas.openxmlformats.org/officeDocument/2006/relationships" xmlns:mc="http://schemas.openxmlformats.org/markup-compatibility/2006" xmlns:mv="urn:schemas-microsoft-com:mac:vml" xmlns:p="http://schemas.openxmlformats.org/presentationml/2006/main" xmlns:c="http://schemas.openxmlformats.org/drawingml/2006/chart" xmlns:dgm="http://schemas.openxmlformats.org/drawingml/2006/diagram" xmlns:o="urn:schemas-microsoft-com:office:office" xmlns:v="urn:schemas-microsoft-com:vml" xmlns:pvml="urn:schemas-microsoft-com:office:powerpoint" xmlns:com="http://schemas.openxmlformats.org/drawingml/2006/compatibility" xmlns:p14="http://schemas.microsoft.com/office/powerpoint/2010/main" xmlns:p15="http://schemas.microsoft.com/office/powerpoint/2012/main" xmlns:ahyp="http://schemas.microsoft.com/office/drawing/2018/hyperlinkcolor">
+  <p:cSld>
+    <p:spTree>
+      <p:nvGrpSpPr>
+        <p:cNvPr id="439" name="Shape 439"/>
+        <p:cNvGrpSpPr/>
+        <p:nvPr/>
+      </p:nvGrpSpPr>
+      <p:grpSpPr>
+        <a:xfrm>
+          <a:off x="0" y="0"/>
+          <a:ext cx="0" cy="0"/>
+          <a:chOff x="0" y="0"/>
+          <a:chExt cx="0" cy="0"/>
+        </a:xfrm>
+      </p:grpSpPr>
+      <p:sp>
+        <p:nvSpPr>
+          <p:cNvPr id="440" name="Google Shape;440;p60"/>
+          <p:cNvSpPr txBox="1"/>
+          <p:nvPr>
+            <p:ph type="title"/>
+          </p:nvPr>
+        </p:nvSpPr>
+        <p:spPr>
+          <a:xfrm>
+            <a:off x="727650" y="599950"/>
+            <a:ext cx="7688700" cy="535200"/>
+          </a:xfrm>
+          <a:prstGeom prst="rect">
+            <a:avLst/>
+          </a:prstGeom>
+        </p:spPr>
+        <p:txBody>
+          <a:bodyPr anchorCtr="0" anchor="t" bIns="91425" lIns="91425" spcFirstLastPara="1" rIns="91425" wrap="square" tIns="91425">
+            <a:normAutofit fontScale="90000"/>
+          </a:bodyPr>
+          <a:lstStyle/>
+          <a:p>
+            <a:pPr indent="0" lvl="0" marL="0" rtl="0" algn="l">
+              <a:spcBef>
+                <a:spcPts val="0"/>
+              </a:spcBef>
+              <a:spcAft>
+                <a:spcPts val="0"/>
+              </a:spcAft>
+              <a:buNone/>
+            </a:pPr>
+            <a:r>
+              <a:rPr lang="en"/>
+              <a:t>User Profile : Clustering Users</a:t>
+            </a:r>
+            <a:endParaRPr/>
+          </a:p>
+        </p:txBody>
+      </p:sp>
+      <p:sp>
+        <p:nvSpPr>
+          <p:cNvPr id="441" name="Google Shape;441;p60"/>
+          <p:cNvSpPr txBox="1"/>
           <p:nvPr/>
         </p:nvSpPr>
         <p:spPr>
@@ -26732,7 +27254,7 @@
       </p:sp>
       <p:pic>
         <p:nvPicPr>
-          <p:cNvPr id="436" name="Google Shape;436;p59"/>
+          <p:cNvPr id="442" name="Google Shape;442;p60"/>
           <p:cNvPicPr preferRelativeResize="0"/>
           <p:nvPr/>
         </p:nvPicPr>
@@ -26758,36 +27280,9 @@
           </a:ln>
         </p:spPr>
       </p:pic>
-      <p:pic>
-        <p:nvPicPr>
-          <p:cNvPr id="437" name="Google Shape;437;p59"/>
-          <p:cNvPicPr preferRelativeResize="0"/>
-          <p:nvPr/>
-        </p:nvPicPr>
-        <p:blipFill rotWithShape="1">
-          <a:blip r:embed="rId4">
-            <a:alphaModFix/>
-          </a:blip>
-          <a:srcRect b="0" l="1146" r="0" t="0"/>
-          <a:stretch/>
-        </p:blipFill>
-        <p:spPr>
-          <a:xfrm>
-            <a:off x="3799175" y="1662100"/>
-            <a:ext cx="2351553" cy="2228025"/>
-          </a:xfrm>
-          <a:prstGeom prst="rect">
-            <a:avLst/>
-          </a:prstGeom>
-          <a:noFill/>
-          <a:ln>
-            <a:noFill/>
-          </a:ln>
-        </p:spPr>
-      </p:pic>
       <p:sp>
         <p:nvSpPr>
-          <p:cNvPr id="438" name="Google Shape;438;p59"/>
+          <p:cNvPr id="443" name="Google Shape;443;p60"/>
           <p:cNvSpPr txBox="1"/>
           <p:nvPr/>
         </p:nvSpPr>
@@ -26839,7 +27334,35 @@
       </p:sp>
       <p:pic>
         <p:nvPicPr>
-          <p:cNvPr id="439" name="Google Shape;439;p59"/>
+          <p:cNvPr id="444" name="Google Shape;444;p60"/>
+          <p:cNvPicPr preferRelativeResize="0"/>
+          <p:nvPr/>
+        </p:nvPicPr>
+        <p:blipFill>
+          <a:blip r:embed="rId4">
+            <a:alphaModFix/>
+          </a:blip>
+          <a:stretch>
+            <a:fillRect/>
+          </a:stretch>
+        </p:blipFill>
+        <p:spPr>
+          <a:xfrm>
+            <a:off x="3221875" y="1540300"/>
+            <a:ext cx="2859790" cy="2341875"/>
+          </a:xfrm>
+          <a:prstGeom prst="rect">
+            <a:avLst/>
+          </a:prstGeom>
+          <a:noFill/>
+          <a:ln>
+            <a:noFill/>
+          </a:ln>
+        </p:spPr>
+      </p:pic>
+      <p:pic>
+        <p:nvPicPr>
+          <p:cNvPr id="445" name="Google Shape;445;p60"/>
           <p:cNvPicPr preferRelativeResize="0"/>
           <p:nvPr/>
         </p:nvPicPr>
@@ -26853,8 +27376,8 @@
         </p:blipFill>
         <p:spPr>
           <a:xfrm>
-            <a:off x="6190225" y="2176437"/>
-            <a:ext cx="2714999" cy="1370300"/>
+            <a:off x="5797925" y="1985425"/>
+            <a:ext cx="2961999" cy="1484775"/>
           </a:xfrm>
           <a:prstGeom prst="rect">
             <a:avLst/>
@@ -26873,12 +27396,12 @@
 </p:sld>
 </file>
 
-<file path=ppt/slides/slide48.xml><?xml version="1.0" encoding="utf-8"?>
+<file path=ppt/slides/slide49.xml><?xml version="1.0" encoding="utf-8"?>
 <p:sld xmlns:a="http://schemas.openxmlformats.org/drawingml/2006/main" xmlns:r="http://schemas.openxmlformats.org/officeDocument/2006/relationships" xmlns:mc="http://schemas.openxmlformats.org/markup-compatibility/2006" xmlns:mv="urn:schemas-microsoft-com:mac:vml" xmlns:p="http://schemas.openxmlformats.org/presentationml/2006/main" xmlns:c="http://schemas.openxmlformats.org/drawingml/2006/chart" xmlns:dgm="http://schemas.openxmlformats.org/drawingml/2006/diagram" xmlns:o="urn:schemas-microsoft-com:office:office" xmlns:v="urn:schemas-microsoft-com:vml" xmlns:pvml="urn:schemas-microsoft-com:office:powerpoint" xmlns:com="http://schemas.openxmlformats.org/drawingml/2006/compatibility" xmlns:p14="http://schemas.microsoft.com/office/powerpoint/2010/main" xmlns:p15="http://schemas.microsoft.com/office/powerpoint/2012/main" xmlns:ahyp="http://schemas.microsoft.com/office/drawing/2018/hyperlinkcolor">
   <p:cSld>
     <p:spTree>
       <p:nvGrpSpPr>
-        <p:cNvPr id="443" name="Shape 443"/>
+        <p:cNvPr id="449" name="Shape 449"/>
         <p:cNvGrpSpPr/>
         <p:nvPr/>
       </p:nvGrpSpPr>
@@ -26892,7 +27415,7 @@
       </p:grpSpPr>
       <p:sp>
         <p:nvSpPr>
-          <p:cNvPr id="444" name="Google Shape;444;p60"/>
+          <p:cNvPr id="450" name="Google Shape;450;p61"/>
           <p:cNvSpPr txBox="1"/>
           <p:nvPr>
             <p:ph type="title"/>
@@ -26932,7 +27455,7 @@
       </p:sp>
       <p:pic>
         <p:nvPicPr>
-          <p:cNvPr id="445" name="Google Shape;445;p60"/>
+          <p:cNvPr id="451" name="Google Shape;451;p61"/>
           <p:cNvPicPr preferRelativeResize="0"/>
           <p:nvPr/>
         </p:nvPicPr>
@@ -26960,7 +27483,7 @@
       </p:pic>
       <p:sp>
         <p:nvSpPr>
-          <p:cNvPr id="446" name="Google Shape;446;p60"/>
+          <p:cNvPr id="452" name="Google Shape;452;p61"/>
           <p:cNvSpPr txBox="1"/>
           <p:nvPr/>
         </p:nvSpPr>
@@ -27010,138 +27533,6 @@
           </a:p>
         </p:txBody>
       </p:sp>
-    </p:spTree>
-  </p:cSld>
-  <p:clrMapOvr>
-    <a:masterClrMapping/>
-  </p:clrMapOvr>
-</p:sld>
-</file>
-
-<file path=ppt/slides/slide49.xml><?xml version="1.0" encoding="utf-8"?>
-<p:sld xmlns:a="http://schemas.openxmlformats.org/drawingml/2006/main" xmlns:r="http://schemas.openxmlformats.org/officeDocument/2006/relationships" xmlns:mc="http://schemas.openxmlformats.org/markup-compatibility/2006" xmlns:mv="urn:schemas-microsoft-com:mac:vml" xmlns:p="http://schemas.openxmlformats.org/presentationml/2006/main" xmlns:c="http://schemas.openxmlformats.org/drawingml/2006/chart" xmlns:dgm="http://schemas.openxmlformats.org/drawingml/2006/diagram" xmlns:o="urn:schemas-microsoft-com:office:office" xmlns:v="urn:schemas-microsoft-com:vml" xmlns:pvml="urn:schemas-microsoft-com:office:powerpoint" xmlns:com="http://schemas.openxmlformats.org/drawingml/2006/compatibility" xmlns:p14="http://schemas.microsoft.com/office/powerpoint/2010/main" xmlns:p15="http://schemas.microsoft.com/office/powerpoint/2012/main" xmlns:ahyp="http://schemas.microsoft.com/office/drawing/2018/hyperlinkcolor">
-  <p:cSld>
-    <p:spTree>
-      <p:nvGrpSpPr>
-        <p:cNvPr id="450" name="Shape 450"/>
-        <p:cNvGrpSpPr/>
-        <p:nvPr/>
-      </p:nvGrpSpPr>
-      <p:grpSpPr>
-        <a:xfrm>
-          <a:off x="0" y="0"/>
-          <a:ext cx="0" cy="0"/>
-          <a:chOff x="0" y="0"/>
-          <a:chExt cx="0" cy="0"/>
-        </a:xfrm>
-      </p:grpSpPr>
-      <p:sp>
-        <p:nvSpPr>
-          <p:cNvPr id="451" name="Google Shape;451;p61"/>
-          <p:cNvSpPr txBox="1"/>
-          <p:nvPr>
-            <p:ph type="title"/>
-          </p:nvPr>
-        </p:nvSpPr>
-        <p:spPr>
-          <a:xfrm>
-            <a:off x="868025" y="1325925"/>
-            <a:ext cx="3300900" cy="1687200"/>
-          </a:xfrm>
-          <a:prstGeom prst="rect">
-            <a:avLst/>
-          </a:prstGeom>
-        </p:spPr>
-        <p:txBody>
-          <a:bodyPr anchorCtr="0" anchor="t" bIns="91425" lIns="91425" spcFirstLastPara="1" rIns="91425" wrap="square" tIns="91425">
-            <a:noAutofit/>
-          </a:bodyPr>
-          <a:lstStyle/>
-          <a:p>
-            <a:pPr indent="0" lvl="0" marL="0" rtl="0" algn="l">
-              <a:spcBef>
-                <a:spcPts val="0"/>
-              </a:spcBef>
-              <a:spcAft>
-                <a:spcPts val="0"/>
-              </a:spcAft>
-              <a:buNone/>
-            </a:pPr>
-            <a:r>
-              <a:rPr lang="en" sz="3500"/>
-              <a:t>Extended Product Profiles</a:t>
-            </a:r>
-            <a:endParaRPr sz="3500"/>
-          </a:p>
-        </p:txBody>
-      </p:sp>
-      <p:sp>
-        <p:nvSpPr>
-          <p:cNvPr id="452" name="Google Shape;452;p61"/>
-          <p:cNvSpPr txBox="1"/>
-          <p:nvPr>
-            <p:ph idx="1" type="subTitle"/>
-          </p:nvPr>
-        </p:nvSpPr>
-        <p:spPr>
-          <a:xfrm>
-            <a:off x="724950" y="3161525"/>
-            <a:ext cx="3300900" cy="759000"/>
-          </a:xfrm>
-          <a:prstGeom prst="rect">
-            <a:avLst/>
-          </a:prstGeom>
-        </p:spPr>
-        <p:txBody>
-          <a:bodyPr anchorCtr="0" anchor="t" bIns="91425" lIns="91425" spcFirstLastPara="1" rIns="91425" wrap="square" tIns="91425">
-            <a:normAutofit/>
-          </a:bodyPr>
-          <a:lstStyle/>
-          <a:p>
-            <a:pPr indent="0" lvl="0" marL="0" rtl="0" algn="l">
-              <a:spcBef>
-                <a:spcPts val="0"/>
-              </a:spcBef>
-              <a:spcAft>
-                <a:spcPts val="0"/>
-              </a:spcAft>
-              <a:buNone/>
-            </a:pPr>
-            <a:r>
-              <a:t/>
-            </a:r>
-            <a:endParaRPr/>
-          </a:p>
-        </p:txBody>
-      </p:sp>
-      <p:pic>
-        <p:nvPicPr>
-          <p:cNvPr id="453" name="Google Shape;453;p61"/>
-          <p:cNvPicPr preferRelativeResize="0"/>
-          <p:nvPr/>
-        </p:nvPicPr>
-        <p:blipFill>
-          <a:blip r:embed="rId3">
-            <a:alphaModFix/>
-          </a:blip>
-          <a:stretch>
-            <a:fillRect/>
-          </a:stretch>
-        </p:blipFill>
-        <p:spPr>
-          <a:xfrm>
-            <a:off x="5621725" y="1162225"/>
-            <a:ext cx="2637275" cy="2637275"/>
-          </a:xfrm>
-          <a:prstGeom prst="rect">
-            <a:avLst/>
-          </a:prstGeom>
-          <a:noFill/>
-          <a:ln>
-            <a:noFill/>
-          </a:ln>
-        </p:spPr>
-      </p:pic>
     </p:spTree>
   </p:cSld>
   <p:clrMapOvr>
@@ -27517,7 +27908,7 @@
   <p:cSld>
     <p:spTree>
       <p:nvGrpSpPr>
-        <p:cNvPr id="457" name="Shape 457"/>
+        <p:cNvPr id="456" name="Shape 456"/>
         <p:cNvGrpSpPr/>
         <p:nvPr/>
       </p:nvGrpSpPr>
@@ -27531,7 +27922,139 @@
       </p:grpSpPr>
       <p:sp>
         <p:nvSpPr>
+          <p:cNvPr id="457" name="Google Shape;457;p62"/>
+          <p:cNvSpPr txBox="1"/>
+          <p:nvPr>
+            <p:ph type="title"/>
+          </p:nvPr>
+        </p:nvSpPr>
+        <p:spPr>
+          <a:xfrm>
+            <a:off x="868025" y="1325925"/>
+            <a:ext cx="3300900" cy="1687200"/>
+          </a:xfrm>
+          <a:prstGeom prst="rect">
+            <a:avLst/>
+          </a:prstGeom>
+        </p:spPr>
+        <p:txBody>
+          <a:bodyPr anchorCtr="0" anchor="t" bIns="91425" lIns="91425" spcFirstLastPara="1" rIns="91425" wrap="square" tIns="91425">
+            <a:noAutofit/>
+          </a:bodyPr>
+          <a:lstStyle/>
+          <a:p>
+            <a:pPr indent="0" lvl="0" marL="0" rtl="0" algn="l">
+              <a:spcBef>
+                <a:spcPts val="0"/>
+              </a:spcBef>
+              <a:spcAft>
+                <a:spcPts val="0"/>
+              </a:spcAft>
+              <a:buNone/>
+            </a:pPr>
+            <a:r>
+              <a:rPr lang="en" sz="3500"/>
+              <a:t>Extended Product Profiles</a:t>
+            </a:r>
+            <a:endParaRPr sz="3500"/>
+          </a:p>
+        </p:txBody>
+      </p:sp>
+      <p:sp>
+        <p:nvSpPr>
           <p:cNvPr id="458" name="Google Shape;458;p62"/>
+          <p:cNvSpPr txBox="1"/>
+          <p:nvPr>
+            <p:ph idx="1" type="subTitle"/>
+          </p:nvPr>
+        </p:nvSpPr>
+        <p:spPr>
+          <a:xfrm>
+            <a:off x="724950" y="3161525"/>
+            <a:ext cx="3300900" cy="759000"/>
+          </a:xfrm>
+          <a:prstGeom prst="rect">
+            <a:avLst/>
+          </a:prstGeom>
+        </p:spPr>
+        <p:txBody>
+          <a:bodyPr anchorCtr="0" anchor="t" bIns="91425" lIns="91425" spcFirstLastPara="1" rIns="91425" wrap="square" tIns="91425">
+            <a:normAutofit/>
+          </a:bodyPr>
+          <a:lstStyle/>
+          <a:p>
+            <a:pPr indent="0" lvl="0" marL="0" rtl="0" algn="l">
+              <a:spcBef>
+                <a:spcPts val="0"/>
+              </a:spcBef>
+              <a:spcAft>
+                <a:spcPts val="0"/>
+              </a:spcAft>
+              <a:buNone/>
+            </a:pPr>
+            <a:r>
+              <a:t/>
+            </a:r>
+            <a:endParaRPr/>
+          </a:p>
+        </p:txBody>
+      </p:sp>
+      <p:pic>
+        <p:nvPicPr>
+          <p:cNvPr id="459" name="Google Shape;459;p62"/>
+          <p:cNvPicPr preferRelativeResize="0"/>
+          <p:nvPr/>
+        </p:nvPicPr>
+        <p:blipFill>
+          <a:blip r:embed="rId3">
+            <a:alphaModFix/>
+          </a:blip>
+          <a:stretch>
+            <a:fillRect/>
+          </a:stretch>
+        </p:blipFill>
+        <p:spPr>
+          <a:xfrm>
+            <a:off x="5621725" y="1162225"/>
+            <a:ext cx="2637275" cy="2637275"/>
+          </a:xfrm>
+          <a:prstGeom prst="rect">
+            <a:avLst/>
+          </a:prstGeom>
+          <a:noFill/>
+          <a:ln>
+            <a:noFill/>
+          </a:ln>
+        </p:spPr>
+      </p:pic>
+    </p:spTree>
+  </p:cSld>
+  <p:clrMapOvr>
+    <a:masterClrMapping/>
+  </p:clrMapOvr>
+</p:sld>
+</file>
+
+<file path=ppt/slides/slide51.xml><?xml version="1.0" encoding="utf-8"?>
+<p:sld xmlns:a="http://schemas.openxmlformats.org/drawingml/2006/main" xmlns:r="http://schemas.openxmlformats.org/officeDocument/2006/relationships" xmlns:mc="http://schemas.openxmlformats.org/markup-compatibility/2006" xmlns:mv="urn:schemas-microsoft-com:mac:vml" xmlns:p="http://schemas.openxmlformats.org/presentationml/2006/main" xmlns:c="http://schemas.openxmlformats.org/drawingml/2006/chart" xmlns:dgm="http://schemas.openxmlformats.org/drawingml/2006/diagram" xmlns:o="urn:schemas-microsoft-com:office:office" xmlns:v="urn:schemas-microsoft-com:vml" xmlns:pvml="urn:schemas-microsoft-com:office:powerpoint" xmlns:com="http://schemas.openxmlformats.org/drawingml/2006/compatibility" xmlns:p14="http://schemas.microsoft.com/office/powerpoint/2010/main" xmlns:p15="http://schemas.microsoft.com/office/powerpoint/2012/main" xmlns:ahyp="http://schemas.microsoft.com/office/drawing/2018/hyperlinkcolor">
+  <p:cSld>
+    <p:spTree>
+      <p:nvGrpSpPr>
+        <p:cNvPr id="463" name="Shape 463"/>
+        <p:cNvGrpSpPr/>
+        <p:nvPr/>
+      </p:nvGrpSpPr>
+      <p:grpSpPr>
+        <a:xfrm>
+          <a:off x="0" y="0"/>
+          <a:ext cx="0" cy="0"/>
+          <a:chOff x="0" y="0"/>
+          <a:chExt cx="0" cy="0"/>
+        </a:xfrm>
+      </p:grpSpPr>
+      <p:sp>
+        <p:nvSpPr>
+          <p:cNvPr id="464" name="Google Shape;464;p63"/>
           <p:cNvSpPr txBox="1"/>
           <p:nvPr>
             <p:ph type="title"/>
@@ -27575,7 +28098,7 @@
       </p:sp>
       <p:sp>
         <p:nvSpPr>
-          <p:cNvPr id="459" name="Google Shape;459;p62"/>
+          <p:cNvPr id="465" name="Google Shape;465;p63"/>
           <p:cNvSpPr txBox="1"/>
           <p:nvPr>
             <p:ph idx="1" type="body"/>
@@ -27979,7 +28502,7 @@
       </p:sp>
       <p:sp>
         <p:nvSpPr>
-          <p:cNvPr id="460" name="Google Shape;460;p62"/>
+          <p:cNvPr id="466" name="Google Shape;466;p63"/>
           <p:cNvSpPr txBox="1"/>
           <p:nvPr/>
         </p:nvSpPr>
@@ -28051,634 +28574,6 @@
               <a:ea typeface="Lato"/>
               <a:cs typeface="Lato"/>
               <a:sym typeface="Lato"/>
-            </a:endParaRPr>
-          </a:p>
-        </p:txBody>
-      </p:sp>
-    </p:spTree>
-  </p:cSld>
-  <p:clrMapOvr>
-    <a:masterClrMapping/>
-  </p:clrMapOvr>
-</p:sld>
-</file>
-
-<file path=ppt/slides/slide51.xml><?xml version="1.0" encoding="utf-8"?>
-<p:sld xmlns:a="http://schemas.openxmlformats.org/drawingml/2006/main" xmlns:r="http://schemas.openxmlformats.org/officeDocument/2006/relationships" xmlns:mc="http://schemas.openxmlformats.org/markup-compatibility/2006" xmlns:mv="urn:schemas-microsoft-com:mac:vml" xmlns:p="http://schemas.openxmlformats.org/presentationml/2006/main" xmlns:c="http://schemas.openxmlformats.org/drawingml/2006/chart" xmlns:dgm="http://schemas.openxmlformats.org/drawingml/2006/diagram" xmlns:o="urn:schemas-microsoft-com:office:office" xmlns:v="urn:schemas-microsoft-com:vml" xmlns:pvml="urn:schemas-microsoft-com:office:powerpoint" xmlns:com="http://schemas.openxmlformats.org/drawingml/2006/compatibility" xmlns:p14="http://schemas.microsoft.com/office/powerpoint/2010/main" xmlns:p15="http://schemas.microsoft.com/office/powerpoint/2012/main" xmlns:ahyp="http://schemas.microsoft.com/office/drawing/2018/hyperlinkcolor">
-  <p:cSld>
-    <p:spTree>
-      <p:nvGrpSpPr>
-        <p:cNvPr id="464" name="Shape 464"/>
-        <p:cNvGrpSpPr/>
-        <p:nvPr/>
-      </p:nvGrpSpPr>
-      <p:grpSpPr>
-        <a:xfrm>
-          <a:off x="0" y="0"/>
-          <a:ext cx="0" cy="0"/>
-          <a:chOff x="0" y="0"/>
-          <a:chExt cx="0" cy="0"/>
-        </a:xfrm>
-      </p:grpSpPr>
-      <p:sp>
-        <p:nvSpPr>
-          <p:cNvPr id="465" name="Google Shape;465;p63"/>
-          <p:cNvSpPr txBox="1"/>
-          <p:nvPr>
-            <p:ph type="title"/>
-          </p:nvPr>
-        </p:nvSpPr>
-        <p:spPr>
-          <a:xfrm>
-            <a:off x="727650" y="599950"/>
-            <a:ext cx="7688700" cy="535200"/>
-          </a:xfrm>
-          <a:prstGeom prst="rect">
-            <a:avLst/>
-          </a:prstGeom>
-        </p:spPr>
-        <p:txBody>
-          <a:bodyPr anchorCtr="0" anchor="t" bIns="91425" lIns="91425" spcFirstLastPara="1" rIns="91425" wrap="square" tIns="91425">
-            <a:normAutofit fontScale="90000"/>
-          </a:bodyPr>
-          <a:lstStyle/>
-          <a:p>
-            <a:pPr indent="0" lvl="0" marL="0" rtl="0" algn="l">
-              <a:spcBef>
-                <a:spcPts val="0"/>
-              </a:spcBef>
-              <a:spcAft>
-                <a:spcPts val="0"/>
-              </a:spcAft>
-              <a:buNone/>
-            </a:pPr>
-            <a:r>
-              <a:rPr lang="en"/>
-              <a:t>Product</a:t>
-            </a:r>
-            <a:r>
-              <a:rPr lang="en"/>
-              <a:t> Profiles: Available features</a:t>
-            </a:r>
-            <a:endParaRPr/>
-          </a:p>
-        </p:txBody>
-      </p:sp>
-      <p:sp>
-        <p:nvSpPr>
-          <p:cNvPr id="466" name="Google Shape;466;p63"/>
-          <p:cNvSpPr txBox="1"/>
-          <p:nvPr>
-            <p:ph idx="1" type="body"/>
-          </p:nvPr>
-        </p:nvSpPr>
-        <p:spPr>
-          <a:xfrm>
-            <a:off x="697250" y="1383875"/>
-            <a:ext cx="5143500" cy="3835800"/>
-          </a:xfrm>
-          <a:prstGeom prst="rect">
-            <a:avLst/>
-          </a:prstGeom>
-        </p:spPr>
-        <p:txBody>
-          <a:bodyPr anchorCtr="0" anchor="t" bIns="91425" lIns="91425" spcFirstLastPara="1" rIns="91425" wrap="square" tIns="91425">
-            <a:normAutofit fontScale="92500" lnSpcReduction="20000"/>
-          </a:bodyPr>
-          <a:lstStyle/>
-          <a:p>
-            <a:pPr indent="-304958" lvl="0" marL="457200" rtl="0" algn="l">
-              <a:lnSpc>
-                <a:spcPct val="150000"/>
-              </a:lnSpc>
-              <a:spcBef>
-                <a:spcPts val="0"/>
-              </a:spcBef>
-              <a:spcAft>
-                <a:spcPts val="0"/>
-              </a:spcAft>
-              <a:buClr>
-                <a:srgbClr val="434343"/>
-              </a:buClr>
-              <a:buSzPct val="100000"/>
-              <a:buChar char="●"/>
-            </a:pPr>
-            <a:r>
-              <a:rPr lang="en">
-                <a:solidFill>
-                  <a:srgbClr val="434343"/>
-                </a:solidFill>
-              </a:rPr>
-              <a:t>Common features</a:t>
-            </a:r>
-            <a:r>
-              <a:rPr lang="en">
-                <a:solidFill>
-                  <a:srgbClr val="434343"/>
-                </a:solidFill>
-              </a:rPr>
-              <a:t>:</a:t>
-            </a:r>
-            <a:endParaRPr>
-              <a:solidFill>
-                <a:srgbClr val="434343"/>
-              </a:solidFill>
-            </a:endParaRPr>
-          </a:p>
-          <a:p>
-            <a:pPr indent="-293211" lvl="1" marL="914400" rtl="0" algn="l">
-              <a:lnSpc>
-                <a:spcPct val="150000"/>
-              </a:lnSpc>
-              <a:spcBef>
-                <a:spcPts val="0"/>
-              </a:spcBef>
-              <a:spcAft>
-                <a:spcPts val="0"/>
-              </a:spcAft>
-              <a:buClr>
-                <a:srgbClr val="434343"/>
-              </a:buClr>
-              <a:buSzPct val="100000"/>
-              <a:buChar char="○"/>
-            </a:pPr>
-            <a:r>
-              <a:rPr lang="en">
-                <a:solidFill>
-                  <a:srgbClr val="434343"/>
-                </a:solidFill>
-              </a:rPr>
-              <a:t>Product_ID - product code</a:t>
-            </a:r>
-            <a:endParaRPr>
-              <a:solidFill>
-                <a:srgbClr val="434343"/>
-              </a:solidFill>
-            </a:endParaRPr>
-          </a:p>
-          <a:p>
-            <a:pPr indent="-293211" lvl="1" marL="914400" rtl="0" algn="l">
-              <a:lnSpc>
-                <a:spcPct val="150000"/>
-              </a:lnSpc>
-              <a:spcBef>
-                <a:spcPts val="0"/>
-              </a:spcBef>
-              <a:spcAft>
-                <a:spcPts val="0"/>
-              </a:spcAft>
-              <a:buClr>
-                <a:srgbClr val="434343"/>
-              </a:buClr>
-              <a:buSzPct val="100000"/>
-              <a:buChar char="○"/>
-            </a:pPr>
-            <a:r>
-              <a:rPr lang="en">
-                <a:solidFill>
-                  <a:srgbClr val="434343"/>
-                </a:solidFill>
-              </a:rPr>
-              <a:t>Base_Type (BB/VOICE/PEOTV)</a:t>
-            </a:r>
-            <a:endParaRPr>
-              <a:solidFill>
-                <a:srgbClr val="434343"/>
-              </a:solidFill>
-            </a:endParaRPr>
-          </a:p>
-          <a:p>
-            <a:pPr indent="-293211" lvl="1" marL="914400" rtl="0" algn="l">
-              <a:lnSpc>
-                <a:spcPct val="150000"/>
-              </a:lnSpc>
-              <a:spcBef>
-                <a:spcPts val="0"/>
-              </a:spcBef>
-              <a:spcAft>
-                <a:spcPts val="0"/>
-              </a:spcAft>
-              <a:buClr>
-                <a:srgbClr val="434343"/>
-              </a:buClr>
-              <a:buSzPct val="100000"/>
-              <a:buChar char="○"/>
-            </a:pPr>
-            <a:r>
-              <a:rPr lang="en">
-                <a:solidFill>
-                  <a:srgbClr val="434343"/>
-                </a:solidFill>
-              </a:rPr>
-              <a:t>Pricing_Type (PAID/FREE)</a:t>
-            </a:r>
-            <a:endParaRPr>
-              <a:solidFill>
-                <a:srgbClr val="434343"/>
-              </a:solidFill>
-            </a:endParaRPr>
-          </a:p>
-          <a:p>
-            <a:pPr indent="-293211" lvl="1" marL="914400" rtl="0" algn="l">
-              <a:lnSpc>
-                <a:spcPct val="150000"/>
-              </a:lnSpc>
-              <a:spcBef>
-                <a:spcPts val="0"/>
-              </a:spcBef>
-              <a:spcAft>
-                <a:spcPts val="0"/>
-              </a:spcAft>
-              <a:buClr>
-                <a:srgbClr val="434343"/>
-              </a:buClr>
-              <a:buSzPct val="100000"/>
-              <a:buChar char="○"/>
-            </a:pPr>
-            <a:r>
-              <a:rPr lang="en">
-                <a:solidFill>
-                  <a:srgbClr val="434343"/>
-                </a:solidFill>
-              </a:rPr>
-              <a:t>Package_Type (ADSL/Fibre/4G/Telephone/PeoTV)</a:t>
-            </a:r>
-            <a:endParaRPr>
-              <a:solidFill>
-                <a:srgbClr val="434343"/>
-              </a:solidFill>
-            </a:endParaRPr>
-          </a:p>
-          <a:p>
-            <a:pPr indent="-293211" lvl="1" marL="914400" rtl="0" algn="l">
-              <a:lnSpc>
-                <a:spcPct val="150000"/>
-              </a:lnSpc>
-              <a:spcBef>
-                <a:spcPts val="0"/>
-              </a:spcBef>
-              <a:spcAft>
-                <a:spcPts val="0"/>
-              </a:spcAft>
-              <a:buClr>
-                <a:srgbClr val="434343"/>
-              </a:buClr>
-              <a:buSzPct val="100000"/>
-              <a:buChar char="○"/>
-            </a:pPr>
-            <a:r>
-              <a:rPr lang="en">
-                <a:solidFill>
-                  <a:srgbClr val="434343"/>
-                </a:solidFill>
-              </a:rPr>
-              <a:t>VAS (YES/NO) - value added service</a:t>
-            </a:r>
-            <a:endParaRPr>
-              <a:solidFill>
-                <a:srgbClr val="434343"/>
-              </a:solidFill>
-            </a:endParaRPr>
-          </a:p>
-          <a:p>
-            <a:pPr indent="-293211" lvl="1" marL="914400" rtl="0" algn="l">
-              <a:lnSpc>
-                <a:spcPct val="150000"/>
-              </a:lnSpc>
-              <a:spcBef>
-                <a:spcPts val="0"/>
-              </a:spcBef>
-              <a:spcAft>
-                <a:spcPts val="0"/>
-              </a:spcAft>
-              <a:buClr>
-                <a:srgbClr val="434343"/>
-              </a:buClr>
-              <a:buSzPct val="100000"/>
-              <a:buChar char="○"/>
-            </a:pPr>
-            <a:r>
-              <a:rPr lang="en">
-                <a:solidFill>
-                  <a:srgbClr val="434343"/>
-                </a:solidFill>
-              </a:rPr>
-              <a:t>Title and Description</a:t>
-            </a:r>
-            <a:endParaRPr>
-              <a:solidFill>
-                <a:srgbClr val="434343"/>
-              </a:solidFill>
-            </a:endParaRPr>
-          </a:p>
-          <a:p>
-            <a:pPr indent="-293211" lvl="1" marL="914400" rtl="0" algn="l">
-              <a:lnSpc>
-                <a:spcPct val="150000"/>
-              </a:lnSpc>
-              <a:spcBef>
-                <a:spcPts val="0"/>
-              </a:spcBef>
-              <a:spcAft>
-                <a:spcPts val="0"/>
-              </a:spcAft>
-              <a:buClr>
-                <a:srgbClr val="434343"/>
-              </a:buClr>
-              <a:buSzPct val="100000"/>
-              <a:buChar char="○"/>
-            </a:pPr>
-            <a:r>
-              <a:rPr lang="en">
-                <a:solidFill>
-                  <a:srgbClr val="434343"/>
-                </a:solidFill>
-              </a:rPr>
-              <a:t>Included_Packages - packages shipped with a product</a:t>
-            </a:r>
-            <a:endParaRPr>
-              <a:solidFill>
-                <a:srgbClr val="434343"/>
-              </a:solidFill>
-            </a:endParaRPr>
-          </a:p>
-          <a:p>
-            <a:pPr indent="-293211" lvl="1" marL="914400" rtl="0" algn="l">
-              <a:lnSpc>
-                <a:spcPct val="150000"/>
-              </a:lnSpc>
-              <a:spcBef>
-                <a:spcPts val="0"/>
-              </a:spcBef>
-              <a:spcAft>
-                <a:spcPts val="0"/>
-              </a:spcAft>
-              <a:buClr>
-                <a:srgbClr val="434343"/>
-              </a:buClr>
-              <a:buSzPct val="100000"/>
-              <a:buChar char="○"/>
-            </a:pPr>
-            <a:r>
-              <a:rPr lang="en">
-                <a:solidFill>
-                  <a:srgbClr val="434343"/>
-                </a:solidFill>
-              </a:rPr>
-              <a:t>Price (Rs.) - totl cost, downpayment or first installment</a:t>
-            </a:r>
-            <a:endParaRPr>
-              <a:solidFill>
-                <a:srgbClr val="434343"/>
-              </a:solidFill>
-            </a:endParaRPr>
-          </a:p>
-          <a:p>
-            <a:pPr indent="-293211" lvl="1" marL="914400" rtl="0" algn="l">
-              <a:lnSpc>
-                <a:spcPct val="150000"/>
-              </a:lnSpc>
-              <a:spcBef>
-                <a:spcPts val="0"/>
-              </a:spcBef>
-              <a:spcAft>
-                <a:spcPts val="0"/>
-              </a:spcAft>
-              <a:buClr>
-                <a:srgbClr val="434343"/>
-              </a:buClr>
-              <a:buSzPct val="100000"/>
-              <a:buChar char="○"/>
-            </a:pPr>
-            <a:r>
-              <a:rPr lang="en">
-                <a:solidFill>
-                  <a:srgbClr val="434343"/>
-                </a:solidFill>
-              </a:rPr>
-              <a:t>Monthly_Rental (Rs.)</a:t>
-            </a:r>
-            <a:endParaRPr>
-              <a:solidFill>
-                <a:srgbClr val="434343"/>
-              </a:solidFill>
-            </a:endParaRPr>
-          </a:p>
-          <a:p>
-            <a:pPr indent="-293211" lvl="1" marL="914400" rtl="0" algn="l">
-              <a:lnSpc>
-                <a:spcPct val="150000"/>
-              </a:lnSpc>
-              <a:spcBef>
-                <a:spcPts val="0"/>
-              </a:spcBef>
-              <a:spcAft>
-                <a:spcPts val="0"/>
-              </a:spcAft>
-              <a:buClr>
-                <a:srgbClr val="434343"/>
-              </a:buClr>
-              <a:buSzPct val="100000"/>
-              <a:buChar char="○"/>
-            </a:pPr>
-            <a:r>
-              <a:rPr lang="en">
-                <a:solidFill>
-                  <a:srgbClr val="434343"/>
-                </a:solidFill>
-              </a:rPr>
-              <a:t>Subscription_Type (SINGLE_PLAY/DOUBLE_PLAY/TRIPLE_PLAY)</a:t>
-            </a:r>
-            <a:endParaRPr>
-              <a:solidFill>
-                <a:srgbClr val="434343"/>
-              </a:solidFill>
-            </a:endParaRPr>
-          </a:p>
-          <a:p>
-            <a:pPr indent="-293211" lvl="1" marL="914400" rtl="0" algn="l">
-              <a:lnSpc>
-                <a:spcPct val="150000"/>
-              </a:lnSpc>
-              <a:spcBef>
-                <a:spcPts val="0"/>
-              </a:spcBef>
-              <a:spcAft>
-                <a:spcPts val="0"/>
-              </a:spcAft>
-              <a:buClr>
-                <a:srgbClr val="434343"/>
-              </a:buClr>
-              <a:buSzPct val="100000"/>
-              <a:buChar char="○"/>
-            </a:pPr>
-            <a:r>
-              <a:rPr lang="en">
-                <a:solidFill>
-                  <a:srgbClr val="434343"/>
-                </a:solidFill>
-              </a:rPr>
-              <a:t>Minimum_Subscription_Period (years)</a:t>
-            </a:r>
-            <a:endParaRPr>
-              <a:solidFill>
-                <a:srgbClr val="434343"/>
-              </a:solidFill>
-            </a:endParaRPr>
-          </a:p>
-          <a:p>
-            <a:pPr indent="-293211" lvl="1" marL="914400" rtl="0" algn="l">
-              <a:lnSpc>
-                <a:spcPct val="150000"/>
-              </a:lnSpc>
-              <a:spcBef>
-                <a:spcPts val="0"/>
-              </a:spcBef>
-              <a:spcAft>
-                <a:spcPts val="0"/>
-              </a:spcAft>
-              <a:buClr>
-                <a:srgbClr val="434343"/>
-              </a:buClr>
-              <a:buSzPct val="100000"/>
-              <a:buChar char="○"/>
-            </a:pPr>
-            <a:r>
-              <a:rPr lang="en">
-                <a:solidFill>
-                  <a:srgbClr val="434343"/>
-                </a:solidFill>
-              </a:rPr>
-              <a:t>Recidence_Type (Home/Office)</a:t>
-            </a:r>
-            <a:endParaRPr>
-              <a:solidFill>
-                <a:srgbClr val="434343"/>
-              </a:solidFill>
-            </a:endParaRPr>
-          </a:p>
-          <a:p>
-            <a:pPr indent="-293211" lvl="1" marL="914400" rtl="0" algn="l">
-              <a:lnSpc>
-                <a:spcPct val="150000"/>
-              </a:lnSpc>
-              <a:spcBef>
-                <a:spcPts val="0"/>
-              </a:spcBef>
-              <a:spcAft>
-                <a:spcPts val="0"/>
-              </a:spcAft>
-              <a:buClr>
-                <a:srgbClr val="434343"/>
-              </a:buClr>
-              <a:buSzPct val="100000"/>
-              <a:buChar char="○"/>
-            </a:pPr>
-            <a:r>
-              <a:rPr lang="en">
-                <a:solidFill>
-                  <a:srgbClr val="434343"/>
-                </a:solidFill>
-              </a:rPr>
-              <a:t>Tax_Status (INCLUDED/EXCLUDED)</a:t>
-            </a:r>
-            <a:endParaRPr>
-              <a:solidFill>
-                <a:srgbClr val="434343"/>
-              </a:solidFill>
-            </a:endParaRPr>
-          </a:p>
-          <a:p>
-            <a:pPr indent="-293211" lvl="1" marL="914400" rtl="0" algn="l">
-              <a:lnSpc>
-                <a:spcPct val="150000"/>
-              </a:lnSpc>
-              <a:spcBef>
-                <a:spcPts val="0"/>
-              </a:spcBef>
-              <a:spcAft>
-                <a:spcPts val="0"/>
-              </a:spcAft>
-              <a:buClr>
-                <a:srgbClr val="434343"/>
-              </a:buClr>
-              <a:buSzPct val="100000"/>
-              <a:buChar char="○"/>
-            </a:pPr>
-            <a:r>
-              <a:rPr lang="en">
-                <a:solidFill>
-                  <a:srgbClr val="434343"/>
-                </a:solidFill>
-              </a:rPr>
-              <a:t>Conditions - list of conditions for package</a:t>
-            </a:r>
-            <a:endParaRPr>
-              <a:solidFill>
-                <a:srgbClr val="434343"/>
-              </a:solidFill>
-            </a:endParaRPr>
-          </a:p>
-          <a:p>
-            <a:pPr indent="-293211" lvl="1" marL="914400" rtl="0" algn="l">
-              <a:lnSpc>
-                <a:spcPct val="150000"/>
-              </a:lnSpc>
-              <a:spcBef>
-                <a:spcPts val="0"/>
-              </a:spcBef>
-              <a:spcAft>
-                <a:spcPts val="0"/>
-              </a:spcAft>
-              <a:buClr>
-                <a:srgbClr val="434343"/>
-              </a:buClr>
-              <a:buSzPct val="100000"/>
-              <a:buChar char="○"/>
-            </a:pPr>
-            <a:r>
-              <a:rPr lang="en">
-                <a:solidFill>
-                  <a:srgbClr val="434343"/>
-                </a:solidFill>
-              </a:rPr>
-              <a:t>Available_Regions - list of available regions: MSAN or related level</a:t>
-            </a:r>
-            <a:endParaRPr>
-              <a:solidFill>
-                <a:srgbClr val="434343"/>
-              </a:solidFill>
-            </a:endParaRPr>
-          </a:p>
-          <a:p>
-            <a:pPr indent="-293211" lvl="1" marL="914400" rtl="0" algn="l">
-              <a:lnSpc>
-                <a:spcPct val="150000"/>
-              </a:lnSpc>
-              <a:spcBef>
-                <a:spcPts val="0"/>
-              </a:spcBef>
-              <a:spcAft>
-                <a:spcPts val="0"/>
-              </a:spcAft>
-              <a:buClr>
-                <a:srgbClr val="434343"/>
-              </a:buClr>
-              <a:buSzPct val="100000"/>
-              <a:buChar char="○"/>
-            </a:pPr>
-            <a:r>
-              <a:rPr lang="en">
-                <a:solidFill>
-                  <a:srgbClr val="434343"/>
-                </a:solidFill>
-              </a:rPr>
-              <a:t>Dependent_Packages (other products it depends on)</a:t>
-            </a:r>
-            <a:endParaRPr>
-              <a:solidFill>
-                <a:srgbClr val="434343"/>
-              </a:solidFill>
             </a:endParaRPr>
           </a:p>
         </p:txBody>
@@ -28742,7 +28637,11 @@
             </a:pPr>
             <a:r>
               <a:rPr lang="en"/>
-              <a:t>Product Profiles: Available features</a:t>
+              <a:t>Product</a:t>
+            </a:r>
+            <a:r>
+              <a:rPr lang="en"/>
+              <a:t> Profiles: Available features</a:t>
             </a:r>
             <a:endParaRPr/>
           </a:p>
@@ -28751,6 +28650,630 @@
       <p:sp>
         <p:nvSpPr>
           <p:cNvPr id="472" name="Google Shape;472;p64"/>
+          <p:cNvSpPr txBox="1"/>
+          <p:nvPr>
+            <p:ph idx="1" type="body"/>
+          </p:nvPr>
+        </p:nvSpPr>
+        <p:spPr>
+          <a:xfrm>
+            <a:off x="697250" y="1383875"/>
+            <a:ext cx="5143500" cy="3835800"/>
+          </a:xfrm>
+          <a:prstGeom prst="rect">
+            <a:avLst/>
+          </a:prstGeom>
+        </p:spPr>
+        <p:txBody>
+          <a:bodyPr anchorCtr="0" anchor="t" bIns="91425" lIns="91425" spcFirstLastPara="1" rIns="91425" wrap="square" tIns="91425">
+            <a:normAutofit fontScale="92500" lnSpcReduction="20000"/>
+          </a:bodyPr>
+          <a:lstStyle/>
+          <a:p>
+            <a:pPr indent="-304958" lvl="0" marL="457200" rtl="0" algn="l">
+              <a:lnSpc>
+                <a:spcPct val="150000"/>
+              </a:lnSpc>
+              <a:spcBef>
+                <a:spcPts val="0"/>
+              </a:spcBef>
+              <a:spcAft>
+                <a:spcPts val="0"/>
+              </a:spcAft>
+              <a:buClr>
+                <a:srgbClr val="434343"/>
+              </a:buClr>
+              <a:buSzPct val="100000"/>
+              <a:buChar char="●"/>
+            </a:pPr>
+            <a:r>
+              <a:rPr lang="en">
+                <a:solidFill>
+                  <a:srgbClr val="434343"/>
+                </a:solidFill>
+              </a:rPr>
+              <a:t>Common features</a:t>
+            </a:r>
+            <a:r>
+              <a:rPr lang="en">
+                <a:solidFill>
+                  <a:srgbClr val="434343"/>
+                </a:solidFill>
+              </a:rPr>
+              <a:t>:</a:t>
+            </a:r>
+            <a:endParaRPr>
+              <a:solidFill>
+                <a:srgbClr val="434343"/>
+              </a:solidFill>
+            </a:endParaRPr>
+          </a:p>
+          <a:p>
+            <a:pPr indent="-293211" lvl="1" marL="914400" rtl="0" algn="l">
+              <a:lnSpc>
+                <a:spcPct val="150000"/>
+              </a:lnSpc>
+              <a:spcBef>
+                <a:spcPts val="0"/>
+              </a:spcBef>
+              <a:spcAft>
+                <a:spcPts val="0"/>
+              </a:spcAft>
+              <a:buClr>
+                <a:srgbClr val="434343"/>
+              </a:buClr>
+              <a:buSzPct val="100000"/>
+              <a:buChar char="○"/>
+            </a:pPr>
+            <a:r>
+              <a:rPr lang="en">
+                <a:solidFill>
+                  <a:srgbClr val="434343"/>
+                </a:solidFill>
+              </a:rPr>
+              <a:t>Product_ID - product code</a:t>
+            </a:r>
+            <a:endParaRPr>
+              <a:solidFill>
+                <a:srgbClr val="434343"/>
+              </a:solidFill>
+            </a:endParaRPr>
+          </a:p>
+          <a:p>
+            <a:pPr indent="-293211" lvl="1" marL="914400" rtl="0" algn="l">
+              <a:lnSpc>
+                <a:spcPct val="150000"/>
+              </a:lnSpc>
+              <a:spcBef>
+                <a:spcPts val="0"/>
+              </a:spcBef>
+              <a:spcAft>
+                <a:spcPts val="0"/>
+              </a:spcAft>
+              <a:buClr>
+                <a:srgbClr val="434343"/>
+              </a:buClr>
+              <a:buSzPct val="100000"/>
+              <a:buChar char="○"/>
+            </a:pPr>
+            <a:r>
+              <a:rPr lang="en">
+                <a:solidFill>
+                  <a:srgbClr val="434343"/>
+                </a:solidFill>
+              </a:rPr>
+              <a:t>Base_Type (BB/VOICE/PEOTV)</a:t>
+            </a:r>
+            <a:endParaRPr>
+              <a:solidFill>
+                <a:srgbClr val="434343"/>
+              </a:solidFill>
+            </a:endParaRPr>
+          </a:p>
+          <a:p>
+            <a:pPr indent="-293211" lvl="1" marL="914400" rtl="0" algn="l">
+              <a:lnSpc>
+                <a:spcPct val="150000"/>
+              </a:lnSpc>
+              <a:spcBef>
+                <a:spcPts val="0"/>
+              </a:spcBef>
+              <a:spcAft>
+                <a:spcPts val="0"/>
+              </a:spcAft>
+              <a:buClr>
+                <a:srgbClr val="434343"/>
+              </a:buClr>
+              <a:buSzPct val="100000"/>
+              <a:buChar char="○"/>
+            </a:pPr>
+            <a:r>
+              <a:rPr lang="en">
+                <a:solidFill>
+                  <a:srgbClr val="434343"/>
+                </a:solidFill>
+              </a:rPr>
+              <a:t>Pricing_Type (PAID/FREE)</a:t>
+            </a:r>
+            <a:endParaRPr>
+              <a:solidFill>
+                <a:srgbClr val="434343"/>
+              </a:solidFill>
+            </a:endParaRPr>
+          </a:p>
+          <a:p>
+            <a:pPr indent="-293211" lvl="1" marL="914400" rtl="0" algn="l">
+              <a:lnSpc>
+                <a:spcPct val="150000"/>
+              </a:lnSpc>
+              <a:spcBef>
+                <a:spcPts val="0"/>
+              </a:spcBef>
+              <a:spcAft>
+                <a:spcPts val="0"/>
+              </a:spcAft>
+              <a:buClr>
+                <a:srgbClr val="434343"/>
+              </a:buClr>
+              <a:buSzPct val="100000"/>
+              <a:buChar char="○"/>
+            </a:pPr>
+            <a:r>
+              <a:rPr lang="en">
+                <a:solidFill>
+                  <a:srgbClr val="434343"/>
+                </a:solidFill>
+              </a:rPr>
+              <a:t>Package_Type (ADSL/Fibre/4G/Telephone/PeoTV)</a:t>
+            </a:r>
+            <a:endParaRPr>
+              <a:solidFill>
+                <a:srgbClr val="434343"/>
+              </a:solidFill>
+            </a:endParaRPr>
+          </a:p>
+          <a:p>
+            <a:pPr indent="-293211" lvl="1" marL="914400" rtl="0" algn="l">
+              <a:lnSpc>
+                <a:spcPct val="150000"/>
+              </a:lnSpc>
+              <a:spcBef>
+                <a:spcPts val="0"/>
+              </a:spcBef>
+              <a:spcAft>
+                <a:spcPts val="0"/>
+              </a:spcAft>
+              <a:buClr>
+                <a:srgbClr val="434343"/>
+              </a:buClr>
+              <a:buSzPct val="100000"/>
+              <a:buChar char="○"/>
+            </a:pPr>
+            <a:r>
+              <a:rPr lang="en">
+                <a:solidFill>
+                  <a:srgbClr val="434343"/>
+                </a:solidFill>
+              </a:rPr>
+              <a:t>VAS (YES/NO) - value added service</a:t>
+            </a:r>
+            <a:endParaRPr>
+              <a:solidFill>
+                <a:srgbClr val="434343"/>
+              </a:solidFill>
+            </a:endParaRPr>
+          </a:p>
+          <a:p>
+            <a:pPr indent="-293211" lvl="1" marL="914400" rtl="0" algn="l">
+              <a:lnSpc>
+                <a:spcPct val="150000"/>
+              </a:lnSpc>
+              <a:spcBef>
+                <a:spcPts val="0"/>
+              </a:spcBef>
+              <a:spcAft>
+                <a:spcPts val="0"/>
+              </a:spcAft>
+              <a:buClr>
+                <a:srgbClr val="434343"/>
+              </a:buClr>
+              <a:buSzPct val="100000"/>
+              <a:buChar char="○"/>
+            </a:pPr>
+            <a:r>
+              <a:rPr lang="en">
+                <a:solidFill>
+                  <a:srgbClr val="434343"/>
+                </a:solidFill>
+              </a:rPr>
+              <a:t>Title and Description</a:t>
+            </a:r>
+            <a:endParaRPr>
+              <a:solidFill>
+                <a:srgbClr val="434343"/>
+              </a:solidFill>
+            </a:endParaRPr>
+          </a:p>
+          <a:p>
+            <a:pPr indent="-293211" lvl="1" marL="914400" rtl="0" algn="l">
+              <a:lnSpc>
+                <a:spcPct val="150000"/>
+              </a:lnSpc>
+              <a:spcBef>
+                <a:spcPts val="0"/>
+              </a:spcBef>
+              <a:spcAft>
+                <a:spcPts val="0"/>
+              </a:spcAft>
+              <a:buClr>
+                <a:srgbClr val="434343"/>
+              </a:buClr>
+              <a:buSzPct val="100000"/>
+              <a:buChar char="○"/>
+            </a:pPr>
+            <a:r>
+              <a:rPr lang="en">
+                <a:solidFill>
+                  <a:srgbClr val="434343"/>
+                </a:solidFill>
+              </a:rPr>
+              <a:t>Included_Packages - packages shipped with a product</a:t>
+            </a:r>
+            <a:endParaRPr>
+              <a:solidFill>
+                <a:srgbClr val="434343"/>
+              </a:solidFill>
+            </a:endParaRPr>
+          </a:p>
+          <a:p>
+            <a:pPr indent="-293211" lvl="1" marL="914400" rtl="0" algn="l">
+              <a:lnSpc>
+                <a:spcPct val="150000"/>
+              </a:lnSpc>
+              <a:spcBef>
+                <a:spcPts val="0"/>
+              </a:spcBef>
+              <a:spcAft>
+                <a:spcPts val="0"/>
+              </a:spcAft>
+              <a:buClr>
+                <a:srgbClr val="434343"/>
+              </a:buClr>
+              <a:buSzPct val="100000"/>
+              <a:buChar char="○"/>
+            </a:pPr>
+            <a:r>
+              <a:rPr lang="en">
+                <a:solidFill>
+                  <a:srgbClr val="434343"/>
+                </a:solidFill>
+              </a:rPr>
+              <a:t>Price (Rs.) - total cost, down payment or first installment</a:t>
+            </a:r>
+            <a:endParaRPr>
+              <a:solidFill>
+                <a:srgbClr val="434343"/>
+              </a:solidFill>
+            </a:endParaRPr>
+          </a:p>
+          <a:p>
+            <a:pPr indent="-293211" lvl="1" marL="914400" rtl="0" algn="l">
+              <a:lnSpc>
+                <a:spcPct val="150000"/>
+              </a:lnSpc>
+              <a:spcBef>
+                <a:spcPts val="0"/>
+              </a:spcBef>
+              <a:spcAft>
+                <a:spcPts val="0"/>
+              </a:spcAft>
+              <a:buClr>
+                <a:srgbClr val="434343"/>
+              </a:buClr>
+              <a:buSzPct val="100000"/>
+              <a:buChar char="○"/>
+            </a:pPr>
+            <a:r>
+              <a:rPr lang="en">
+                <a:solidFill>
+                  <a:srgbClr val="434343"/>
+                </a:solidFill>
+              </a:rPr>
+              <a:t>Monthly_Rental (Rs.)</a:t>
+            </a:r>
+            <a:endParaRPr>
+              <a:solidFill>
+                <a:srgbClr val="434343"/>
+              </a:solidFill>
+            </a:endParaRPr>
+          </a:p>
+          <a:p>
+            <a:pPr indent="-293211" lvl="1" marL="914400" rtl="0" algn="l">
+              <a:lnSpc>
+                <a:spcPct val="150000"/>
+              </a:lnSpc>
+              <a:spcBef>
+                <a:spcPts val="0"/>
+              </a:spcBef>
+              <a:spcAft>
+                <a:spcPts val="0"/>
+              </a:spcAft>
+              <a:buClr>
+                <a:srgbClr val="434343"/>
+              </a:buClr>
+              <a:buSzPct val="100000"/>
+              <a:buChar char="○"/>
+            </a:pPr>
+            <a:r>
+              <a:rPr lang="en">
+                <a:solidFill>
+                  <a:srgbClr val="434343"/>
+                </a:solidFill>
+              </a:rPr>
+              <a:t>Subscription_Type (SINGLE_PLAY/DOUBLE_PLAY/TRIPLE_PLAY)</a:t>
+            </a:r>
+            <a:endParaRPr>
+              <a:solidFill>
+                <a:srgbClr val="434343"/>
+              </a:solidFill>
+            </a:endParaRPr>
+          </a:p>
+          <a:p>
+            <a:pPr indent="-293211" lvl="1" marL="914400" rtl="0" algn="l">
+              <a:lnSpc>
+                <a:spcPct val="150000"/>
+              </a:lnSpc>
+              <a:spcBef>
+                <a:spcPts val="0"/>
+              </a:spcBef>
+              <a:spcAft>
+                <a:spcPts val="0"/>
+              </a:spcAft>
+              <a:buClr>
+                <a:srgbClr val="434343"/>
+              </a:buClr>
+              <a:buSzPct val="100000"/>
+              <a:buChar char="○"/>
+            </a:pPr>
+            <a:r>
+              <a:rPr lang="en">
+                <a:solidFill>
+                  <a:srgbClr val="434343"/>
+                </a:solidFill>
+              </a:rPr>
+              <a:t>Minimum_Subscription_Period (years)</a:t>
+            </a:r>
+            <a:endParaRPr>
+              <a:solidFill>
+                <a:srgbClr val="434343"/>
+              </a:solidFill>
+            </a:endParaRPr>
+          </a:p>
+          <a:p>
+            <a:pPr indent="-293211" lvl="1" marL="914400" rtl="0" algn="l">
+              <a:lnSpc>
+                <a:spcPct val="150000"/>
+              </a:lnSpc>
+              <a:spcBef>
+                <a:spcPts val="0"/>
+              </a:spcBef>
+              <a:spcAft>
+                <a:spcPts val="0"/>
+              </a:spcAft>
+              <a:buClr>
+                <a:srgbClr val="434343"/>
+              </a:buClr>
+              <a:buSzPct val="100000"/>
+              <a:buChar char="○"/>
+            </a:pPr>
+            <a:r>
+              <a:rPr lang="en">
+                <a:solidFill>
+                  <a:srgbClr val="434343"/>
+                </a:solidFill>
+              </a:rPr>
+              <a:t>Recidence_Type (Home/Office)</a:t>
+            </a:r>
+            <a:endParaRPr>
+              <a:solidFill>
+                <a:srgbClr val="434343"/>
+              </a:solidFill>
+            </a:endParaRPr>
+          </a:p>
+          <a:p>
+            <a:pPr indent="-293211" lvl="1" marL="914400" rtl="0" algn="l">
+              <a:lnSpc>
+                <a:spcPct val="150000"/>
+              </a:lnSpc>
+              <a:spcBef>
+                <a:spcPts val="0"/>
+              </a:spcBef>
+              <a:spcAft>
+                <a:spcPts val="0"/>
+              </a:spcAft>
+              <a:buClr>
+                <a:srgbClr val="434343"/>
+              </a:buClr>
+              <a:buSzPct val="100000"/>
+              <a:buChar char="○"/>
+            </a:pPr>
+            <a:r>
+              <a:rPr lang="en">
+                <a:solidFill>
+                  <a:srgbClr val="434343"/>
+                </a:solidFill>
+              </a:rPr>
+              <a:t>Tax_Status (INCLUDED/EXCLUDED)</a:t>
+            </a:r>
+            <a:endParaRPr>
+              <a:solidFill>
+                <a:srgbClr val="434343"/>
+              </a:solidFill>
+            </a:endParaRPr>
+          </a:p>
+          <a:p>
+            <a:pPr indent="-293211" lvl="1" marL="914400" rtl="0" algn="l">
+              <a:lnSpc>
+                <a:spcPct val="150000"/>
+              </a:lnSpc>
+              <a:spcBef>
+                <a:spcPts val="0"/>
+              </a:spcBef>
+              <a:spcAft>
+                <a:spcPts val="0"/>
+              </a:spcAft>
+              <a:buClr>
+                <a:srgbClr val="434343"/>
+              </a:buClr>
+              <a:buSzPct val="100000"/>
+              <a:buChar char="○"/>
+            </a:pPr>
+            <a:r>
+              <a:rPr lang="en">
+                <a:solidFill>
+                  <a:srgbClr val="434343"/>
+                </a:solidFill>
+              </a:rPr>
+              <a:t>Conditions - list of conditions for package</a:t>
+            </a:r>
+            <a:endParaRPr>
+              <a:solidFill>
+                <a:srgbClr val="434343"/>
+              </a:solidFill>
+            </a:endParaRPr>
+          </a:p>
+          <a:p>
+            <a:pPr indent="-293211" lvl="1" marL="914400" rtl="0" algn="l">
+              <a:lnSpc>
+                <a:spcPct val="150000"/>
+              </a:lnSpc>
+              <a:spcBef>
+                <a:spcPts val="0"/>
+              </a:spcBef>
+              <a:spcAft>
+                <a:spcPts val="0"/>
+              </a:spcAft>
+              <a:buClr>
+                <a:srgbClr val="434343"/>
+              </a:buClr>
+              <a:buSzPct val="100000"/>
+              <a:buChar char="○"/>
+            </a:pPr>
+            <a:r>
+              <a:rPr lang="en">
+                <a:solidFill>
+                  <a:srgbClr val="434343"/>
+                </a:solidFill>
+              </a:rPr>
+              <a:t>Available_Regions - list of available regions: MSAN or related level</a:t>
+            </a:r>
+            <a:endParaRPr>
+              <a:solidFill>
+                <a:srgbClr val="434343"/>
+              </a:solidFill>
+            </a:endParaRPr>
+          </a:p>
+          <a:p>
+            <a:pPr indent="-293211" lvl="1" marL="914400" rtl="0" algn="l">
+              <a:lnSpc>
+                <a:spcPct val="150000"/>
+              </a:lnSpc>
+              <a:spcBef>
+                <a:spcPts val="0"/>
+              </a:spcBef>
+              <a:spcAft>
+                <a:spcPts val="0"/>
+              </a:spcAft>
+              <a:buClr>
+                <a:srgbClr val="434343"/>
+              </a:buClr>
+              <a:buSzPct val="100000"/>
+              <a:buChar char="○"/>
+            </a:pPr>
+            <a:r>
+              <a:rPr lang="en">
+                <a:solidFill>
+                  <a:srgbClr val="434343"/>
+                </a:solidFill>
+              </a:rPr>
+              <a:t>Dependent_Packages (other products it depends on)</a:t>
+            </a:r>
+            <a:endParaRPr>
+              <a:solidFill>
+                <a:srgbClr val="434343"/>
+              </a:solidFill>
+            </a:endParaRPr>
+          </a:p>
+        </p:txBody>
+      </p:sp>
+    </p:spTree>
+  </p:cSld>
+  <p:clrMapOvr>
+    <a:masterClrMapping/>
+  </p:clrMapOvr>
+</p:sld>
+</file>
+
+<file path=ppt/slides/slide53.xml><?xml version="1.0" encoding="utf-8"?>
+<p:sld xmlns:a="http://schemas.openxmlformats.org/drawingml/2006/main" xmlns:r="http://schemas.openxmlformats.org/officeDocument/2006/relationships" xmlns:mc="http://schemas.openxmlformats.org/markup-compatibility/2006" xmlns:mv="urn:schemas-microsoft-com:mac:vml" xmlns:p="http://schemas.openxmlformats.org/presentationml/2006/main" xmlns:c="http://schemas.openxmlformats.org/drawingml/2006/chart" xmlns:dgm="http://schemas.openxmlformats.org/drawingml/2006/diagram" xmlns:o="urn:schemas-microsoft-com:office:office" xmlns:v="urn:schemas-microsoft-com:vml" xmlns:pvml="urn:schemas-microsoft-com:office:powerpoint" xmlns:com="http://schemas.openxmlformats.org/drawingml/2006/compatibility" xmlns:p14="http://schemas.microsoft.com/office/powerpoint/2010/main" xmlns:p15="http://schemas.microsoft.com/office/powerpoint/2012/main" xmlns:ahyp="http://schemas.microsoft.com/office/drawing/2018/hyperlinkcolor">
+  <p:cSld>
+    <p:spTree>
+      <p:nvGrpSpPr>
+        <p:cNvPr id="476" name="Shape 476"/>
+        <p:cNvGrpSpPr/>
+        <p:nvPr/>
+      </p:nvGrpSpPr>
+      <p:grpSpPr>
+        <a:xfrm>
+          <a:off x="0" y="0"/>
+          <a:ext cx="0" cy="0"/>
+          <a:chOff x="0" y="0"/>
+          <a:chExt cx="0" cy="0"/>
+        </a:xfrm>
+      </p:grpSpPr>
+      <p:sp>
+        <p:nvSpPr>
+          <p:cNvPr id="477" name="Google Shape;477;p65"/>
+          <p:cNvSpPr txBox="1"/>
+          <p:nvPr>
+            <p:ph type="title"/>
+          </p:nvPr>
+        </p:nvSpPr>
+        <p:spPr>
+          <a:xfrm>
+            <a:off x="727650" y="599950"/>
+            <a:ext cx="7688700" cy="535200"/>
+          </a:xfrm>
+          <a:prstGeom prst="rect">
+            <a:avLst/>
+          </a:prstGeom>
+        </p:spPr>
+        <p:txBody>
+          <a:bodyPr anchorCtr="0" anchor="t" bIns="91425" lIns="91425" spcFirstLastPara="1" rIns="91425" wrap="square" tIns="91425">
+            <a:normAutofit fontScale="90000"/>
+          </a:bodyPr>
+          <a:lstStyle/>
+          <a:p>
+            <a:pPr indent="0" lvl="0" marL="0" rtl="0" algn="l">
+              <a:spcBef>
+                <a:spcPts val="0"/>
+              </a:spcBef>
+              <a:spcAft>
+                <a:spcPts val="0"/>
+              </a:spcAft>
+              <a:buNone/>
+            </a:pPr>
+            <a:r>
+              <a:rPr lang="en"/>
+              <a:t>Product Profiles: Available features</a:t>
+            </a:r>
+            <a:endParaRPr/>
+          </a:p>
+        </p:txBody>
+      </p:sp>
+      <p:sp>
+        <p:nvSpPr>
+          <p:cNvPr id="478" name="Google Shape;478;p65"/>
           <p:cNvSpPr txBox="1"/>
           <p:nvPr>
             <p:ph idx="1" type="body"/>
@@ -29246,7 +29769,7 @@
       </p:sp>
       <p:sp>
         <p:nvSpPr>
-          <p:cNvPr id="473" name="Google Shape;473;p64"/>
+          <p:cNvPr id="479" name="Google Shape;479;p65"/>
           <p:cNvSpPr txBox="1"/>
           <p:nvPr>
             <p:ph idx="1" type="body"/>
@@ -29353,99 +29876,6 @@
           </a:p>
         </p:txBody>
       </p:sp>
-    </p:spTree>
-  </p:cSld>
-  <p:clrMapOvr>
-    <a:masterClrMapping/>
-  </p:clrMapOvr>
-</p:sld>
-</file>
-
-<file path=ppt/slides/slide53.xml><?xml version="1.0" encoding="utf-8"?>
-<p:sld xmlns:a="http://schemas.openxmlformats.org/drawingml/2006/main" xmlns:r="http://schemas.openxmlformats.org/officeDocument/2006/relationships" xmlns:mc="http://schemas.openxmlformats.org/markup-compatibility/2006" xmlns:mv="urn:schemas-microsoft-com:mac:vml" xmlns:p="http://schemas.openxmlformats.org/presentationml/2006/main" xmlns:c="http://schemas.openxmlformats.org/drawingml/2006/chart" xmlns:dgm="http://schemas.openxmlformats.org/drawingml/2006/diagram" xmlns:o="urn:schemas-microsoft-com:office:office" xmlns:v="urn:schemas-microsoft-com:vml" xmlns:pvml="urn:schemas-microsoft-com:office:powerpoint" xmlns:com="http://schemas.openxmlformats.org/drawingml/2006/compatibility" xmlns:p14="http://schemas.microsoft.com/office/powerpoint/2010/main" xmlns:p15="http://schemas.microsoft.com/office/powerpoint/2012/main" xmlns:ahyp="http://schemas.microsoft.com/office/drawing/2018/hyperlinkcolor">
-  <p:cSld>
-    <p:spTree>
-      <p:nvGrpSpPr>
-        <p:cNvPr id="477" name="Shape 477"/>
-        <p:cNvGrpSpPr/>
-        <p:nvPr/>
-      </p:nvGrpSpPr>
-      <p:grpSpPr>
-        <a:xfrm>
-          <a:off x="0" y="0"/>
-          <a:ext cx="0" cy="0"/>
-          <a:chOff x="0" y="0"/>
-          <a:chExt cx="0" cy="0"/>
-        </a:xfrm>
-      </p:grpSpPr>
-      <p:sp>
-        <p:nvSpPr>
-          <p:cNvPr id="478" name="Google Shape;478;p65"/>
-          <p:cNvSpPr txBox="1"/>
-          <p:nvPr>
-            <p:ph type="title"/>
-          </p:nvPr>
-        </p:nvSpPr>
-        <p:spPr>
-          <a:xfrm>
-            <a:off x="727650" y="599950"/>
-            <a:ext cx="7688700" cy="535200"/>
-          </a:xfrm>
-          <a:prstGeom prst="rect">
-            <a:avLst/>
-          </a:prstGeom>
-        </p:spPr>
-        <p:txBody>
-          <a:bodyPr anchorCtr="0" anchor="t" bIns="91425" lIns="91425" spcFirstLastPara="1" rIns="91425" wrap="square" tIns="91425">
-            <a:normAutofit fontScale="90000"/>
-          </a:bodyPr>
-          <a:lstStyle/>
-          <a:p>
-            <a:pPr indent="0" lvl="0" marL="0" rtl="0" algn="l">
-              <a:spcBef>
-                <a:spcPts val="0"/>
-              </a:spcBef>
-              <a:spcAft>
-                <a:spcPts val="0"/>
-              </a:spcAft>
-              <a:buNone/>
-            </a:pPr>
-            <a:r>
-              <a:rPr lang="en"/>
-              <a:t>Product Profiles</a:t>
-            </a:r>
-            <a:endParaRPr/>
-          </a:p>
-        </p:txBody>
-      </p:sp>
-      <p:pic>
-        <p:nvPicPr>
-          <p:cNvPr id="479" name="Google Shape;479;p65"/>
-          <p:cNvPicPr preferRelativeResize="0"/>
-          <p:nvPr/>
-        </p:nvPicPr>
-        <p:blipFill>
-          <a:blip r:embed="rId3">
-            <a:alphaModFix/>
-          </a:blip>
-          <a:stretch>
-            <a:fillRect/>
-          </a:stretch>
-        </p:blipFill>
-        <p:spPr>
-          <a:xfrm>
-            <a:off x="1783600" y="1358100"/>
-            <a:ext cx="6017851" cy="3607651"/>
-          </a:xfrm>
-          <a:prstGeom prst="rect">
-            <a:avLst/>
-          </a:prstGeom>
-          <a:noFill/>
-          <a:ln>
-            <a:noFill/>
-          </a:ln>
-        </p:spPr>
-      </p:pic>
     </p:spTree>
   </p:cSld>
   <p:clrMapOvr>
@@ -29481,6 +29911,99 @@
         </p:nvSpPr>
         <p:spPr>
           <a:xfrm>
+            <a:off x="727650" y="599950"/>
+            <a:ext cx="7688700" cy="535200"/>
+          </a:xfrm>
+          <a:prstGeom prst="rect">
+            <a:avLst/>
+          </a:prstGeom>
+        </p:spPr>
+        <p:txBody>
+          <a:bodyPr anchorCtr="0" anchor="t" bIns="91425" lIns="91425" spcFirstLastPara="1" rIns="91425" wrap="square" tIns="91425">
+            <a:normAutofit fontScale="90000"/>
+          </a:bodyPr>
+          <a:lstStyle/>
+          <a:p>
+            <a:pPr indent="0" lvl="0" marL="0" rtl="0" algn="l">
+              <a:spcBef>
+                <a:spcPts val="0"/>
+              </a:spcBef>
+              <a:spcAft>
+                <a:spcPts val="0"/>
+              </a:spcAft>
+              <a:buNone/>
+            </a:pPr>
+            <a:r>
+              <a:rPr lang="en"/>
+              <a:t>Product Profiles</a:t>
+            </a:r>
+            <a:endParaRPr/>
+          </a:p>
+        </p:txBody>
+      </p:sp>
+      <p:pic>
+        <p:nvPicPr>
+          <p:cNvPr id="485" name="Google Shape;485;p66"/>
+          <p:cNvPicPr preferRelativeResize="0"/>
+          <p:nvPr/>
+        </p:nvPicPr>
+        <p:blipFill>
+          <a:blip r:embed="rId3">
+            <a:alphaModFix/>
+          </a:blip>
+          <a:stretch>
+            <a:fillRect/>
+          </a:stretch>
+        </p:blipFill>
+        <p:spPr>
+          <a:xfrm>
+            <a:off x="1783600" y="1358100"/>
+            <a:ext cx="6017851" cy="3607651"/>
+          </a:xfrm>
+          <a:prstGeom prst="rect">
+            <a:avLst/>
+          </a:prstGeom>
+          <a:noFill/>
+          <a:ln>
+            <a:noFill/>
+          </a:ln>
+        </p:spPr>
+      </p:pic>
+    </p:spTree>
+  </p:cSld>
+  <p:clrMapOvr>
+    <a:masterClrMapping/>
+  </p:clrMapOvr>
+</p:sld>
+</file>
+
+<file path=ppt/slides/slide55.xml><?xml version="1.0" encoding="utf-8"?>
+<p:sld xmlns:a="http://schemas.openxmlformats.org/drawingml/2006/main" xmlns:r="http://schemas.openxmlformats.org/officeDocument/2006/relationships" xmlns:mc="http://schemas.openxmlformats.org/markup-compatibility/2006" xmlns:mv="urn:schemas-microsoft-com:mac:vml" xmlns:p="http://schemas.openxmlformats.org/presentationml/2006/main" xmlns:c="http://schemas.openxmlformats.org/drawingml/2006/chart" xmlns:dgm="http://schemas.openxmlformats.org/drawingml/2006/diagram" xmlns:o="urn:schemas-microsoft-com:office:office" xmlns:v="urn:schemas-microsoft-com:vml" xmlns:pvml="urn:schemas-microsoft-com:office:powerpoint" xmlns:com="http://schemas.openxmlformats.org/drawingml/2006/compatibility" xmlns:p14="http://schemas.microsoft.com/office/powerpoint/2010/main" xmlns:p15="http://schemas.microsoft.com/office/powerpoint/2012/main" xmlns:ahyp="http://schemas.microsoft.com/office/drawing/2018/hyperlinkcolor">
+  <p:cSld>
+    <p:spTree>
+      <p:nvGrpSpPr>
+        <p:cNvPr id="489" name="Shape 489"/>
+        <p:cNvGrpSpPr/>
+        <p:nvPr/>
+      </p:nvGrpSpPr>
+      <p:grpSpPr>
+        <a:xfrm>
+          <a:off x="0" y="0"/>
+          <a:ext cx="0" cy="0"/>
+          <a:chOff x="0" y="0"/>
+          <a:chExt cx="0" cy="0"/>
+        </a:xfrm>
+      </p:grpSpPr>
+      <p:sp>
+        <p:nvSpPr>
+          <p:cNvPr id="490" name="Google Shape;490;p67"/>
+          <p:cNvSpPr txBox="1"/>
+          <p:nvPr>
+            <p:ph type="title"/>
+          </p:nvPr>
+        </p:nvSpPr>
+        <p:spPr>
+          <a:xfrm>
             <a:off x="730000" y="1318650"/>
             <a:ext cx="3634200" cy="1687200"/>
           </a:xfrm>
@@ -29513,7 +30036,7 @@
       </p:sp>
       <p:sp>
         <p:nvSpPr>
-          <p:cNvPr id="485" name="Google Shape;485;p66"/>
+          <p:cNvPr id="491" name="Google Shape;491;p67"/>
           <p:cNvSpPr txBox="1"/>
           <p:nvPr>
             <p:ph idx="2" type="body"/>
@@ -29552,7 +30075,7 @@
       </p:sp>
       <p:sp>
         <p:nvSpPr>
-          <p:cNvPr id="486" name="Google Shape;486;p66"/>
+          <p:cNvPr id="492" name="Google Shape;492;p67"/>
           <p:cNvSpPr txBox="1"/>
           <p:nvPr>
             <p:ph idx="1" type="subTitle"/>
@@ -29591,7 +30114,7 @@
       </p:sp>
       <p:pic>
         <p:nvPicPr>
-          <p:cNvPr id="487" name="Google Shape;487;p66"/>
+          <p:cNvPr id="493" name="Google Shape;493;p67"/>
           <p:cNvPicPr preferRelativeResize="0"/>
           <p:nvPr/>
         </p:nvPicPr>
@@ -29624,12 +30147,12 @@
 </p:sld>
 </file>
 
-<file path=ppt/slides/slide55.xml><?xml version="1.0" encoding="utf-8"?>
+<file path=ppt/slides/slide56.xml><?xml version="1.0" encoding="utf-8"?>
 <p:sld xmlns:a="http://schemas.openxmlformats.org/drawingml/2006/main" xmlns:r="http://schemas.openxmlformats.org/officeDocument/2006/relationships" xmlns:mc="http://schemas.openxmlformats.org/markup-compatibility/2006" xmlns:mv="urn:schemas-microsoft-com:mac:vml" xmlns:p="http://schemas.openxmlformats.org/presentationml/2006/main" xmlns:c="http://schemas.openxmlformats.org/drawingml/2006/chart" xmlns:dgm="http://schemas.openxmlformats.org/drawingml/2006/diagram" xmlns:o="urn:schemas-microsoft-com:office:office" xmlns:v="urn:schemas-microsoft-com:vml" xmlns:pvml="urn:schemas-microsoft-com:office:powerpoint" xmlns:com="http://schemas.openxmlformats.org/drawingml/2006/compatibility" xmlns:p14="http://schemas.microsoft.com/office/powerpoint/2010/main" xmlns:p15="http://schemas.microsoft.com/office/powerpoint/2012/main" xmlns:ahyp="http://schemas.microsoft.com/office/drawing/2018/hyperlinkcolor">
   <p:cSld>
     <p:spTree>
       <p:nvGrpSpPr>
-        <p:cNvPr id="491" name="Shape 491"/>
+        <p:cNvPr id="497" name="Shape 497"/>
         <p:cNvGrpSpPr/>
         <p:nvPr/>
       </p:nvGrpSpPr>
@@ -29643,7 +30166,7 @@
       </p:grpSpPr>
       <p:sp>
         <p:nvSpPr>
-          <p:cNvPr id="492" name="Google Shape;492;p67"/>
+          <p:cNvPr id="498" name="Google Shape;498;p68"/>
           <p:cNvSpPr txBox="1"/>
           <p:nvPr>
             <p:ph type="title"/>
@@ -29834,9 +30357,25 @@
                   <a:srgbClr val="434343"/>
                 </a:solidFill>
               </a:rPr>
-              <a:t>Bin ranges selected considering skewness of data distribution</a:t>
-            </a:r>
-            <a:endParaRPr>
+              <a:t>Bin ranges selected considering skewness of data distribution </a:t>
+            </a:r>
+            <a:r>
+              <a:rPr b="1" lang="en">
+                <a:solidFill>
+                  <a:srgbClr val="434343"/>
+                </a:solidFill>
+              </a:rPr>
+              <a:t> </a:t>
+            </a:r>
+            <a:r>
+              <a:rPr lang="en">
+                <a:solidFill>
+                  <a:srgbClr val="434343"/>
+                </a:solidFill>
+              </a:rPr>
+              <a:t>(25,50,75th precentiles)</a:t>
+            </a:r>
+            <a:endParaRPr b="1">
               <a:solidFill>
                 <a:srgbClr val="434343"/>
               </a:solidFill>
@@ -29860,14 +30399,52 @@
               <a:buChar char="○"/>
             </a:pPr>
             <a:r>
-              <a:rPr b="1" lang="en">
-                <a:solidFill>
-                  <a:srgbClr val="434343"/>
-                </a:solidFill>
-              </a:rPr>
-              <a:t>Freedman-Diaconis’s Rule based approach (Using Interquartile range)</a:t>
-            </a:r>
-            <a:endParaRPr b="1">
+              <a:rPr lang="en">
+                <a:solidFill>
+                  <a:srgbClr val="434343"/>
+                </a:solidFill>
+              </a:rPr>
+              <a:t>Ex: For ONNET INCOMING Data : [0, 6,15, 30, 100,1200,2400,4800,6890]</a:t>
+            </a:r>
+            <a:br>
+              <a:rPr lang="en">
+                <a:solidFill>
+                  <a:srgbClr val="434343"/>
+                </a:solidFill>
+              </a:rPr>
+            </a:br>
+            <a:endParaRPr>
+              <a:solidFill>
+                <a:srgbClr val="434343"/>
+              </a:solidFill>
+            </a:endParaRPr>
+          </a:p>
+          <a:p>
+            <a:pPr indent="-311150" lvl="0" marL="457200" rtl="0" algn="l">
+              <a:lnSpc>
+                <a:spcPct val="150000"/>
+              </a:lnSpc>
+              <a:spcBef>
+                <a:spcPts val="0"/>
+              </a:spcBef>
+              <a:spcAft>
+                <a:spcPts val="0"/>
+              </a:spcAft>
+              <a:buClr>
+                <a:srgbClr val="434343"/>
+              </a:buClr>
+              <a:buSzPts val="1300"/>
+              <a:buChar char="●"/>
+            </a:pPr>
+            <a:r>
+              <a:rPr lang="en">
+                <a:solidFill>
+                  <a:srgbClr val="434343"/>
+                </a:solidFill>
+              </a:rPr>
+              <a:t>Bined Call Duration - 8 Bins</a:t>
+            </a:r>
+            <a:endParaRPr>
               <a:solidFill>
                 <a:srgbClr val="434343"/>
               </a:solidFill>
@@ -29896,109 +30473,9 @@
                   <a:srgbClr val="434343"/>
                 </a:solidFill>
               </a:rPr>
-              <a:t>Ex: For ONNET INCOMING Data : [0, 6,15, 30, 100,1200,2400,4800,6890]</a:t>
-            </a:r>
-            <a:br>
-              <a:rPr lang="en">
-                <a:solidFill>
-                  <a:srgbClr val="434343"/>
-                </a:solidFill>
-              </a:rPr>
-            </a:br>
+              <a:t>Bin ranges selected considering skewness of data distribution (25,50,75th precentiles)</a:t>
+            </a:r>
             <a:endParaRPr>
-              <a:solidFill>
-                <a:srgbClr val="434343"/>
-              </a:solidFill>
-            </a:endParaRPr>
-          </a:p>
-          <a:p>
-            <a:pPr indent="-311150" lvl="0" marL="457200" rtl="0" algn="l">
-              <a:lnSpc>
-                <a:spcPct val="150000"/>
-              </a:lnSpc>
-              <a:spcBef>
-                <a:spcPts val="0"/>
-              </a:spcBef>
-              <a:spcAft>
-                <a:spcPts val="0"/>
-              </a:spcAft>
-              <a:buClr>
-                <a:srgbClr val="434343"/>
-              </a:buClr>
-              <a:buSzPts val="1300"/>
-              <a:buChar char="●"/>
-            </a:pPr>
-            <a:r>
-              <a:rPr lang="en">
-                <a:solidFill>
-                  <a:srgbClr val="434343"/>
-                </a:solidFill>
-              </a:rPr>
-              <a:t>Bined Call Duration - 8 Bins</a:t>
-            </a:r>
-            <a:endParaRPr>
-              <a:solidFill>
-                <a:srgbClr val="434343"/>
-              </a:solidFill>
-            </a:endParaRPr>
-          </a:p>
-          <a:p>
-            <a:pPr indent="-298450" lvl="1" marL="914400" rtl="0" algn="l">
-              <a:lnSpc>
-                <a:spcPct val="150000"/>
-              </a:lnSpc>
-              <a:spcBef>
-                <a:spcPts val="0"/>
-              </a:spcBef>
-              <a:spcAft>
-                <a:spcPts val="0"/>
-              </a:spcAft>
-              <a:buClr>
-                <a:srgbClr val="434343"/>
-              </a:buClr>
-              <a:buSzPts val="1100"/>
-              <a:buChar char="○"/>
-            </a:pPr>
-            <a:r>
-              <a:rPr lang="en">
-                <a:solidFill>
-                  <a:srgbClr val="434343"/>
-                </a:solidFill>
-              </a:rPr>
-              <a:t>Bin ranges selected considering skewness of data distribution</a:t>
-            </a:r>
-            <a:endParaRPr>
-              <a:solidFill>
-                <a:srgbClr val="434343"/>
-              </a:solidFill>
-            </a:endParaRPr>
-          </a:p>
-          <a:p>
-            <a:pPr indent="-298450" lvl="1" marL="914400" rtl="0" algn="l">
-              <a:lnSpc>
-                <a:spcPct val="150000"/>
-              </a:lnSpc>
-              <a:spcBef>
-                <a:spcPts val="0"/>
-              </a:spcBef>
-              <a:spcAft>
-                <a:spcPts val="0"/>
-              </a:spcAft>
-              <a:buClr>
-                <a:srgbClr val="434343"/>
-              </a:buClr>
-              <a:buSzPts val="1100"/>
-              <a:buChar char="○"/>
-            </a:pPr>
-            <a:r>
-              <a:rPr b="1" lang="en">
-                <a:solidFill>
-                  <a:srgbClr val="434343"/>
-                </a:solidFill>
-              </a:rPr>
-              <a:t>Freedman-Diaconis’s Rule based approach (Using Interquartile range)</a:t>
-            </a:r>
-            <a:endParaRPr b="1">
               <a:solidFill>
                 <a:srgbClr val="434343"/>
               </a:solidFill>
@@ -30076,8 +30553,8 @@
         </p:nvSpPr>
         <p:spPr>
           <a:xfrm>
-            <a:off x="710550" y="4082525"/>
-            <a:ext cx="7153500" cy="1046700"/>
+            <a:off x="1167750" y="3853925"/>
+            <a:ext cx="6318000" cy="1185300"/>
           </a:xfrm>
           <a:prstGeom prst="rect">
             <a:avLst/>
@@ -31728,6 +32205,285 @@
 </file>
 
 <file path=ppt/theme/theme1.xml><?xml version="1.0" encoding="utf-8"?>
+<a:theme xmlns:a="http://schemas.openxmlformats.org/drawingml/2006/main" xmlns:r="http://schemas.openxmlformats.org/officeDocument/2006/relationships">
+  <a:themeElements>
+    <a:clrScheme name="Default">
+      <a:dk1>
+        <a:srgbClr val="000000"/>
+      </a:dk1>
+      <a:lt1>
+        <a:srgbClr val="FFFFFF"/>
+      </a:lt1>
+      <a:dk2>
+        <a:srgbClr val="158158"/>
+      </a:dk2>
+      <a:lt2>
+        <a:srgbClr val="F3F3F3"/>
+      </a:lt2>
+      <a:accent1>
+        <a:srgbClr val="058DC7"/>
+      </a:accent1>
+      <a:accent2>
+        <a:srgbClr val="50B432"/>
+      </a:accent2>
+      <a:accent3>
+        <a:srgbClr val="ED561B"/>
+      </a:accent3>
+      <a:accent4>
+        <a:srgbClr val="EDEF00"/>
+      </a:accent4>
+      <a:accent5>
+        <a:srgbClr val="24CBE5"/>
+      </a:accent5>
+      <a:accent6>
+        <a:srgbClr val="64E572"/>
+      </a:accent6>
+      <a:hlink>
+        <a:srgbClr val="2200CC"/>
+      </a:hlink>
+      <a:folHlink>
+        <a:srgbClr val="551A8B"/>
+      </a:folHlink>
+    </a:clrScheme>
+    <a:fontScheme name="Office">
+      <a:majorFont>
+        <a:latin typeface="Arial"/>
+        <a:ea typeface=""/>
+        <a:cs typeface=""/>
+        <a:font script="Jpan" typeface="ＭＳ Ｐゴシック"/>
+        <a:font script="Hang" typeface="맑은 고딕"/>
+        <a:font script="Hans" typeface="宋体"/>
+        <a:font script="Hant" typeface="新細明體"/>
+        <a:font script="Arab" typeface="Times New Roman"/>
+        <a:font script="Hebr" typeface="Times New Roman"/>
+        <a:font script="Thai" typeface="Angsana New"/>
+        <a:font script="Ethi" typeface="Nyala"/>
+        <a:font script="Beng" typeface="Vrinda"/>
+        <a:font script="Gujr" typeface="Shruti"/>
+        <a:font script="Khmr" typeface="MoolBoran"/>
+        <a:font script="Knda" typeface="Tunga"/>
+        <a:font script="Guru" typeface="Raavi"/>
+        <a:font script="Cans" typeface="Euphemia"/>
+        <a:font script="Cher" typeface="Plantagenet Cherokee"/>
+        <a:font script="Yiii" typeface="Microsoft Yi Baiti"/>
+        <a:font script="Tibt" typeface="Microsoft Himalaya"/>
+        <a:font script="Thaa" typeface="MV Boli"/>
+        <a:font script="Deva" typeface="Mangal"/>
+        <a:font script="Telu" typeface="Gautami"/>
+        <a:font script="Taml" typeface="Latha"/>
+        <a:font script="Syrc" typeface="Estrangelo Edessa"/>
+        <a:font script="Orya" typeface="Kalinga"/>
+        <a:font script="Mlym" typeface="Kartika"/>
+        <a:font script="Laoo" typeface="DokChampa"/>
+        <a:font script="Sinh" typeface="Iskoola Pota"/>
+        <a:font script="Mong" typeface="Mongolian Baiti"/>
+        <a:font script="Viet" typeface="Times New Roman"/>
+        <a:font script="Uigh" typeface="Microsoft Uighur"/>
+        <a:font script="Geor" typeface="Sylfaen"/>
+      </a:majorFont>
+      <a:minorFont>
+        <a:latin typeface="Arial"/>
+        <a:ea typeface=""/>
+        <a:cs typeface=""/>
+        <a:font script="Jpan" typeface="ＭＳ Ｐゴシック"/>
+        <a:font script="Hang" typeface="맑은 고딕"/>
+        <a:font script="Hans" typeface="宋体"/>
+        <a:font script="Hant" typeface="新細明體"/>
+        <a:font script="Arab" typeface="Arial"/>
+        <a:font script="Hebr" typeface="Arial"/>
+        <a:font script="Thai" typeface="Cordia New"/>
+        <a:font script="Ethi" typeface="Nyala"/>
+        <a:font script="Beng" typeface="Vrinda"/>
+        <a:font script="Gujr" typeface="Shruti"/>
+        <a:font script="Khmr" typeface="DaunPenh"/>
+        <a:font script="Knda" typeface="Tunga"/>
+        <a:font script="Guru" typeface="Raavi"/>
+        <a:font script="Cans" typeface="Euphemia"/>
+        <a:font script="Cher" typeface="Plantagenet Cherokee"/>
+        <a:font script="Yiii" typeface="Microsoft Yi Baiti"/>
+        <a:font script="Tibt" typeface="Microsoft Himalaya"/>
+        <a:font script="Thaa" typeface="MV Boli"/>
+        <a:font script="Deva" typeface="Mangal"/>
+        <a:font script="Telu" typeface="Gautami"/>
+        <a:font script="Taml" typeface="Latha"/>
+        <a:font script="Syrc" typeface="Estrangelo Edessa"/>
+        <a:font script="Orya" typeface="Kalinga"/>
+        <a:font script="Mlym" typeface="Kartika"/>
+        <a:font script="Laoo" typeface="DokChampa"/>
+        <a:font script="Sinh" typeface="Iskoola Pota"/>
+        <a:font script="Mong" typeface="Mongolian Baiti"/>
+        <a:font script="Viet" typeface="Arial"/>
+        <a:font script="Uigh" typeface="Microsoft Uighur"/>
+        <a:font script="Geor" typeface="Sylfaen"/>
+      </a:minorFont>
+    </a:fontScheme>
+    <a:fmtScheme name="Office">
+      <a:fillStyleLst>
+        <a:solidFill>
+          <a:schemeClr val="phClr"/>
+        </a:solidFill>
+        <a:gradFill rotWithShape="1">
+          <a:gsLst>
+            <a:gs pos="0">
+              <a:schemeClr val="phClr">
+                <a:tint val="50000"/>
+                <a:satMod val="300000"/>
+              </a:schemeClr>
+            </a:gs>
+            <a:gs pos="35000">
+              <a:schemeClr val="phClr">
+                <a:tint val="37000"/>
+                <a:satMod val="300000"/>
+              </a:schemeClr>
+            </a:gs>
+            <a:gs pos="100000">
+              <a:schemeClr val="phClr">
+                <a:tint val="15000"/>
+                <a:satMod val="350000"/>
+              </a:schemeClr>
+            </a:gs>
+          </a:gsLst>
+          <a:lin ang="16200000" scaled="1"/>
+        </a:gradFill>
+        <a:gradFill rotWithShape="1">
+          <a:gsLst>
+            <a:gs pos="0">
+              <a:schemeClr val="phClr">
+                <a:tint val="100000"/>
+                <a:shade val="100000"/>
+                <a:satMod val="130000"/>
+              </a:schemeClr>
+            </a:gs>
+            <a:gs pos="100000">
+              <a:schemeClr val="phClr">
+                <a:tint val="50000"/>
+                <a:shade val="100000"/>
+                <a:satMod val="350000"/>
+              </a:schemeClr>
+            </a:gs>
+          </a:gsLst>
+          <a:lin ang="16200000" scaled="0"/>
+        </a:gradFill>
+      </a:fillStyleLst>
+      <a:lnStyleLst>
+        <a:ln w="9525" cap="flat" cmpd="sng" algn="ctr">
+          <a:solidFill>
+            <a:schemeClr val="phClr">
+              <a:shade val="95000"/>
+              <a:satMod val="105000"/>
+            </a:schemeClr>
+          </a:solidFill>
+          <a:prstDash val="solid"/>
+        </a:ln>
+        <a:ln w="25400" cap="flat" cmpd="sng" algn="ctr">
+          <a:solidFill>
+            <a:schemeClr val="phClr"/>
+          </a:solidFill>
+          <a:prstDash val="solid"/>
+        </a:ln>
+        <a:ln w="38100" cap="flat" cmpd="sng" algn="ctr">
+          <a:solidFill>
+            <a:schemeClr val="phClr"/>
+          </a:solidFill>
+          <a:prstDash val="solid"/>
+        </a:ln>
+      </a:lnStyleLst>
+      <a:effectStyleLst>
+        <a:effectStyle>
+          <a:effectLst>
+            <a:outerShdw blurRad="40000" dist="20000" dir="5400000" rotWithShape="0">
+              <a:srgbClr val="000000">
+                <a:alpha val="38000"/>
+              </a:srgbClr>
+            </a:outerShdw>
+          </a:effectLst>
+        </a:effectStyle>
+        <a:effectStyle>
+          <a:effectLst>
+            <a:outerShdw blurRad="40000" dist="23000" dir="5400000" rotWithShape="0">
+              <a:srgbClr val="000000">
+                <a:alpha val="35000"/>
+              </a:srgbClr>
+            </a:outerShdw>
+          </a:effectLst>
+        </a:effectStyle>
+        <a:effectStyle>
+          <a:effectLst>
+            <a:outerShdw blurRad="40000" dist="23000" dir="5400000" rotWithShape="0">
+              <a:srgbClr val="000000">
+                <a:alpha val="35000"/>
+              </a:srgbClr>
+            </a:outerShdw>
+          </a:effectLst>
+          <a:scene3d>
+            <a:camera prst="orthographicFront">
+              <a:rot lat="0" lon="0" rev="0"/>
+            </a:camera>
+            <a:lightRig rig="threePt" dir="t">
+              <a:rot lat="0" lon="0" rev="1200000"/>
+            </a:lightRig>
+          </a:scene3d>
+          <a:sp3d>
+            <a:bevelT w="63500" h="25400"/>
+          </a:sp3d>
+        </a:effectStyle>
+      </a:effectStyleLst>
+      <a:bgFillStyleLst>
+        <a:solidFill>
+          <a:schemeClr val="phClr"/>
+        </a:solidFill>
+        <a:gradFill rotWithShape="1">
+          <a:gsLst>
+            <a:gs pos="0">
+              <a:schemeClr val="phClr">
+                <a:tint val="40000"/>
+                <a:satMod val="350000"/>
+              </a:schemeClr>
+            </a:gs>
+            <a:gs pos="40000">
+              <a:schemeClr val="phClr">
+                <a:tint val="45000"/>
+                <a:shade val="99000"/>
+                <a:satMod val="350000"/>
+              </a:schemeClr>
+            </a:gs>
+            <a:gs pos="100000">
+              <a:schemeClr val="phClr">
+                <a:shade val="20000"/>
+                <a:satMod val="255000"/>
+              </a:schemeClr>
+            </a:gs>
+          </a:gsLst>
+          <a:path path="circle">
+            <a:fillToRect l="50000" t="-80000" r="50000" b="180000"/>
+          </a:path>
+        </a:gradFill>
+        <a:gradFill rotWithShape="1">
+          <a:gsLst>
+            <a:gs pos="0">
+              <a:schemeClr val="phClr">
+                <a:tint val="80000"/>
+                <a:satMod val="300000"/>
+              </a:schemeClr>
+            </a:gs>
+            <a:gs pos="100000">
+              <a:schemeClr val="phClr">
+                <a:shade val="30000"/>
+                <a:satMod val="200000"/>
+              </a:schemeClr>
+            </a:gs>
+          </a:gsLst>
+          <a:path path="circle">
+            <a:fillToRect l="50000" t="50000" r="50000" b="50000"/>
+          </a:path>
+        </a:gradFill>
+      </a:bgFillStyleLst>
+    </a:fmtScheme>
+  </a:themeElements>
+</a:theme>
+</file>
+
+<file path=ppt/theme/theme2.xml><?xml version="1.0" encoding="utf-8"?>
 <a:theme xmlns:a="http://schemas.openxmlformats.org/drawingml/2006/main" xmlns:r="http://schemas.openxmlformats.org/officeDocument/2006/relationships" name="Streamline">
   <a:themeElements>
     <a:clrScheme name="Streamline">
@@ -32004,283 +32760,4 @@
     </a:fmtScheme>
   </a:themeElements>
 </a:theme>
-</file>
-
-<file path=ppt/theme/theme2.xml><?xml version="1.0" encoding="utf-8"?>
-<a:theme xmlns:a="http://schemas.openxmlformats.org/drawingml/2006/main" xmlns:r="http://schemas.openxmlformats.org/officeDocument/2006/relationships">
-  <a:themeElements>
-    <a:clrScheme name="Default">
-      <a:dk1>
-        <a:srgbClr val="000000"/>
-      </a:dk1>
-      <a:lt1>
-        <a:srgbClr val="FFFFFF"/>
-      </a:lt1>
-      <a:dk2>
-        <a:srgbClr val="158158"/>
-      </a:dk2>
-      <a:lt2>
-        <a:srgbClr val="F3F3F3"/>
-      </a:lt2>
-      <a:accent1>
-        <a:srgbClr val="058DC7"/>
-      </a:accent1>
-      <a:accent2>
-        <a:srgbClr val="50B432"/>
-      </a:accent2>
-      <a:accent3>
-        <a:srgbClr val="ED561B"/>
-      </a:accent3>
-      <a:accent4>
-        <a:srgbClr val="EDEF00"/>
-      </a:accent4>
-      <a:accent5>
-        <a:srgbClr val="24CBE5"/>
-      </a:accent5>
-      <a:accent6>
-        <a:srgbClr val="64E572"/>
-      </a:accent6>
-      <a:hlink>
-        <a:srgbClr val="2200CC"/>
-      </a:hlink>
-      <a:folHlink>
-        <a:srgbClr val="551A8B"/>
-      </a:folHlink>
-    </a:clrScheme>
-    <a:fontScheme name="Office">
-      <a:majorFont>
-        <a:latin typeface="Arial"/>
-        <a:ea typeface=""/>
-        <a:cs typeface=""/>
-        <a:font script="Jpan" typeface="ＭＳ Ｐゴシック"/>
-        <a:font script="Hang" typeface="맑은 고딕"/>
-        <a:font script="Hans" typeface="宋体"/>
-        <a:font script="Hant" typeface="新細明體"/>
-        <a:font script="Arab" typeface="Times New Roman"/>
-        <a:font script="Hebr" typeface="Times New Roman"/>
-        <a:font script="Thai" typeface="Angsana New"/>
-        <a:font script="Ethi" typeface="Nyala"/>
-        <a:font script="Beng" typeface="Vrinda"/>
-        <a:font script="Gujr" typeface="Shruti"/>
-        <a:font script="Khmr" typeface="MoolBoran"/>
-        <a:font script="Knda" typeface="Tunga"/>
-        <a:font script="Guru" typeface="Raavi"/>
-        <a:font script="Cans" typeface="Euphemia"/>
-        <a:font script="Cher" typeface="Plantagenet Cherokee"/>
-        <a:font script="Yiii" typeface="Microsoft Yi Baiti"/>
-        <a:font script="Tibt" typeface="Microsoft Himalaya"/>
-        <a:font script="Thaa" typeface="MV Boli"/>
-        <a:font script="Deva" typeface="Mangal"/>
-        <a:font script="Telu" typeface="Gautami"/>
-        <a:font script="Taml" typeface="Latha"/>
-        <a:font script="Syrc" typeface="Estrangelo Edessa"/>
-        <a:font script="Orya" typeface="Kalinga"/>
-        <a:font script="Mlym" typeface="Kartika"/>
-        <a:font script="Laoo" typeface="DokChampa"/>
-        <a:font script="Sinh" typeface="Iskoola Pota"/>
-        <a:font script="Mong" typeface="Mongolian Baiti"/>
-        <a:font script="Viet" typeface="Times New Roman"/>
-        <a:font script="Uigh" typeface="Microsoft Uighur"/>
-        <a:font script="Geor" typeface="Sylfaen"/>
-      </a:majorFont>
-      <a:minorFont>
-        <a:latin typeface="Arial"/>
-        <a:ea typeface=""/>
-        <a:cs typeface=""/>
-        <a:font script="Jpan" typeface="ＭＳ Ｐゴシック"/>
-        <a:font script="Hang" typeface="맑은 고딕"/>
-        <a:font script="Hans" typeface="宋体"/>
-        <a:font script="Hant" typeface="新細明體"/>
-        <a:font script="Arab" typeface="Arial"/>
-        <a:font script="Hebr" typeface="Arial"/>
-        <a:font script="Thai" typeface="Cordia New"/>
-        <a:font script="Ethi" typeface="Nyala"/>
-        <a:font script="Beng" typeface="Vrinda"/>
-        <a:font script="Gujr" typeface="Shruti"/>
-        <a:font script="Khmr" typeface="DaunPenh"/>
-        <a:font script="Knda" typeface="Tunga"/>
-        <a:font script="Guru" typeface="Raavi"/>
-        <a:font script="Cans" typeface="Euphemia"/>
-        <a:font script="Cher" typeface="Plantagenet Cherokee"/>
-        <a:font script="Yiii" typeface="Microsoft Yi Baiti"/>
-        <a:font script="Tibt" typeface="Microsoft Himalaya"/>
-        <a:font script="Thaa" typeface="MV Boli"/>
-        <a:font script="Deva" typeface="Mangal"/>
-        <a:font script="Telu" typeface="Gautami"/>
-        <a:font script="Taml" typeface="Latha"/>
-        <a:font script="Syrc" typeface="Estrangelo Edessa"/>
-        <a:font script="Orya" typeface="Kalinga"/>
-        <a:font script="Mlym" typeface="Kartika"/>
-        <a:font script="Laoo" typeface="DokChampa"/>
-        <a:font script="Sinh" typeface="Iskoola Pota"/>
-        <a:font script="Mong" typeface="Mongolian Baiti"/>
-        <a:font script="Viet" typeface="Arial"/>
-        <a:font script="Uigh" typeface="Microsoft Uighur"/>
-        <a:font script="Geor" typeface="Sylfaen"/>
-      </a:minorFont>
-    </a:fontScheme>
-    <a:fmtScheme name="Office">
-      <a:fillStyleLst>
-        <a:solidFill>
-          <a:schemeClr val="phClr"/>
-        </a:solidFill>
-        <a:gradFill rotWithShape="1">
-          <a:gsLst>
-            <a:gs pos="0">
-              <a:schemeClr val="phClr">
-                <a:tint val="50000"/>
-                <a:satMod val="300000"/>
-              </a:schemeClr>
-            </a:gs>
-            <a:gs pos="35000">
-              <a:schemeClr val="phClr">
-                <a:tint val="37000"/>
-                <a:satMod val="300000"/>
-              </a:schemeClr>
-            </a:gs>
-            <a:gs pos="100000">
-              <a:schemeClr val="phClr">
-                <a:tint val="15000"/>
-                <a:satMod val="350000"/>
-              </a:schemeClr>
-            </a:gs>
-          </a:gsLst>
-          <a:lin ang="16200000" scaled="1"/>
-        </a:gradFill>
-        <a:gradFill rotWithShape="1">
-          <a:gsLst>
-            <a:gs pos="0">
-              <a:schemeClr val="phClr">
-                <a:tint val="100000"/>
-                <a:shade val="100000"/>
-                <a:satMod val="130000"/>
-              </a:schemeClr>
-            </a:gs>
-            <a:gs pos="100000">
-              <a:schemeClr val="phClr">
-                <a:tint val="50000"/>
-                <a:shade val="100000"/>
-                <a:satMod val="350000"/>
-              </a:schemeClr>
-            </a:gs>
-          </a:gsLst>
-          <a:lin ang="16200000" scaled="0"/>
-        </a:gradFill>
-      </a:fillStyleLst>
-      <a:lnStyleLst>
-        <a:ln w="9525" cap="flat" cmpd="sng" algn="ctr">
-          <a:solidFill>
-            <a:schemeClr val="phClr">
-              <a:shade val="95000"/>
-              <a:satMod val="105000"/>
-            </a:schemeClr>
-          </a:solidFill>
-          <a:prstDash val="solid"/>
-        </a:ln>
-        <a:ln w="25400" cap="flat" cmpd="sng" algn="ctr">
-          <a:solidFill>
-            <a:schemeClr val="phClr"/>
-          </a:solidFill>
-          <a:prstDash val="solid"/>
-        </a:ln>
-        <a:ln w="38100" cap="flat" cmpd="sng" algn="ctr">
-          <a:solidFill>
-            <a:schemeClr val="phClr"/>
-          </a:solidFill>
-          <a:prstDash val="solid"/>
-        </a:ln>
-      </a:lnStyleLst>
-      <a:effectStyleLst>
-        <a:effectStyle>
-          <a:effectLst>
-            <a:outerShdw blurRad="40000" dist="20000" dir="5400000" rotWithShape="0">
-              <a:srgbClr val="000000">
-                <a:alpha val="38000"/>
-              </a:srgbClr>
-            </a:outerShdw>
-          </a:effectLst>
-        </a:effectStyle>
-        <a:effectStyle>
-          <a:effectLst>
-            <a:outerShdw blurRad="40000" dist="23000" dir="5400000" rotWithShape="0">
-              <a:srgbClr val="000000">
-                <a:alpha val="35000"/>
-              </a:srgbClr>
-            </a:outerShdw>
-          </a:effectLst>
-        </a:effectStyle>
-        <a:effectStyle>
-          <a:effectLst>
-            <a:outerShdw blurRad="40000" dist="23000" dir="5400000" rotWithShape="0">
-              <a:srgbClr val="000000">
-                <a:alpha val="35000"/>
-              </a:srgbClr>
-            </a:outerShdw>
-          </a:effectLst>
-          <a:scene3d>
-            <a:camera prst="orthographicFront">
-              <a:rot lat="0" lon="0" rev="0"/>
-            </a:camera>
-            <a:lightRig rig="threePt" dir="t">
-              <a:rot lat="0" lon="0" rev="1200000"/>
-            </a:lightRig>
-          </a:scene3d>
-          <a:sp3d>
-            <a:bevelT w="63500" h="25400"/>
-          </a:sp3d>
-        </a:effectStyle>
-      </a:effectStyleLst>
-      <a:bgFillStyleLst>
-        <a:solidFill>
-          <a:schemeClr val="phClr"/>
-        </a:solidFill>
-        <a:gradFill rotWithShape="1">
-          <a:gsLst>
-            <a:gs pos="0">
-              <a:schemeClr val="phClr">
-                <a:tint val="40000"/>
-                <a:satMod val="350000"/>
-              </a:schemeClr>
-            </a:gs>
-            <a:gs pos="40000">
-              <a:schemeClr val="phClr">
-                <a:tint val="45000"/>
-                <a:shade val="99000"/>
-                <a:satMod val="350000"/>
-              </a:schemeClr>
-            </a:gs>
-            <a:gs pos="100000">
-              <a:schemeClr val="phClr">
-                <a:shade val="20000"/>
-                <a:satMod val="255000"/>
-              </a:schemeClr>
-            </a:gs>
-          </a:gsLst>
-          <a:path path="circle">
-            <a:fillToRect l="50000" t="-80000" r="50000" b="180000"/>
-          </a:path>
-        </a:gradFill>
-        <a:gradFill rotWithShape="1">
-          <a:gsLst>
-            <a:gs pos="0">
-              <a:schemeClr val="phClr">
-                <a:tint val="80000"/>
-                <a:satMod val="300000"/>
-              </a:schemeClr>
-            </a:gs>
-            <a:gs pos="100000">
-              <a:schemeClr val="phClr">
-                <a:shade val="30000"/>
-                <a:satMod val="200000"/>
-              </a:schemeClr>
-            </a:gs>
-          </a:gsLst>
-          <a:path path="circle">
-            <a:fillToRect l="50000" t="50000" r="50000" b="50000"/>
-          </a:path>
-        </a:gradFill>
-      </a:bgFillStyleLst>
-    </a:fmtScheme>
-  </a:themeElements>
-</a:theme>
 </file>